--- a/neo4j/neo4j_fundamentals/Neo4j_Fundamentals.pptx
+++ b/neo4j/neo4j_fundamentals/Neo4j_Fundamentals.pptx
@@ -5,23 +5,14 @@
     <p:sldMasterId id="2147483660" r:id="rId4"/>
   </p:sldMasterIdLst>
   <p:notesMasterIdLst>
-    <p:notesMasterId r:id="rId16"/>
+    <p:notesMasterId r:id="rId7"/>
   </p:notesMasterIdLst>
   <p:handoutMasterIdLst>
-    <p:handoutMasterId r:id="rId17"/>
+    <p:handoutMasterId r:id="rId8"/>
   </p:handoutMasterIdLst>
   <p:sldIdLst>
     <p:sldId id="257" r:id="rId5"/>
     <p:sldId id="268" r:id="rId6"/>
-    <p:sldId id="267" r:id="rId7"/>
-    <p:sldId id="269" r:id="rId8"/>
-    <p:sldId id="270" r:id="rId9"/>
-    <p:sldId id="259" r:id="rId10"/>
-    <p:sldId id="261" r:id="rId11"/>
-    <p:sldId id="262" r:id="rId12"/>
-    <p:sldId id="263" r:id="rId13"/>
-    <p:sldId id="271" r:id="rId14"/>
-    <p:sldId id="265" r:id="rId15"/>
   </p:sldIdLst>
   <p:sldSz cx="12188825" cy="6858000"/>
   <p:notesSz cx="6858000" cy="9144000"/>
@@ -153,4867 +144,6 @@
 </p:presentation>
 </file>
 
-<file path=ppt/charts/chart1.xml><?xml version="1.0" encoding="utf-8"?>
-<c:chartSpace xmlns:c="http://schemas.openxmlformats.org/drawingml/2006/chart" xmlns:a="http://schemas.openxmlformats.org/drawingml/2006/main" xmlns:r="http://schemas.openxmlformats.org/officeDocument/2006/relationships" xmlns:c16r2="http://schemas.microsoft.com/office/drawing/2015/06/chart">
-  <c:date1904 val="0"/>
-  <c:lang val="en-US"/>
-  <c:roundedCorners val="0"/>
-  <mc:AlternateContent xmlns:mc="http://schemas.openxmlformats.org/markup-compatibility/2006">
-    <mc:Choice xmlns:c14="http://schemas.microsoft.com/office/drawing/2007/8/2/chart" Requires="c14">
-      <c14:style val="102"/>
-    </mc:Choice>
-    <mc:Fallback>
-      <c:style val="2"/>
-    </mc:Fallback>
-  </mc:AlternateContent>
-  <c:chart>
-    <c:autoTitleDeleted val="0"/>
-    <c:plotArea>
-      <c:layout/>
-      <c:barChart>
-        <c:barDir val="col"/>
-        <c:grouping val="clustered"/>
-        <c:varyColors val="0"/>
-        <c:ser>
-          <c:idx val="0"/>
-          <c:order val="0"/>
-          <c:tx>
-            <c:strRef>
-              <c:f>Sheet1!$B$1</c:f>
-              <c:strCache>
-                <c:ptCount val="1"/>
-                <c:pt idx="0">
-                  <c:v>Series 1</c:v>
-                </c:pt>
-              </c:strCache>
-            </c:strRef>
-          </c:tx>
-          <c:spPr>
-            <a:noFill/>
-            <a:ln w="25400" cap="flat" cmpd="sng" algn="ctr">
-              <a:solidFill>
-                <a:schemeClr val="accent1"/>
-              </a:solidFill>
-              <a:miter lim="800000"/>
-            </a:ln>
-            <a:effectLst/>
-          </c:spPr>
-          <c:invertIfNegative val="0"/>
-          <c:cat>
-            <c:strRef>
-              <c:f>Sheet1!$A$2:$A$5</c:f>
-              <c:strCache>
-                <c:ptCount val="4"/>
-                <c:pt idx="0">
-                  <c:v>Category 1</c:v>
-                </c:pt>
-                <c:pt idx="1">
-                  <c:v>Category 2</c:v>
-                </c:pt>
-                <c:pt idx="2">
-                  <c:v>Category 3</c:v>
-                </c:pt>
-                <c:pt idx="3">
-                  <c:v>Category 4</c:v>
-                </c:pt>
-              </c:strCache>
-            </c:strRef>
-          </c:cat>
-          <c:val>
-            <c:numRef>
-              <c:f>Sheet1!$B$2:$B$5</c:f>
-              <c:numCache>
-                <c:formatCode>General</c:formatCode>
-                <c:ptCount val="4"/>
-                <c:pt idx="0">
-                  <c:v>4.3</c:v>
-                </c:pt>
-                <c:pt idx="1">
-                  <c:v>2.5</c:v>
-                </c:pt>
-                <c:pt idx="2">
-                  <c:v>3.5</c:v>
-                </c:pt>
-                <c:pt idx="3">
-                  <c:v>4.5</c:v>
-                </c:pt>
-              </c:numCache>
-            </c:numRef>
-          </c:val>
-          <c:extLst>
-            <c:ext xmlns:c16="http://schemas.microsoft.com/office/drawing/2014/chart" uri="{C3380CC4-5D6E-409C-BE32-E72D297353CC}">
-              <c16:uniqueId val="{00000000-5E92-4051-99BC-2623F45BF7E0}"/>
-            </c:ext>
-          </c:extLst>
-        </c:ser>
-        <c:ser>
-          <c:idx val="1"/>
-          <c:order val="1"/>
-          <c:tx>
-            <c:strRef>
-              <c:f>Sheet1!$C$1</c:f>
-              <c:strCache>
-                <c:ptCount val="1"/>
-                <c:pt idx="0">
-                  <c:v>Series 2</c:v>
-                </c:pt>
-              </c:strCache>
-            </c:strRef>
-          </c:tx>
-          <c:spPr>
-            <a:noFill/>
-            <a:ln w="25400" cap="flat" cmpd="sng" algn="ctr">
-              <a:solidFill>
-                <a:schemeClr val="accent2"/>
-              </a:solidFill>
-              <a:miter lim="800000"/>
-            </a:ln>
-            <a:effectLst/>
-          </c:spPr>
-          <c:invertIfNegative val="0"/>
-          <c:cat>
-            <c:strRef>
-              <c:f>Sheet1!$A$2:$A$5</c:f>
-              <c:strCache>
-                <c:ptCount val="4"/>
-                <c:pt idx="0">
-                  <c:v>Category 1</c:v>
-                </c:pt>
-                <c:pt idx="1">
-                  <c:v>Category 2</c:v>
-                </c:pt>
-                <c:pt idx="2">
-                  <c:v>Category 3</c:v>
-                </c:pt>
-                <c:pt idx="3">
-                  <c:v>Category 4</c:v>
-                </c:pt>
-              </c:strCache>
-            </c:strRef>
-          </c:cat>
-          <c:val>
-            <c:numRef>
-              <c:f>Sheet1!$C$2:$C$5</c:f>
-              <c:numCache>
-                <c:formatCode>General</c:formatCode>
-                <c:ptCount val="4"/>
-                <c:pt idx="0">
-                  <c:v>2.4</c:v>
-                </c:pt>
-                <c:pt idx="1">
-                  <c:v>4.4000000000000004</c:v>
-                </c:pt>
-                <c:pt idx="2">
-                  <c:v>1.8</c:v>
-                </c:pt>
-                <c:pt idx="3">
-                  <c:v>2.8</c:v>
-                </c:pt>
-              </c:numCache>
-            </c:numRef>
-          </c:val>
-          <c:extLst>
-            <c:ext xmlns:c16="http://schemas.microsoft.com/office/drawing/2014/chart" uri="{C3380CC4-5D6E-409C-BE32-E72D297353CC}">
-              <c16:uniqueId val="{00000001-5E92-4051-99BC-2623F45BF7E0}"/>
-            </c:ext>
-          </c:extLst>
-        </c:ser>
-        <c:ser>
-          <c:idx val="2"/>
-          <c:order val="2"/>
-          <c:tx>
-            <c:strRef>
-              <c:f>Sheet1!$D$1</c:f>
-              <c:strCache>
-                <c:ptCount val="1"/>
-                <c:pt idx="0">
-                  <c:v>Series 3</c:v>
-                </c:pt>
-              </c:strCache>
-            </c:strRef>
-          </c:tx>
-          <c:spPr>
-            <a:noFill/>
-            <a:ln w="25400" cap="flat" cmpd="sng" algn="ctr">
-              <a:solidFill>
-                <a:schemeClr val="accent3"/>
-              </a:solidFill>
-              <a:miter lim="800000"/>
-            </a:ln>
-            <a:effectLst/>
-          </c:spPr>
-          <c:invertIfNegative val="0"/>
-          <c:cat>
-            <c:strRef>
-              <c:f>Sheet1!$A$2:$A$5</c:f>
-              <c:strCache>
-                <c:ptCount val="4"/>
-                <c:pt idx="0">
-                  <c:v>Category 1</c:v>
-                </c:pt>
-                <c:pt idx="1">
-                  <c:v>Category 2</c:v>
-                </c:pt>
-                <c:pt idx="2">
-                  <c:v>Category 3</c:v>
-                </c:pt>
-                <c:pt idx="3">
-                  <c:v>Category 4</c:v>
-                </c:pt>
-              </c:strCache>
-            </c:strRef>
-          </c:cat>
-          <c:val>
-            <c:numRef>
-              <c:f>Sheet1!$D$2:$D$5</c:f>
-              <c:numCache>
-                <c:formatCode>General</c:formatCode>
-                <c:ptCount val="4"/>
-                <c:pt idx="0">
-                  <c:v>2</c:v>
-                </c:pt>
-                <c:pt idx="1">
-                  <c:v>2</c:v>
-                </c:pt>
-                <c:pt idx="2">
-                  <c:v>3</c:v>
-                </c:pt>
-                <c:pt idx="3">
-                  <c:v>5</c:v>
-                </c:pt>
-              </c:numCache>
-            </c:numRef>
-          </c:val>
-          <c:extLst>
-            <c:ext xmlns:c16="http://schemas.microsoft.com/office/drawing/2014/chart" uri="{C3380CC4-5D6E-409C-BE32-E72D297353CC}">
-              <c16:uniqueId val="{00000002-5E92-4051-99BC-2623F45BF7E0}"/>
-            </c:ext>
-          </c:extLst>
-        </c:ser>
-        <c:dLbls>
-          <c:showLegendKey val="0"/>
-          <c:showVal val="0"/>
-          <c:showCatName val="0"/>
-          <c:showSerName val="0"/>
-          <c:showPercent val="0"/>
-          <c:showBubbleSize val="0"/>
-        </c:dLbls>
-        <c:gapWidth val="164"/>
-        <c:overlap val="-35"/>
-        <c:axId val="632163384"/>
-        <c:axId val="632166128"/>
-      </c:barChart>
-      <c:catAx>
-        <c:axId val="632163384"/>
-        <c:scaling>
-          <c:orientation val="minMax"/>
-        </c:scaling>
-        <c:delete val="0"/>
-        <c:axPos val="b"/>
-        <c:numFmt formatCode="General" sourceLinked="0"/>
-        <c:majorTickMark val="none"/>
-        <c:minorTickMark val="none"/>
-        <c:tickLblPos val="nextTo"/>
-        <c:spPr>
-          <a:noFill/>
-          <a:ln>
-            <a:noFill/>
-          </a:ln>
-          <a:effectLst/>
-        </c:spPr>
-        <c:txPr>
-          <a:bodyPr rot="-60000000" spcFirstLastPara="1" vertOverflow="ellipsis" vert="horz" wrap="square" anchor="ctr" anchorCtr="1"/>
-          <a:lstStyle/>
-          <a:p>
-            <a:pPr>
-              <a:defRPr sz="1197" b="0" i="0" u="none" strike="noStrike" kern="1200" baseline="0">
-                <a:solidFill>
-                  <a:schemeClr val="tx1">
-                    <a:lumMod val="50000"/>
-                    <a:lumOff val="50000"/>
-                  </a:schemeClr>
-                </a:solidFill>
-                <a:latin typeface="+mn-lt"/>
-                <a:ea typeface="+mn-ea"/>
-                <a:cs typeface="+mn-cs"/>
-              </a:defRPr>
-            </a:pPr>
-            <a:endParaRPr lang="en-US"/>
-          </a:p>
-        </c:txPr>
-        <c:crossAx val="632166128"/>
-        <c:crosses val="autoZero"/>
-        <c:auto val="1"/>
-        <c:lblAlgn val="ctr"/>
-        <c:lblOffset val="100"/>
-        <c:noMultiLvlLbl val="0"/>
-      </c:catAx>
-      <c:valAx>
-        <c:axId val="632166128"/>
-        <c:scaling>
-          <c:orientation val="minMax"/>
-        </c:scaling>
-        <c:delete val="0"/>
-        <c:axPos val="l"/>
-        <c:numFmt formatCode="General" sourceLinked="1"/>
-        <c:majorTickMark val="none"/>
-        <c:minorTickMark val="none"/>
-        <c:tickLblPos val="nextTo"/>
-        <c:spPr>
-          <a:noFill/>
-          <a:ln>
-            <a:noFill/>
-          </a:ln>
-          <a:effectLst/>
-        </c:spPr>
-        <c:txPr>
-          <a:bodyPr rot="-60000000" spcFirstLastPara="1" vertOverflow="ellipsis" vert="horz" wrap="square" anchor="ctr" anchorCtr="1"/>
-          <a:lstStyle/>
-          <a:p>
-            <a:pPr>
-              <a:defRPr sz="1197" b="0" i="0" u="none" strike="noStrike" kern="1200" baseline="0">
-                <a:solidFill>
-                  <a:schemeClr val="tx1">
-                    <a:lumMod val="50000"/>
-                    <a:lumOff val="50000"/>
-                  </a:schemeClr>
-                </a:solidFill>
-                <a:latin typeface="+mn-lt"/>
-                <a:ea typeface="+mn-ea"/>
-                <a:cs typeface="+mn-cs"/>
-              </a:defRPr>
-            </a:pPr>
-            <a:endParaRPr lang="en-US"/>
-          </a:p>
-        </c:txPr>
-        <c:crossAx val="632163384"/>
-        <c:crosses val="autoZero"/>
-        <c:crossBetween val="between"/>
-      </c:valAx>
-      <c:spPr>
-        <a:noFill/>
-        <a:ln>
-          <a:noFill/>
-        </a:ln>
-        <a:effectLst/>
-      </c:spPr>
-    </c:plotArea>
-    <c:legend>
-      <c:legendPos val="t"/>
-      <c:overlay val="0"/>
-      <c:spPr>
-        <a:noFill/>
-        <a:ln>
-          <a:noFill/>
-        </a:ln>
-        <a:effectLst/>
-      </c:spPr>
-      <c:txPr>
-        <a:bodyPr rot="0" spcFirstLastPara="1" vertOverflow="ellipsis" vert="horz" wrap="square" anchor="ctr" anchorCtr="1"/>
-        <a:lstStyle/>
-        <a:p>
-          <a:pPr>
-            <a:defRPr sz="1197" b="0" i="0" u="none" strike="noStrike" kern="1200" baseline="0">
-              <a:solidFill>
-                <a:schemeClr val="tx1">
-                  <a:lumMod val="50000"/>
-                  <a:lumOff val="50000"/>
-                </a:schemeClr>
-              </a:solidFill>
-              <a:latin typeface="+mn-lt"/>
-              <a:ea typeface="+mn-ea"/>
-              <a:cs typeface="+mn-cs"/>
-            </a:defRPr>
-          </a:pPr>
-          <a:endParaRPr lang="en-US"/>
-        </a:p>
-      </c:txPr>
-    </c:legend>
-    <c:plotVisOnly val="1"/>
-    <c:dispBlanksAs val="gap"/>
-    <c:showDLblsOverMax val="0"/>
-  </c:chart>
-  <c:spPr>
-    <a:noFill/>
-    <a:ln>
-      <a:noFill/>
-    </a:ln>
-    <a:effectLst/>
-  </c:spPr>
-  <c:txPr>
-    <a:bodyPr/>
-    <a:lstStyle/>
-    <a:p>
-      <a:pPr>
-        <a:defRPr/>
-      </a:pPr>
-      <a:endParaRPr lang="en-US"/>
-    </a:p>
-  </c:txPr>
-  <c:externalData r:id="rId3">
-    <c:autoUpdate val="0"/>
-  </c:externalData>
-</c:chartSpace>
-</file>
-
-<file path=ppt/charts/colors1.xml><?xml version="1.0" encoding="utf-8"?>
-<cs:colorStyle xmlns:cs="http://schemas.microsoft.com/office/drawing/2012/chartStyle" xmlns:a="http://schemas.openxmlformats.org/drawingml/2006/main" meth="cycle" id="10">
-  <a:schemeClr val="accent1"/>
-  <a:schemeClr val="accent2"/>
-  <a:schemeClr val="accent3"/>
-  <a:schemeClr val="accent4"/>
-  <a:schemeClr val="accent5"/>
-  <a:schemeClr val="accent6"/>
-  <cs:variation/>
-  <cs:variation>
-    <a:lumMod val="60000"/>
-  </cs:variation>
-  <cs:variation>
-    <a:lumMod val="80000"/>
-    <a:lumOff val="20000"/>
-  </cs:variation>
-  <cs:variation>
-    <a:lumMod val="80000"/>
-  </cs:variation>
-  <cs:variation>
-    <a:lumMod val="60000"/>
-    <a:lumOff val="40000"/>
-  </cs:variation>
-  <cs:variation>
-    <a:lumMod val="50000"/>
-  </cs:variation>
-  <cs:variation>
-    <a:lumMod val="70000"/>
-    <a:lumOff val="30000"/>
-  </cs:variation>
-  <cs:variation>
-    <a:lumMod val="70000"/>
-  </cs:variation>
-  <cs:variation>
-    <a:lumMod val="50000"/>
-    <a:lumOff val="50000"/>
-  </cs:variation>
-</cs:colorStyle>
-</file>
-
-<file path=ppt/charts/style1.xml><?xml version="1.0" encoding="utf-8"?>
-<cs:chartStyle xmlns:cs="http://schemas.microsoft.com/office/drawing/2012/chartStyle" xmlns:a="http://schemas.openxmlformats.org/drawingml/2006/main" id="211">
-  <cs:axisTitle>
-    <cs:lnRef idx="0"/>
-    <cs:fillRef idx="0"/>
-    <cs:effectRef idx="0"/>
-    <cs:fontRef idx="minor">
-      <a:schemeClr val="tx1">
-        <a:lumMod val="50000"/>
-        <a:lumOff val="50000"/>
-      </a:schemeClr>
-    </cs:fontRef>
-    <cs:defRPr sz="1197" kern="1200"/>
-  </cs:axisTitle>
-  <cs:categoryAxis>
-    <cs:lnRef idx="0"/>
-    <cs:fillRef idx="0"/>
-    <cs:effectRef idx="0"/>
-    <cs:fontRef idx="minor">
-      <a:schemeClr val="tx1">
-        <a:lumMod val="50000"/>
-        <a:lumOff val="50000"/>
-      </a:schemeClr>
-    </cs:fontRef>
-    <cs:defRPr sz="1197" kern="1200"/>
-  </cs:categoryAxis>
-  <cs:chartArea mods="allowNoFillOverride allowNoLineOverride">
-    <cs:lnRef idx="0"/>
-    <cs:fillRef idx="0"/>
-    <cs:effectRef idx="0"/>
-    <cs:fontRef idx="minor">
-      <a:schemeClr val="dk1"/>
-    </cs:fontRef>
-    <cs:spPr>
-      <a:solidFill>
-        <a:schemeClr val="bg1"/>
-      </a:solidFill>
-      <a:ln w="9525" cap="flat" cmpd="sng" algn="ctr">
-        <a:solidFill>
-          <a:schemeClr val="tx1">
-            <a:lumMod val="15000"/>
-            <a:lumOff val="85000"/>
-          </a:schemeClr>
-        </a:solidFill>
-        <a:round/>
-      </a:ln>
-    </cs:spPr>
-    <cs:defRPr sz="1197" kern="1200"/>
-  </cs:chartArea>
-  <cs:dataLabel>
-    <cs:lnRef idx="0"/>
-    <cs:fillRef idx="0"/>
-    <cs:effectRef idx="0"/>
-    <cs:fontRef idx="minor">
-      <a:schemeClr val="tx1">
-        <a:lumMod val="65000"/>
-        <a:lumOff val="35000"/>
-      </a:schemeClr>
-    </cs:fontRef>
-    <cs:defRPr sz="1197" kern="1200"/>
-  </cs:dataLabel>
-  <cs:dataLabelCallout>
-    <cs:lnRef idx="0"/>
-    <cs:fillRef idx="0"/>
-    <cs:effectRef idx="0"/>
-    <cs:fontRef idx="minor">
-      <a:schemeClr val="bg1"/>
-    </cs:fontRef>
-    <cs:spPr>
-      <a:solidFill>
-        <a:schemeClr val="tx1">
-          <a:lumMod val="35000"/>
-          <a:lumOff val="65000"/>
-        </a:schemeClr>
-      </a:solidFill>
-    </cs:spPr>
-    <cs:defRPr sz="1197"/>
-  </cs:dataLabelCallout>
-  <cs:dataPoint>
-    <cs:lnRef idx="0">
-      <cs:styleClr val="auto"/>
-    </cs:lnRef>
-    <cs:fillRef idx="0"/>
-    <cs:effectRef idx="0"/>
-    <cs:fontRef idx="minor">
-      <a:schemeClr val="dk1"/>
-    </cs:fontRef>
-    <cs:spPr>
-      <a:noFill/>
-      <a:ln w="25400" cap="flat" cmpd="sng" algn="ctr">
-        <a:solidFill>
-          <a:schemeClr val="phClr"/>
-        </a:solidFill>
-        <a:miter lim="800000"/>
-      </a:ln>
-    </cs:spPr>
-  </cs:dataPoint>
-  <cs:dataPoint3D>
-    <cs:lnRef idx="0">
-      <cs:styleClr val="auto"/>
-    </cs:lnRef>
-    <cs:fillRef idx="0">
-      <cs:styleClr val="auto"/>
-    </cs:fillRef>
-    <cs:effectRef idx="0"/>
-    <cs:fontRef idx="minor">
-      <a:schemeClr val="dk1"/>
-    </cs:fontRef>
-    <cs:spPr>
-      <a:ln w="19050" cap="flat" cmpd="sng" algn="ctr">
-        <a:solidFill>
-          <a:schemeClr val="phClr"/>
-        </a:solidFill>
-        <a:miter lim="800000"/>
-      </a:ln>
-    </cs:spPr>
-  </cs:dataPoint3D>
-  <cs:dataPointLine>
-    <cs:lnRef idx="0">
-      <cs:styleClr val="auto"/>
-    </cs:lnRef>
-    <cs:fillRef idx="0"/>
-    <cs:effectRef idx="0"/>
-    <cs:fontRef idx="minor">
-      <a:schemeClr val="dk1"/>
-    </cs:fontRef>
-    <cs:spPr>
-      <a:ln w="28575" cap="rnd">
-        <a:solidFill>
-          <a:schemeClr val="phClr"/>
-        </a:solidFill>
-        <a:round/>
-      </a:ln>
-    </cs:spPr>
-  </cs:dataPointLine>
-  <cs:dataPointMarker>
-    <cs:lnRef idx="0">
-      <cs:styleClr val="auto"/>
-    </cs:lnRef>
-    <cs:fillRef idx="0">
-      <cs:styleClr val="auto"/>
-    </cs:fillRef>
-    <cs:effectRef idx="0"/>
-    <cs:fontRef idx="minor">
-      <a:schemeClr val="dk1"/>
-    </cs:fontRef>
-    <cs:spPr>
-      <a:ln w="19050" cap="rnd">
-        <a:solidFill>
-          <a:schemeClr val="phClr"/>
-        </a:solidFill>
-        <a:round/>
-      </a:ln>
-    </cs:spPr>
-  </cs:dataPointMarker>
-  <cs:dataPointMarkerLayout symbol="circle" size="6"/>
-  <cs:dataPointWireframe>
-    <cs:lnRef idx="0">
-      <cs:styleClr val="auto"/>
-    </cs:lnRef>
-    <cs:fillRef idx="1"/>
-    <cs:effectRef idx="0"/>
-    <cs:fontRef idx="minor">
-      <a:schemeClr val="tx1"/>
-    </cs:fontRef>
-    <cs:spPr>
-      <a:ln w="9525">
-        <a:solidFill>
-          <a:schemeClr val="phClr"/>
-        </a:solidFill>
-      </a:ln>
-    </cs:spPr>
-  </cs:dataPointWireframe>
-  <cs:dataTable>
-    <cs:lnRef idx="0"/>
-    <cs:fillRef idx="0"/>
-    <cs:effectRef idx="0"/>
-    <cs:fontRef idx="minor">
-      <a:schemeClr val="tx1">
-        <a:lumMod val="50000"/>
-        <a:lumOff val="50000"/>
-      </a:schemeClr>
-    </cs:fontRef>
-    <cs:spPr>
-      <a:ln w="9525">
-        <a:solidFill>
-          <a:schemeClr val="tx1">
-            <a:lumMod val="15000"/>
-            <a:lumOff val="85000"/>
-          </a:schemeClr>
-        </a:solidFill>
-      </a:ln>
-    </cs:spPr>
-    <cs:defRPr sz="1197" kern="1200"/>
-  </cs:dataTable>
-  <cs:downBar>
-    <cs:lnRef idx="0"/>
-    <cs:fillRef idx="0"/>
-    <cs:effectRef idx="0"/>
-    <cs:fontRef idx="minor">
-      <a:schemeClr val="dk1"/>
-    </cs:fontRef>
-    <cs:spPr>
-      <a:solidFill>
-        <a:schemeClr val="dk1">
-          <a:lumMod val="75000"/>
-          <a:lumOff val="25000"/>
-        </a:schemeClr>
-      </a:solidFill>
-      <a:ln w="9525" cap="flat" cmpd="sng" algn="ctr">
-        <a:solidFill>
-          <a:schemeClr val="tx1">
-            <a:lumMod val="50000"/>
-            <a:lumOff val="50000"/>
-          </a:schemeClr>
-        </a:solidFill>
-        <a:round/>
-      </a:ln>
-    </cs:spPr>
-  </cs:downBar>
-  <cs:dropLine>
-    <cs:lnRef idx="0"/>
-    <cs:fillRef idx="0"/>
-    <cs:effectRef idx="0"/>
-    <cs:fontRef idx="minor">
-      <a:schemeClr val="dk1"/>
-    </cs:fontRef>
-    <cs:spPr>
-      <a:ln w="9525" cap="flat" cmpd="sng" algn="ctr">
-        <a:solidFill>
-          <a:schemeClr val="tx1">
-            <a:lumMod val="35000"/>
-            <a:lumOff val="65000"/>
-          </a:schemeClr>
-        </a:solidFill>
-        <a:round/>
-      </a:ln>
-    </cs:spPr>
-  </cs:dropLine>
-  <cs:errorBar>
-    <cs:lnRef idx="0"/>
-    <cs:fillRef idx="0"/>
-    <cs:effectRef idx="0"/>
-    <cs:fontRef idx="minor">
-      <a:schemeClr val="dk1"/>
-    </cs:fontRef>
-    <cs:spPr>
-      <a:ln w="9525" cap="flat" cmpd="sng" algn="ctr">
-        <a:solidFill>
-          <a:schemeClr val="tx1">
-            <a:lumMod val="50000"/>
-            <a:lumOff val="50000"/>
-          </a:schemeClr>
-        </a:solidFill>
-        <a:round/>
-      </a:ln>
-    </cs:spPr>
-  </cs:errorBar>
-  <cs:floor>
-    <cs:lnRef idx="0"/>
-    <cs:fillRef idx="0"/>
-    <cs:effectRef idx="0"/>
-    <cs:fontRef idx="minor">
-      <a:schemeClr val="dk1"/>
-    </cs:fontRef>
-  </cs:floor>
-  <cs:gridlineMajor>
-    <cs:lnRef idx="0"/>
-    <cs:fillRef idx="0"/>
-    <cs:effectRef idx="0"/>
-    <cs:fontRef idx="minor">
-      <a:schemeClr val="dk1"/>
-    </cs:fontRef>
-    <cs:spPr>
-      <a:ln w="9525">
-        <a:solidFill>
-          <a:schemeClr val="tx1">
-            <a:lumMod val="15000"/>
-            <a:lumOff val="85000"/>
-          </a:schemeClr>
-        </a:solidFill>
-      </a:ln>
-    </cs:spPr>
-  </cs:gridlineMajor>
-  <cs:gridlineMinor>
-    <cs:lnRef idx="0"/>
-    <cs:fillRef idx="0"/>
-    <cs:effectRef idx="0"/>
-    <cs:fontRef idx="minor">
-      <a:schemeClr val="dk1"/>
-    </cs:fontRef>
-    <cs:spPr>
-      <a:ln w="9525">
-        <a:solidFill>
-          <a:schemeClr val="tx1">
-            <a:lumMod val="5000"/>
-            <a:lumOff val="95000"/>
-          </a:schemeClr>
-        </a:solidFill>
-      </a:ln>
-    </cs:spPr>
-  </cs:gridlineMinor>
-  <cs:hiLoLine>
-    <cs:lnRef idx="0"/>
-    <cs:fillRef idx="0"/>
-    <cs:effectRef idx="0"/>
-    <cs:fontRef idx="minor">
-      <a:schemeClr val="dk1"/>
-    </cs:fontRef>
-    <cs:spPr>
-      <a:ln w="9525" cap="flat" cmpd="sng" algn="ctr">
-        <a:solidFill>
-          <a:schemeClr val="tx1">
-            <a:lumMod val="35000"/>
-            <a:lumOff val="65000"/>
-          </a:schemeClr>
-        </a:solidFill>
-        <a:round/>
-      </a:ln>
-    </cs:spPr>
-  </cs:hiLoLine>
-  <cs:leaderLine>
-    <cs:lnRef idx="0"/>
-    <cs:fillRef idx="0"/>
-    <cs:effectRef idx="0"/>
-    <cs:fontRef idx="minor">
-      <a:schemeClr val="dk1"/>
-    </cs:fontRef>
-    <cs:spPr>
-      <a:ln w="9525" cap="flat" cmpd="sng" algn="ctr">
-        <a:solidFill>
-          <a:schemeClr val="tx1">
-            <a:lumMod val="35000"/>
-            <a:lumOff val="65000"/>
-          </a:schemeClr>
-        </a:solidFill>
-        <a:round/>
-      </a:ln>
-    </cs:spPr>
-  </cs:leaderLine>
-  <cs:legend>
-    <cs:lnRef idx="0"/>
-    <cs:fillRef idx="0"/>
-    <cs:effectRef idx="0"/>
-    <cs:fontRef idx="minor">
-      <a:schemeClr val="tx1">
-        <a:lumMod val="50000"/>
-        <a:lumOff val="50000"/>
-      </a:schemeClr>
-    </cs:fontRef>
-    <cs:defRPr sz="1197" kern="1200"/>
-  </cs:legend>
-  <cs:plotArea mods="allowNoFillOverride allowNoLineOverride">
-    <cs:lnRef idx="0"/>
-    <cs:fillRef idx="0"/>
-    <cs:effectRef idx="0"/>
-    <cs:fontRef idx="minor">
-      <a:schemeClr val="dk1"/>
-    </cs:fontRef>
-  </cs:plotArea>
-  <cs:plotArea3D mods="allowNoFillOverride allowNoLineOverride">
-    <cs:lnRef idx="0"/>
-    <cs:fillRef idx="0"/>
-    <cs:effectRef idx="0"/>
-    <cs:fontRef idx="minor">
-      <a:schemeClr val="dk1"/>
-    </cs:fontRef>
-  </cs:plotArea3D>
-  <cs:seriesAxis>
-    <cs:lnRef idx="0"/>
-    <cs:fillRef idx="0"/>
-    <cs:effectRef idx="0"/>
-    <cs:fontRef idx="minor">
-      <a:schemeClr val="tx1">
-        <a:lumMod val="50000"/>
-        <a:lumOff val="50000"/>
-      </a:schemeClr>
-    </cs:fontRef>
-    <cs:defRPr sz="1197" kern="1200"/>
-  </cs:seriesAxis>
-  <cs:seriesLine>
-    <cs:lnRef idx="0"/>
-    <cs:fillRef idx="0"/>
-    <cs:effectRef idx="0"/>
-    <cs:fontRef idx="minor">
-      <a:schemeClr val="dk1"/>
-    </cs:fontRef>
-    <cs:spPr>
-      <a:ln w="9525" cap="flat" cmpd="sng" algn="ctr">
-        <a:solidFill>
-          <a:schemeClr val="tx1">
-            <a:lumMod val="35000"/>
-            <a:lumOff val="65000"/>
-          </a:schemeClr>
-        </a:solidFill>
-        <a:round/>
-      </a:ln>
-    </cs:spPr>
-  </cs:seriesLine>
-  <cs:title>
-    <cs:lnRef idx="0"/>
-    <cs:fillRef idx="0"/>
-    <cs:effectRef idx="0"/>
-    <cs:fontRef idx="minor">
-      <a:schemeClr val="tx1">
-        <a:lumMod val="65000"/>
-        <a:lumOff val="35000"/>
-      </a:schemeClr>
-    </cs:fontRef>
-    <cs:defRPr sz="2200" b="0" kern="1200" cap="none" spc="50" baseline="0"/>
-  </cs:title>
-  <cs:trendline>
-    <cs:lnRef idx="0">
-      <cs:styleClr val="auto"/>
-    </cs:lnRef>
-    <cs:fillRef idx="0"/>
-    <cs:effectRef idx="0"/>
-    <cs:fontRef idx="minor">
-      <a:schemeClr val="dk1"/>
-    </cs:fontRef>
-    <cs:spPr>
-      <a:ln w="19050" cap="rnd">
-        <a:solidFill>
-          <a:schemeClr val="phClr"/>
-        </a:solidFill>
-      </a:ln>
-    </cs:spPr>
-  </cs:trendline>
-  <cs:trendlineLabel>
-    <cs:lnRef idx="0"/>
-    <cs:fillRef idx="0"/>
-    <cs:effectRef idx="0"/>
-    <cs:fontRef idx="minor">
-      <a:schemeClr val="tx1">
-        <a:lumMod val="50000"/>
-        <a:lumOff val="50000"/>
-      </a:schemeClr>
-    </cs:fontRef>
-    <cs:defRPr sz="1197" kern="1200"/>
-  </cs:trendlineLabel>
-  <cs:upBar>
-    <cs:lnRef idx="0"/>
-    <cs:fillRef idx="0"/>
-    <cs:effectRef idx="0"/>
-    <cs:fontRef idx="minor">
-      <a:schemeClr val="dk1"/>
-    </cs:fontRef>
-    <cs:spPr>
-      <a:solidFill>
-        <a:schemeClr val="lt1"/>
-      </a:solidFill>
-      <a:ln w="9525" cap="flat" cmpd="sng" algn="ctr">
-        <a:solidFill>
-          <a:schemeClr val="tx1">
-            <a:lumMod val="50000"/>
-            <a:lumOff val="50000"/>
-          </a:schemeClr>
-        </a:solidFill>
-        <a:round/>
-      </a:ln>
-    </cs:spPr>
-  </cs:upBar>
-  <cs:valueAxis>
-    <cs:lnRef idx="0"/>
-    <cs:fillRef idx="0"/>
-    <cs:effectRef idx="0"/>
-    <cs:fontRef idx="minor">
-      <a:schemeClr val="tx1">
-        <a:lumMod val="50000"/>
-        <a:lumOff val="50000"/>
-      </a:schemeClr>
-    </cs:fontRef>
-    <cs:defRPr sz="1197" kern="1200"/>
-  </cs:valueAxis>
-  <cs:wall>
-    <cs:lnRef idx="0"/>
-    <cs:fillRef idx="0"/>
-    <cs:effectRef idx="0"/>
-    <cs:fontRef idx="minor">
-      <a:schemeClr val="dk1"/>
-    </cs:fontRef>
-  </cs:wall>
-</cs:chartStyle>
-</file>
-
-<file path=ppt/diagrams/colors1.xml><?xml version="1.0" encoding="utf-8"?>
-<dgm:colorsDef xmlns:dgm="http://schemas.openxmlformats.org/drawingml/2006/diagram" xmlns:a="http://schemas.openxmlformats.org/drawingml/2006/main" uniqueId="urn:microsoft.com/office/officeart/2005/8/colors/colorful1">
-  <dgm:title val=""/>
-  <dgm:desc val=""/>
-  <dgm:catLst>
-    <dgm:cat type="colorful" pri="10100"/>
-  </dgm:catLst>
-  <dgm:styleLbl name="node0">
-    <dgm:fillClrLst meth="repeat">
-      <a:schemeClr val="accent1"/>
-    </dgm:fillClrLst>
-    <dgm:linClrLst meth="repeat">
-      <a:schemeClr val="lt1"/>
-    </dgm:linClrLst>
-    <dgm:effectClrLst/>
-    <dgm:txLinClrLst/>
-    <dgm:txFillClrLst/>
-    <dgm:txEffectClrLst/>
-  </dgm:styleLbl>
-  <dgm:styleLbl name="node1">
-    <dgm:fillClrLst meth="repeat">
-      <a:schemeClr val="accent2"/>
-      <a:schemeClr val="accent3"/>
-      <a:schemeClr val="accent4"/>
-      <a:schemeClr val="accent5"/>
-      <a:schemeClr val="accent6"/>
-    </dgm:fillClrLst>
-    <dgm:linClrLst meth="repeat">
-      <a:schemeClr val="lt1"/>
-    </dgm:linClrLst>
-    <dgm:effectClrLst/>
-    <dgm:txLinClrLst/>
-    <dgm:txFillClrLst/>
-    <dgm:txEffectClrLst/>
-  </dgm:styleLbl>
-  <dgm:styleLbl name="alignNode1">
-    <dgm:fillClrLst meth="repeat">
-      <a:schemeClr val="accent2"/>
-      <a:schemeClr val="accent3"/>
-      <a:schemeClr val="accent4"/>
-      <a:schemeClr val="accent5"/>
-      <a:schemeClr val="accent6"/>
-    </dgm:fillClrLst>
-    <dgm:linClrLst meth="repeat">
-      <a:schemeClr val="accent2"/>
-      <a:schemeClr val="accent3"/>
-      <a:schemeClr val="accent4"/>
-      <a:schemeClr val="accent5"/>
-      <a:schemeClr val="accent6"/>
-    </dgm:linClrLst>
-    <dgm:effectClrLst/>
-    <dgm:txLinClrLst/>
-    <dgm:txFillClrLst/>
-    <dgm:txEffectClrLst/>
-  </dgm:styleLbl>
-  <dgm:styleLbl name="lnNode1">
-    <dgm:fillClrLst meth="repeat">
-      <a:schemeClr val="accent2"/>
-      <a:schemeClr val="accent3"/>
-      <a:schemeClr val="accent4"/>
-      <a:schemeClr val="accent5"/>
-      <a:schemeClr val="accent6"/>
-    </dgm:fillClrLst>
-    <dgm:linClrLst meth="repeat">
-      <a:schemeClr val="lt1"/>
-    </dgm:linClrLst>
-    <dgm:effectClrLst/>
-    <dgm:txLinClrLst/>
-    <dgm:txFillClrLst/>
-    <dgm:txEffectClrLst/>
-  </dgm:styleLbl>
-  <dgm:styleLbl name="vennNode1">
-    <dgm:fillClrLst meth="repeat">
-      <a:schemeClr val="accent2">
-        <a:alpha val="50000"/>
-      </a:schemeClr>
-      <a:schemeClr val="accent3">
-        <a:alpha val="50000"/>
-      </a:schemeClr>
-      <a:schemeClr val="accent4">
-        <a:alpha val="50000"/>
-      </a:schemeClr>
-      <a:schemeClr val="accent5">
-        <a:alpha val="50000"/>
-      </a:schemeClr>
-      <a:schemeClr val="accent6">
-        <a:alpha val="50000"/>
-      </a:schemeClr>
-    </dgm:fillClrLst>
-    <dgm:linClrLst meth="repeat">
-      <a:schemeClr val="lt1"/>
-    </dgm:linClrLst>
-    <dgm:effectClrLst/>
-    <dgm:txLinClrLst/>
-    <dgm:txFillClrLst/>
-    <dgm:txEffectClrLst/>
-  </dgm:styleLbl>
-  <dgm:styleLbl name="node2">
-    <dgm:fillClrLst>
-      <a:schemeClr val="accent2"/>
-    </dgm:fillClrLst>
-    <dgm:linClrLst meth="repeat">
-      <a:schemeClr val="lt1"/>
-    </dgm:linClrLst>
-    <dgm:effectClrLst/>
-    <dgm:txLinClrLst/>
-    <dgm:txFillClrLst/>
-    <dgm:txEffectClrLst/>
-  </dgm:styleLbl>
-  <dgm:styleLbl name="node3">
-    <dgm:fillClrLst>
-      <a:schemeClr val="accent3"/>
-    </dgm:fillClrLst>
-    <dgm:linClrLst meth="repeat">
-      <a:schemeClr val="lt1"/>
-    </dgm:linClrLst>
-    <dgm:effectClrLst/>
-    <dgm:txLinClrLst/>
-    <dgm:txFillClrLst/>
-    <dgm:txEffectClrLst/>
-  </dgm:styleLbl>
-  <dgm:styleLbl name="node4">
-    <dgm:fillClrLst>
-      <a:schemeClr val="accent4"/>
-    </dgm:fillClrLst>
-    <dgm:linClrLst meth="repeat">
-      <a:schemeClr val="lt1"/>
-    </dgm:linClrLst>
-    <dgm:effectClrLst/>
-    <dgm:txLinClrLst/>
-    <dgm:txFillClrLst/>
-    <dgm:txEffectClrLst/>
-  </dgm:styleLbl>
-  <dgm:styleLbl name="fgImgPlace1">
-    <dgm:fillClrLst meth="repeat">
-      <a:schemeClr val="accent2">
-        <a:tint val="50000"/>
-      </a:schemeClr>
-      <a:schemeClr val="accent3">
-        <a:tint val="50000"/>
-      </a:schemeClr>
-      <a:schemeClr val="accent4">
-        <a:tint val="50000"/>
-      </a:schemeClr>
-      <a:schemeClr val="accent5">
-        <a:tint val="50000"/>
-      </a:schemeClr>
-      <a:schemeClr val="accent6">
-        <a:tint val="50000"/>
-      </a:schemeClr>
-    </dgm:fillClrLst>
-    <dgm:linClrLst meth="repeat">
-      <a:schemeClr val="lt1"/>
-    </dgm:linClrLst>
-    <dgm:effectClrLst/>
-    <dgm:txLinClrLst/>
-    <dgm:txFillClrLst meth="repeat">
-      <a:schemeClr val="lt1"/>
-    </dgm:txFillClrLst>
-    <dgm:txEffectClrLst/>
-  </dgm:styleLbl>
-  <dgm:styleLbl name="alignImgPlace1">
-    <dgm:fillClrLst>
-      <a:schemeClr val="accent1">
-        <a:tint val="50000"/>
-      </a:schemeClr>
-      <a:schemeClr val="accent2">
-        <a:tint val="20000"/>
-      </a:schemeClr>
-    </dgm:fillClrLst>
-    <dgm:linClrLst meth="repeat">
-      <a:schemeClr val="lt1"/>
-    </dgm:linClrLst>
-    <dgm:effectClrLst/>
-    <dgm:txLinClrLst/>
-    <dgm:txFillClrLst meth="repeat">
-      <a:schemeClr val="lt1"/>
-    </dgm:txFillClrLst>
-    <dgm:txEffectClrLst/>
-  </dgm:styleLbl>
-  <dgm:styleLbl name="bgImgPlace1">
-    <dgm:fillClrLst>
-      <a:schemeClr val="accent1">
-        <a:tint val="50000"/>
-      </a:schemeClr>
-      <a:schemeClr val="accent2">
-        <a:tint val="20000"/>
-      </a:schemeClr>
-    </dgm:fillClrLst>
-    <dgm:linClrLst meth="repeat">
-      <a:schemeClr val="lt1"/>
-    </dgm:linClrLst>
-    <dgm:effectClrLst/>
-    <dgm:txLinClrLst/>
-    <dgm:txFillClrLst meth="repeat">
-      <a:schemeClr val="lt1"/>
-    </dgm:txFillClrLst>
-    <dgm:txEffectClrLst/>
-  </dgm:styleLbl>
-  <dgm:styleLbl name="sibTrans2D1">
-    <dgm:fillClrLst meth="repeat">
-      <a:schemeClr val="accent2"/>
-      <a:schemeClr val="accent3"/>
-      <a:schemeClr val="accent4"/>
-      <a:schemeClr val="accent5"/>
-      <a:schemeClr val="accent6"/>
-    </dgm:fillClrLst>
-    <dgm:linClrLst meth="cycle">
-      <a:schemeClr val="lt1"/>
-    </dgm:linClrLst>
-    <dgm:effectClrLst/>
-    <dgm:txLinClrLst/>
-    <dgm:txFillClrLst/>
-    <dgm:txEffectClrLst/>
-  </dgm:styleLbl>
-  <dgm:styleLbl name="fgSibTrans2D1">
-    <dgm:fillClrLst meth="repeat">
-      <a:schemeClr val="accent2"/>
-      <a:schemeClr val="accent3"/>
-      <a:schemeClr val="accent4"/>
-      <a:schemeClr val="accent5"/>
-      <a:schemeClr val="accent6"/>
-    </dgm:fillClrLst>
-    <dgm:linClrLst meth="cycle">
-      <a:schemeClr val="lt1"/>
-    </dgm:linClrLst>
-    <dgm:effectClrLst/>
-    <dgm:txLinClrLst/>
-    <dgm:txFillClrLst meth="repeat">
-      <a:schemeClr val="lt1"/>
-    </dgm:txFillClrLst>
-    <dgm:txEffectClrLst/>
-  </dgm:styleLbl>
-  <dgm:styleLbl name="bgSibTrans2D1">
-    <dgm:fillClrLst meth="repeat">
-      <a:schemeClr val="accent2"/>
-      <a:schemeClr val="accent3"/>
-      <a:schemeClr val="accent4"/>
-      <a:schemeClr val="accent5"/>
-      <a:schemeClr val="accent6"/>
-    </dgm:fillClrLst>
-    <dgm:linClrLst meth="cycle">
-      <a:schemeClr val="lt1"/>
-    </dgm:linClrLst>
-    <dgm:effectClrLst/>
-    <dgm:txLinClrLst/>
-    <dgm:txFillClrLst meth="repeat">
-      <a:schemeClr val="lt1"/>
-    </dgm:txFillClrLst>
-    <dgm:txEffectClrLst/>
-  </dgm:styleLbl>
-  <dgm:styleLbl name="sibTrans1D1">
-    <dgm:fillClrLst meth="repeat">
-      <a:schemeClr val="accent2"/>
-      <a:schemeClr val="accent3"/>
-      <a:schemeClr val="accent4"/>
-      <a:schemeClr val="accent5"/>
-      <a:schemeClr val="accent6"/>
-    </dgm:fillClrLst>
-    <dgm:linClrLst meth="repeat">
-      <a:schemeClr val="accent2"/>
-      <a:schemeClr val="accent3"/>
-      <a:schemeClr val="accent4"/>
-      <a:schemeClr val="accent5"/>
-      <a:schemeClr val="accent6"/>
-    </dgm:linClrLst>
-    <dgm:effectClrLst/>
-    <dgm:txLinClrLst/>
-    <dgm:txFillClrLst meth="repeat">
-      <a:schemeClr val="tx1"/>
-    </dgm:txFillClrLst>
-    <dgm:txEffectClrLst/>
-  </dgm:styleLbl>
-  <dgm:styleLbl name="callout">
-    <dgm:fillClrLst meth="repeat">
-      <a:schemeClr val="accent2"/>
-    </dgm:fillClrLst>
-    <dgm:linClrLst meth="repeat">
-      <a:schemeClr val="accent2">
-        <a:tint val="50000"/>
-      </a:schemeClr>
-    </dgm:linClrLst>
-    <dgm:effectClrLst/>
-    <dgm:txLinClrLst/>
-    <dgm:txFillClrLst meth="repeat">
-      <a:schemeClr val="tx1"/>
-    </dgm:txFillClrLst>
-    <dgm:txEffectClrLst/>
-  </dgm:styleLbl>
-  <dgm:styleLbl name="asst0">
-    <dgm:fillClrLst meth="repeat">
-      <a:schemeClr val="accent1"/>
-    </dgm:fillClrLst>
-    <dgm:linClrLst meth="repeat">
-      <a:schemeClr val="lt1"/>
-    </dgm:linClrLst>
-    <dgm:effectClrLst/>
-    <dgm:txLinClrLst/>
-    <dgm:txFillClrLst/>
-    <dgm:txEffectClrLst/>
-  </dgm:styleLbl>
-  <dgm:styleLbl name="asst1">
-    <dgm:fillClrLst meth="repeat">
-      <a:schemeClr val="accent2"/>
-    </dgm:fillClrLst>
-    <dgm:linClrLst meth="repeat">
-      <a:schemeClr val="lt1"/>
-    </dgm:linClrLst>
-    <dgm:effectClrLst/>
-    <dgm:txLinClrLst/>
-    <dgm:txFillClrLst/>
-    <dgm:txEffectClrLst/>
-  </dgm:styleLbl>
-  <dgm:styleLbl name="asst2">
-    <dgm:fillClrLst>
-      <a:schemeClr val="accent3"/>
-    </dgm:fillClrLst>
-    <dgm:linClrLst meth="repeat">
-      <a:schemeClr val="lt1"/>
-    </dgm:linClrLst>
-    <dgm:effectClrLst/>
-    <dgm:txLinClrLst/>
-    <dgm:txFillClrLst/>
-    <dgm:txEffectClrLst/>
-  </dgm:styleLbl>
-  <dgm:styleLbl name="asst3">
-    <dgm:fillClrLst>
-      <a:schemeClr val="accent4"/>
-    </dgm:fillClrLst>
-    <dgm:linClrLst meth="repeat">
-      <a:schemeClr val="lt1"/>
-    </dgm:linClrLst>
-    <dgm:effectClrLst/>
-    <dgm:txLinClrLst/>
-    <dgm:txFillClrLst/>
-    <dgm:txEffectClrLst/>
-  </dgm:styleLbl>
-  <dgm:styleLbl name="asst4">
-    <dgm:fillClrLst>
-      <a:schemeClr val="accent5"/>
-    </dgm:fillClrLst>
-    <dgm:linClrLst meth="repeat">
-      <a:schemeClr val="lt1"/>
-    </dgm:linClrLst>
-    <dgm:effectClrLst/>
-    <dgm:txLinClrLst/>
-    <dgm:txFillClrLst/>
-    <dgm:txEffectClrLst/>
-  </dgm:styleLbl>
-  <dgm:styleLbl name="parChTrans2D1">
-    <dgm:fillClrLst meth="repeat">
-      <a:schemeClr val="accent2"/>
-    </dgm:fillClrLst>
-    <dgm:linClrLst meth="repeat">
-      <a:schemeClr val="lt1"/>
-    </dgm:linClrLst>
-    <dgm:effectClrLst/>
-    <dgm:txLinClrLst/>
-    <dgm:txFillClrLst meth="repeat">
-      <a:schemeClr val="lt1"/>
-    </dgm:txFillClrLst>
-    <dgm:txEffectClrLst/>
-  </dgm:styleLbl>
-  <dgm:styleLbl name="parChTrans2D2">
-    <dgm:fillClrLst meth="repeat">
-      <a:schemeClr val="accent3"/>
-    </dgm:fillClrLst>
-    <dgm:linClrLst meth="repeat">
-      <a:schemeClr val="lt1"/>
-    </dgm:linClrLst>
-    <dgm:effectClrLst/>
-    <dgm:txLinClrLst/>
-    <dgm:txFillClrLst/>
-    <dgm:txEffectClrLst/>
-  </dgm:styleLbl>
-  <dgm:styleLbl name="parChTrans2D3">
-    <dgm:fillClrLst meth="repeat">
-      <a:schemeClr val="accent4"/>
-    </dgm:fillClrLst>
-    <dgm:linClrLst meth="repeat">
-      <a:schemeClr val="lt1"/>
-    </dgm:linClrLst>
-    <dgm:effectClrLst/>
-    <dgm:txLinClrLst/>
-    <dgm:txFillClrLst/>
-    <dgm:txEffectClrLst/>
-  </dgm:styleLbl>
-  <dgm:styleLbl name="parChTrans2D4">
-    <dgm:fillClrLst meth="repeat">
-      <a:schemeClr val="accent5"/>
-    </dgm:fillClrLst>
-    <dgm:linClrLst meth="repeat">
-      <a:schemeClr val="lt1"/>
-    </dgm:linClrLst>
-    <dgm:effectClrLst/>
-    <dgm:txLinClrLst/>
-    <dgm:txFillClrLst meth="repeat">
-      <a:schemeClr val="lt1"/>
-    </dgm:txFillClrLst>
-    <dgm:txEffectClrLst/>
-  </dgm:styleLbl>
-  <dgm:styleLbl name="parChTrans1D1">
-    <dgm:fillClrLst meth="repeat">
-      <a:schemeClr val="accent2"/>
-    </dgm:fillClrLst>
-    <dgm:linClrLst meth="repeat">
-      <a:schemeClr val="accent1"/>
-    </dgm:linClrLst>
-    <dgm:effectClrLst/>
-    <dgm:txLinClrLst/>
-    <dgm:txFillClrLst meth="repeat">
-      <a:schemeClr val="tx1"/>
-    </dgm:txFillClrLst>
-    <dgm:txEffectClrLst/>
-  </dgm:styleLbl>
-  <dgm:styleLbl name="parChTrans1D2">
-    <dgm:fillClrLst meth="repeat">
-      <a:schemeClr val="accent3">
-        <a:tint val="90000"/>
-      </a:schemeClr>
-    </dgm:fillClrLst>
-    <dgm:linClrLst meth="repeat">
-      <a:schemeClr val="accent2"/>
-    </dgm:linClrLst>
-    <dgm:effectClrLst/>
-    <dgm:txLinClrLst/>
-    <dgm:txFillClrLst meth="repeat">
-      <a:schemeClr val="tx1"/>
-    </dgm:txFillClrLst>
-    <dgm:txEffectClrLst/>
-  </dgm:styleLbl>
-  <dgm:styleLbl name="parChTrans1D3">
-    <dgm:fillClrLst meth="repeat">
-      <a:schemeClr val="accent4">
-        <a:tint val="70000"/>
-      </a:schemeClr>
-    </dgm:fillClrLst>
-    <dgm:linClrLst meth="repeat">
-      <a:schemeClr val="accent3"/>
-    </dgm:linClrLst>
-    <dgm:effectClrLst/>
-    <dgm:txLinClrLst/>
-    <dgm:txFillClrLst meth="repeat">
-      <a:schemeClr val="tx1"/>
-    </dgm:txFillClrLst>
-    <dgm:txEffectClrLst/>
-  </dgm:styleLbl>
-  <dgm:styleLbl name="parChTrans1D4">
-    <dgm:fillClrLst meth="repeat">
-      <a:schemeClr val="accent5">
-        <a:tint val="50000"/>
-      </a:schemeClr>
-    </dgm:fillClrLst>
-    <dgm:linClrLst meth="repeat">
-      <a:schemeClr val="accent4"/>
-    </dgm:linClrLst>
-    <dgm:effectClrLst/>
-    <dgm:txLinClrLst/>
-    <dgm:txFillClrLst meth="repeat">
-      <a:schemeClr val="tx1"/>
-    </dgm:txFillClrLst>
-    <dgm:txEffectClrLst/>
-  </dgm:styleLbl>
-  <dgm:styleLbl name="fgAcc1">
-    <dgm:fillClrLst meth="repeat">
-      <a:schemeClr val="lt1">
-        <a:alpha val="90000"/>
-      </a:schemeClr>
-    </dgm:fillClrLst>
-    <dgm:linClrLst meth="repeat">
-      <a:schemeClr val="accent2"/>
-      <a:schemeClr val="accent3"/>
-      <a:schemeClr val="accent4"/>
-      <a:schemeClr val="accent5"/>
-      <a:schemeClr val="accent6"/>
-    </dgm:linClrLst>
-    <dgm:effectClrLst/>
-    <dgm:txLinClrLst/>
-    <dgm:txFillClrLst meth="repeat">
-      <a:schemeClr val="dk1"/>
-    </dgm:txFillClrLst>
-    <dgm:txEffectClrLst/>
-  </dgm:styleLbl>
-  <dgm:styleLbl name="conFgAcc1">
-    <dgm:fillClrLst meth="repeat">
-      <a:schemeClr val="lt1">
-        <a:alpha val="90000"/>
-      </a:schemeClr>
-    </dgm:fillClrLst>
-    <dgm:linClrLst meth="repeat">
-      <a:schemeClr val="accent2"/>
-      <a:schemeClr val="accent3"/>
-      <a:schemeClr val="accent4"/>
-      <a:schemeClr val="accent5"/>
-      <a:schemeClr val="accent6"/>
-    </dgm:linClrLst>
-    <dgm:effectClrLst/>
-    <dgm:txLinClrLst/>
-    <dgm:txFillClrLst meth="repeat">
-      <a:schemeClr val="dk1"/>
-    </dgm:txFillClrLst>
-    <dgm:txEffectClrLst/>
-  </dgm:styleLbl>
-  <dgm:styleLbl name="alignAcc1">
-    <dgm:fillClrLst meth="repeat">
-      <a:schemeClr val="lt1">
-        <a:alpha val="90000"/>
-      </a:schemeClr>
-    </dgm:fillClrLst>
-    <dgm:linClrLst meth="repeat">
-      <a:schemeClr val="accent2"/>
-      <a:schemeClr val="accent3"/>
-      <a:schemeClr val="accent4"/>
-      <a:schemeClr val="accent5"/>
-      <a:schemeClr val="accent6"/>
-    </dgm:linClrLst>
-    <dgm:effectClrLst/>
-    <dgm:txLinClrLst/>
-    <dgm:txFillClrLst meth="repeat">
-      <a:schemeClr val="dk1"/>
-    </dgm:txFillClrLst>
-    <dgm:txEffectClrLst/>
-  </dgm:styleLbl>
-  <dgm:styleLbl name="trAlignAcc1">
-    <dgm:fillClrLst meth="repeat">
-      <a:schemeClr val="lt1">
-        <a:alpha val="40000"/>
-      </a:schemeClr>
-    </dgm:fillClrLst>
-    <dgm:linClrLst meth="repeat">
-      <a:schemeClr val="accent1"/>
-    </dgm:linClrLst>
-    <dgm:effectClrLst/>
-    <dgm:txLinClrLst/>
-    <dgm:txFillClrLst meth="repeat">
-      <a:schemeClr val="dk1"/>
-    </dgm:txFillClrLst>
-    <dgm:txEffectClrLst/>
-  </dgm:styleLbl>
-  <dgm:styleLbl name="bgAcc1">
-    <dgm:fillClrLst meth="repeat">
-      <a:schemeClr val="lt1">
-        <a:alpha val="90000"/>
-      </a:schemeClr>
-    </dgm:fillClrLst>
-    <dgm:linClrLst meth="repeat">
-      <a:schemeClr val="accent2"/>
-      <a:schemeClr val="accent3"/>
-      <a:schemeClr val="accent4"/>
-      <a:schemeClr val="accent5"/>
-      <a:schemeClr val="accent6"/>
-    </dgm:linClrLst>
-    <dgm:effectClrLst/>
-    <dgm:txLinClrLst/>
-    <dgm:txFillClrLst meth="repeat">
-      <a:schemeClr val="dk1"/>
-    </dgm:txFillClrLst>
-    <dgm:txEffectClrLst/>
-  </dgm:styleLbl>
-  <dgm:styleLbl name="solidFgAcc1">
-    <dgm:fillClrLst meth="repeat">
-      <a:schemeClr val="lt1"/>
-    </dgm:fillClrLst>
-    <dgm:linClrLst meth="repeat">
-      <a:schemeClr val="accent2"/>
-      <a:schemeClr val="accent3"/>
-      <a:schemeClr val="accent4"/>
-      <a:schemeClr val="accent5"/>
-      <a:schemeClr val="accent6"/>
-    </dgm:linClrLst>
-    <dgm:effectClrLst/>
-    <dgm:txLinClrLst/>
-    <dgm:txFillClrLst meth="repeat">
-      <a:schemeClr val="dk1"/>
-    </dgm:txFillClrLst>
-    <dgm:txEffectClrLst/>
-  </dgm:styleLbl>
-  <dgm:styleLbl name="solidAlignAcc1">
-    <dgm:fillClrLst meth="repeat">
-      <a:schemeClr val="lt1"/>
-    </dgm:fillClrLst>
-    <dgm:linClrLst meth="repeat">
-      <a:schemeClr val="accent2"/>
-      <a:schemeClr val="accent3"/>
-      <a:schemeClr val="accent4"/>
-      <a:schemeClr val="accent5"/>
-      <a:schemeClr val="accent6"/>
-    </dgm:linClrLst>
-    <dgm:effectClrLst/>
-    <dgm:txLinClrLst/>
-    <dgm:txFillClrLst meth="repeat">
-      <a:schemeClr val="dk1"/>
-    </dgm:txFillClrLst>
-    <dgm:txEffectClrLst/>
-  </dgm:styleLbl>
-  <dgm:styleLbl name="solidBgAcc1">
-    <dgm:fillClrLst meth="repeat">
-      <a:schemeClr val="lt1"/>
-    </dgm:fillClrLst>
-    <dgm:linClrLst meth="repeat">
-      <a:schemeClr val="accent2"/>
-      <a:schemeClr val="accent3"/>
-      <a:schemeClr val="accent4"/>
-      <a:schemeClr val="accent5"/>
-      <a:schemeClr val="accent6"/>
-    </dgm:linClrLst>
-    <dgm:effectClrLst/>
-    <dgm:txLinClrLst/>
-    <dgm:txFillClrLst meth="repeat">
-      <a:schemeClr val="dk1"/>
-    </dgm:txFillClrLst>
-    <dgm:txEffectClrLst/>
-  </dgm:styleLbl>
-  <dgm:styleLbl name="fgAccFollowNode1">
-    <dgm:fillClrLst meth="repeat">
-      <a:schemeClr val="accent2">
-        <a:tint val="40000"/>
-        <a:alpha val="90000"/>
-      </a:schemeClr>
-      <a:schemeClr val="accent3">
-        <a:tint val="40000"/>
-        <a:alpha val="90000"/>
-      </a:schemeClr>
-      <a:schemeClr val="accent4">
-        <a:tint val="40000"/>
-        <a:alpha val="90000"/>
-      </a:schemeClr>
-      <a:schemeClr val="accent5">
-        <a:tint val="40000"/>
-        <a:alpha val="90000"/>
-      </a:schemeClr>
-      <a:schemeClr val="accent6">
-        <a:tint val="40000"/>
-        <a:alpha val="90000"/>
-      </a:schemeClr>
-    </dgm:fillClrLst>
-    <dgm:linClrLst meth="repeat">
-      <a:schemeClr val="accent2">
-        <a:tint val="40000"/>
-        <a:alpha val="90000"/>
-      </a:schemeClr>
-      <a:schemeClr val="accent3">
-        <a:tint val="40000"/>
-        <a:alpha val="90000"/>
-      </a:schemeClr>
-      <a:schemeClr val="accent4">
-        <a:tint val="40000"/>
-        <a:alpha val="90000"/>
-      </a:schemeClr>
-      <a:schemeClr val="accent5">
-        <a:tint val="40000"/>
-        <a:alpha val="90000"/>
-      </a:schemeClr>
-      <a:schemeClr val="accent6">
-        <a:tint val="40000"/>
-        <a:alpha val="90000"/>
-      </a:schemeClr>
-    </dgm:linClrLst>
-    <dgm:effectClrLst/>
-    <dgm:txLinClrLst/>
-    <dgm:txFillClrLst meth="repeat">
-      <a:schemeClr val="dk1"/>
-    </dgm:txFillClrLst>
-    <dgm:txEffectClrLst/>
-  </dgm:styleLbl>
-  <dgm:styleLbl name="alignAccFollowNode1">
-    <dgm:fillClrLst meth="repeat">
-      <a:schemeClr val="accent2">
-        <a:tint val="40000"/>
-        <a:alpha val="90000"/>
-      </a:schemeClr>
-      <a:schemeClr val="accent3">
-        <a:tint val="40000"/>
-        <a:alpha val="90000"/>
-      </a:schemeClr>
-      <a:schemeClr val="accent4">
-        <a:tint val="40000"/>
-        <a:alpha val="90000"/>
-      </a:schemeClr>
-      <a:schemeClr val="accent5">
-        <a:tint val="40000"/>
-        <a:alpha val="90000"/>
-      </a:schemeClr>
-      <a:schemeClr val="accent6">
-        <a:tint val="40000"/>
-        <a:alpha val="90000"/>
-      </a:schemeClr>
-    </dgm:fillClrLst>
-    <dgm:linClrLst meth="repeat">
-      <a:schemeClr val="accent2">
-        <a:tint val="40000"/>
-        <a:alpha val="90000"/>
-      </a:schemeClr>
-      <a:schemeClr val="accent3">
-        <a:tint val="40000"/>
-        <a:alpha val="90000"/>
-      </a:schemeClr>
-      <a:schemeClr val="accent4">
-        <a:tint val="40000"/>
-        <a:alpha val="90000"/>
-      </a:schemeClr>
-      <a:schemeClr val="accent5">
-        <a:tint val="40000"/>
-        <a:alpha val="90000"/>
-      </a:schemeClr>
-      <a:schemeClr val="accent6">
-        <a:tint val="40000"/>
-        <a:alpha val="90000"/>
-      </a:schemeClr>
-    </dgm:linClrLst>
-    <dgm:effectClrLst/>
-    <dgm:txLinClrLst/>
-    <dgm:txFillClrLst meth="repeat">
-      <a:schemeClr val="dk1"/>
-    </dgm:txFillClrLst>
-    <dgm:txEffectClrLst/>
-  </dgm:styleLbl>
-  <dgm:styleLbl name="bgAccFollowNode1">
-    <dgm:fillClrLst meth="repeat">
-      <a:schemeClr val="accent2">
-        <a:tint val="40000"/>
-        <a:alpha val="90000"/>
-      </a:schemeClr>
-      <a:schemeClr val="accent3">
-        <a:tint val="40000"/>
-        <a:alpha val="90000"/>
-      </a:schemeClr>
-      <a:schemeClr val="accent4">
-        <a:tint val="40000"/>
-        <a:alpha val="90000"/>
-      </a:schemeClr>
-      <a:schemeClr val="accent5">
-        <a:tint val="40000"/>
-        <a:alpha val="90000"/>
-      </a:schemeClr>
-      <a:schemeClr val="accent6">
-        <a:tint val="40000"/>
-        <a:alpha val="90000"/>
-      </a:schemeClr>
-    </dgm:fillClrLst>
-    <dgm:linClrLst meth="repeat">
-      <a:schemeClr val="accent2">
-        <a:tint val="40000"/>
-        <a:alpha val="90000"/>
-      </a:schemeClr>
-      <a:schemeClr val="accent3">
-        <a:tint val="40000"/>
-        <a:alpha val="90000"/>
-      </a:schemeClr>
-      <a:schemeClr val="accent4">
-        <a:tint val="40000"/>
-        <a:alpha val="90000"/>
-      </a:schemeClr>
-      <a:schemeClr val="accent5">
-        <a:tint val="40000"/>
-        <a:alpha val="90000"/>
-      </a:schemeClr>
-      <a:schemeClr val="accent6">
-        <a:tint val="40000"/>
-        <a:alpha val="90000"/>
-      </a:schemeClr>
-    </dgm:linClrLst>
-    <dgm:effectClrLst/>
-    <dgm:txLinClrLst/>
-    <dgm:txFillClrLst meth="repeat">
-      <a:schemeClr val="dk1"/>
-    </dgm:txFillClrLst>
-    <dgm:txEffectClrLst/>
-  </dgm:styleLbl>
-  <dgm:styleLbl name="fgAcc0">
-    <dgm:fillClrLst meth="repeat">
-      <a:schemeClr val="lt1">
-        <a:alpha val="90000"/>
-      </a:schemeClr>
-    </dgm:fillClrLst>
-    <dgm:linClrLst>
-      <a:schemeClr val="accent1"/>
-    </dgm:linClrLst>
-    <dgm:effectClrLst/>
-    <dgm:txLinClrLst/>
-    <dgm:txFillClrLst meth="repeat">
-      <a:schemeClr val="dk1"/>
-    </dgm:txFillClrLst>
-    <dgm:txEffectClrLst/>
-  </dgm:styleLbl>
-  <dgm:styleLbl name="fgAcc2">
-    <dgm:fillClrLst meth="repeat">
-      <a:schemeClr val="lt1">
-        <a:alpha val="90000"/>
-      </a:schemeClr>
-    </dgm:fillClrLst>
-    <dgm:linClrLst>
-      <a:schemeClr val="accent2"/>
-    </dgm:linClrLst>
-    <dgm:effectClrLst/>
-    <dgm:txLinClrLst/>
-    <dgm:txFillClrLst meth="repeat">
-      <a:schemeClr val="dk1"/>
-    </dgm:txFillClrLst>
-    <dgm:txEffectClrLst/>
-  </dgm:styleLbl>
-  <dgm:styleLbl name="fgAcc3">
-    <dgm:fillClrLst meth="repeat">
-      <a:schemeClr val="lt1">
-        <a:alpha val="90000"/>
-      </a:schemeClr>
-    </dgm:fillClrLst>
-    <dgm:linClrLst>
-      <a:schemeClr val="accent3"/>
-    </dgm:linClrLst>
-    <dgm:effectClrLst/>
-    <dgm:txLinClrLst/>
-    <dgm:txFillClrLst meth="repeat">
-      <a:schemeClr val="dk1"/>
-    </dgm:txFillClrLst>
-    <dgm:txEffectClrLst/>
-  </dgm:styleLbl>
-  <dgm:styleLbl name="fgAcc4">
-    <dgm:fillClrLst meth="repeat">
-      <a:schemeClr val="lt1">
-        <a:alpha val="90000"/>
-      </a:schemeClr>
-    </dgm:fillClrLst>
-    <dgm:linClrLst>
-      <a:schemeClr val="accent4"/>
-    </dgm:linClrLst>
-    <dgm:effectClrLst/>
-    <dgm:txLinClrLst/>
-    <dgm:txFillClrLst meth="repeat">
-      <a:schemeClr val="dk1"/>
-    </dgm:txFillClrLst>
-    <dgm:txEffectClrLst/>
-  </dgm:styleLbl>
-  <dgm:styleLbl name="bgShp">
-    <dgm:fillClrLst meth="repeat">
-      <a:schemeClr val="accent2">
-        <a:tint val="40000"/>
-      </a:schemeClr>
-    </dgm:fillClrLst>
-    <dgm:linClrLst meth="repeat">
-      <a:schemeClr val="dk1"/>
-    </dgm:linClrLst>
-    <dgm:effectClrLst/>
-    <dgm:txLinClrLst/>
-    <dgm:txFillClrLst meth="repeat">
-      <a:schemeClr val="dk1"/>
-    </dgm:txFillClrLst>
-    <dgm:txEffectClrLst/>
-  </dgm:styleLbl>
-  <dgm:styleLbl name="dkBgShp">
-    <dgm:fillClrLst meth="repeat">
-      <a:schemeClr val="accent2">
-        <a:shade val="90000"/>
-      </a:schemeClr>
-    </dgm:fillClrLst>
-    <dgm:linClrLst meth="repeat">
-      <a:schemeClr val="dk1"/>
-    </dgm:linClrLst>
-    <dgm:effectClrLst/>
-    <dgm:txLinClrLst/>
-    <dgm:txFillClrLst meth="repeat">
-      <a:schemeClr val="lt1"/>
-    </dgm:txFillClrLst>
-    <dgm:txEffectClrLst/>
-  </dgm:styleLbl>
-  <dgm:styleLbl name="trBgShp">
-    <dgm:fillClrLst meth="repeat">
-      <a:schemeClr val="accent1">
-        <a:tint val="50000"/>
-        <a:alpha val="40000"/>
-      </a:schemeClr>
-    </dgm:fillClrLst>
-    <dgm:linClrLst meth="repeat">
-      <a:schemeClr val="accent2"/>
-    </dgm:linClrLst>
-    <dgm:effectClrLst/>
-    <dgm:txLinClrLst/>
-    <dgm:txFillClrLst meth="repeat">
-      <a:schemeClr val="lt1"/>
-    </dgm:txFillClrLst>
-    <dgm:txEffectClrLst/>
-  </dgm:styleLbl>
-  <dgm:styleLbl name="fgShp">
-    <dgm:fillClrLst meth="repeat">
-      <a:schemeClr val="accent2">
-        <a:tint val="40000"/>
-      </a:schemeClr>
-    </dgm:fillClrLst>
-    <dgm:linClrLst meth="repeat">
-      <a:schemeClr val="lt1"/>
-    </dgm:linClrLst>
-    <dgm:effectClrLst/>
-    <dgm:txLinClrLst/>
-    <dgm:txFillClrLst meth="repeat">
-      <a:schemeClr val="dk1"/>
-    </dgm:txFillClrLst>
-    <dgm:txEffectClrLst/>
-  </dgm:styleLbl>
-  <dgm:styleLbl name="revTx">
-    <dgm:fillClrLst meth="repeat">
-      <a:schemeClr val="lt1">
-        <a:alpha val="0"/>
-      </a:schemeClr>
-    </dgm:fillClrLst>
-    <dgm:linClrLst meth="repeat">
-      <a:schemeClr val="dk1">
-        <a:alpha val="0"/>
-      </a:schemeClr>
-    </dgm:linClrLst>
-    <dgm:effectClrLst/>
-    <dgm:txLinClrLst/>
-    <dgm:txFillClrLst meth="repeat">
-      <a:schemeClr val="tx1"/>
-    </dgm:txFillClrLst>
-    <dgm:txEffectClrLst/>
-  </dgm:styleLbl>
-</dgm:colorsDef>
-</file>
-
-<file path=ppt/diagrams/data1.xml><?xml version="1.0" encoding="utf-8"?>
-<dgm:dataModel xmlns:dgm="http://schemas.openxmlformats.org/drawingml/2006/diagram" xmlns:a="http://schemas.openxmlformats.org/drawingml/2006/main">
-  <dgm:ptLst>
-    <dgm:pt modelId="{CD7942A0-B7D2-4B14-8FEA-55FC702F5BE7}" type="doc">
-      <dgm:prSet loTypeId="urn:microsoft.com/office/officeart/2005/8/layout/vProcess5" loCatId="process" qsTypeId="urn:microsoft.com/office/officeart/2005/8/quickstyle/simple4" qsCatId="simple" csTypeId="urn:microsoft.com/office/officeart/2005/8/colors/colorful1" csCatId="colorful" phldr="1"/>
-      <dgm:spPr/>
-      <dgm:t>
-        <a:bodyPr/>
-        <a:lstStyle/>
-        <a:p>
-          <a:endParaRPr lang="en-US"/>
-        </a:p>
-      </dgm:t>
-    </dgm:pt>
-    <dgm:pt modelId="{095A5E99-E976-4550-8F80-53CC813F2F5A}">
-      <dgm:prSet phldrT="[Text]"/>
-      <dgm:spPr>
-        <a:gradFill rotWithShape="0">
-          <a:gsLst>
-            <a:gs pos="0">
-              <a:srgbClr val="703000"/>
-            </a:gs>
-            <a:gs pos="50000">
-              <a:srgbClr val="A44A00"/>
-            </a:gs>
-            <a:gs pos="70000">
-              <a:srgbClr val="BC5500"/>
-            </a:gs>
-            <a:gs pos="100000">
-              <a:srgbClr val="F26D00"/>
-            </a:gs>
-          </a:gsLst>
-        </a:gradFill>
-      </dgm:spPr>
-      <dgm:t>
-        <a:bodyPr/>
-        <a:lstStyle/>
-        <a:p>
-          <a:r>
-            <a:rPr lang="en-US" dirty="0"/>
-            <a:t>Task 1</a:t>
-          </a:r>
-        </a:p>
-      </dgm:t>
-      <dgm:extLst>
-        <a:ext uri="{E40237B7-FDA0-4F09-8148-C483321AD2D9}">
-          <dgm14:cNvPr xmlns:dgm14="http://schemas.microsoft.com/office/drawing/2010/diagram" id="0" name="" descr="Staggered process showing 3 tasks arranged one below the other and two downward pointing arrows are used to indicate progression from first task to second task and second task to third task."/>
-        </a:ext>
-      </dgm:extLst>
-    </dgm:pt>
-    <dgm:pt modelId="{03339A0D-5DC0-4B29-8353-C5AEBFD4DE86}" type="parTrans" cxnId="{D1A4D8E6-F04E-4AB1-8D0C-63DC7AB1E81F}">
-      <dgm:prSet/>
-      <dgm:spPr/>
-      <dgm:t>
-        <a:bodyPr/>
-        <a:lstStyle/>
-        <a:p>
-          <a:endParaRPr lang="en-US"/>
-        </a:p>
-      </dgm:t>
-    </dgm:pt>
-    <dgm:pt modelId="{8877691F-1B60-4485-9174-DDEC7EE68B70}" type="sibTrans" cxnId="{D1A4D8E6-F04E-4AB1-8D0C-63DC7AB1E81F}">
-      <dgm:prSet/>
-      <dgm:spPr/>
-      <dgm:t>
-        <a:bodyPr/>
-        <a:lstStyle/>
-        <a:p>
-          <a:endParaRPr lang="en-US"/>
-        </a:p>
-      </dgm:t>
-    </dgm:pt>
-    <dgm:pt modelId="{8EC937D8-BD76-4A12-A3E5-900D5C1E2E05}">
-      <dgm:prSet phldrT="[Text]"/>
-      <dgm:spPr/>
-      <dgm:t>
-        <a:bodyPr/>
-        <a:lstStyle/>
-        <a:p>
-          <a:r>
-            <a:rPr lang="en-US" dirty="0"/>
-            <a:t>Task 2</a:t>
-          </a:r>
-        </a:p>
-      </dgm:t>
-    </dgm:pt>
-    <dgm:pt modelId="{8265EE85-9851-494E-A6D3-1CDACE947DF3}" type="parTrans" cxnId="{43DC8383-AEE5-490C-A8E5-1F216F2B8FE6}">
-      <dgm:prSet/>
-      <dgm:spPr/>
-      <dgm:t>
-        <a:bodyPr/>
-        <a:lstStyle/>
-        <a:p>
-          <a:endParaRPr lang="en-US"/>
-        </a:p>
-      </dgm:t>
-    </dgm:pt>
-    <dgm:pt modelId="{B3EFD4A5-9FA1-4ABE-B722-05162509509B}" type="sibTrans" cxnId="{43DC8383-AEE5-490C-A8E5-1F216F2B8FE6}">
-      <dgm:prSet/>
-      <dgm:spPr/>
-      <dgm:t>
-        <a:bodyPr/>
-        <a:lstStyle/>
-        <a:p>
-          <a:endParaRPr lang="en-US"/>
-        </a:p>
-      </dgm:t>
-    </dgm:pt>
-    <dgm:pt modelId="{7133ECF5-4190-4604-AA2F-03C9A0A9210F}">
-      <dgm:prSet phldrT="[Text]"/>
-      <dgm:spPr>
-        <a:gradFill rotWithShape="0">
-          <a:gsLst>
-            <a:gs pos="0">
-              <a:srgbClr val="394404"/>
-            </a:gs>
-            <a:gs pos="50000">
-              <a:srgbClr val="5F6F0F"/>
-            </a:gs>
-            <a:gs pos="70000">
-              <a:srgbClr val="65741A"/>
-            </a:gs>
-            <a:gs pos="100000">
-              <a:schemeClr val="accent4">
-                <a:hueOff val="0"/>
-                <a:satOff val="0"/>
-                <a:lumOff val="0"/>
-                <a:alphaOff val="0"/>
-                <a:tint val="100000"/>
-                <a:shade val="100000"/>
-                <a:satMod val="155000"/>
-              </a:schemeClr>
-            </a:gs>
-          </a:gsLst>
-        </a:gradFill>
-      </dgm:spPr>
-      <dgm:t>
-        <a:bodyPr/>
-        <a:lstStyle/>
-        <a:p>
-          <a:r>
-            <a:rPr lang="en-US" dirty="0"/>
-            <a:t>Task 3</a:t>
-          </a:r>
-        </a:p>
-      </dgm:t>
-      <dgm:extLst>
-        <a:ext uri="{E40237B7-FDA0-4F09-8148-C483321AD2D9}">
-          <dgm14:cNvPr xmlns:dgm14="http://schemas.microsoft.com/office/drawing/2010/diagram" id="0" name="" descr="Staggered process showing 3 tasks arranged one below the other and two downward pointing arrows are used to indicate progression from first task to second task and second task to third task."/>
-        </a:ext>
-      </dgm:extLst>
-    </dgm:pt>
-    <dgm:pt modelId="{7D1B29D7-21DD-436A-8F7C-E87DE53C1431}" type="parTrans" cxnId="{011A9761-E983-4C7D-AB1D-2038261D8FF8}">
-      <dgm:prSet/>
-      <dgm:spPr/>
-      <dgm:t>
-        <a:bodyPr/>
-        <a:lstStyle/>
-        <a:p>
-          <a:endParaRPr lang="en-US"/>
-        </a:p>
-      </dgm:t>
-    </dgm:pt>
-    <dgm:pt modelId="{46037378-034A-4662-877A-B53E1DA069A3}" type="sibTrans" cxnId="{011A9761-E983-4C7D-AB1D-2038261D8FF8}">
-      <dgm:prSet/>
-      <dgm:spPr/>
-      <dgm:t>
-        <a:bodyPr/>
-        <a:lstStyle/>
-        <a:p>
-          <a:endParaRPr lang="en-US"/>
-        </a:p>
-      </dgm:t>
-    </dgm:pt>
-    <dgm:pt modelId="{1D84D8B6-AB32-4491-B5D2-EFE3D7668B88}" type="pres">
-      <dgm:prSet presAssocID="{CD7942A0-B7D2-4B14-8FEA-55FC702F5BE7}" presName="outerComposite" presStyleCnt="0">
-        <dgm:presLayoutVars>
-          <dgm:chMax val="5"/>
-          <dgm:dir/>
-          <dgm:resizeHandles val="exact"/>
-        </dgm:presLayoutVars>
-      </dgm:prSet>
-      <dgm:spPr/>
-    </dgm:pt>
-    <dgm:pt modelId="{3E0E8213-E460-4EB7-9A92-C2B1CC553F0D}" type="pres">
-      <dgm:prSet presAssocID="{CD7942A0-B7D2-4B14-8FEA-55FC702F5BE7}" presName="dummyMaxCanvas" presStyleCnt="0">
-        <dgm:presLayoutVars/>
-      </dgm:prSet>
-      <dgm:spPr/>
-    </dgm:pt>
-    <dgm:pt modelId="{124EF20B-D98C-45B2-BB13-7B93B5373CEB}" type="pres">
-      <dgm:prSet presAssocID="{CD7942A0-B7D2-4B14-8FEA-55FC702F5BE7}" presName="ThreeNodes_1" presStyleLbl="node1" presStyleIdx="0" presStyleCnt="3">
-        <dgm:presLayoutVars>
-          <dgm:bulletEnabled val="1"/>
-        </dgm:presLayoutVars>
-      </dgm:prSet>
-      <dgm:spPr/>
-    </dgm:pt>
-    <dgm:pt modelId="{CA544AF7-F7B2-4CA5-9251-B4CDB8D06634}" type="pres">
-      <dgm:prSet presAssocID="{CD7942A0-B7D2-4B14-8FEA-55FC702F5BE7}" presName="ThreeNodes_2" presStyleLbl="node1" presStyleIdx="1" presStyleCnt="3">
-        <dgm:presLayoutVars>
-          <dgm:bulletEnabled val="1"/>
-        </dgm:presLayoutVars>
-      </dgm:prSet>
-      <dgm:spPr/>
-    </dgm:pt>
-    <dgm:pt modelId="{2AE92D3F-F0FA-45DD-BB60-4C6FBC6BC016}" type="pres">
-      <dgm:prSet presAssocID="{CD7942A0-B7D2-4B14-8FEA-55FC702F5BE7}" presName="ThreeNodes_3" presStyleLbl="node1" presStyleIdx="2" presStyleCnt="3">
-        <dgm:presLayoutVars>
-          <dgm:bulletEnabled val="1"/>
-        </dgm:presLayoutVars>
-      </dgm:prSet>
-      <dgm:spPr/>
-    </dgm:pt>
-    <dgm:pt modelId="{9CA877D8-99F8-40A0-89E9-59A61C9A70F4}" type="pres">
-      <dgm:prSet presAssocID="{CD7942A0-B7D2-4B14-8FEA-55FC702F5BE7}" presName="ThreeConn_1-2" presStyleLbl="fgAccFollowNode1" presStyleIdx="0" presStyleCnt="2">
-        <dgm:presLayoutVars>
-          <dgm:bulletEnabled val="1"/>
-        </dgm:presLayoutVars>
-      </dgm:prSet>
-      <dgm:spPr/>
-    </dgm:pt>
-    <dgm:pt modelId="{62643EF2-016C-41F1-8CBC-398422A85727}" type="pres">
-      <dgm:prSet presAssocID="{CD7942A0-B7D2-4B14-8FEA-55FC702F5BE7}" presName="ThreeConn_2-3" presStyleLbl="fgAccFollowNode1" presStyleIdx="1" presStyleCnt="2">
-        <dgm:presLayoutVars>
-          <dgm:bulletEnabled val="1"/>
-        </dgm:presLayoutVars>
-      </dgm:prSet>
-      <dgm:spPr/>
-    </dgm:pt>
-    <dgm:pt modelId="{7A2F6994-DA87-4497-BFC7-DD9D6EC5315F}" type="pres">
-      <dgm:prSet presAssocID="{CD7942A0-B7D2-4B14-8FEA-55FC702F5BE7}" presName="ThreeNodes_1_text" presStyleLbl="node1" presStyleIdx="2" presStyleCnt="3">
-        <dgm:presLayoutVars>
-          <dgm:bulletEnabled val="1"/>
-        </dgm:presLayoutVars>
-      </dgm:prSet>
-      <dgm:spPr/>
-    </dgm:pt>
-    <dgm:pt modelId="{916C48CB-E452-4B79-A9B9-4C9A90B47960}" type="pres">
-      <dgm:prSet presAssocID="{CD7942A0-B7D2-4B14-8FEA-55FC702F5BE7}" presName="ThreeNodes_2_text" presStyleLbl="node1" presStyleIdx="2" presStyleCnt="3">
-        <dgm:presLayoutVars>
-          <dgm:bulletEnabled val="1"/>
-        </dgm:presLayoutVars>
-      </dgm:prSet>
-      <dgm:spPr/>
-    </dgm:pt>
-    <dgm:pt modelId="{A31D264E-E285-4E5C-8EB7-762CD501BE72}" type="pres">
-      <dgm:prSet presAssocID="{CD7942A0-B7D2-4B14-8FEA-55FC702F5BE7}" presName="ThreeNodes_3_text" presStyleLbl="node1" presStyleIdx="2" presStyleCnt="3">
-        <dgm:presLayoutVars>
-          <dgm:bulletEnabled val="1"/>
-        </dgm:presLayoutVars>
-      </dgm:prSet>
-      <dgm:spPr/>
-    </dgm:pt>
-  </dgm:ptLst>
-  <dgm:cxnLst>
-    <dgm:cxn modelId="{5A89A138-BC1A-490F-935E-2EC3F74E8E18}" type="presOf" srcId="{7133ECF5-4190-4604-AA2F-03C9A0A9210F}" destId="{2AE92D3F-F0FA-45DD-BB60-4C6FBC6BC016}" srcOrd="0" destOrd="0" presId="urn:microsoft.com/office/officeart/2005/8/layout/vProcess5"/>
-    <dgm:cxn modelId="{011A9761-E983-4C7D-AB1D-2038261D8FF8}" srcId="{CD7942A0-B7D2-4B14-8FEA-55FC702F5BE7}" destId="{7133ECF5-4190-4604-AA2F-03C9A0A9210F}" srcOrd="2" destOrd="0" parTransId="{7D1B29D7-21DD-436A-8F7C-E87DE53C1431}" sibTransId="{46037378-034A-4662-877A-B53E1DA069A3}"/>
-    <dgm:cxn modelId="{8A063A46-8F8D-405A-B2D6-6495FA638F46}" type="presOf" srcId="{8EC937D8-BD76-4A12-A3E5-900D5C1E2E05}" destId="{CA544AF7-F7B2-4CA5-9251-B4CDB8D06634}" srcOrd="0" destOrd="0" presId="urn:microsoft.com/office/officeart/2005/8/layout/vProcess5"/>
-    <dgm:cxn modelId="{A071614A-8A85-47B2-A113-0652CAB9B428}" type="presOf" srcId="{095A5E99-E976-4550-8F80-53CC813F2F5A}" destId="{124EF20B-D98C-45B2-BB13-7B93B5373CEB}" srcOrd="0" destOrd="0" presId="urn:microsoft.com/office/officeart/2005/8/layout/vProcess5"/>
-    <dgm:cxn modelId="{43DC8383-AEE5-490C-A8E5-1F216F2B8FE6}" srcId="{CD7942A0-B7D2-4B14-8FEA-55FC702F5BE7}" destId="{8EC937D8-BD76-4A12-A3E5-900D5C1E2E05}" srcOrd="1" destOrd="0" parTransId="{8265EE85-9851-494E-A6D3-1CDACE947DF3}" sibTransId="{B3EFD4A5-9FA1-4ABE-B722-05162509509B}"/>
-    <dgm:cxn modelId="{03E7038C-2CC0-496B-88A0-60396CDC31E4}" type="presOf" srcId="{7133ECF5-4190-4604-AA2F-03C9A0A9210F}" destId="{A31D264E-E285-4E5C-8EB7-762CD501BE72}" srcOrd="1" destOrd="0" presId="urn:microsoft.com/office/officeart/2005/8/layout/vProcess5"/>
-    <dgm:cxn modelId="{C2D0E194-BD14-4AD2-9E3A-CE984C34B6CD}" type="presOf" srcId="{CD7942A0-B7D2-4B14-8FEA-55FC702F5BE7}" destId="{1D84D8B6-AB32-4491-B5D2-EFE3D7668B88}" srcOrd="0" destOrd="0" presId="urn:microsoft.com/office/officeart/2005/8/layout/vProcess5"/>
-    <dgm:cxn modelId="{BB374C9D-646D-46E6-89B4-117F0E21BA34}" type="presOf" srcId="{8EC937D8-BD76-4A12-A3E5-900D5C1E2E05}" destId="{916C48CB-E452-4B79-A9B9-4C9A90B47960}" srcOrd="1" destOrd="0" presId="urn:microsoft.com/office/officeart/2005/8/layout/vProcess5"/>
-    <dgm:cxn modelId="{12FC7FDE-4033-4970-A683-61DE6FA84E89}" type="presOf" srcId="{8877691F-1B60-4485-9174-DDEC7EE68B70}" destId="{9CA877D8-99F8-40A0-89E9-59A61C9A70F4}" srcOrd="0" destOrd="0" presId="urn:microsoft.com/office/officeart/2005/8/layout/vProcess5"/>
-    <dgm:cxn modelId="{D1A4D8E6-F04E-4AB1-8D0C-63DC7AB1E81F}" srcId="{CD7942A0-B7D2-4B14-8FEA-55FC702F5BE7}" destId="{095A5E99-E976-4550-8F80-53CC813F2F5A}" srcOrd="0" destOrd="0" parTransId="{03339A0D-5DC0-4B29-8353-C5AEBFD4DE86}" sibTransId="{8877691F-1B60-4485-9174-DDEC7EE68B70}"/>
-    <dgm:cxn modelId="{7C007CEB-6418-4EA7-9CB6-5B93D0C655E6}" type="presOf" srcId="{095A5E99-E976-4550-8F80-53CC813F2F5A}" destId="{7A2F6994-DA87-4497-BFC7-DD9D6EC5315F}" srcOrd="1" destOrd="0" presId="urn:microsoft.com/office/officeart/2005/8/layout/vProcess5"/>
-    <dgm:cxn modelId="{6CF7D6F9-A5F2-48E3-AF5C-A2074559AE21}" type="presOf" srcId="{B3EFD4A5-9FA1-4ABE-B722-05162509509B}" destId="{62643EF2-016C-41F1-8CBC-398422A85727}" srcOrd="0" destOrd="0" presId="urn:microsoft.com/office/officeart/2005/8/layout/vProcess5"/>
-    <dgm:cxn modelId="{768DB908-A4BF-48A6-A740-5DD0CBAFBB11}" type="presParOf" srcId="{1D84D8B6-AB32-4491-B5D2-EFE3D7668B88}" destId="{3E0E8213-E460-4EB7-9A92-C2B1CC553F0D}" srcOrd="0" destOrd="0" presId="urn:microsoft.com/office/officeart/2005/8/layout/vProcess5"/>
-    <dgm:cxn modelId="{A8B17D3B-E670-4FE0-A845-244C702B8151}" type="presParOf" srcId="{1D84D8B6-AB32-4491-B5D2-EFE3D7668B88}" destId="{124EF20B-D98C-45B2-BB13-7B93B5373CEB}" srcOrd="1" destOrd="0" presId="urn:microsoft.com/office/officeart/2005/8/layout/vProcess5"/>
-    <dgm:cxn modelId="{1E8E2D8B-A980-4080-A16E-1F74528DE4D0}" type="presParOf" srcId="{1D84D8B6-AB32-4491-B5D2-EFE3D7668B88}" destId="{CA544AF7-F7B2-4CA5-9251-B4CDB8D06634}" srcOrd="2" destOrd="0" presId="urn:microsoft.com/office/officeart/2005/8/layout/vProcess5"/>
-    <dgm:cxn modelId="{7992440C-9F36-432D-90EE-E2A708CEB38B}" type="presParOf" srcId="{1D84D8B6-AB32-4491-B5D2-EFE3D7668B88}" destId="{2AE92D3F-F0FA-45DD-BB60-4C6FBC6BC016}" srcOrd="3" destOrd="0" presId="urn:microsoft.com/office/officeart/2005/8/layout/vProcess5"/>
-    <dgm:cxn modelId="{DBE883B8-7D13-43BA-A456-8DBB93D30C93}" type="presParOf" srcId="{1D84D8B6-AB32-4491-B5D2-EFE3D7668B88}" destId="{9CA877D8-99F8-40A0-89E9-59A61C9A70F4}" srcOrd="4" destOrd="0" presId="urn:microsoft.com/office/officeart/2005/8/layout/vProcess5"/>
-    <dgm:cxn modelId="{A3B9E6ED-FFD0-430E-B609-EBE8E75E7C44}" type="presParOf" srcId="{1D84D8B6-AB32-4491-B5D2-EFE3D7668B88}" destId="{62643EF2-016C-41F1-8CBC-398422A85727}" srcOrd="5" destOrd="0" presId="urn:microsoft.com/office/officeart/2005/8/layout/vProcess5"/>
-    <dgm:cxn modelId="{278FE748-9C54-4E36-9203-E948DB63C99A}" type="presParOf" srcId="{1D84D8B6-AB32-4491-B5D2-EFE3D7668B88}" destId="{7A2F6994-DA87-4497-BFC7-DD9D6EC5315F}" srcOrd="6" destOrd="0" presId="urn:microsoft.com/office/officeart/2005/8/layout/vProcess5"/>
-    <dgm:cxn modelId="{E81279B5-23BF-4F73-A353-8831FC04E9BC}" type="presParOf" srcId="{1D84D8B6-AB32-4491-B5D2-EFE3D7668B88}" destId="{916C48CB-E452-4B79-A9B9-4C9A90B47960}" srcOrd="7" destOrd="0" presId="urn:microsoft.com/office/officeart/2005/8/layout/vProcess5"/>
-    <dgm:cxn modelId="{16289EC3-0C51-4B32-B6CC-FE8F7F6F6C76}" type="presParOf" srcId="{1D84D8B6-AB32-4491-B5D2-EFE3D7668B88}" destId="{A31D264E-E285-4E5C-8EB7-762CD501BE72}" srcOrd="8" destOrd="0" presId="urn:microsoft.com/office/officeart/2005/8/layout/vProcess5"/>
-  </dgm:cxnLst>
-  <dgm:bg/>
-  <dgm:whole/>
-  <dgm:extLst>
-    <a:ext uri="http://schemas.microsoft.com/office/drawing/2008/diagram">
-      <dsp:dataModelExt xmlns:dsp="http://schemas.microsoft.com/office/drawing/2008/diagram" relId="rId7" minVer="http://schemas.openxmlformats.org/drawingml/2006/diagram"/>
-    </a:ext>
-  </dgm:extLst>
-</dgm:dataModel>
-</file>
-
-<file path=ppt/diagrams/drawing1.xml><?xml version="1.0" encoding="utf-8"?>
-<dsp:drawing xmlns:dgm="http://schemas.openxmlformats.org/drawingml/2006/diagram" xmlns:dsp="http://schemas.microsoft.com/office/drawing/2008/diagram" xmlns:a="http://schemas.openxmlformats.org/drawingml/2006/main">
-  <dsp:spTree>
-    <dsp:nvGrpSpPr>
-      <dsp:cNvPr id="0" name=""/>
-      <dsp:cNvGrpSpPr/>
-    </dsp:nvGrpSpPr>
-    <dsp:grpSpPr/>
-    <dsp:sp modelId="{124EF20B-D98C-45B2-BB13-7B93B5373CEB}">
-      <dsp:nvSpPr>
-        <dsp:cNvPr id="0" name=""/>
-        <dsp:cNvSpPr/>
-      </dsp:nvSpPr>
-      <dsp:spPr>
-        <a:xfrm>
-          <a:off x="0" y="0"/>
-          <a:ext cx="4316650" cy="1339691"/>
-        </a:xfrm>
-        <a:prstGeom prst="roundRect">
-          <a:avLst>
-            <a:gd name="adj" fmla="val 10000"/>
-          </a:avLst>
-        </a:prstGeom>
-        <a:gradFill rotWithShape="0">
-          <a:gsLst>
-            <a:gs pos="0">
-              <a:srgbClr val="703000"/>
-            </a:gs>
-            <a:gs pos="50000">
-              <a:srgbClr val="A44A00"/>
-            </a:gs>
-            <a:gs pos="70000">
-              <a:srgbClr val="BC5500"/>
-            </a:gs>
-            <a:gs pos="100000">
-              <a:srgbClr val="F26D00"/>
-            </a:gs>
-          </a:gsLst>
-          <a:lin ang="16200000" scaled="0"/>
-        </a:gradFill>
-        <a:ln>
-          <a:noFill/>
-        </a:ln>
-        <a:effectLst>
-          <a:outerShdw blurRad="38100" dist="25400" dir="2700000" algn="br" rotWithShape="0">
-            <a:srgbClr val="000000">
-              <a:alpha val="60000"/>
-            </a:srgbClr>
-          </a:outerShdw>
-        </a:effectLst>
-      </dsp:spPr>
-      <dsp:style>
-        <a:lnRef idx="0">
-          <a:scrgbClr r="0" g="0" b="0"/>
-        </a:lnRef>
-        <a:fillRef idx="3">
-          <a:scrgbClr r="0" g="0" b="0"/>
-        </a:fillRef>
-        <a:effectRef idx="2">
-          <a:scrgbClr r="0" g="0" b="0"/>
-        </a:effectRef>
-        <a:fontRef idx="minor">
-          <a:schemeClr val="lt1"/>
-        </a:fontRef>
-      </dsp:style>
-      <dsp:txBody>
-        <a:bodyPr spcFirstLastPara="0" vert="horz" wrap="square" lIns="220980" tIns="220980" rIns="220980" bIns="220980" numCol="1" spcCol="1270" anchor="ctr" anchorCtr="0">
-          <a:noAutofit/>
-        </a:bodyPr>
-        <a:lstStyle/>
-        <a:p>
-          <a:pPr marL="0" lvl="0" indent="0" algn="l" defTabSz="2578100">
-            <a:lnSpc>
-              <a:spcPct val="90000"/>
-            </a:lnSpc>
-            <a:spcBef>
-              <a:spcPct val="0"/>
-            </a:spcBef>
-            <a:spcAft>
-              <a:spcPct val="35000"/>
-            </a:spcAft>
-            <a:buNone/>
-          </a:pPr>
-          <a:r>
-            <a:rPr lang="en-US" sz="5800" kern="1200" dirty="0"/>
-            <a:t>Task 1</a:t>
-          </a:r>
-        </a:p>
-      </dsp:txBody>
-      <dsp:txXfrm>
-        <a:off x="39238" y="39238"/>
-        <a:ext cx="2871019" cy="1261215"/>
-      </dsp:txXfrm>
-    </dsp:sp>
-    <dsp:sp modelId="{CA544AF7-F7B2-4CA5-9251-B4CDB8D06634}">
-      <dsp:nvSpPr>
-        <dsp:cNvPr id="0" name=""/>
-        <dsp:cNvSpPr/>
-      </dsp:nvSpPr>
-      <dsp:spPr>
-        <a:xfrm>
-          <a:off x="380880" y="1562972"/>
-          <a:ext cx="4316650" cy="1339691"/>
-        </a:xfrm>
-        <a:prstGeom prst="roundRect">
-          <a:avLst>
-            <a:gd name="adj" fmla="val 10000"/>
-          </a:avLst>
-        </a:prstGeom>
-        <a:gradFill rotWithShape="0">
-          <a:gsLst>
-            <a:gs pos="0">
-              <a:schemeClr val="accent3">
-                <a:hueOff val="0"/>
-                <a:satOff val="0"/>
-                <a:lumOff val="0"/>
-                <a:alphaOff val="0"/>
-                <a:shade val="15000"/>
-                <a:satMod val="180000"/>
-              </a:schemeClr>
-            </a:gs>
-            <a:gs pos="50000">
-              <a:schemeClr val="accent3">
-                <a:hueOff val="0"/>
-                <a:satOff val="0"/>
-                <a:lumOff val="0"/>
-                <a:alphaOff val="0"/>
-                <a:shade val="45000"/>
-                <a:satMod val="170000"/>
-              </a:schemeClr>
-            </a:gs>
-            <a:gs pos="70000">
-              <a:schemeClr val="accent3">
-                <a:hueOff val="0"/>
-                <a:satOff val="0"/>
-                <a:lumOff val="0"/>
-                <a:alphaOff val="0"/>
-                <a:tint val="99000"/>
-                <a:shade val="65000"/>
-                <a:satMod val="155000"/>
-              </a:schemeClr>
-            </a:gs>
-            <a:gs pos="100000">
-              <a:schemeClr val="accent3">
-                <a:hueOff val="0"/>
-                <a:satOff val="0"/>
-                <a:lumOff val="0"/>
-                <a:alphaOff val="0"/>
-                <a:tint val="100000"/>
-                <a:shade val="100000"/>
-                <a:satMod val="155000"/>
-              </a:schemeClr>
-            </a:gs>
-          </a:gsLst>
-          <a:lin ang="16200000" scaled="0"/>
-        </a:gradFill>
-        <a:ln>
-          <a:noFill/>
-        </a:ln>
-        <a:effectLst>
-          <a:outerShdw blurRad="38100" dist="25400" dir="2700000" algn="br" rotWithShape="0">
-            <a:srgbClr val="000000">
-              <a:alpha val="60000"/>
-            </a:srgbClr>
-          </a:outerShdw>
-        </a:effectLst>
-      </dsp:spPr>
-      <dsp:style>
-        <a:lnRef idx="0">
-          <a:scrgbClr r="0" g="0" b="0"/>
-        </a:lnRef>
-        <a:fillRef idx="3">
-          <a:scrgbClr r="0" g="0" b="0"/>
-        </a:fillRef>
-        <a:effectRef idx="2">
-          <a:scrgbClr r="0" g="0" b="0"/>
-        </a:effectRef>
-        <a:fontRef idx="minor">
-          <a:schemeClr val="lt1"/>
-        </a:fontRef>
-      </dsp:style>
-      <dsp:txBody>
-        <a:bodyPr spcFirstLastPara="0" vert="horz" wrap="square" lIns="220980" tIns="220980" rIns="220980" bIns="220980" numCol="1" spcCol="1270" anchor="ctr" anchorCtr="0">
-          <a:noAutofit/>
-        </a:bodyPr>
-        <a:lstStyle/>
-        <a:p>
-          <a:pPr marL="0" lvl="0" indent="0" algn="l" defTabSz="2578100">
-            <a:lnSpc>
-              <a:spcPct val="90000"/>
-            </a:lnSpc>
-            <a:spcBef>
-              <a:spcPct val="0"/>
-            </a:spcBef>
-            <a:spcAft>
-              <a:spcPct val="35000"/>
-            </a:spcAft>
-            <a:buNone/>
-          </a:pPr>
-          <a:r>
-            <a:rPr lang="en-US" sz="5800" kern="1200" dirty="0"/>
-            <a:t>Task 2</a:t>
-          </a:r>
-        </a:p>
-      </dsp:txBody>
-      <dsp:txXfrm>
-        <a:off x="420118" y="1602210"/>
-        <a:ext cx="2986494" cy="1261215"/>
-      </dsp:txXfrm>
-    </dsp:sp>
-    <dsp:sp modelId="{2AE92D3F-F0FA-45DD-BB60-4C6FBC6BC016}">
-      <dsp:nvSpPr>
-        <dsp:cNvPr id="0" name=""/>
-        <dsp:cNvSpPr/>
-      </dsp:nvSpPr>
-      <dsp:spPr>
-        <a:xfrm>
-          <a:off x="761761" y="3125945"/>
-          <a:ext cx="4316650" cy="1339691"/>
-        </a:xfrm>
-        <a:prstGeom prst="roundRect">
-          <a:avLst>
-            <a:gd name="adj" fmla="val 10000"/>
-          </a:avLst>
-        </a:prstGeom>
-        <a:gradFill rotWithShape="0">
-          <a:gsLst>
-            <a:gs pos="0">
-              <a:srgbClr val="394404"/>
-            </a:gs>
-            <a:gs pos="50000">
-              <a:srgbClr val="5F6F0F"/>
-            </a:gs>
-            <a:gs pos="70000">
-              <a:srgbClr val="65741A"/>
-            </a:gs>
-            <a:gs pos="100000">
-              <a:schemeClr val="accent4">
-                <a:hueOff val="0"/>
-                <a:satOff val="0"/>
-                <a:lumOff val="0"/>
-                <a:alphaOff val="0"/>
-                <a:tint val="100000"/>
-                <a:shade val="100000"/>
-                <a:satMod val="155000"/>
-              </a:schemeClr>
-            </a:gs>
-          </a:gsLst>
-          <a:lin ang="16200000" scaled="0"/>
-        </a:gradFill>
-        <a:ln>
-          <a:noFill/>
-        </a:ln>
-        <a:effectLst>
-          <a:outerShdw blurRad="38100" dist="25400" dir="2700000" algn="br" rotWithShape="0">
-            <a:srgbClr val="000000">
-              <a:alpha val="60000"/>
-            </a:srgbClr>
-          </a:outerShdw>
-        </a:effectLst>
-      </dsp:spPr>
-      <dsp:style>
-        <a:lnRef idx="0">
-          <a:scrgbClr r="0" g="0" b="0"/>
-        </a:lnRef>
-        <a:fillRef idx="3">
-          <a:scrgbClr r="0" g="0" b="0"/>
-        </a:fillRef>
-        <a:effectRef idx="2">
-          <a:scrgbClr r="0" g="0" b="0"/>
-        </a:effectRef>
-        <a:fontRef idx="minor">
-          <a:schemeClr val="lt1"/>
-        </a:fontRef>
-      </dsp:style>
-      <dsp:txBody>
-        <a:bodyPr spcFirstLastPara="0" vert="horz" wrap="square" lIns="220980" tIns="220980" rIns="220980" bIns="220980" numCol="1" spcCol="1270" anchor="ctr" anchorCtr="0">
-          <a:noAutofit/>
-        </a:bodyPr>
-        <a:lstStyle/>
-        <a:p>
-          <a:pPr marL="0" lvl="0" indent="0" algn="l" defTabSz="2578100">
-            <a:lnSpc>
-              <a:spcPct val="90000"/>
-            </a:lnSpc>
-            <a:spcBef>
-              <a:spcPct val="0"/>
-            </a:spcBef>
-            <a:spcAft>
-              <a:spcPct val="35000"/>
-            </a:spcAft>
-            <a:buNone/>
-          </a:pPr>
-          <a:r>
-            <a:rPr lang="en-US" sz="5800" kern="1200" dirty="0"/>
-            <a:t>Task 3</a:t>
-          </a:r>
-        </a:p>
-      </dsp:txBody>
-      <dsp:txXfrm>
-        <a:off x="800999" y="3165183"/>
-        <a:ext cx="2986494" cy="1261215"/>
-      </dsp:txXfrm>
-    </dsp:sp>
-    <dsp:sp modelId="{9CA877D8-99F8-40A0-89E9-59A61C9A70F4}">
-      <dsp:nvSpPr>
-        <dsp:cNvPr id="0" name=""/>
-        <dsp:cNvSpPr/>
-      </dsp:nvSpPr>
-      <dsp:spPr>
-        <a:xfrm>
-          <a:off x="3445850" y="1015932"/>
-          <a:ext cx="870799" cy="870799"/>
-        </a:xfrm>
-        <a:prstGeom prst="downArrow">
-          <a:avLst>
-            <a:gd name="adj1" fmla="val 55000"/>
-            <a:gd name="adj2" fmla="val 45000"/>
-          </a:avLst>
-        </a:prstGeom>
-        <a:solidFill>
-          <a:schemeClr val="accent2">
-            <a:tint val="40000"/>
-            <a:alpha val="90000"/>
-            <a:hueOff val="0"/>
-            <a:satOff val="0"/>
-            <a:lumOff val="0"/>
-            <a:alphaOff val="0"/>
-          </a:schemeClr>
-        </a:solidFill>
-        <a:ln w="9525" cap="flat" cmpd="sng" algn="ctr">
-          <a:solidFill>
-            <a:schemeClr val="accent2">
-              <a:tint val="40000"/>
-              <a:alpha val="90000"/>
-              <a:hueOff val="0"/>
-              <a:satOff val="0"/>
-              <a:lumOff val="0"/>
-              <a:alphaOff val="0"/>
-            </a:schemeClr>
-          </a:solidFill>
-          <a:miter lim="800000"/>
-        </a:ln>
-        <a:effectLst/>
-      </dsp:spPr>
-      <dsp:style>
-        <a:lnRef idx="1">
-          <a:scrgbClr r="0" g="0" b="0"/>
-        </a:lnRef>
-        <a:fillRef idx="1">
-          <a:scrgbClr r="0" g="0" b="0"/>
-        </a:fillRef>
-        <a:effectRef idx="0">
-          <a:scrgbClr r="0" g="0" b="0"/>
-        </a:effectRef>
-        <a:fontRef idx="minor"/>
-      </dsp:style>
-      <dsp:txBody>
-        <a:bodyPr spcFirstLastPara="0" vert="horz" wrap="square" lIns="45720" tIns="45720" rIns="45720" bIns="45720" numCol="1" spcCol="1270" anchor="ctr" anchorCtr="0">
-          <a:noAutofit/>
-        </a:bodyPr>
-        <a:lstStyle/>
-        <a:p>
-          <a:pPr marL="0" lvl="0" indent="0" algn="ctr" defTabSz="1600200">
-            <a:lnSpc>
-              <a:spcPct val="90000"/>
-            </a:lnSpc>
-            <a:spcBef>
-              <a:spcPct val="0"/>
-            </a:spcBef>
-            <a:spcAft>
-              <a:spcPct val="35000"/>
-            </a:spcAft>
-            <a:buNone/>
-          </a:pPr>
-          <a:endParaRPr lang="en-US" sz="3600" kern="1200"/>
-        </a:p>
-      </dsp:txBody>
-      <dsp:txXfrm>
-        <a:off x="3641780" y="1015932"/>
-        <a:ext cx="478939" cy="655276"/>
-      </dsp:txXfrm>
-    </dsp:sp>
-    <dsp:sp modelId="{62643EF2-016C-41F1-8CBC-398422A85727}">
-      <dsp:nvSpPr>
-        <dsp:cNvPr id="0" name=""/>
-        <dsp:cNvSpPr/>
-      </dsp:nvSpPr>
-      <dsp:spPr>
-        <a:xfrm>
-          <a:off x="3826731" y="2569974"/>
-          <a:ext cx="870799" cy="870799"/>
-        </a:xfrm>
-        <a:prstGeom prst="downArrow">
-          <a:avLst>
-            <a:gd name="adj1" fmla="val 55000"/>
-            <a:gd name="adj2" fmla="val 45000"/>
-          </a:avLst>
-        </a:prstGeom>
-        <a:solidFill>
-          <a:schemeClr val="accent3">
-            <a:tint val="40000"/>
-            <a:alpha val="90000"/>
-            <a:hueOff val="0"/>
-            <a:satOff val="0"/>
-            <a:lumOff val="0"/>
-            <a:alphaOff val="0"/>
-          </a:schemeClr>
-        </a:solidFill>
-        <a:ln w="9525" cap="flat" cmpd="sng" algn="ctr">
-          <a:solidFill>
-            <a:schemeClr val="accent3">
-              <a:tint val="40000"/>
-              <a:alpha val="90000"/>
-              <a:hueOff val="0"/>
-              <a:satOff val="0"/>
-              <a:lumOff val="0"/>
-              <a:alphaOff val="0"/>
-            </a:schemeClr>
-          </a:solidFill>
-          <a:miter lim="800000"/>
-        </a:ln>
-        <a:effectLst/>
-      </dsp:spPr>
-      <dsp:style>
-        <a:lnRef idx="1">
-          <a:scrgbClr r="0" g="0" b="0"/>
-        </a:lnRef>
-        <a:fillRef idx="1">
-          <a:scrgbClr r="0" g="0" b="0"/>
-        </a:fillRef>
-        <a:effectRef idx="0">
-          <a:scrgbClr r="0" g="0" b="0"/>
-        </a:effectRef>
-        <a:fontRef idx="minor"/>
-      </dsp:style>
-      <dsp:txBody>
-        <a:bodyPr spcFirstLastPara="0" vert="horz" wrap="square" lIns="45720" tIns="45720" rIns="45720" bIns="45720" numCol="1" spcCol="1270" anchor="ctr" anchorCtr="0">
-          <a:noAutofit/>
-        </a:bodyPr>
-        <a:lstStyle/>
-        <a:p>
-          <a:pPr marL="0" lvl="0" indent="0" algn="ctr" defTabSz="1600200">
-            <a:lnSpc>
-              <a:spcPct val="90000"/>
-            </a:lnSpc>
-            <a:spcBef>
-              <a:spcPct val="0"/>
-            </a:spcBef>
-            <a:spcAft>
-              <a:spcPct val="35000"/>
-            </a:spcAft>
-            <a:buNone/>
-          </a:pPr>
-          <a:endParaRPr lang="en-US" sz="3600" kern="1200"/>
-        </a:p>
-      </dsp:txBody>
-      <dsp:txXfrm>
-        <a:off x="4022661" y="2569974"/>
-        <a:ext cx="478939" cy="655276"/>
-      </dsp:txXfrm>
-    </dsp:sp>
-  </dsp:spTree>
-</dsp:drawing>
-</file>
-
-<file path=ppt/diagrams/layout1.xml><?xml version="1.0" encoding="utf-8"?>
-<dgm:layoutDef xmlns:dgm="http://schemas.openxmlformats.org/drawingml/2006/diagram" xmlns:a="http://schemas.openxmlformats.org/drawingml/2006/main" uniqueId="urn:microsoft.com/office/officeart/2005/8/layout/vProcess5">
-  <dgm:title val=""/>
-  <dgm:desc val=""/>
-  <dgm:catLst>
-    <dgm:cat type="process" pri="14000"/>
-  </dgm:catLst>
-  <dgm:sampData>
-    <dgm:dataModel>
-      <dgm:ptLst>
-        <dgm:pt modelId="0" type="doc"/>
-        <dgm:pt modelId="1">
-          <dgm:prSet phldr="1"/>
-        </dgm:pt>
-        <dgm:pt modelId="2">
-          <dgm:prSet phldr="1"/>
-        </dgm:pt>
-        <dgm:pt modelId="3">
-          <dgm:prSet phldr="1"/>
-        </dgm:pt>
-      </dgm:ptLst>
-      <dgm:cxnLst>
-        <dgm:cxn modelId="5" srcId="0" destId="1" srcOrd="0" destOrd="0"/>
-        <dgm:cxn modelId="6" srcId="0" destId="2" srcOrd="1" destOrd="0"/>
-        <dgm:cxn modelId="7" srcId="0" destId="3" srcOrd="2" destOrd="0"/>
-      </dgm:cxnLst>
-      <dgm:bg/>
-      <dgm:whole/>
-    </dgm:dataModel>
-  </dgm:sampData>
-  <dgm:styleData>
-    <dgm:dataModel>
-      <dgm:ptLst>
-        <dgm:pt modelId="0" type="doc"/>
-        <dgm:pt modelId="1"/>
-        <dgm:pt modelId="2"/>
-      </dgm:ptLst>
-      <dgm:cxnLst>
-        <dgm:cxn modelId="3" srcId="0" destId="1" srcOrd="0" destOrd="0"/>
-        <dgm:cxn modelId="4" srcId="0" destId="2" srcOrd="1" destOrd="0"/>
-      </dgm:cxnLst>
-      <dgm:bg/>
-      <dgm:whole/>
-    </dgm:dataModel>
-  </dgm:styleData>
-  <dgm:clrData>
-    <dgm:dataModel>
-      <dgm:ptLst>
-        <dgm:pt modelId="0" type="doc"/>
-        <dgm:pt modelId="1"/>
-        <dgm:pt modelId="2"/>
-        <dgm:pt modelId="3"/>
-        <dgm:pt modelId="4"/>
-      </dgm:ptLst>
-      <dgm:cxnLst>
-        <dgm:cxn modelId="6" srcId="0" destId="1" srcOrd="0" destOrd="0"/>
-        <dgm:cxn modelId="7" srcId="0" destId="2" srcOrd="1" destOrd="0"/>
-        <dgm:cxn modelId="8" srcId="0" destId="3" srcOrd="2" destOrd="0"/>
-        <dgm:cxn modelId="9" srcId="0" destId="4" srcOrd="3" destOrd="0"/>
-      </dgm:cxnLst>
-      <dgm:bg/>
-      <dgm:whole/>
-    </dgm:dataModel>
-  </dgm:clrData>
-  <dgm:layoutNode name="outerComposite">
-    <dgm:varLst>
-      <dgm:chMax val="5"/>
-      <dgm:dir/>
-      <dgm:resizeHandles val="exact"/>
-    </dgm:varLst>
-    <dgm:alg type="composite"/>
-    <dgm:shape xmlns:r="http://schemas.openxmlformats.org/officeDocument/2006/relationships" r:blip="">
-      <dgm:adjLst/>
-    </dgm:shape>
-    <dgm:presOf/>
-    <dgm:choose name="Name0">
-      <dgm:if name="Name1" func="var" arg="dir" op="equ" val="norm">
-        <dgm:constrLst>
-          <dgm:constr type="primFontSz" for="ch" ptType="node" op="equ" val="65"/>
-          <dgm:constr type="w" for="ch" forName="dummyMaxCanvas" refType="w"/>
-          <dgm:constr type="h" for="ch" forName="dummyMaxCanvas" refType="h"/>
-          <dgm:constr type="w" for="ch" forName="OneNode_1" refType="w"/>
-          <dgm:constr type="h" for="ch" forName="OneNode_1" refType="h" fact="0.5"/>
-          <dgm:constr type="ctrY" for="ch" forName="OneNode_1" refType="h" fact="0.5"/>
-          <dgm:constr type="w" for="ch" forName="TwoNodes_1" refType="w" fact="0.85"/>
-          <dgm:constr type="h" for="ch" forName="TwoNodes_1" refType="h" fact="0.45"/>
-          <dgm:constr type="t" for="ch" forName="TwoNodes_1"/>
-          <dgm:constr type="l" for="ch" forName="TwoNodes_1"/>
-          <dgm:constr type="w" for="ch" forName="TwoNodes_2" refType="w" fact="0.85"/>
-          <dgm:constr type="h" for="ch" forName="TwoNodes_2" refType="h" fact="0.45"/>
-          <dgm:constr type="b" for="ch" forName="TwoNodes_2" refType="h"/>
-          <dgm:constr type="r" for="ch" forName="TwoNodes_2" refType="w"/>
-          <dgm:constr type="w" for="ch" forName="TwoConn_1-2" refType="h" refFor="ch" refForName="TwoNodes_1" fact="0.65"/>
-          <dgm:constr type="h" for="ch" forName="TwoConn_1-2" refType="h" refFor="ch" refForName="TwoNodes_1" fact="0.65"/>
-          <dgm:constr type="ctrY" for="ch" forName="TwoConn_1-2" refType="h" fact="0.5"/>
-          <dgm:constr type="r" for="ch" forName="TwoConn_1-2" refType="r" refFor="ch" refForName="TwoNodes_1"/>
-          <dgm:constr type="r" for="ch" forName="TwoNodes_1_text" refType="l" refFor="ch" refForName="TwoConn_1-2"/>
-          <dgm:constr type="rOff" for="ch" forName="TwoNodes_1_text" refType="w" refFor="ch" refForName="TwoConn_1-2" fact="-0.5"/>
-          <dgm:constr type="t" for="ch" forName="TwoNodes_1_text" refType="t" refFor="ch" refForName="TwoNodes_1"/>
-          <dgm:constr type="b" for="ch" forName="TwoNodes_1_text" refType="b" refFor="ch" refForName="TwoNodes_1"/>
-          <dgm:constr type="l" for="ch" forName="TwoNodes_1_text" refType="l" refFor="ch" refForName="TwoNodes_1"/>
-          <dgm:constr type="r" for="ch" forName="TwoNodes_2_text" refType="l" refFor="ch" refForName="TwoConn_1-2"/>
-          <dgm:constr type="t" for="ch" forName="TwoNodes_2_text" refType="t" refFor="ch" refForName="TwoNodes_2"/>
-          <dgm:constr type="b" for="ch" forName="TwoNodes_2_text" refType="b" refFor="ch" refForName="TwoNodes_2"/>
-          <dgm:constr type="l" for="ch" forName="TwoNodes_2_text" refType="l" refFor="ch" refForName="TwoNodes_2"/>
-          <dgm:constr type="w" for="ch" forName="ThreeNodes_1" refType="w" fact="0.85"/>
-          <dgm:constr type="h" for="ch" forName="ThreeNodes_1" refType="h" fact="0.3"/>
-          <dgm:constr type="t" for="ch" forName="ThreeNodes_1"/>
-          <dgm:constr type="l" for="ch" forName="ThreeNodes_1"/>
-          <dgm:constr type="w" for="ch" forName="ThreeNodes_2" refType="w" fact="0.85"/>
-          <dgm:constr type="h" for="ch" forName="ThreeNodes_2" refType="h" fact="0.3"/>
-          <dgm:constr type="ctrY" for="ch" forName="ThreeNodes_2" refType="h" fact="0.5"/>
-          <dgm:constr type="ctrX" for="ch" forName="ThreeNodes_2" refType="w" fact="0.5"/>
-          <dgm:constr type="w" for="ch" forName="ThreeNodes_3" refType="w" fact="0.85"/>
-          <dgm:constr type="h" for="ch" forName="ThreeNodes_3" refType="h" fact="0.3"/>
-          <dgm:constr type="b" for="ch" forName="ThreeNodes_3" refType="h"/>
-          <dgm:constr type="r" for="ch" forName="ThreeNodes_3" refType="w"/>
-          <dgm:constr type="w" for="ch" forName="ThreeConn_1-2" refType="h" refFor="ch" refForName="ThreeNodes_1" fact="0.65"/>
-          <dgm:constr type="h" for="ch" forName="ThreeConn_1-2" refType="h" refFor="ch" refForName="ThreeNodes_1" fact="0.65"/>
-          <dgm:constr type="ctrY" for="ch" forName="ThreeConn_1-2" refType="h" fact="0.325"/>
-          <dgm:constr type="r" for="ch" forName="ThreeConn_1-2" refType="r" refFor="ch" refForName="ThreeNodes_1"/>
-          <dgm:constr type="w" for="ch" forName="ThreeConn_2-3" refType="h" refFor="ch" refForName="ThreeNodes_2" fact="0.65"/>
-          <dgm:constr type="h" for="ch" forName="ThreeConn_2-3" refType="h" refFor="ch" refForName="ThreeNodes_2" fact="0.65"/>
-          <dgm:constr type="ctrY" for="ch" forName="ThreeConn_2-3" refType="h" fact="0.673"/>
-          <dgm:constr type="r" for="ch" forName="ThreeConn_2-3" refType="r" refFor="ch" refForName="ThreeNodes_2"/>
-          <dgm:constr type="r" for="ch" forName="ThreeNodes_1_text" refType="l" refFor="ch" refForName="ThreeConn_1-2"/>
-          <dgm:constr type="rOff" for="ch" forName="ThreeNodes_1_text" refType="w" refFor="ch" refForName="ThreeConn_1-2" fact="-0.57"/>
-          <dgm:constr type="t" for="ch" forName="ThreeNodes_1_text" refType="t" refFor="ch" refForName="ThreeNodes_1"/>
-          <dgm:constr type="b" for="ch" forName="ThreeNodes_1_text" refType="b" refFor="ch" refForName="ThreeNodes_1"/>
-          <dgm:constr type="l" for="ch" forName="ThreeNodes_1_text" refType="l" refFor="ch" refForName="ThreeNodes_1"/>
-          <dgm:constr type="r" for="ch" forName="ThreeNodes_2_text" refType="l" refFor="ch" refForName="ThreeConn_1-2"/>
-          <dgm:constr type="t" for="ch" forName="ThreeNodes_2_text" refType="t" refFor="ch" refForName="ThreeNodes_2"/>
-          <dgm:constr type="b" for="ch" forName="ThreeNodes_2_text" refType="b" refFor="ch" refForName="ThreeNodes_2"/>
-          <dgm:constr type="l" for="ch" forName="ThreeNodes_2_text" refType="l" refFor="ch" refForName="ThreeNodes_2"/>
-          <dgm:constr type="r" for="ch" forName="ThreeNodes_3_text" refType="l" refFor="ch" refForName="ThreeConn_2-3"/>
-          <dgm:constr type="t" for="ch" forName="ThreeNodes_3_text" refType="t" refFor="ch" refForName="ThreeNodes_3"/>
-          <dgm:constr type="b" for="ch" forName="ThreeNodes_3_text" refType="b" refFor="ch" refForName="ThreeNodes_3"/>
-          <dgm:constr type="l" for="ch" forName="ThreeNodes_3_text" refType="l" refFor="ch" refForName="ThreeNodes_3"/>
-          <dgm:constr type="w" for="ch" forName="FourNodes_1" refType="w" fact="0.8"/>
-          <dgm:constr type="h" for="ch" forName="FourNodes_1" refType="h" fact="0.22"/>
-          <dgm:constr type="t" for="ch" forName="FourNodes_1"/>
-          <dgm:constr type="l" for="ch" forName="FourNodes_1"/>
-          <dgm:constr type="w" for="ch" forName="FourNodes_2" refType="w" fact="0.8"/>
-          <dgm:constr type="h" for="ch" forName="FourNodes_2" refType="h" fact="0.22"/>
-          <dgm:constr type="ctrY" for="ch" forName="FourNodes_2" refType="h" fact="0.37"/>
-          <dgm:constr type="ctrX" for="ch" forName="FourNodes_2" refType="w" fact="0.467"/>
-          <dgm:constr type="w" for="ch" forName="FourNodes_3" refType="w" fact="0.8"/>
-          <dgm:constr type="h" for="ch" forName="FourNodes_3" refType="h" fact="0.22"/>
-          <dgm:constr type="ctrY" for="ch" forName="FourNodes_3" refType="h" fact="0.63"/>
-          <dgm:constr type="ctrX" for="ch" forName="FourNodes_3" refType="w" fact="0.533"/>
-          <dgm:constr type="w" for="ch" forName="FourNodes_4" refType="w" fact="0.8"/>
-          <dgm:constr type="h" for="ch" forName="FourNodes_4" refType="h" fact="0.22"/>
-          <dgm:constr type="b" for="ch" forName="FourNodes_4" refType="h"/>
-          <dgm:constr type="r" for="ch" forName="FourNodes_4" refType="w"/>
-          <dgm:constr type="w" for="ch" forName="FourConn_1-2" refType="h" refFor="ch" refForName="FourNodes_1" fact="0.65"/>
-          <dgm:constr type="h" for="ch" forName="FourConn_1-2" refType="h" refFor="ch" refForName="FourNodes_1" fact="0.65"/>
-          <dgm:constr type="ctrY" for="ch" forName="FourConn_1-2" refType="h" fact="0.24"/>
-          <dgm:constr type="r" for="ch" forName="FourConn_1-2" refType="r" refFor="ch" refForName="FourNodes_1"/>
-          <dgm:constr type="w" for="ch" forName="FourConn_2-3" refType="h" refFor="ch" refForName="FourNodes_2" fact="0.65"/>
-          <dgm:constr type="h" for="ch" forName="FourConn_2-3" refType="h" refFor="ch" refForName="FourNodes_2" fact="0.65"/>
-          <dgm:constr type="ctrY" for="ch" forName="FourConn_2-3" refType="h" fact="0.5"/>
-          <dgm:constr type="r" for="ch" forName="FourConn_2-3" refType="r" refFor="ch" refForName="FourNodes_2"/>
-          <dgm:constr type="w" for="ch" forName="FourConn_3-4" refType="h" refFor="ch" refForName="FourNodes_3" fact="0.65"/>
-          <dgm:constr type="h" for="ch" forName="FourConn_3-4" refType="h" refFor="ch" refForName="FourNodes_3" fact="0.65"/>
-          <dgm:constr type="ctrY" for="ch" forName="FourConn_3-4" refType="h" fact="0.76"/>
-          <dgm:constr type="r" for="ch" forName="FourConn_3-4" refType="r" refFor="ch" refForName="FourNodes_3"/>
-          <dgm:constr type="r" for="ch" forName="FourNodes_1_text" refType="l" refFor="ch" refForName="FourConn_1-2"/>
-          <dgm:constr type="rOff" for="ch" forName="FourNodes_1_text" refType="w" refFor="ch" refForName="FourConn_1-2" fact="-0.7"/>
-          <dgm:constr type="t" for="ch" forName="FourNodes_1_text" refType="t" refFor="ch" refForName="FourNodes_1"/>
-          <dgm:constr type="b" for="ch" forName="FourNodes_1_text" refType="b" refFor="ch" refForName="FourNodes_1"/>
-          <dgm:constr type="l" for="ch" forName="FourNodes_1_text" refType="l" refFor="ch" refForName="FourNodes_1"/>
-          <dgm:constr type="r" for="ch" forName="FourNodes_2_text" refType="l" refFor="ch" refForName="FourConn_1-2"/>
-          <dgm:constr type="t" for="ch" forName="FourNodes_2_text" refType="t" refFor="ch" refForName="FourNodes_2"/>
-          <dgm:constr type="b" for="ch" forName="FourNodes_2_text" refType="b" refFor="ch" refForName="FourNodes_2"/>
-          <dgm:constr type="l" for="ch" forName="FourNodes_2_text" refType="l" refFor="ch" refForName="FourNodes_2"/>
-          <dgm:constr type="r" for="ch" forName="FourNodes_3_text" refType="l" refFor="ch" refForName="FourConn_2-3"/>
-          <dgm:constr type="t" for="ch" forName="FourNodes_3_text" refType="t" refFor="ch" refForName="FourNodes_3"/>
-          <dgm:constr type="b" for="ch" forName="FourNodes_3_text" refType="b" refFor="ch" refForName="FourNodes_3"/>
-          <dgm:constr type="l" for="ch" forName="FourNodes_3_text" refType="l" refFor="ch" refForName="FourNodes_3"/>
-          <dgm:constr type="r" for="ch" forName="FourNodes_4_text" refType="l" refFor="ch" refForName="FourConn_3-4"/>
-          <dgm:constr type="t" for="ch" forName="FourNodes_4_text" refType="t" refFor="ch" refForName="FourNodes_4"/>
-          <dgm:constr type="b" for="ch" forName="FourNodes_4_text" refType="b" refFor="ch" refForName="FourNodes_4"/>
-          <dgm:constr type="l" for="ch" forName="FourNodes_4_text" refType="l" refFor="ch" refForName="FourNodes_4"/>
-          <dgm:constr type="w" for="ch" forName="FiveNodes_1" refType="w" fact="0.77"/>
-          <dgm:constr type="h" for="ch" forName="FiveNodes_1" refType="h" fact="0.18"/>
-          <dgm:constr type="t" for="ch" forName="FiveNodes_1"/>
-          <dgm:constr type="l" for="ch" forName="FiveNodes_1"/>
-          <dgm:constr type="w" for="ch" forName="FiveNodes_2" refType="w" fact="0.77"/>
-          <dgm:constr type="h" for="ch" forName="FiveNodes_2" refType="h" fact="0.18"/>
-          <dgm:constr type="ctrY" for="ch" forName="FiveNodes_2" refType="h" fact="0.295"/>
-          <dgm:constr type="ctrX" for="ch" forName="FiveNodes_2" refType="w" fact="0.4425"/>
-          <dgm:constr type="w" for="ch" forName="FiveNodes_3" refType="w" fact="0.77"/>
-          <dgm:constr type="h" for="ch" forName="FiveNodes_3" refType="h" fact="0.18"/>
-          <dgm:constr type="ctrY" for="ch" forName="FiveNodes_3" refType="h" fact="0.5"/>
-          <dgm:constr type="ctrX" for="ch" forName="FiveNodes_3" refType="w" fact="0.5"/>
-          <dgm:constr type="w" for="ch" forName="FiveNodes_4" refType="w" fact="0.77"/>
-          <dgm:constr type="h" for="ch" forName="FiveNodes_4" refType="h" fact="0.18"/>
-          <dgm:constr type="ctrY" for="ch" forName="FiveNodes_4" refType="h" fact="0.705"/>
-          <dgm:constr type="ctrX" for="ch" forName="FiveNodes_4" refType="w" fact="0.5575"/>
-          <dgm:constr type="w" for="ch" forName="FiveNodes_5" refType="w" fact="0.77"/>
-          <dgm:constr type="h" for="ch" forName="FiveNodes_5" refType="h" fact="0.18"/>
-          <dgm:constr type="b" for="ch" forName="FiveNodes_5" refType="h"/>
-          <dgm:constr type="r" for="ch" forName="FiveNodes_5" refType="w"/>
-          <dgm:constr type="w" for="ch" forName="FiveConn_1-2" refType="h" refFor="ch" refForName="FiveNodes_1" fact="0.65"/>
-          <dgm:constr type="h" for="ch" forName="FiveConn_1-2" refType="h" refFor="ch" refForName="FiveNodes_1" fact="0.65"/>
-          <dgm:constr type="ctrY" for="ch" forName="FiveConn_1-2" refType="h" fact="0.19"/>
-          <dgm:constr type="r" for="ch" forName="FiveConn_1-2" refType="r" refFor="ch" refForName="FiveNodes_1"/>
-          <dgm:constr type="w" for="ch" forName="FiveConn_2-3" refType="h" refFor="ch" refForName="FiveNodes_2" fact="0.65"/>
-          <dgm:constr type="h" for="ch" forName="FiveConn_2-3" refType="h" refFor="ch" refForName="FiveNodes_2" fact="0.65"/>
-          <dgm:constr type="ctrY" for="ch" forName="FiveConn_2-3" refType="h" fact="0.395"/>
-          <dgm:constr type="r" for="ch" forName="FiveConn_2-3" refType="r" refFor="ch" refForName="FiveNodes_2"/>
-          <dgm:constr type="w" for="ch" forName="FiveConn_3-4" refType="h" refFor="ch" refForName="FiveNodes_3" fact="0.65"/>
-          <dgm:constr type="h" for="ch" forName="FiveConn_3-4" refType="h" refFor="ch" refForName="FiveNodes_3" fact="0.65"/>
-          <dgm:constr type="ctrY" for="ch" forName="FiveConn_3-4" refType="h" fact="0.597"/>
-          <dgm:constr type="r" for="ch" forName="FiveConn_3-4" refType="r" refFor="ch" refForName="FiveNodes_3"/>
-          <dgm:constr type="w" for="ch" forName="FiveConn_4-5" refType="h" refFor="ch" refForName="FiveNodes_4" fact="0.65"/>
-          <dgm:constr type="h" for="ch" forName="FiveConn_4-5" refType="h" refFor="ch" refForName="FiveNodes_4" fact="0.65"/>
-          <dgm:constr type="ctrY" for="ch" forName="FiveConn_4-5" refType="h" fact="0.804"/>
-          <dgm:constr type="r" for="ch" forName="FiveConn_4-5" refType="r" refFor="ch" refForName="FiveNodes_4"/>
-          <dgm:constr type="r" for="ch" forName="FiveNodes_1_text" refType="l" refFor="ch" refForName="FiveConn_1-2"/>
-          <dgm:constr type="rOff" for="ch" forName="FiveNodes_1_text" refType="w" refFor="ch" refForName="FiveConn_1-2" fact="-0.75"/>
-          <dgm:constr type="t" for="ch" forName="FiveNodes_1_text" refType="t" refFor="ch" refForName="FiveNodes_1"/>
-          <dgm:constr type="b" for="ch" forName="FiveNodes_1_text" refType="b" refFor="ch" refForName="FiveNodes_1"/>
-          <dgm:constr type="l" for="ch" forName="FiveNodes_1_text" refType="l" refFor="ch" refForName="FiveNodes_1"/>
-          <dgm:constr type="r" for="ch" forName="FiveNodes_2_text" refType="l" refFor="ch" refForName="FiveConn_1-2"/>
-          <dgm:constr type="t" for="ch" forName="FiveNodes_2_text" refType="t" refFor="ch" refForName="FiveNodes_2"/>
-          <dgm:constr type="b" for="ch" forName="FiveNodes_2_text" refType="b" refFor="ch" refForName="FiveNodes_2"/>
-          <dgm:constr type="l" for="ch" forName="FiveNodes_2_text" refType="l" refFor="ch" refForName="FiveNodes_2"/>
-          <dgm:constr type="r" for="ch" forName="FiveNodes_3_text" refType="l" refFor="ch" refForName="FiveConn_2-3"/>
-          <dgm:constr type="t" for="ch" forName="FiveNodes_3_text" refType="t" refFor="ch" refForName="FiveNodes_3"/>
-          <dgm:constr type="b" for="ch" forName="FiveNodes_3_text" refType="b" refFor="ch" refForName="FiveNodes_3"/>
-          <dgm:constr type="l" for="ch" forName="FiveNodes_3_text" refType="l" refFor="ch" refForName="FiveNodes_3"/>
-          <dgm:constr type="r" for="ch" forName="FiveNodes_4_text" refType="l" refFor="ch" refForName="FiveConn_3-4"/>
-          <dgm:constr type="t" for="ch" forName="FiveNodes_4_text" refType="t" refFor="ch" refForName="FiveNodes_4"/>
-          <dgm:constr type="b" for="ch" forName="FiveNodes_4_text" refType="b" refFor="ch" refForName="FiveNodes_4"/>
-          <dgm:constr type="l" for="ch" forName="FiveNodes_4_text" refType="l" refFor="ch" refForName="FiveNodes_4"/>
-          <dgm:constr type="r" for="ch" forName="FiveNodes_5_text" refType="l" refFor="ch" refForName="FiveConn_4-5"/>
-          <dgm:constr type="t" for="ch" forName="FiveNodes_5_text" refType="t" refFor="ch" refForName="FiveNodes_5"/>
-          <dgm:constr type="b" for="ch" forName="FiveNodes_5_text" refType="b" refFor="ch" refForName="FiveNodes_5"/>
-          <dgm:constr type="l" for="ch" forName="FiveNodes_5_text" refType="l" refFor="ch" refForName="FiveNodes_5"/>
-        </dgm:constrLst>
-      </dgm:if>
-      <dgm:else name="Name2">
-        <dgm:constrLst>
-          <dgm:constr type="primFontSz" for="ch" ptType="node" op="equ" val="65"/>
-          <dgm:constr type="w" for="ch" forName="dummyMaxCanvas" refType="w"/>
-          <dgm:constr type="h" for="ch" forName="dummyMaxCanvas" refType="h"/>
-          <dgm:constr type="w" for="ch" forName="OneNode_1" refType="w"/>
-          <dgm:constr type="h" for="ch" forName="OneNode_1" refType="h" fact="0.5"/>
-          <dgm:constr type="ctrY" for="ch" forName="OneNode_1" refType="h" fact="0.5"/>
-          <dgm:constr type="w" for="ch" forName="TwoNodes_1" refType="w" fact="0.85"/>
-          <dgm:constr type="h" for="ch" forName="TwoNodes_1" refType="h" fact="0.45"/>
-          <dgm:constr type="t" for="ch" forName="TwoNodes_1"/>
-          <dgm:constr type="r" for="ch" forName="TwoNodes_1" refType="w"/>
-          <dgm:constr type="w" for="ch" forName="TwoNodes_2" refType="w" fact="0.85"/>
-          <dgm:constr type="h" for="ch" forName="TwoNodes_2" refType="h" fact="0.45"/>
-          <dgm:constr type="b" for="ch" forName="TwoNodes_2" refType="h"/>
-          <dgm:constr type="l" for="ch" forName="TwoNodes_2"/>
-          <dgm:constr type="w" for="ch" forName="TwoConn_1-2" refType="h" refFor="ch" refForName="TwoNodes_1" fact="0.65"/>
-          <dgm:constr type="h" for="ch" forName="TwoConn_1-2" refType="h" refFor="ch" refForName="TwoNodes_1" fact="0.65"/>
-          <dgm:constr type="ctrY" for="ch" forName="TwoConn_1-2" refType="h" fact="0.5"/>
-          <dgm:constr type="l" for="ch" forName="TwoConn_1-2" refType="l" refFor="ch" refForName="TwoNodes_1"/>
-          <dgm:constr type="l" for="ch" forName="TwoNodes_1_text" refType="r" refFor="ch" refForName="TwoConn_1-2"/>
-          <dgm:constr type="lOff" for="ch" forName="TwoNodes_1_text" refType="w" refFor="ch" refForName="TwoConn_1-2" fact="0.5"/>
-          <dgm:constr type="t" for="ch" forName="TwoNodes_1_text" refType="t" refFor="ch" refForName="TwoNodes_1"/>
-          <dgm:constr type="b" for="ch" forName="TwoNodes_1_text" refType="b" refFor="ch" refForName="TwoNodes_1"/>
-          <dgm:constr type="r" for="ch" forName="TwoNodes_1_text" refType="r" refFor="ch" refForName="TwoNodes_1"/>
-          <dgm:constr type="l" for="ch" forName="TwoNodes_2_text" refType="r" refFor="ch" refForName="TwoConn_1-2"/>
-          <dgm:constr type="t" for="ch" forName="TwoNodes_2_text" refType="t" refFor="ch" refForName="TwoNodes_2"/>
-          <dgm:constr type="b" for="ch" forName="TwoNodes_2_text" refType="b" refFor="ch" refForName="TwoNodes_2"/>
-          <dgm:constr type="r" for="ch" forName="TwoNodes_2_text" refType="r" refFor="ch" refForName="TwoNodes_2"/>
-          <dgm:constr type="w" for="ch" forName="ThreeNodes_1" refType="w" fact="0.85"/>
-          <dgm:constr type="h" for="ch" forName="ThreeNodes_1" refType="h" fact="0.3"/>
-          <dgm:constr type="t" for="ch" forName="ThreeNodes_1"/>
-          <dgm:constr type="r" for="ch" forName="ThreeNodes_1" refType="w"/>
-          <dgm:constr type="w" for="ch" forName="ThreeNodes_2" refType="w" fact="0.85"/>
-          <dgm:constr type="h" for="ch" forName="ThreeNodes_2" refType="h" fact="0.3"/>
-          <dgm:constr type="ctrY" for="ch" forName="ThreeNodes_2" refType="h" fact="0.5"/>
-          <dgm:constr type="ctrX" for="ch" forName="ThreeNodes_2" refType="w" fact="0.5"/>
-          <dgm:constr type="w" for="ch" forName="ThreeNodes_3" refType="w" fact="0.85"/>
-          <dgm:constr type="h" for="ch" forName="ThreeNodes_3" refType="h" fact="0.3"/>
-          <dgm:constr type="b" for="ch" forName="ThreeNodes_3" refType="h"/>
-          <dgm:constr type="l" for="ch" forName="ThreeNodes_3"/>
-          <dgm:constr type="w" for="ch" forName="ThreeConn_1-2" refType="h" refFor="ch" refForName="ThreeNodes_1" fact="0.65"/>
-          <dgm:constr type="h" for="ch" forName="ThreeConn_1-2" refType="h" refFor="ch" refForName="ThreeNodes_1" fact="0.65"/>
-          <dgm:constr type="ctrY" for="ch" forName="ThreeConn_1-2" refType="h" fact="0.325"/>
-          <dgm:constr type="l" for="ch" forName="ThreeConn_1-2" refType="l" refFor="ch" refForName="ThreeNodes_1"/>
-          <dgm:constr type="w" for="ch" forName="ThreeConn_2-3" refType="h" refFor="ch" refForName="ThreeNodes_2" fact="0.65"/>
-          <dgm:constr type="h" for="ch" forName="ThreeConn_2-3" refType="h" refFor="ch" refForName="ThreeNodes_2" fact="0.65"/>
-          <dgm:constr type="ctrY" for="ch" forName="ThreeConn_2-3" refType="h" fact="0.673"/>
-          <dgm:constr type="l" for="ch" forName="ThreeConn_2-3" refType="l" refFor="ch" refForName="ThreeNodes_2"/>
-          <dgm:constr type="l" for="ch" forName="ThreeNodes_1_text" refType="r" refFor="ch" refForName="ThreeConn_1-2"/>
-          <dgm:constr type="lOff" for="ch" forName="ThreeNodes_1_text" refType="w" refFor="ch" refForName="ThreeConn_1-2" fact="0.55"/>
-          <dgm:constr type="t" for="ch" forName="ThreeNodes_1_text" refType="t" refFor="ch" refForName="ThreeNodes_1"/>
-          <dgm:constr type="b" for="ch" forName="ThreeNodes_1_text" refType="b" refFor="ch" refForName="ThreeNodes_1"/>
-          <dgm:constr type="r" for="ch" forName="ThreeNodes_1_text" refType="r" refFor="ch" refForName="ThreeNodes_1"/>
-          <dgm:constr type="l" for="ch" forName="ThreeNodes_2_text" refType="r" refFor="ch" refForName="ThreeConn_1-2"/>
-          <dgm:constr type="t" for="ch" forName="ThreeNodes_2_text" refType="t" refFor="ch" refForName="ThreeNodes_2"/>
-          <dgm:constr type="b" for="ch" forName="ThreeNodes_2_text" refType="b" refFor="ch" refForName="ThreeNodes_2"/>
-          <dgm:constr type="r" for="ch" forName="ThreeNodes_2_text" refType="r" refFor="ch" refForName="ThreeNodes_2"/>
-          <dgm:constr type="l" for="ch" forName="ThreeNodes_3_text" refType="r" refFor="ch" refForName="ThreeConn_2-3"/>
-          <dgm:constr type="t" for="ch" forName="ThreeNodes_3_text" refType="t" refFor="ch" refForName="ThreeNodes_3"/>
-          <dgm:constr type="b" for="ch" forName="ThreeNodes_3_text" refType="b" refFor="ch" refForName="ThreeNodes_3"/>
-          <dgm:constr type="r" for="ch" forName="ThreeNodes_3_text" refType="r" refFor="ch" refForName="ThreeNodes_3"/>
-          <dgm:constr type="w" for="ch" forName="FourNodes_1" refType="w" fact="0.8"/>
-          <dgm:constr type="h" for="ch" forName="FourNodes_1" refType="h" fact="0.22"/>
-          <dgm:constr type="t" for="ch" forName="FourNodes_1"/>
-          <dgm:constr type="r" for="ch" forName="FourNodes_1" refType="w"/>
-          <dgm:constr type="w" for="ch" forName="FourNodes_2" refType="w" fact="0.8"/>
-          <dgm:constr type="h" for="ch" forName="FourNodes_2" refType="h" fact="0.22"/>
-          <dgm:constr type="ctrY" for="ch" forName="FourNodes_2" refType="h" fact="0.37"/>
-          <dgm:constr type="ctrX" for="ch" forName="FourNodes_2" refType="w" fact="0.533"/>
-          <dgm:constr type="w" for="ch" forName="FourNodes_3" refType="w" fact="0.8"/>
-          <dgm:constr type="h" for="ch" forName="FourNodes_3" refType="h" fact="0.22"/>
-          <dgm:constr type="ctrY" for="ch" forName="FourNodes_3" refType="h" fact="0.63"/>
-          <dgm:constr type="ctrX" for="ch" forName="FourNodes_3" refType="w" fact="0.467"/>
-          <dgm:constr type="w" for="ch" forName="FourNodes_4" refType="w" fact="0.8"/>
-          <dgm:constr type="h" for="ch" forName="FourNodes_4" refType="h" fact="0.22"/>
-          <dgm:constr type="b" for="ch" forName="FourNodes_4" refType="h"/>
-          <dgm:constr type="l" for="ch" forName="FourNodes_4"/>
-          <dgm:constr type="w" for="ch" forName="FourConn_1-2" refType="h" refFor="ch" refForName="FourNodes_1" fact="0.65"/>
-          <dgm:constr type="h" for="ch" forName="FourConn_1-2" refType="h" refFor="ch" refForName="FourNodes_1" fact="0.65"/>
-          <dgm:constr type="ctrY" for="ch" forName="FourConn_1-2" refType="h" fact="0.24"/>
-          <dgm:constr type="l" for="ch" forName="FourConn_1-2" refType="l" refFor="ch" refForName="FourNodes_1"/>
-          <dgm:constr type="w" for="ch" forName="FourConn_2-3" refType="h" refFor="ch" refForName="FourNodes_2" fact="0.65"/>
-          <dgm:constr type="h" for="ch" forName="FourConn_2-3" refType="h" refFor="ch" refForName="FourNodes_2" fact="0.65"/>
-          <dgm:constr type="ctrY" for="ch" forName="FourConn_2-3" refType="h" fact="0.5"/>
-          <dgm:constr type="l" for="ch" forName="FourConn_2-3" refType="l" refFor="ch" refForName="FourNodes_2"/>
-          <dgm:constr type="w" for="ch" forName="FourConn_3-4" refType="h" refFor="ch" refForName="FourNodes_3" fact="0.65"/>
-          <dgm:constr type="h" for="ch" forName="FourConn_3-4" refType="h" refFor="ch" refForName="FourNodes_3" fact="0.65"/>
-          <dgm:constr type="ctrY" for="ch" forName="FourConn_3-4" refType="h" fact="0.76"/>
-          <dgm:constr type="l" for="ch" forName="FourConn_3-4" refType="l" refFor="ch" refForName="FourNodes_3"/>
-          <dgm:constr type="l" for="ch" forName="FourNodes_1_text" refType="r" refFor="ch" refForName="FourConn_1-2"/>
-          <dgm:constr type="lOff" for="ch" forName="FourNodes_1_text" refType="w" refFor="ch" refForName="FourConn_1-2" fact="0.69"/>
-          <dgm:constr type="t" for="ch" forName="FourNodes_1_text" refType="t" refFor="ch" refForName="FourNodes_1"/>
-          <dgm:constr type="b" for="ch" forName="FourNodes_1_text" refType="b" refFor="ch" refForName="FourNodes_1"/>
-          <dgm:constr type="r" for="ch" forName="FourNodes_1_text" refType="r" refFor="ch" refForName="FourNodes_1"/>
-          <dgm:constr type="l" for="ch" forName="FourNodes_2_text" refType="r" refFor="ch" refForName="FourConn_1-2"/>
-          <dgm:constr type="t" for="ch" forName="FourNodes_2_text" refType="t" refFor="ch" refForName="FourNodes_2"/>
-          <dgm:constr type="b" for="ch" forName="FourNodes_2_text" refType="b" refFor="ch" refForName="FourNodes_2"/>
-          <dgm:constr type="r" for="ch" forName="FourNodes_2_text" refType="r" refFor="ch" refForName="FourNodes_2"/>
-          <dgm:constr type="l" for="ch" forName="FourNodes_3_text" refType="r" refFor="ch" refForName="FourConn_2-3"/>
-          <dgm:constr type="t" for="ch" forName="FourNodes_3_text" refType="t" refFor="ch" refForName="FourNodes_3"/>
-          <dgm:constr type="b" for="ch" forName="FourNodes_3_text" refType="b" refFor="ch" refForName="FourNodes_3"/>
-          <dgm:constr type="r" for="ch" forName="FourNodes_3_text" refType="r" refFor="ch" refForName="FourNodes_3"/>
-          <dgm:constr type="l" for="ch" forName="FourNodes_4_text" refType="r" refFor="ch" refForName="FourConn_3-4"/>
-          <dgm:constr type="t" for="ch" forName="FourNodes_4_text" refType="t" refFor="ch" refForName="FourNodes_4"/>
-          <dgm:constr type="b" for="ch" forName="FourNodes_4_text" refType="b" refFor="ch" refForName="FourNodes_4"/>
-          <dgm:constr type="r" for="ch" forName="FourNodes_4_text" refType="r" refFor="ch" refForName="FourNodes_4"/>
-          <dgm:constr type="w" for="ch" forName="FiveNodes_1" refType="w" fact="0.77"/>
-          <dgm:constr type="h" for="ch" forName="FiveNodes_1" refType="h" fact="0.18"/>
-          <dgm:constr type="t" for="ch" forName="FiveNodes_1"/>
-          <dgm:constr type="r" for="ch" forName="FiveNodes_1" refType="w"/>
-          <dgm:constr type="w" for="ch" forName="FiveNodes_2" refType="w" fact="0.77"/>
-          <dgm:constr type="h" for="ch" forName="FiveNodes_2" refType="h" fact="0.18"/>
-          <dgm:constr type="ctrY" for="ch" forName="FiveNodes_2" refType="h" fact="0.295"/>
-          <dgm:constr type="ctrX" for="ch" forName="FiveNodes_2" refType="w" fact="0.5575"/>
-          <dgm:constr type="w" for="ch" forName="FiveNodes_3" refType="w" fact="0.77"/>
-          <dgm:constr type="h" for="ch" forName="FiveNodes_3" refType="h" fact="0.18"/>
-          <dgm:constr type="ctrY" for="ch" forName="FiveNodes_3" refType="h" fact="0.5"/>
-          <dgm:constr type="ctrX" for="ch" forName="FiveNodes_3" refType="w" fact="0.5"/>
-          <dgm:constr type="w" for="ch" forName="FiveNodes_4" refType="w" fact="0.77"/>
-          <dgm:constr type="h" for="ch" forName="FiveNodes_4" refType="h" fact="0.18"/>
-          <dgm:constr type="ctrY" for="ch" forName="FiveNodes_4" refType="h" fact="0.705"/>
-          <dgm:constr type="ctrX" for="ch" forName="FiveNodes_4" refType="w" fact="0.4425"/>
-          <dgm:constr type="w" for="ch" forName="FiveNodes_5" refType="w" fact="0.77"/>
-          <dgm:constr type="h" for="ch" forName="FiveNodes_5" refType="h" fact="0.18"/>
-          <dgm:constr type="b" for="ch" forName="FiveNodes_5" refType="h"/>
-          <dgm:constr type="l" for="ch" forName="FiveNodes_5"/>
-          <dgm:constr type="w" for="ch" forName="FiveConn_1-2" refType="h" refFor="ch" refForName="FiveNodes_1" fact="0.65"/>
-          <dgm:constr type="h" for="ch" forName="FiveConn_1-2" refType="h" refFor="ch" refForName="FiveNodes_1" fact="0.65"/>
-          <dgm:constr type="ctrY" for="ch" forName="FiveConn_1-2" refType="h" fact="0.19"/>
-          <dgm:constr type="l" for="ch" forName="FiveConn_1-2" refType="l" refFor="ch" refForName="FiveNodes_1"/>
-          <dgm:constr type="w" for="ch" forName="FiveConn_2-3" refType="h" refFor="ch" refForName="FiveNodes_2" fact="0.65"/>
-          <dgm:constr type="h" for="ch" forName="FiveConn_2-3" refType="h" refFor="ch" refForName="FiveNodes_2" fact="0.65"/>
-          <dgm:constr type="ctrY" for="ch" forName="FiveConn_2-3" refType="h" fact="0.395"/>
-          <dgm:constr type="l" for="ch" forName="FiveConn_2-3" refType="l" refFor="ch" refForName="FiveNodes_2"/>
-          <dgm:constr type="w" for="ch" forName="FiveConn_3-4" refType="h" refFor="ch" refForName="FiveNodes_3" fact="0.65"/>
-          <dgm:constr type="h" for="ch" forName="FiveConn_3-4" refType="h" refFor="ch" refForName="FiveNodes_3" fact="0.65"/>
-          <dgm:constr type="ctrY" for="ch" forName="FiveConn_3-4" refType="h" fact="0.597"/>
-          <dgm:constr type="l" for="ch" forName="FiveConn_3-4" refType="l" refFor="ch" refForName="FiveNodes_3"/>
-          <dgm:constr type="w" for="ch" forName="FiveConn_4-5" refType="h" refFor="ch" refForName="FiveNodes_4" fact="0.65"/>
-          <dgm:constr type="h" for="ch" forName="FiveConn_4-5" refType="h" refFor="ch" refForName="FiveNodes_4" fact="0.65"/>
-          <dgm:constr type="ctrY" for="ch" forName="FiveConn_4-5" refType="h" fact="0.804"/>
-          <dgm:constr type="l" for="ch" forName="FiveConn_4-5" refType="l" refFor="ch" refForName="FiveNodes_4"/>
-          <dgm:constr type="l" for="ch" forName="FiveNodes_1_text" refType="r" refFor="ch" refForName="FiveConn_1-2"/>
-          <dgm:constr type="lOff" for="ch" forName="FiveNodes_1_text" refType="w" refFor="ch" refForName="FiveConn_1-2" fact="0.73"/>
-          <dgm:constr type="t" for="ch" forName="FiveNodes_1_text" refType="t" refFor="ch" refForName="FiveNodes_1"/>
-          <dgm:constr type="b" for="ch" forName="FiveNodes_1_text" refType="b" refFor="ch" refForName="FiveNodes_1"/>
-          <dgm:constr type="r" for="ch" forName="FiveNodes_1_text" refType="r" refFor="ch" refForName="FiveNodes_1"/>
-          <dgm:constr type="l" for="ch" forName="FiveNodes_2_text" refType="r" refFor="ch" refForName="FiveConn_1-2"/>
-          <dgm:constr type="t" for="ch" forName="FiveNodes_2_text" refType="t" refFor="ch" refForName="FiveNodes_2"/>
-          <dgm:constr type="b" for="ch" forName="FiveNodes_2_text" refType="b" refFor="ch" refForName="FiveNodes_2"/>
-          <dgm:constr type="r" for="ch" forName="FiveNodes_2_text" refType="r" refFor="ch" refForName="FiveNodes_2"/>
-          <dgm:constr type="l" for="ch" forName="FiveNodes_3_text" refType="r" refFor="ch" refForName="FiveConn_2-3"/>
-          <dgm:constr type="t" for="ch" forName="FiveNodes_3_text" refType="t" refFor="ch" refForName="FiveNodes_3"/>
-          <dgm:constr type="b" for="ch" forName="FiveNodes_3_text" refType="b" refFor="ch" refForName="FiveNodes_3"/>
-          <dgm:constr type="r" for="ch" forName="FiveNodes_3_text" refType="r" refFor="ch" refForName="FiveNodes_3"/>
-          <dgm:constr type="l" for="ch" forName="FiveNodes_4_text" refType="r" refFor="ch" refForName="FiveConn_3-4"/>
-          <dgm:constr type="t" for="ch" forName="FiveNodes_4_text" refType="t" refFor="ch" refForName="FiveNodes_4"/>
-          <dgm:constr type="b" for="ch" forName="FiveNodes_4_text" refType="b" refFor="ch" refForName="FiveNodes_4"/>
-          <dgm:constr type="r" for="ch" forName="FiveNodes_4_text" refType="r" refFor="ch" refForName="FiveNodes_4"/>
-          <dgm:constr type="l" for="ch" forName="FiveNodes_5_text" refType="r" refFor="ch" refForName="FiveConn_4-5"/>
-          <dgm:constr type="t" for="ch" forName="FiveNodes_5_text" refType="t" refFor="ch" refForName="FiveNodes_5"/>
-          <dgm:constr type="b" for="ch" forName="FiveNodes_5_text" refType="b" refFor="ch" refForName="FiveNodes_5"/>
-          <dgm:constr type="r" for="ch" forName="FiveNodes_5_text" refType="r" refFor="ch" refForName="FiveNodes_5"/>
-        </dgm:constrLst>
-      </dgm:else>
-    </dgm:choose>
-    <dgm:ruleLst/>
-    <dgm:layoutNode name="dummyMaxCanvas">
-      <dgm:varLst/>
-      <dgm:alg type="sp"/>
-      <dgm:shape xmlns:r="http://schemas.openxmlformats.org/officeDocument/2006/relationships" r:blip="">
-        <dgm:adjLst/>
-      </dgm:shape>
-      <dgm:presOf/>
-      <dgm:constrLst/>
-      <dgm:ruleLst/>
-    </dgm:layoutNode>
-    <dgm:choose name="Name3">
-      <dgm:if name="Name4" axis="ch" ptType="node" func="cnt" op="equ" val="1">
-        <dgm:layoutNode name="OneNode_1">
-          <dgm:varLst>
-            <dgm:bulletEnabled val="1"/>
-          </dgm:varLst>
-          <dgm:alg type="tx"/>
-          <dgm:shape xmlns:r="http://schemas.openxmlformats.org/officeDocument/2006/relationships" type="roundRect" r:blip="">
-            <dgm:adjLst>
-              <dgm:adj idx="1" val="0.1"/>
-            </dgm:adjLst>
-          </dgm:shape>
-          <dgm:presOf axis="ch desOrSelf" ptType="node node" st="1 1" cnt="1 0"/>
-          <dgm:constrLst>
-            <dgm:constr type="lMarg" refType="primFontSz" fact="0.3"/>
-            <dgm:constr type="rMarg" refType="primFontSz" fact="0.3"/>
-            <dgm:constr type="tMarg" refType="primFontSz" fact="0.3"/>
-            <dgm:constr type="bMarg" refType="primFontSz" fact="0.3"/>
-          </dgm:constrLst>
-          <dgm:ruleLst>
-            <dgm:rule type="primFontSz" val="5" fact="NaN" max="NaN"/>
-          </dgm:ruleLst>
-        </dgm:layoutNode>
-      </dgm:if>
-      <dgm:else name="Name5">
-        <dgm:choose name="Name6">
-          <dgm:if name="Name7" axis="ch" ptType="node" func="cnt" op="equ" val="2">
-            <dgm:layoutNode name="TwoNodes_1">
-              <dgm:varLst>
-                <dgm:bulletEnabled val="1"/>
-              </dgm:varLst>
-              <dgm:alg type="sp"/>
-              <dgm:shape xmlns:r="http://schemas.openxmlformats.org/officeDocument/2006/relationships" type="roundRect" r:blip="">
-                <dgm:adjLst>
-                  <dgm:adj idx="1" val="0.1"/>
-                </dgm:adjLst>
-              </dgm:shape>
-              <dgm:presOf axis="ch desOrSelf" ptType="node node" st="1 1" cnt="1 0"/>
-              <dgm:constrLst/>
-              <dgm:ruleLst/>
-            </dgm:layoutNode>
-            <dgm:layoutNode name="TwoNodes_2">
-              <dgm:varLst>
-                <dgm:bulletEnabled val="1"/>
-              </dgm:varLst>
-              <dgm:alg type="sp"/>
-              <dgm:shape xmlns:r="http://schemas.openxmlformats.org/officeDocument/2006/relationships" type="roundRect" r:blip="">
-                <dgm:adjLst>
-                  <dgm:adj idx="1" val="0.1"/>
-                </dgm:adjLst>
-              </dgm:shape>
-              <dgm:presOf axis="ch desOrSelf" ptType="node node" st="2 1" cnt="1 0"/>
-              <dgm:constrLst/>
-              <dgm:ruleLst/>
-            </dgm:layoutNode>
-            <dgm:layoutNode name="TwoConn_1-2" styleLbl="fgAccFollowNode1">
-              <dgm:varLst>
-                <dgm:bulletEnabled val="1"/>
-              </dgm:varLst>
-              <dgm:alg type="tx"/>
-              <dgm:shape xmlns:r="http://schemas.openxmlformats.org/officeDocument/2006/relationships" type="downArrow" r:blip="">
-                <dgm:adjLst>
-                  <dgm:adj idx="1" val="0.55"/>
-                  <dgm:adj idx="2" val="0.45"/>
-                </dgm:adjLst>
-              </dgm:shape>
-              <dgm:presOf axis="ch" ptType="sibTrans" cnt="1"/>
-              <dgm:constrLst>
-                <dgm:constr type="lMarg" refType="primFontSz" fact="0.1"/>
-                <dgm:constr type="rMarg" refType="primFontSz" fact="0.1"/>
-                <dgm:constr type="tMarg" refType="primFontSz" fact="0.1"/>
-                <dgm:constr type="bMarg" refType="primFontSz" fact="0.1"/>
-              </dgm:constrLst>
-              <dgm:ruleLst>
-                <dgm:rule type="primFontSz" val="5" fact="NaN" max="NaN"/>
-              </dgm:ruleLst>
-            </dgm:layoutNode>
-            <dgm:layoutNode name="TwoNodes_1_text">
-              <dgm:varLst>
-                <dgm:bulletEnabled val="1"/>
-              </dgm:varLst>
-              <dgm:alg type="tx">
-                <dgm:param type="parTxLTRAlign" val="l"/>
-                <dgm:param type="txAnchorVertCh" val="mid"/>
-              </dgm:alg>
-              <dgm:shape xmlns:r="http://schemas.openxmlformats.org/officeDocument/2006/relationships" type="roundRect" r:blip="" hideGeom="1">
-                <dgm:adjLst>
-                  <dgm:adj idx="1" val="0.1"/>
-                </dgm:adjLst>
-              </dgm:shape>
-              <dgm:presOf axis="ch desOrSelf" ptType="node node" st="1 1" cnt="1 0"/>
-              <dgm:constrLst>
-                <dgm:constr type="lMarg" refType="primFontSz" fact="0.3"/>
-                <dgm:constr type="rMarg" refType="primFontSz" fact="0.3"/>
-                <dgm:constr type="tMarg" refType="primFontSz" fact="0.3"/>
-                <dgm:constr type="bMarg" refType="primFontSz" fact="0.3"/>
-              </dgm:constrLst>
-              <dgm:ruleLst>
-                <dgm:rule type="primFontSz" val="5" fact="NaN" max="NaN"/>
-              </dgm:ruleLst>
-            </dgm:layoutNode>
-            <dgm:layoutNode name="TwoNodes_2_text">
-              <dgm:varLst>
-                <dgm:bulletEnabled val="1"/>
-              </dgm:varLst>
-              <dgm:alg type="tx">
-                <dgm:param type="parTxLTRAlign" val="l"/>
-                <dgm:param type="txAnchorVertCh" val="mid"/>
-              </dgm:alg>
-              <dgm:shape xmlns:r="http://schemas.openxmlformats.org/officeDocument/2006/relationships" type="roundRect" r:blip="" hideGeom="1">
-                <dgm:adjLst>
-                  <dgm:adj idx="1" val="0.1"/>
-                </dgm:adjLst>
-              </dgm:shape>
-              <dgm:presOf axis="ch desOrSelf" ptType="node node" st="2 1" cnt="1 0"/>
-              <dgm:constrLst>
-                <dgm:constr type="lMarg" refType="primFontSz" fact="0.3"/>
-                <dgm:constr type="rMarg" refType="primFontSz" fact="0.3"/>
-                <dgm:constr type="tMarg" refType="primFontSz" fact="0.3"/>
-                <dgm:constr type="bMarg" refType="primFontSz" fact="0.3"/>
-              </dgm:constrLst>
-              <dgm:ruleLst>
-                <dgm:rule type="primFontSz" val="5" fact="NaN" max="NaN"/>
-              </dgm:ruleLst>
-            </dgm:layoutNode>
-          </dgm:if>
-          <dgm:else name="Name8">
-            <dgm:choose name="Name9">
-              <dgm:if name="Name10" axis="ch" ptType="node" func="cnt" op="equ" val="3">
-                <dgm:layoutNode name="ThreeNodes_1">
-                  <dgm:varLst>
-                    <dgm:bulletEnabled val="1"/>
-                  </dgm:varLst>
-                  <dgm:alg type="sp"/>
-                  <dgm:shape xmlns:r="http://schemas.openxmlformats.org/officeDocument/2006/relationships" type="roundRect" r:blip="">
-                    <dgm:adjLst>
-                      <dgm:adj idx="1" val="0.1"/>
-                    </dgm:adjLst>
-                  </dgm:shape>
-                  <dgm:presOf axis="ch desOrSelf" ptType="node node" st="1 1" cnt="1 0"/>
-                  <dgm:constrLst/>
-                  <dgm:ruleLst/>
-                </dgm:layoutNode>
-                <dgm:layoutNode name="ThreeNodes_2">
-                  <dgm:varLst>
-                    <dgm:bulletEnabled val="1"/>
-                  </dgm:varLst>
-                  <dgm:alg type="sp"/>
-                  <dgm:shape xmlns:r="http://schemas.openxmlformats.org/officeDocument/2006/relationships" type="roundRect" r:blip="">
-                    <dgm:adjLst>
-                      <dgm:adj idx="1" val="0.1"/>
-                    </dgm:adjLst>
-                  </dgm:shape>
-                  <dgm:presOf axis="ch desOrSelf" ptType="node node" st="2 1" cnt="1 0"/>
-                  <dgm:constrLst/>
-                  <dgm:ruleLst/>
-                </dgm:layoutNode>
-                <dgm:layoutNode name="ThreeNodes_3">
-                  <dgm:varLst>
-                    <dgm:bulletEnabled val="1"/>
-                  </dgm:varLst>
-                  <dgm:alg type="sp"/>
-                  <dgm:shape xmlns:r="http://schemas.openxmlformats.org/officeDocument/2006/relationships" type="roundRect" r:blip="">
-                    <dgm:adjLst>
-                      <dgm:adj idx="1" val="0.1"/>
-                    </dgm:adjLst>
-                  </dgm:shape>
-                  <dgm:presOf axis="ch desOrSelf" ptType="node node" st="3 1" cnt="1 0"/>
-                  <dgm:constrLst/>
-                  <dgm:ruleLst/>
-                </dgm:layoutNode>
-                <dgm:layoutNode name="ThreeConn_1-2" styleLbl="fgAccFollowNode1">
-                  <dgm:varLst>
-                    <dgm:bulletEnabled val="1"/>
-                  </dgm:varLst>
-                  <dgm:alg type="tx"/>
-                  <dgm:shape xmlns:r="http://schemas.openxmlformats.org/officeDocument/2006/relationships" type="downArrow" r:blip="">
-                    <dgm:adjLst>
-                      <dgm:adj idx="1" val="0.55"/>
-                      <dgm:adj idx="2" val="0.45"/>
-                    </dgm:adjLst>
-                  </dgm:shape>
-                  <dgm:presOf axis="ch" ptType="sibTrans" cnt="1"/>
-                  <dgm:constrLst>
-                    <dgm:constr type="lMarg" refType="primFontSz" fact="0.1"/>
-                    <dgm:constr type="rMarg" refType="primFontSz" fact="0.1"/>
-                    <dgm:constr type="tMarg" refType="primFontSz" fact="0.1"/>
-                    <dgm:constr type="bMarg" refType="primFontSz" fact="0.1"/>
-                  </dgm:constrLst>
-                  <dgm:ruleLst>
-                    <dgm:rule type="primFontSz" val="5" fact="NaN" max="NaN"/>
-                  </dgm:ruleLst>
-                </dgm:layoutNode>
-                <dgm:layoutNode name="ThreeConn_2-3" styleLbl="fgAccFollowNode1">
-                  <dgm:varLst>
-                    <dgm:bulletEnabled val="1"/>
-                  </dgm:varLst>
-                  <dgm:alg type="tx"/>
-                  <dgm:shape xmlns:r="http://schemas.openxmlformats.org/officeDocument/2006/relationships" type="downArrow" r:blip="">
-                    <dgm:adjLst>
-                      <dgm:adj idx="1" val="0.55"/>
-                      <dgm:adj idx="2" val="0.45"/>
-                    </dgm:adjLst>
-                  </dgm:shape>
-                  <dgm:presOf axis="ch" ptType="sibTrans" st="2" cnt="1"/>
-                  <dgm:constrLst>
-                    <dgm:constr type="lMarg" refType="primFontSz" fact="0.1"/>
-                    <dgm:constr type="rMarg" refType="primFontSz" fact="0.1"/>
-                    <dgm:constr type="tMarg" refType="primFontSz" fact="0.1"/>
-                    <dgm:constr type="bMarg" refType="primFontSz" fact="0.1"/>
-                  </dgm:constrLst>
-                  <dgm:ruleLst>
-                    <dgm:rule type="primFontSz" val="5" fact="NaN" max="NaN"/>
-                  </dgm:ruleLst>
-                </dgm:layoutNode>
-                <dgm:layoutNode name="ThreeNodes_1_text">
-                  <dgm:varLst>
-                    <dgm:bulletEnabled val="1"/>
-                  </dgm:varLst>
-                  <dgm:alg type="tx">
-                    <dgm:param type="parTxLTRAlign" val="l"/>
-                    <dgm:param type="txAnchorVertCh" val="mid"/>
-                  </dgm:alg>
-                  <dgm:shape xmlns:r="http://schemas.openxmlformats.org/officeDocument/2006/relationships" type="roundRect" r:blip="" hideGeom="1">
-                    <dgm:adjLst>
-                      <dgm:adj idx="1" val="0.1"/>
-                    </dgm:adjLst>
-                  </dgm:shape>
-                  <dgm:presOf axis="ch desOrSelf" ptType="node node" st="1 1" cnt="1 0"/>
-                  <dgm:constrLst>
-                    <dgm:constr type="lMarg" refType="primFontSz" fact="0.3"/>
-                    <dgm:constr type="rMarg" refType="primFontSz" fact="0.3"/>
-                    <dgm:constr type="tMarg" refType="primFontSz" fact="0.3"/>
-                    <dgm:constr type="bMarg" refType="primFontSz" fact="0.3"/>
-                  </dgm:constrLst>
-                  <dgm:ruleLst>
-                    <dgm:rule type="primFontSz" val="5" fact="NaN" max="NaN"/>
-                  </dgm:ruleLst>
-                </dgm:layoutNode>
-                <dgm:layoutNode name="ThreeNodes_2_text">
-                  <dgm:varLst>
-                    <dgm:bulletEnabled val="1"/>
-                  </dgm:varLst>
-                  <dgm:alg type="tx">
-                    <dgm:param type="parTxLTRAlign" val="l"/>
-                    <dgm:param type="txAnchorVertCh" val="mid"/>
-                  </dgm:alg>
-                  <dgm:shape xmlns:r="http://schemas.openxmlformats.org/officeDocument/2006/relationships" type="roundRect" r:blip="" hideGeom="1">
-                    <dgm:adjLst>
-                      <dgm:adj idx="1" val="0.1"/>
-                    </dgm:adjLst>
-                  </dgm:shape>
-                  <dgm:presOf axis="ch desOrSelf" ptType="node node" st="2 1" cnt="1 0"/>
-                  <dgm:constrLst>
-                    <dgm:constr type="lMarg" refType="primFontSz" fact="0.3"/>
-                    <dgm:constr type="rMarg" refType="primFontSz" fact="0.3"/>
-                    <dgm:constr type="tMarg" refType="primFontSz" fact="0.3"/>
-                    <dgm:constr type="bMarg" refType="primFontSz" fact="0.3"/>
-                  </dgm:constrLst>
-                  <dgm:ruleLst>
-                    <dgm:rule type="primFontSz" val="5" fact="NaN" max="NaN"/>
-                  </dgm:ruleLst>
-                </dgm:layoutNode>
-                <dgm:layoutNode name="ThreeNodes_3_text">
-                  <dgm:varLst>
-                    <dgm:bulletEnabled val="1"/>
-                  </dgm:varLst>
-                  <dgm:alg type="tx">
-                    <dgm:param type="parTxLTRAlign" val="l"/>
-                    <dgm:param type="txAnchorVertCh" val="mid"/>
-                  </dgm:alg>
-                  <dgm:shape xmlns:r="http://schemas.openxmlformats.org/officeDocument/2006/relationships" type="roundRect" r:blip="" hideGeom="1">
-                    <dgm:adjLst>
-                      <dgm:adj idx="1" val="0.1"/>
-                    </dgm:adjLst>
-                  </dgm:shape>
-                  <dgm:presOf axis="ch desOrSelf" ptType="node node" st="3 1" cnt="1 0"/>
-                  <dgm:constrLst>
-                    <dgm:constr type="lMarg" refType="primFontSz" fact="0.3"/>
-                    <dgm:constr type="rMarg" refType="primFontSz" fact="0.3"/>
-                    <dgm:constr type="tMarg" refType="primFontSz" fact="0.3"/>
-                    <dgm:constr type="bMarg" refType="primFontSz" fact="0.3"/>
-                  </dgm:constrLst>
-                  <dgm:ruleLst>
-                    <dgm:rule type="primFontSz" val="5" fact="NaN" max="NaN"/>
-                  </dgm:ruleLst>
-                </dgm:layoutNode>
-              </dgm:if>
-              <dgm:else name="Name11">
-                <dgm:choose name="Name12">
-                  <dgm:if name="Name13" axis="ch" ptType="node" func="cnt" op="equ" val="4">
-                    <dgm:layoutNode name="FourNodes_1">
-                      <dgm:varLst>
-                        <dgm:bulletEnabled val="1"/>
-                      </dgm:varLst>
-                      <dgm:alg type="sp"/>
-                      <dgm:shape xmlns:r="http://schemas.openxmlformats.org/officeDocument/2006/relationships" type="roundRect" r:blip="">
-                        <dgm:adjLst>
-                          <dgm:adj idx="1" val="0.1"/>
-                        </dgm:adjLst>
-                      </dgm:shape>
-                      <dgm:presOf axis="ch desOrSelf" ptType="node node" st="1 1" cnt="1 0"/>
-                      <dgm:constrLst/>
-                      <dgm:ruleLst/>
-                    </dgm:layoutNode>
-                    <dgm:layoutNode name="FourNodes_2">
-                      <dgm:varLst>
-                        <dgm:bulletEnabled val="1"/>
-                      </dgm:varLst>
-                      <dgm:alg type="sp"/>
-                      <dgm:shape xmlns:r="http://schemas.openxmlformats.org/officeDocument/2006/relationships" type="roundRect" r:blip="">
-                        <dgm:adjLst>
-                          <dgm:adj idx="1" val="0.1"/>
-                        </dgm:adjLst>
-                      </dgm:shape>
-                      <dgm:presOf axis="ch desOrSelf" ptType="node node" st="2 1" cnt="1 0"/>
-                      <dgm:constrLst/>
-                      <dgm:ruleLst/>
-                    </dgm:layoutNode>
-                    <dgm:layoutNode name="FourNodes_3">
-                      <dgm:varLst>
-                        <dgm:bulletEnabled val="1"/>
-                      </dgm:varLst>
-                      <dgm:alg type="sp"/>
-                      <dgm:shape xmlns:r="http://schemas.openxmlformats.org/officeDocument/2006/relationships" type="roundRect" r:blip="">
-                        <dgm:adjLst>
-                          <dgm:adj idx="1" val="0.1"/>
-                        </dgm:adjLst>
-                      </dgm:shape>
-                      <dgm:presOf axis="ch desOrSelf" ptType="node node" st="3 1" cnt="1 0"/>
-                      <dgm:constrLst/>
-                      <dgm:ruleLst/>
-                    </dgm:layoutNode>
-                    <dgm:layoutNode name="FourNodes_4">
-                      <dgm:varLst>
-                        <dgm:bulletEnabled val="1"/>
-                      </dgm:varLst>
-                      <dgm:alg type="sp"/>
-                      <dgm:shape xmlns:r="http://schemas.openxmlformats.org/officeDocument/2006/relationships" type="roundRect" r:blip="">
-                        <dgm:adjLst>
-                          <dgm:adj idx="1" val="0.1"/>
-                        </dgm:adjLst>
-                      </dgm:shape>
-                      <dgm:presOf axis="ch desOrSelf" ptType="node node" st="4 1" cnt="1 0"/>
-                      <dgm:constrLst/>
-                      <dgm:ruleLst/>
-                    </dgm:layoutNode>
-                    <dgm:layoutNode name="FourConn_1-2" styleLbl="fgAccFollowNode1">
-                      <dgm:varLst>
-                        <dgm:bulletEnabled val="1"/>
-                      </dgm:varLst>
-                      <dgm:alg type="tx"/>
-                      <dgm:shape xmlns:r="http://schemas.openxmlformats.org/officeDocument/2006/relationships" type="downArrow" r:blip="">
-                        <dgm:adjLst>
-                          <dgm:adj idx="1" val="0.55"/>
-                          <dgm:adj idx="2" val="0.45"/>
-                        </dgm:adjLst>
-                      </dgm:shape>
-                      <dgm:presOf axis="ch" ptType="sibTrans" cnt="1"/>
-                      <dgm:constrLst>
-                        <dgm:constr type="lMarg" refType="primFontSz" fact="0.1"/>
-                        <dgm:constr type="rMarg" refType="primFontSz" fact="0.1"/>
-                        <dgm:constr type="tMarg" refType="primFontSz" fact="0.1"/>
-                        <dgm:constr type="bMarg" refType="primFontSz" fact="0.1"/>
-                      </dgm:constrLst>
-                      <dgm:ruleLst>
-                        <dgm:rule type="primFontSz" val="5" fact="NaN" max="NaN"/>
-                      </dgm:ruleLst>
-                    </dgm:layoutNode>
-                    <dgm:layoutNode name="FourConn_2-3" styleLbl="fgAccFollowNode1">
-                      <dgm:varLst>
-                        <dgm:bulletEnabled val="1"/>
-                      </dgm:varLst>
-                      <dgm:alg type="tx"/>
-                      <dgm:shape xmlns:r="http://schemas.openxmlformats.org/officeDocument/2006/relationships" type="downArrow" r:blip="">
-                        <dgm:adjLst>
-                          <dgm:adj idx="1" val="0.55"/>
-                          <dgm:adj idx="2" val="0.45"/>
-                        </dgm:adjLst>
-                      </dgm:shape>
-                      <dgm:presOf axis="ch" ptType="sibTrans" st="2" cnt="1"/>
-                      <dgm:constrLst>
-                        <dgm:constr type="lMarg" refType="primFontSz" fact="0.1"/>
-                        <dgm:constr type="rMarg" refType="primFontSz" fact="0.1"/>
-                        <dgm:constr type="tMarg" refType="primFontSz" fact="0.1"/>
-                        <dgm:constr type="bMarg" refType="primFontSz" fact="0.1"/>
-                      </dgm:constrLst>
-                      <dgm:ruleLst>
-                        <dgm:rule type="primFontSz" val="5" fact="NaN" max="NaN"/>
-                      </dgm:ruleLst>
-                    </dgm:layoutNode>
-                    <dgm:layoutNode name="FourConn_3-4" styleLbl="fgAccFollowNode1">
-                      <dgm:varLst>
-                        <dgm:bulletEnabled val="1"/>
-                      </dgm:varLst>
-                      <dgm:alg type="tx"/>
-                      <dgm:shape xmlns:r="http://schemas.openxmlformats.org/officeDocument/2006/relationships" type="downArrow" r:blip="">
-                        <dgm:adjLst>
-                          <dgm:adj idx="1" val="0.55"/>
-                          <dgm:adj idx="2" val="0.45"/>
-                        </dgm:adjLst>
-                      </dgm:shape>
-                      <dgm:presOf axis="ch" ptType="sibTrans" st="3" cnt="1"/>
-                      <dgm:constrLst>
-                        <dgm:constr type="lMarg" refType="primFontSz" fact="0.1"/>
-                        <dgm:constr type="rMarg" refType="primFontSz" fact="0.1"/>
-                        <dgm:constr type="tMarg" refType="primFontSz" fact="0.1"/>
-                        <dgm:constr type="bMarg" refType="primFontSz" fact="0.1"/>
-                      </dgm:constrLst>
-                      <dgm:ruleLst>
-                        <dgm:rule type="primFontSz" val="5" fact="NaN" max="NaN"/>
-                      </dgm:ruleLst>
-                    </dgm:layoutNode>
-                    <dgm:layoutNode name="FourNodes_1_text">
-                      <dgm:varLst>
-                        <dgm:bulletEnabled val="1"/>
-                      </dgm:varLst>
-                      <dgm:alg type="tx">
-                        <dgm:param type="parTxLTRAlign" val="l"/>
-                        <dgm:param type="txAnchorVertCh" val="mid"/>
-                      </dgm:alg>
-                      <dgm:shape xmlns:r="http://schemas.openxmlformats.org/officeDocument/2006/relationships" type="roundRect" r:blip="" hideGeom="1">
-                        <dgm:adjLst>
-                          <dgm:adj idx="1" val="0.1"/>
-                        </dgm:adjLst>
-                      </dgm:shape>
-                      <dgm:presOf axis="ch desOrSelf" ptType="node node" st="1 1" cnt="1 0"/>
-                      <dgm:constrLst>
-                        <dgm:constr type="lMarg" refType="primFontSz" fact="0.3"/>
-                        <dgm:constr type="rMarg" refType="primFontSz" fact="0.3"/>
-                        <dgm:constr type="tMarg" refType="primFontSz" fact="0.3"/>
-                        <dgm:constr type="bMarg" refType="primFontSz" fact="0.3"/>
-                      </dgm:constrLst>
-                      <dgm:ruleLst>
-                        <dgm:rule type="primFontSz" val="5" fact="NaN" max="NaN"/>
-                      </dgm:ruleLst>
-                    </dgm:layoutNode>
-                    <dgm:layoutNode name="FourNodes_2_text">
-                      <dgm:varLst>
-                        <dgm:bulletEnabled val="1"/>
-                      </dgm:varLst>
-                      <dgm:alg type="tx">
-                        <dgm:param type="parTxLTRAlign" val="l"/>
-                        <dgm:param type="txAnchorVertCh" val="mid"/>
-                      </dgm:alg>
-                      <dgm:shape xmlns:r="http://schemas.openxmlformats.org/officeDocument/2006/relationships" type="roundRect" r:blip="" hideGeom="1">
-                        <dgm:adjLst>
-                          <dgm:adj idx="1" val="0.1"/>
-                        </dgm:adjLst>
-                      </dgm:shape>
-                      <dgm:presOf axis="ch desOrSelf" ptType="node node" st="2 1" cnt="1 0"/>
-                      <dgm:constrLst>
-                        <dgm:constr type="lMarg" refType="primFontSz" fact="0.3"/>
-                        <dgm:constr type="rMarg" refType="primFontSz" fact="0.3"/>
-                        <dgm:constr type="tMarg" refType="primFontSz" fact="0.3"/>
-                        <dgm:constr type="bMarg" refType="primFontSz" fact="0.3"/>
-                      </dgm:constrLst>
-                      <dgm:ruleLst>
-                        <dgm:rule type="primFontSz" val="5" fact="NaN" max="NaN"/>
-                      </dgm:ruleLst>
-                    </dgm:layoutNode>
-                    <dgm:layoutNode name="FourNodes_3_text">
-                      <dgm:varLst>
-                        <dgm:bulletEnabled val="1"/>
-                      </dgm:varLst>
-                      <dgm:alg type="tx">
-                        <dgm:param type="parTxLTRAlign" val="l"/>
-                        <dgm:param type="txAnchorVertCh" val="mid"/>
-                      </dgm:alg>
-                      <dgm:shape xmlns:r="http://schemas.openxmlformats.org/officeDocument/2006/relationships" type="roundRect" r:blip="" hideGeom="1">
-                        <dgm:adjLst>
-                          <dgm:adj idx="1" val="0.1"/>
-                        </dgm:adjLst>
-                      </dgm:shape>
-                      <dgm:presOf axis="ch desOrSelf" ptType="node node" st="3 1" cnt="1 0"/>
-                      <dgm:constrLst>
-                        <dgm:constr type="lMarg" refType="primFontSz" fact="0.3"/>
-                        <dgm:constr type="rMarg" refType="primFontSz" fact="0.3"/>
-                        <dgm:constr type="tMarg" refType="primFontSz" fact="0.3"/>
-                        <dgm:constr type="bMarg" refType="primFontSz" fact="0.3"/>
-                      </dgm:constrLst>
-                      <dgm:ruleLst>
-                        <dgm:rule type="primFontSz" val="5" fact="NaN" max="NaN"/>
-                      </dgm:ruleLst>
-                    </dgm:layoutNode>
-                    <dgm:layoutNode name="FourNodes_4_text">
-                      <dgm:varLst>
-                        <dgm:bulletEnabled val="1"/>
-                      </dgm:varLst>
-                      <dgm:alg type="tx">
-                        <dgm:param type="parTxLTRAlign" val="l"/>
-                        <dgm:param type="txAnchorVertCh" val="mid"/>
-                      </dgm:alg>
-                      <dgm:shape xmlns:r="http://schemas.openxmlformats.org/officeDocument/2006/relationships" type="roundRect" r:blip="" hideGeom="1">
-                        <dgm:adjLst>
-                          <dgm:adj idx="1" val="0.1"/>
-                        </dgm:adjLst>
-                      </dgm:shape>
-                      <dgm:presOf axis="ch desOrSelf" ptType="node node" st="4 1" cnt="1 0"/>
-                      <dgm:constrLst>
-                        <dgm:constr type="lMarg" refType="primFontSz" fact="0.3"/>
-                        <dgm:constr type="rMarg" refType="primFontSz" fact="0.3"/>
-                        <dgm:constr type="tMarg" refType="primFontSz" fact="0.3"/>
-                        <dgm:constr type="bMarg" refType="primFontSz" fact="0.3"/>
-                      </dgm:constrLst>
-                      <dgm:ruleLst>
-                        <dgm:rule type="primFontSz" val="5" fact="NaN" max="NaN"/>
-                      </dgm:ruleLst>
-                    </dgm:layoutNode>
-                  </dgm:if>
-                  <dgm:else name="Name14">
-                    <dgm:choose name="Name15">
-                      <dgm:if name="Name16" axis="ch" ptType="node" func="cnt" op="gte" val="5">
-                        <dgm:layoutNode name="FiveNodes_1">
-                          <dgm:varLst>
-                            <dgm:bulletEnabled val="1"/>
-                          </dgm:varLst>
-                          <dgm:alg type="sp"/>
-                          <dgm:shape xmlns:r="http://schemas.openxmlformats.org/officeDocument/2006/relationships" type="roundRect" r:blip="">
-                            <dgm:adjLst>
-                              <dgm:adj idx="1" val="0.1"/>
-                            </dgm:adjLst>
-                          </dgm:shape>
-                          <dgm:presOf axis="ch desOrSelf" ptType="node node" st="1 1" cnt="1 0"/>
-                          <dgm:constrLst/>
-                          <dgm:ruleLst/>
-                        </dgm:layoutNode>
-                        <dgm:layoutNode name="FiveNodes_2">
-                          <dgm:varLst>
-                            <dgm:bulletEnabled val="1"/>
-                          </dgm:varLst>
-                          <dgm:alg type="sp"/>
-                          <dgm:shape xmlns:r="http://schemas.openxmlformats.org/officeDocument/2006/relationships" type="roundRect" r:blip="">
-                            <dgm:adjLst>
-                              <dgm:adj idx="1" val="0.1"/>
-                            </dgm:adjLst>
-                          </dgm:shape>
-                          <dgm:presOf axis="ch desOrSelf" ptType="node node" st="2 1" cnt="1 0"/>
-                          <dgm:constrLst/>
-                          <dgm:ruleLst/>
-                        </dgm:layoutNode>
-                        <dgm:layoutNode name="FiveNodes_3">
-                          <dgm:varLst>
-                            <dgm:bulletEnabled val="1"/>
-                          </dgm:varLst>
-                          <dgm:alg type="sp"/>
-                          <dgm:shape xmlns:r="http://schemas.openxmlformats.org/officeDocument/2006/relationships" type="roundRect" r:blip="">
-                            <dgm:adjLst>
-                              <dgm:adj idx="1" val="0.1"/>
-                            </dgm:adjLst>
-                          </dgm:shape>
-                          <dgm:presOf axis="ch desOrSelf" ptType="node node" st="3 1" cnt="1 0"/>
-                          <dgm:constrLst/>
-                          <dgm:ruleLst/>
-                        </dgm:layoutNode>
-                        <dgm:layoutNode name="FiveNodes_4">
-                          <dgm:varLst>
-                            <dgm:bulletEnabled val="1"/>
-                          </dgm:varLst>
-                          <dgm:alg type="sp"/>
-                          <dgm:shape xmlns:r="http://schemas.openxmlformats.org/officeDocument/2006/relationships" type="roundRect" r:blip="">
-                            <dgm:adjLst>
-                              <dgm:adj idx="1" val="0.1"/>
-                            </dgm:adjLst>
-                          </dgm:shape>
-                          <dgm:presOf axis="ch desOrSelf" ptType="node node" st="4 1" cnt="1 0"/>
-                          <dgm:constrLst/>
-                          <dgm:ruleLst/>
-                        </dgm:layoutNode>
-                        <dgm:layoutNode name="FiveNodes_5">
-                          <dgm:varLst>
-                            <dgm:bulletEnabled val="1"/>
-                          </dgm:varLst>
-                          <dgm:alg type="sp"/>
-                          <dgm:shape xmlns:r="http://schemas.openxmlformats.org/officeDocument/2006/relationships" type="roundRect" r:blip="">
-                            <dgm:adjLst>
-                              <dgm:adj idx="1" val="0.1"/>
-                            </dgm:adjLst>
-                          </dgm:shape>
-                          <dgm:presOf axis="ch desOrSelf" ptType="node node" st="5 1" cnt="1 0"/>
-                          <dgm:constrLst/>
-                          <dgm:ruleLst/>
-                        </dgm:layoutNode>
-                        <dgm:layoutNode name="FiveConn_1-2" styleLbl="fgAccFollowNode1">
-                          <dgm:varLst>
-                            <dgm:bulletEnabled val="1"/>
-                          </dgm:varLst>
-                          <dgm:alg type="tx"/>
-                          <dgm:shape xmlns:r="http://schemas.openxmlformats.org/officeDocument/2006/relationships" type="downArrow" r:blip="">
-                            <dgm:adjLst>
-                              <dgm:adj idx="1" val="0.55"/>
-                              <dgm:adj idx="2" val="0.45"/>
-                            </dgm:adjLst>
-                          </dgm:shape>
-                          <dgm:presOf axis="ch" ptType="sibTrans" cnt="1"/>
-                          <dgm:constrLst>
-                            <dgm:constr type="lMarg" refType="primFontSz" fact="0.1"/>
-                            <dgm:constr type="rMarg" refType="primFontSz" fact="0.1"/>
-                            <dgm:constr type="tMarg" refType="primFontSz" fact="0.1"/>
-                            <dgm:constr type="bMarg" refType="primFontSz" fact="0.1"/>
-                          </dgm:constrLst>
-                          <dgm:ruleLst>
-                            <dgm:rule type="primFontSz" val="5" fact="NaN" max="NaN"/>
-                          </dgm:ruleLst>
-                        </dgm:layoutNode>
-                        <dgm:layoutNode name="FiveConn_2-3" styleLbl="fgAccFollowNode1">
-                          <dgm:varLst>
-                            <dgm:bulletEnabled val="1"/>
-                          </dgm:varLst>
-                          <dgm:alg type="tx"/>
-                          <dgm:shape xmlns:r="http://schemas.openxmlformats.org/officeDocument/2006/relationships" type="downArrow" r:blip="">
-                            <dgm:adjLst>
-                              <dgm:adj idx="1" val="0.55"/>
-                              <dgm:adj idx="2" val="0.45"/>
-                            </dgm:adjLst>
-                          </dgm:shape>
-                          <dgm:presOf axis="ch" ptType="sibTrans" st="2" cnt="1"/>
-                          <dgm:constrLst>
-                            <dgm:constr type="lMarg" refType="primFontSz" fact="0.1"/>
-                            <dgm:constr type="rMarg" refType="primFontSz" fact="0.1"/>
-                            <dgm:constr type="tMarg" refType="primFontSz" fact="0.1"/>
-                            <dgm:constr type="bMarg" refType="primFontSz" fact="0.1"/>
-                          </dgm:constrLst>
-                          <dgm:ruleLst>
-                            <dgm:rule type="primFontSz" val="5" fact="NaN" max="NaN"/>
-                          </dgm:ruleLst>
-                        </dgm:layoutNode>
-                        <dgm:layoutNode name="FiveConn_3-4" styleLbl="fgAccFollowNode1">
-                          <dgm:varLst>
-                            <dgm:bulletEnabled val="1"/>
-                          </dgm:varLst>
-                          <dgm:alg type="tx"/>
-                          <dgm:shape xmlns:r="http://schemas.openxmlformats.org/officeDocument/2006/relationships" type="downArrow" r:blip="">
-                            <dgm:adjLst>
-                              <dgm:adj idx="1" val="0.55"/>
-                              <dgm:adj idx="2" val="0.45"/>
-                            </dgm:adjLst>
-                          </dgm:shape>
-                          <dgm:presOf axis="ch" ptType="sibTrans" st="3" cnt="1"/>
-                          <dgm:constrLst>
-                            <dgm:constr type="lMarg" refType="primFontSz" fact="0.1"/>
-                            <dgm:constr type="rMarg" refType="primFontSz" fact="0.1"/>
-                            <dgm:constr type="tMarg" refType="primFontSz" fact="0.1"/>
-                            <dgm:constr type="bMarg" refType="primFontSz" fact="0.1"/>
-                          </dgm:constrLst>
-                          <dgm:ruleLst>
-                            <dgm:rule type="primFontSz" val="5" fact="NaN" max="NaN"/>
-                          </dgm:ruleLst>
-                        </dgm:layoutNode>
-                        <dgm:layoutNode name="FiveConn_4-5" styleLbl="fgAccFollowNode1">
-                          <dgm:varLst>
-                            <dgm:bulletEnabled val="1"/>
-                          </dgm:varLst>
-                          <dgm:alg type="tx"/>
-                          <dgm:shape xmlns:r="http://schemas.openxmlformats.org/officeDocument/2006/relationships" type="downArrow" r:blip="">
-                            <dgm:adjLst>
-                              <dgm:adj idx="1" val="0.55"/>
-                              <dgm:adj idx="2" val="0.45"/>
-                            </dgm:adjLst>
-                          </dgm:shape>
-                          <dgm:presOf axis="ch" ptType="sibTrans" st="4" cnt="1"/>
-                          <dgm:constrLst>
-                            <dgm:constr type="lMarg" refType="primFontSz" fact="0.1"/>
-                            <dgm:constr type="rMarg" refType="primFontSz" fact="0.1"/>
-                            <dgm:constr type="tMarg" refType="primFontSz" fact="0.1"/>
-                            <dgm:constr type="bMarg" refType="primFontSz" fact="0.1"/>
-                          </dgm:constrLst>
-                          <dgm:ruleLst>
-                            <dgm:rule type="primFontSz" val="5" fact="NaN" max="NaN"/>
-                          </dgm:ruleLst>
-                        </dgm:layoutNode>
-                        <dgm:layoutNode name="FiveNodes_1_text">
-                          <dgm:varLst>
-                            <dgm:bulletEnabled val="1"/>
-                          </dgm:varLst>
-                          <dgm:alg type="tx">
-                            <dgm:param type="parTxLTRAlign" val="l"/>
-                            <dgm:param type="txAnchorVertCh" val="mid"/>
-                          </dgm:alg>
-                          <dgm:shape xmlns:r="http://schemas.openxmlformats.org/officeDocument/2006/relationships" type="roundRect" r:blip="" hideGeom="1">
-                            <dgm:adjLst>
-                              <dgm:adj idx="1" val="0.1"/>
-                            </dgm:adjLst>
-                          </dgm:shape>
-                          <dgm:presOf axis="ch desOrSelf" ptType="node node" st="1 1" cnt="1 0"/>
-                          <dgm:constrLst>
-                            <dgm:constr type="lMarg" refType="primFontSz" fact="0.3"/>
-                            <dgm:constr type="rMarg" refType="primFontSz" fact="0.3"/>
-                            <dgm:constr type="tMarg" refType="primFontSz" fact="0.3"/>
-                            <dgm:constr type="bMarg" refType="primFontSz" fact="0.3"/>
-                          </dgm:constrLst>
-                          <dgm:ruleLst>
-                            <dgm:rule type="primFontSz" val="5" fact="NaN" max="NaN"/>
-                          </dgm:ruleLst>
-                        </dgm:layoutNode>
-                        <dgm:layoutNode name="FiveNodes_2_text">
-                          <dgm:varLst>
-                            <dgm:bulletEnabled val="1"/>
-                          </dgm:varLst>
-                          <dgm:alg type="tx">
-                            <dgm:param type="parTxLTRAlign" val="l"/>
-                            <dgm:param type="txAnchorVertCh" val="mid"/>
-                          </dgm:alg>
-                          <dgm:shape xmlns:r="http://schemas.openxmlformats.org/officeDocument/2006/relationships" type="roundRect" r:blip="" hideGeom="1">
-                            <dgm:adjLst>
-                              <dgm:adj idx="1" val="0.1"/>
-                            </dgm:adjLst>
-                          </dgm:shape>
-                          <dgm:presOf axis="ch desOrSelf" ptType="node node" st="2 1" cnt="1 0"/>
-                          <dgm:constrLst>
-                            <dgm:constr type="lMarg" refType="primFontSz" fact="0.3"/>
-                            <dgm:constr type="rMarg" refType="primFontSz" fact="0.3"/>
-                            <dgm:constr type="tMarg" refType="primFontSz" fact="0.3"/>
-                            <dgm:constr type="bMarg" refType="primFontSz" fact="0.3"/>
-                          </dgm:constrLst>
-                          <dgm:ruleLst>
-                            <dgm:rule type="primFontSz" val="5" fact="NaN" max="NaN"/>
-                          </dgm:ruleLst>
-                        </dgm:layoutNode>
-                        <dgm:layoutNode name="FiveNodes_3_text">
-                          <dgm:varLst>
-                            <dgm:bulletEnabled val="1"/>
-                          </dgm:varLst>
-                          <dgm:alg type="tx">
-                            <dgm:param type="parTxLTRAlign" val="l"/>
-                            <dgm:param type="txAnchorVertCh" val="mid"/>
-                          </dgm:alg>
-                          <dgm:shape xmlns:r="http://schemas.openxmlformats.org/officeDocument/2006/relationships" type="roundRect" r:blip="" hideGeom="1">
-                            <dgm:adjLst>
-                              <dgm:adj idx="1" val="0.1"/>
-                            </dgm:adjLst>
-                          </dgm:shape>
-                          <dgm:presOf axis="ch desOrSelf" ptType="node node" st="3 1" cnt="1 0"/>
-                          <dgm:constrLst>
-                            <dgm:constr type="lMarg" refType="primFontSz" fact="0.3"/>
-                            <dgm:constr type="rMarg" refType="primFontSz" fact="0.3"/>
-                            <dgm:constr type="tMarg" refType="primFontSz" fact="0.3"/>
-                            <dgm:constr type="bMarg" refType="primFontSz" fact="0.3"/>
-                          </dgm:constrLst>
-                          <dgm:ruleLst>
-                            <dgm:rule type="primFontSz" val="5" fact="NaN" max="NaN"/>
-                          </dgm:ruleLst>
-                        </dgm:layoutNode>
-                        <dgm:layoutNode name="FiveNodes_4_text">
-                          <dgm:varLst>
-                            <dgm:bulletEnabled val="1"/>
-                          </dgm:varLst>
-                          <dgm:alg type="tx">
-                            <dgm:param type="parTxLTRAlign" val="l"/>
-                            <dgm:param type="txAnchorVertCh" val="mid"/>
-                          </dgm:alg>
-                          <dgm:shape xmlns:r="http://schemas.openxmlformats.org/officeDocument/2006/relationships" type="roundRect" r:blip="" hideGeom="1">
-                            <dgm:adjLst>
-                              <dgm:adj idx="1" val="0.1"/>
-                            </dgm:adjLst>
-                          </dgm:shape>
-                          <dgm:presOf axis="ch desOrSelf" ptType="node node" st="4 1" cnt="1 0"/>
-                          <dgm:constrLst>
-                            <dgm:constr type="lMarg" refType="primFontSz" fact="0.3"/>
-                            <dgm:constr type="rMarg" refType="primFontSz" fact="0.3"/>
-                            <dgm:constr type="tMarg" refType="primFontSz" fact="0.3"/>
-                            <dgm:constr type="bMarg" refType="primFontSz" fact="0.3"/>
-                          </dgm:constrLst>
-                          <dgm:ruleLst>
-                            <dgm:rule type="primFontSz" val="5" fact="NaN" max="NaN"/>
-                          </dgm:ruleLst>
-                        </dgm:layoutNode>
-                        <dgm:layoutNode name="FiveNodes_5_text">
-                          <dgm:varLst>
-                            <dgm:bulletEnabled val="1"/>
-                          </dgm:varLst>
-                          <dgm:alg type="tx">
-                            <dgm:param type="parTxLTRAlign" val="l"/>
-                            <dgm:param type="txAnchorVertCh" val="mid"/>
-                          </dgm:alg>
-                          <dgm:shape xmlns:r="http://schemas.openxmlformats.org/officeDocument/2006/relationships" type="roundRect" r:blip="" hideGeom="1">
-                            <dgm:adjLst>
-                              <dgm:adj idx="1" val="0.1"/>
-                            </dgm:adjLst>
-                          </dgm:shape>
-                          <dgm:presOf axis="ch desOrSelf" ptType="node node" st="5 1" cnt="1 0"/>
-                          <dgm:constrLst>
-                            <dgm:constr type="lMarg" refType="primFontSz" fact="0.3"/>
-                            <dgm:constr type="rMarg" refType="primFontSz" fact="0.3"/>
-                            <dgm:constr type="tMarg" refType="primFontSz" fact="0.3"/>
-                            <dgm:constr type="bMarg" refType="primFontSz" fact="0.3"/>
-                          </dgm:constrLst>
-                          <dgm:ruleLst>
-                            <dgm:rule type="primFontSz" val="5" fact="NaN" max="NaN"/>
-                          </dgm:ruleLst>
-                        </dgm:layoutNode>
-                      </dgm:if>
-                      <dgm:else name="Name17"/>
-                    </dgm:choose>
-                  </dgm:else>
-                </dgm:choose>
-              </dgm:else>
-            </dgm:choose>
-          </dgm:else>
-        </dgm:choose>
-      </dgm:else>
-    </dgm:choose>
-  </dgm:layoutNode>
-</dgm:layoutDef>
-</file>
-
-<file path=ppt/diagrams/quickStyle1.xml><?xml version="1.0" encoding="utf-8"?>
-<dgm:styleDef xmlns:dgm="http://schemas.openxmlformats.org/drawingml/2006/diagram" xmlns:a="http://schemas.openxmlformats.org/drawingml/2006/main" uniqueId="urn:microsoft.com/office/officeart/2005/8/quickstyle/simple4">
-  <dgm:title val=""/>
-  <dgm:desc val=""/>
-  <dgm:catLst>
-    <dgm:cat type="simple" pri="10400"/>
-  </dgm:catLst>
-  <dgm:scene3d>
-    <a:camera prst="orthographicFront"/>
-    <a:lightRig rig="threePt" dir="t"/>
-  </dgm:scene3d>
-  <dgm:styleLbl name="node0">
-    <dgm:scene3d>
-      <a:camera prst="orthographicFront"/>
-      <a:lightRig rig="threePt" dir="t"/>
-    </dgm:scene3d>
-    <dgm:sp3d/>
-    <dgm:txPr/>
-    <dgm:style>
-      <a:lnRef idx="0">
-        <a:scrgbClr r="0" g="0" b="0"/>
-      </a:lnRef>
-      <a:fillRef idx="3">
-        <a:scrgbClr r="0" g="0" b="0"/>
-      </a:fillRef>
-      <a:effectRef idx="2">
-        <a:scrgbClr r="0" g="0" b="0"/>
-      </a:effectRef>
-      <a:fontRef idx="minor">
-        <a:schemeClr val="lt1"/>
-      </a:fontRef>
-    </dgm:style>
-  </dgm:styleLbl>
-  <dgm:styleLbl name="lnNode1">
-    <dgm:scene3d>
-      <a:camera prst="orthographicFront"/>
-      <a:lightRig rig="threePt" dir="t"/>
-    </dgm:scene3d>
-    <dgm:sp3d/>
-    <dgm:txPr/>
-    <dgm:style>
-      <a:lnRef idx="1">
-        <a:scrgbClr r="0" g="0" b="0"/>
-      </a:lnRef>
-      <a:fillRef idx="3">
-        <a:scrgbClr r="0" g="0" b="0"/>
-      </a:fillRef>
-      <a:effectRef idx="2">
-        <a:scrgbClr r="0" g="0" b="0"/>
-      </a:effectRef>
-      <a:fontRef idx="minor">
-        <a:schemeClr val="lt1"/>
-      </a:fontRef>
-    </dgm:style>
-  </dgm:styleLbl>
-  <dgm:styleLbl name="vennNode1">
-    <dgm:scene3d>
-      <a:camera prst="orthographicFront"/>
-      <a:lightRig rig="threePt" dir="t"/>
-    </dgm:scene3d>
-    <dgm:sp3d/>
-    <dgm:txPr/>
-    <dgm:style>
-      <a:lnRef idx="0">
-        <a:scrgbClr r="0" g="0" b="0"/>
-      </a:lnRef>
-      <a:fillRef idx="3">
-        <a:scrgbClr r="0" g="0" b="0"/>
-      </a:fillRef>
-      <a:effectRef idx="0">
-        <a:scrgbClr r="0" g="0" b="0"/>
-      </a:effectRef>
-      <a:fontRef idx="minor">
-        <a:schemeClr val="tx1"/>
-      </a:fontRef>
-    </dgm:style>
-  </dgm:styleLbl>
-  <dgm:styleLbl name="alignNode1">
-    <dgm:scene3d>
-      <a:camera prst="orthographicFront"/>
-      <a:lightRig rig="threePt" dir="t"/>
-    </dgm:scene3d>
-    <dgm:sp3d/>
-    <dgm:txPr/>
-    <dgm:style>
-      <a:lnRef idx="1">
-        <a:scrgbClr r="0" g="0" b="0"/>
-      </a:lnRef>
-      <a:fillRef idx="3">
-        <a:scrgbClr r="0" g="0" b="0"/>
-      </a:fillRef>
-      <a:effectRef idx="2">
-        <a:scrgbClr r="0" g="0" b="0"/>
-      </a:effectRef>
-      <a:fontRef idx="minor">
-        <a:schemeClr val="lt1"/>
-      </a:fontRef>
-    </dgm:style>
-  </dgm:styleLbl>
-  <dgm:styleLbl name="node1">
-    <dgm:scene3d>
-      <a:camera prst="orthographicFront"/>
-      <a:lightRig rig="threePt" dir="t"/>
-    </dgm:scene3d>
-    <dgm:sp3d/>
-    <dgm:txPr/>
-    <dgm:style>
-      <a:lnRef idx="0">
-        <a:scrgbClr r="0" g="0" b="0"/>
-      </a:lnRef>
-      <a:fillRef idx="3">
-        <a:scrgbClr r="0" g="0" b="0"/>
-      </a:fillRef>
-      <a:effectRef idx="2">
-        <a:scrgbClr r="0" g="0" b="0"/>
-      </a:effectRef>
-      <a:fontRef idx="minor">
-        <a:schemeClr val="lt1"/>
-      </a:fontRef>
-    </dgm:style>
-  </dgm:styleLbl>
-  <dgm:styleLbl name="node2">
-    <dgm:scene3d>
-      <a:camera prst="orthographicFront"/>
-      <a:lightRig rig="threePt" dir="t"/>
-    </dgm:scene3d>
-    <dgm:sp3d/>
-    <dgm:txPr/>
-    <dgm:style>
-      <a:lnRef idx="0">
-        <a:scrgbClr r="0" g="0" b="0"/>
-      </a:lnRef>
-      <a:fillRef idx="3">
-        <a:scrgbClr r="0" g="0" b="0"/>
-      </a:fillRef>
-      <a:effectRef idx="2">
-        <a:scrgbClr r="0" g="0" b="0"/>
-      </a:effectRef>
-      <a:fontRef idx="minor">
-        <a:schemeClr val="lt1"/>
-      </a:fontRef>
-    </dgm:style>
-  </dgm:styleLbl>
-  <dgm:styleLbl name="node3">
-    <dgm:scene3d>
-      <a:camera prst="orthographicFront"/>
-      <a:lightRig rig="threePt" dir="t"/>
-    </dgm:scene3d>
-    <dgm:sp3d/>
-    <dgm:txPr/>
-    <dgm:style>
-      <a:lnRef idx="0">
-        <a:scrgbClr r="0" g="0" b="0"/>
-      </a:lnRef>
-      <a:fillRef idx="3">
-        <a:scrgbClr r="0" g="0" b="0"/>
-      </a:fillRef>
-      <a:effectRef idx="2">
-        <a:scrgbClr r="0" g="0" b="0"/>
-      </a:effectRef>
-      <a:fontRef idx="minor">
-        <a:schemeClr val="lt1"/>
-      </a:fontRef>
-    </dgm:style>
-  </dgm:styleLbl>
-  <dgm:styleLbl name="node4">
-    <dgm:scene3d>
-      <a:camera prst="orthographicFront"/>
-      <a:lightRig rig="threePt" dir="t"/>
-    </dgm:scene3d>
-    <dgm:sp3d/>
-    <dgm:txPr/>
-    <dgm:style>
-      <a:lnRef idx="0">
-        <a:scrgbClr r="0" g="0" b="0"/>
-      </a:lnRef>
-      <a:fillRef idx="3">
-        <a:scrgbClr r="0" g="0" b="0"/>
-      </a:fillRef>
-      <a:effectRef idx="2">
-        <a:scrgbClr r="0" g="0" b="0"/>
-      </a:effectRef>
-      <a:fontRef idx="minor">
-        <a:schemeClr val="lt1"/>
-      </a:fontRef>
-    </dgm:style>
-  </dgm:styleLbl>
-  <dgm:styleLbl name="fgImgPlace1">
-    <dgm:scene3d>
-      <a:camera prst="orthographicFront"/>
-      <a:lightRig rig="threePt" dir="t"/>
-    </dgm:scene3d>
-    <dgm:sp3d/>
-    <dgm:txPr/>
-    <dgm:style>
-      <a:lnRef idx="0">
-        <a:scrgbClr r="0" g="0" b="0"/>
-      </a:lnRef>
-      <a:fillRef idx="1">
-        <a:scrgbClr r="0" g="0" b="0"/>
-      </a:fillRef>
-      <a:effectRef idx="2">
-        <a:scrgbClr r="0" g="0" b="0"/>
-      </a:effectRef>
-      <a:fontRef idx="minor"/>
-    </dgm:style>
-  </dgm:styleLbl>
-  <dgm:styleLbl name="alignImgPlace1">
-    <dgm:scene3d>
-      <a:camera prst="orthographicFront"/>
-      <a:lightRig rig="threePt" dir="t"/>
-    </dgm:scene3d>
-    <dgm:sp3d/>
-    <dgm:txPr/>
-    <dgm:style>
-      <a:lnRef idx="0">
-        <a:scrgbClr r="0" g="0" b="0"/>
-      </a:lnRef>
-      <a:fillRef idx="1">
-        <a:scrgbClr r="0" g="0" b="0"/>
-      </a:fillRef>
-      <a:effectRef idx="2">
-        <a:scrgbClr r="0" g="0" b="0"/>
-      </a:effectRef>
-      <a:fontRef idx="minor"/>
-    </dgm:style>
-  </dgm:styleLbl>
-  <dgm:styleLbl name="bgImgPlace1">
-    <dgm:scene3d>
-      <a:camera prst="orthographicFront"/>
-      <a:lightRig rig="threePt" dir="t"/>
-    </dgm:scene3d>
-    <dgm:sp3d/>
-    <dgm:txPr/>
-    <dgm:style>
-      <a:lnRef idx="0">
-        <a:scrgbClr r="0" g="0" b="0"/>
-      </a:lnRef>
-      <a:fillRef idx="1">
-        <a:scrgbClr r="0" g="0" b="0"/>
-      </a:fillRef>
-      <a:effectRef idx="2">
-        <a:scrgbClr r="0" g="0" b="0"/>
-      </a:effectRef>
-      <a:fontRef idx="minor"/>
-    </dgm:style>
-  </dgm:styleLbl>
-  <dgm:styleLbl name="sibTrans2D1">
-    <dgm:scene3d>
-      <a:camera prst="orthographicFront"/>
-      <a:lightRig rig="threePt" dir="t"/>
-    </dgm:scene3d>
-    <dgm:sp3d/>
-    <dgm:txPr/>
-    <dgm:style>
-      <a:lnRef idx="0">
-        <a:scrgbClr r="0" g="0" b="0"/>
-      </a:lnRef>
-      <a:fillRef idx="3">
-        <a:scrgbClr r="0" g="0" b="0"/>
-      </a:fillRef>
-      <a:effectRef idx="2">
-        <a:scrgbClr r="0" g="0" b="0"/>
-      </a:effectRef>
-      <a:fontRef idx="minor">
-        <a:schemeClr val="lt1"/>
-      </a:fontRef>
-    </dgm:style>
-  </dgm:styleLbl>
-  <dgm:styleLbl name="fgSibTrans2D1">
-    <dgm:scene3d>
-      <a:camera prst="orthographicFront"/>
-      <a:lightRig rig="threePt" dir="t"/>
-    </dgm:scene3d>
-    <dgm:sp3d/>
-    <dgm:txPr/>
-    <dgm:style>
-      <a:lnRef idx="0">
-        <a:scrgbClr r="0" g="0" b="0"/>
-      </a:lnRef>
-      <a:fillRef idx="3">
-        <a:scrgbClr r="0" g="0" b="0"/>
-      </a:fillRef>
-      <a:effectRef idx="2">
-        <a:scrgbClr r="0" g="0" b="0"/>
-      </a:effectRef>
-      <a:fontRef idx="minor">
-        <a:schemeClr val="lt1"/>
-      </a:fontRef>
-    </dgm:style>
-  </dgm:styleLbl>
-  <dgm:styleLbl name="bgSibTrans2D1">
-    <dgm:scene3d>
-      <a:camera prst="orthographicFront"/>
-      <a:lightRig rig="threePt" dir="t"/>
-    </dgm:scene3d>
-    <dgm:sp3d/>
-    <dgm:txPr/>
-    <dgm:style>
-      <a:lnRef idx="0">
-        <a:scrgbClr r="0" g="0" b="0"/>
-      </a:lnRef>
-      <a:fillRef idx="3">
-        <a:scrgbClr r="0" g="0" b="0"/>
-      </a:fillRef>
-      <a:effectRef idx="2">
-        <a:scrgbClr r="0" g="0" b="0"/>
-      </a:effectRef>
-      <a:fontRef idx="minor">
-        <a:schemeClr val="lt1"/>
-      </a:fontRef>
-    </dgm:style>
-  </dgm:styleLbl>
-  <dgm:styleLbl name="sibTrans1D1">
-    <dgm:scene3d>
-      <a:camera prst="orthographicFront"/>
-      <a:lightRig rig="threePt" dir="t"/>
-    </dgm:scene3d>
-    <dgm:sp3d/>
-    <dgm:txPr/>
-    <dgm:style>
-      <a:lnRef idx="1">
-        <a:scrgbClr r="0" g="0" b="0"/>
-      </a:lnRef>
-      <a:fillRef idx="0">
-        <a:scrgbClr r="0" g="0" b="0"/>
-      </a:fillRef>
-      <a:effectRef idx="0">
-        <a:scrgbClr r="0" g="0" b="0"/>
-      </a:effectRef>
-      <a:fontRef idx="minor"/>
-    </dgm:style>
-  </dgm:styleLbl>
-  <dgm:styleLbl name="callout">
-    <dgm:scene3d>
-      <a:camera prst="orthographicFront"/>
-      <a:lightRig rig="threePt" dir="t"/>
-    </dgm:scene3d>
-    <dgm:sp3d/>
-    <dgm:txPr/>
-    <dgm:style>
-      <a:lnRef idx="2">
-        <a:scrgbClr r="0" g="0" b="0"/>
-      </a:lnRef>
-      <a:fillRef idx="1">
-        <a:scrgbClr r="0" g="0" b="0"/>
-      </a:fillRef>
-      <a:effectRef idx="1">
-        <a:scrgbClr r="0" g="0" b="0"/>
-      </a:effectRef>
-      <a:fontRef idx="minor"/>
-    </dgm:style>
-  </dgm:styleLbl>
-  <dgm:styleLbl name="asst0">
-    <dgm:scene3d>
-      <a:camera prst="orthographicFront"/>
-      <a:lightRig rig="threePt" dir="t"/>
-    </dgm:scene3d>
-    <dgm:sp3d/>
-    <dgm:txPr/>
-    <dgm:style>
-      <a:lnRef idx="0">
-        <a:scrgbClr r="0" g="0" b="0"/>
-      </a:lnRef>
-      <a:fillRef idx="3">
-        <a:scrgbClr r="0" g="0" b="0"/>
-      </a:fillRef>
-      <a:effectRef idx="2">
-        <a:scrgbClr r="0" g="0" b="0"/>
-      </a:effectRef>
-      <a:fontRef idx="minor">
-        <a:schemeClr val="lt1"/>
-      </a:fontRef>
-    </dgm:style>
-  </dgm:styleLbl>
-  <dgm:styleLbl name="asst1">
-    <dgm:scene3d>
-      <a:camera prst="orthographicFront"/>
-      <a:lightRig rig="threePt" dir="t"/>
-    </dgm:scene3d>
-    <dgm:sp3d/>
-    <dgm:txPr/>
-    <dgm:style>
-      <a:lnRef idx="0">
-        <a:scrgbClr r="0" g="0" b="0"/>
-      </a:lnRef>
-      <a:fillRef idx="3">
-        <a:scrgbClr r="0" g="0" b="0"/>
-      </a:fillRef>
-      <a:effectRef idx="2">
-        <a:scrgbClr r="0" g="0" b="0"/>
-      </a:effectRef>
-      <a:fontRef idx="minor">
-        <a:schemeClr val="lt1"/>
-      </a:fontRef>
-    </dgm:style>
-  </dgm:styleLbl>
-  <dgm:styleLbl name="asst2">
-    <dgm:scene3d>
-      <a:camera prst="orthographicFront"/>
-      <a:lightRig rig="threePt" dir="t"/>
-    </dgm:scene3d>
-    <dgm:sp3d/>
-    <dgm:txPr/>
-    <dgm:style>
-      <a:lnRef idx="0">
-        <a:scrgbClr r="0" g="0" b="0"/>
-      </a:lnRef>
-      <a:fillRef idx="3">
-        <a:scrgbClr r="0" g="0" b="0"/>
-      </a:fillRef>
-      <a:effectRef idx="2">
-        <a:scrgbClr r="0" g="0" b="0"/>
-      </a:effectRef>
-      <a:fontRef idx="minor">
-        <a:schemeClr val="lt1"/>
-      </a:fontRef>
-    </dgm:style>
-  </dgm:styleLbl>
-  <dgm:styleLbl name="asst3">
-    <dgm:scene3d>
-      <a:camera prst="orthographicFront"/>
-      <a:lightRig rig="threePt" dir="t"/>
-    </dgm:scene3d>
-    <dgm:sp3d/>
-    <dgm:txPr/>
-    <dgm:style>
-      <a:lnRef idx="0">
-        <a:scrgbClr r="0" g="0" b="0"/>
-      </a:lnRef>
-      <a:fillRef idx="3">
-        <a:scrgbClr r="0" g="0" b="0"/>
-      </a:fillRef>
-      <a:effectRef idx="2">
-        <a:scrgbClr r="0" g="0" b="0"/>
-      </a:effectRef>
-      <a:fontRef idx="minor">
-        <a:schemeClr val="lt1"/>
-      </a:fontRef>
-    </dgm:style>
-  </dgm:styleLbl>
-  <dgm:styleLbl name="asst4">
-    <dgm:scene3d>
-      <a:camera prst="orthographicFront"/>
-      <a:lightRig rig="threePt" dir="t"/>
-    </dgm:scene3d>
-    <dgm:sp3d/>
-    <dgm:txPr/>
-    <dgm:style>
-      <a:lnRef idx="0">
-        <a:scrgbClr r="0" g="0" b="0"/>
-      </a:lnRef>
-      <a:fillRef idx="3">
-        <a:scrgbClr r="0" g="0" b="0"/>
-      </a:fillRef>
-      <a:effectRef idx="2">
-        <a:scrgbClr r="0" g="0" b="0"/>
-      </a:effectRef>
-      <a:fontRef idx="minor">
-        <a:schemeClr val="lt1"/>
-      </a:fontRef>
-    </dgm:style>
-  </dgm:styleLbl>
-  <dgm:styleLbl name="parChTrans2D1">
-    <dgm:scene3d>
-      <a:camera prst="orthographicFront"/>
-      <a:lightRig rig="threePt" dir="t"/>
-    </dgm:scene3d>
-    <dgm:sp3d/>
-    <dgm:txPr/>
-    <dgm:style>
-      <a:lnRef idx="0">
-        <a:scrgbClr r="0" g="0" b="0"/>
-      </a:lnRef>
-      <a:fillRef idx="3">
-        <a:scrgbClr r="0" g="0" b="0"/>
-      </a:fillRef>
-      <a:effectRef idx="2">
-        <a:scrgbClr r="0" g="0" b="0"/>
-      </a:effectRef>
-      <a:fontRef idx="minor">
-        <a:schemeClr val="lt1"/>
-      </a:fontRef>
-    </dgm:style>
-  </dgm:styleLbl>
-  <dgm:styleLbl name="parChTrans2D2">
-    <dgm:scene3d>
-      <a:camera prst="orthographicFront"/>
-      <a:lightRig rig="threePt" dir="t"/>
-    </dgm:scene3d>
-    <dgm:sp3d/>
-    <dgm:txPr/>
-    <dgm:style>
-      <a:lnRef idx="0">
-        <a:scrgbClr r="0" g="0" b="0"/>
-      </a:lnRef>
-      <a:fillRef idx="3">
-        <a:scrgbClr r="0" g="0" b="0"/>
-      </a:fillRef>
-      <a:effectRef idx="2">
-        <a:scrgbClr r="0" g="0" b="0"/>
-      </a:effectRef>
-      <a:fontRef idx="minor">
-        <a:schemeClr val="lt1"/>
-      </a:fontRef>
-    </dgm:style>
-  </dgm:styleLbl>
-  <dgm:styleLbl name="parChTrans2D3">
-    <dgm:scene3d>
-      <a:camera prst="orthographicFront"/>
-      <a:lightRig rig="threePt" dir="t"/>
-    </dgm:scene3d>
-    <dgm:sp3d/>
-    <dgm:txPr/>
-    <dgm:style>
-      <a:lnRef idx="1">
-        <a:scrgbClr r="0" g="0" b="0"/>
-      </a:lnRef>
-      <a:fillRef idx="3">
-        <a:scrgbClr r="0" g="0" b="0"/>
-      </a:fillRef>
-      <a:effectRef idx="2">
-        <a:scrgbClr r="0" g="0" b="0"/>
-      </a:effectRef>
-      <a:fontRef idx="minor">
-        <a:schemeClr val="lt1"/>
-      </a:fontRef>
-    </dgm:style>
-  </dgm:styleLbl>
-  <dgm:styleLbl name="parChTrans2D4">
-    <dgm:scene3d>
-      <a:camera prst="orthographicFront"/>
-      <a:lightRig rig="threePt" dir="t"/>
-    </dgm:scene3d>
-    <dgm:sp3d/>
-    <dgm:txPr/>
-    <dgm:style>
-      <a:lnRef idx="1">
-        <a:scrgbClr r="0" g="0" b="0"/>
-      </a:lnRef>
-      <a:fillRef idx="3">
-        <a:scrgbClr r="0" g="0" b="0"/>
-      </a:fillRef>
-      <a:effectRef idx="2">
-        <a:scrgbClr r="0" g="0" b="0"/>
-      </a:effectRef>
-      <a:fontRef idx="minor">
-        <a:schemeClr val="lt1"/>
-      </a:fontRef>
-    </dgm:style>
-  </dgm:styleLbl>
-  <dgm:styleLbl name="parChTrans1D1">
-    <dgm:scene3d>
-      <a:camera prst="orthographicFront"/>
-      <a:lightRig rig="threePt" dir="t"/>
-    </dgm:scene3d>
-    <dgm:sp3d/>
-    <dgm:txPr/>
-    <dgm:style>
-      <a:lnRef idx="1">
-        <a:scrgbClr r="0" g="0" b="0"/>
-      </a:lnRef>
-      <a:fillRef idx="0">
-        <a:scrgbClr r="0" g="0" b="0"/>
-      </a:fillRef>
-      <a:effectRef idx="0">
-        <a:scrgbClr r="0" g="0" b="0"/>
-      </a:effectRef>
-      <a:fontRef idx="minor"/>
-    </dgm:style>
-  </dgm:styleLbl>
-  <dgm:styleLbl name="parChTrans1D2">
-    <dgm:scene3d>
-      <a:camera prst="orthographicFront"/>
-      <a:lightRig rig="threePt" dir="t"/>
-    </dgm:scene3d>
-    <dgm:sp3d/>
-    <dgm:txPr/>
-    <dgm:style>
-      <a:lnRef idx="1">
-        <a:scrgbClr r="0" g="0" b="0"/>
-      </a:lnRef>
-      <a:fillRef idx="0">
-        <a:scrgbClr r="0" g="0" b="0"/>
-      </a:fillRef>
-      <a:effectRef idx="0">
-        <a:scrgbClr r="0" g="0" b="0"/>
-      </a:effectRef>
-      <a:fontRef idx="minor"/>
-    </dgm:style>
-  </dgm:styleLbl>
-  <dgm:styleLbl name="parChTrans1D3">
-    <dgm:scene3d>
-      <a:camera prst="orthographicFront"/>
-      <a:lightRig rig="threePt" dir="t"/>
-    </dgm:scene3d>
-    <dgm:sp3d/>
-    <dgm:txPr/>
-    <dgm:style>
-      <a:lnRef idx="1">
-        <a:scrgbClr r="0" g="0" b="0"/>
-      </a:lnRef>
-      <a:fillRef idx="0">
-        <a:scrgbClr r="0" g="0" b="0"/>
-      </a:fillRef>
-      <a:effectRef idx="0">
-        <a:scrgbClr r="0" g="0" b="0"/>
-      </a:effectRef>
-      <a:fontRef idx="minor"/>
-    </dgm:style>
-  </dgm:styleLbl>
-  <dgm:styleLbl name="parChTrans1D4">
-    <dgm:scene3d>
-      <a:camera prst="orthographicFront"/>
-      <a:lightRig rig="threePt" dir="t"/>
-    </dgm:scene3d>
-    <dgm:sp3d/>
-    <dgm:txPr/>
-    <dgm:style>
-      <a:lnRef idx="1">
-        <a:scrgbClr r="0" g="0" b="0"/>
-      </a:lnRef>
-      <a:fillRef idx="0">
-        <a:scrgbClr r="0" g="0" b="0"/>
-      </a:fillRef>
-      <a:effectRef idx="0">
-        <a:scrgbClr r="0" g="0" b="0"/>
-      </a:effectRef>
-      <a:fontRef idx="minor"/>
-    </dgm:style>
-  </dgm:styleLbl>
-  <dgm:styleLbl name="fgAcc1">
-    <dgm:scene3d>
-      <a:camera prst="orthographicFront"/>
-      <a:lightRig rig="threePt" dir="t"/>
-    </dgm:scene3d>
-    <dgm:sp3d/>
-    <dgm:txPr/>
-    <dgm:style>
-      <a:lnRef idx="1">
-        <a:scrgbClr r="0" g="0" b="0"/>
-      </a:lnRef>
-      <a:fillRef idx="1">
-        <a:scrgbClr r="0" g="0" b="0"/>
-      </a:fillRef>
-      <a:effectRef idx="0">
-        <a:scrgbClr r="0" g="0" b="0"/>
-      </a:effectRef>
-      <a:fontRef idx="minor"/>
-    </dgm:style>
-  </dgm:styleLbl>
-  <dgm:styleLbl name="conFgAcc1">
-    <dgm:scene3d>
-      <a:camera prst="orthographicFront"/>
-      <a:lightRig rig="threePt" dir="t"/>
-    </dgm:scene3d>
-    <dgm:sp3d/>
-    <dgm:txPr/>
-    <dgm:style>
-      <a:lnRef idx="1">
-        <a:scrgbClr r="0" g="0" b="0"/>
-      </a:lnRef>
-      <a:fillRef idx="1">
-        <a:scrgbClr r="0" g="0" b="0"/>
-      </a:fillRef>
-      <a:effectRef idx="0">
-        <a:scrgbClr r="0" g="0" b="0"/>
-      </a:effectRef>
-      <a:fontRef idx="minor"/>
-    </dgm:style>
-  </dgm:styleLbl>
-  <dgm:styleLbl name="alignAcc1">
-    <dgm:scene3d>
-      <a:camera prst="orthographicFront"/>
-      <a:lightRig rig="threePt" dir="t"/>
-    </dgm:scene3d>
-    <dgm:sp3d/>
-    <dgm:txPr/>
-    <dgm:style>
-      <a:lnRef idx="1">
-        <a:scrgbClr r="0" g="0" b="0"/>
-      </a:lnRef>
-      <a:fillRef idx="1">
-        <a:scrgbClr r="0" g="0" b="0"/>
-      </a:fillRef>
-      <a:effectRef idx="0">
-        <a:scrgbClr r="0" g="0" b="0"/>
-      </a:effectRef>
-      <a:fontRef idx="minor"/>
-    </dgm:style>
-  </dgm:styleLbl>
-  <dgm:styleLbl name="trAlignAcc1">
-    <dgm:scene3d>
-      <a:camera prst="orthographicFront"/>
-      <a:lightRig rig="threePt" dir="t"/>
-    </dgm:scene3d>
-    <dgm:sp3d/>
-    <dgm:txPr/>
-    <dgm:style>
-      <a:lnRef idx="1">
-        <a:scrgbClr r="0" g="0" b="0"/>
-      </a:lnRef>
-      <a:fillRef idx="1">
-        <a:scrgbClr r="0" g="0" b="0"/>
-      </a:fillRef>
-      <a:effectRef idx="0">
-        <a:scrgbClr r="0" g="0" b="0"/>
-      </a:effectRef>
-      <a:fontRef idx="minor"/>
-    </dgm:style>
-  </dgm:styleLbl>
-  <dgm:styleLbl name="bgAcc1">
-    <dgm:scene3d>
-      <a:camera prst="orthographicFront"/>
-      <a:lightRig rig="threePt" dir="t"/>
-    </dgm:scene3d>
-    <dgm:sp3d/>
-    <dgm:txPr/>
-    <dgm:style>
-      <a:lnRef idx="1">
-        <a:scrgbClr r="0" g="0" b="0"/>
-      </a:lnRef>
-      <a:fillRef idx="1">
-        <a:scrgbClr r="0" g="0" b="0"/>
-      </a:fillRef>
-      <a:effectRef idx="0">
-        <a:scrgbClr r="0" g="0" b="0"/>
-      </a:effectRef>
-      <a:fontRef idx="minor"/>
-    </dgm:style>
-  </dgm:styleLbl>
-  <dgm:styleLbl name="solidFgAcc1">
-    <dgm:scene3d>
-      <a:camera prst="orthographicFront"/>
-      <a:lightRig rig="threePt" dir="t"/>
-    </dgm:scene3d>
-    <dgm:sp3d/>
-    <dgm:txPr/>
-    <dgm:style>
-      <a:lnRef idx="1">
-        <a:scrgbClr r="0" g="0" b="0"/>
-      </a:lnRef>
-      <a:fillRef idx="1">
-        <a:scrgbClr r="0" g="0" b="0"/>
-      </a:fillRef>
-      <a:effectRef idx="0">
-        <a:scrgbClr r="0" g="0" b="0"/>
-      </a:effectRef>
-      <a:fontRef idx="minor"/>
-    </dgm:style>
-  </dgm:styleLbl>
-  <dgm:styleLbl name="solidAlignAcc1">
-    <dgm:scene3d>
-      <a:camera prst="orthographicFront"/>
-      <a:lightRig rig="threePt" dir="t"/>
-    </dgm:scene3d>
-    <dgm:sp3d/>
-    <dgm:txPr/>
-    <dgm:style>
-      <a:lnRef idx="1">
-        <a:scrgbClr r="0" g="0" b="0"/>
-      </a:lnRef>
-      <a:fillRef idx="1">
-        <a:scrgbClr r="0" g="0" b="0"/>
-      </a:fillRef>
-      <a:effectRef idx="0">
-        <a:scrgbClr r="0" g="0" b="0"/>
-      </a:effectRef>
-      <a:fontRef idx="minor"/>
-    </dgm:style>
-  </dgm:styleLbl>
-  <dgm:styleLbl name="solidBgAcc1">
-    <dgm:scene3d>
-      <a:camera prst="orthographicFront"/>
-      <a:lightRig rig="threePt" dir="t"/>
-    </dgm:scene3d>
-    <dgm:sp3d/>
-    <dgm:txPr/>
-    <dgm:style>
-      <a:lnRef idx="1">
-        <a:scrgbClr r="0" g="0" b="0"/>
-      </a:lnRef>
-      <a:fillRef idx="1">
-        <a:scrgbClr r="0" g="0" b="0"/>
-      </a:fillRef>
-      <a:effectRef idx="0">
-        <a:scrgbClr r="0" g="0" b="0"/>
-      </a:effectRef>
-      <a:fontRef idx="minor"/>
-    </dgm:style>
-  </dgm:styleLbl>
-  <dgm:styleLbl name="fgAccFollowNode1">
-    <dgm:scene3d>
-      <a:camera prst="orthographicFront"/>
-      <a:lightRig rig="threePt" dir="t"/>
-    </dgm:scene3d>
-    <dgm:sp3d/>
-    <dgm:txPr/>
-    <dgm:style>
-      <a:lnRef idx="1">
-        <a:scrgbClr r="0" g="0" b="0"/>
-      </a:lnRef>
-      <a:fillRef idx="1">
-        <a:scrgbClr r="0" g="0" b="0"/>
-      </a:fillRef>
-      <a:effectRef idx="0">
-        <a:scrgbClr r="0" g="0" b="0"/>
-      </a:effectRef>
-      <a:fontRef idx="minor"/>
-    </dgm:style>
-  </dgm:styleLbl>
-  <dgm:styleLbl name="alignAccFollowNode1">
-    <dgm:scene3d>
-      <a:camera prst="orthographicFront"/>
-      <a:lightRig rig="threePt" dir="t"/>
-    </dgm:scene3d>
-    <dgm:sp3d/>
-    <dgm:txPr/>
-    <dgm:style>
-      <a:lnRef idx="1">
-        <a:scrgbClr r="0" g="0" b="0"/>
-      </a:lnRef>
-      <a:fillRef idx="1">
-        <a:scrgbClr r="0" g="0" b="0"/>
-      </a:fillRef>
-      <a:effectRef idx="0">
-        <a:scrgbClr r="0" g="0" b="0"/>
-      </a:effectRef>
-      <a:fontRef idx="minor"/>
-    </dgm:style>
-  </dgm:styleLbl>
-  <dgm:styleLbl name="bgAccFollowNode1">
-    <dgm:scene3d>
-      <a:camera prst="orthographicFront"/>
-      <a:lightRig rig="threePt" dir="t"/>
-    </dgm:scene3d>
-    <dgm:sp3d/>
-    <dgm:txPr/>
-    <dgm:style>
-      <a:lnRef idx="1">
-        <a:scrgbClr r="0" g="0" b="0"/>
-      </a:lnRef>
-      <a:fillRef idx="1">
-        <a:scrgbClr r="0" g="0" b="0"/>
-      </a:fillRef>
-      <a:effectRef idx="0">
-        <a:scrgbClr r="0" g="0" b="0"/>
-      </a:effectRef>
-      <a:fontRef idx="minor"/>
-    </dgm:style>
-  </dgm:styleLbl>
-  <dgm:styleLbl name="fgAcc0">
-    <dgm:scene3d>
-      <a:camera prst="orthographicFront"/>
-      <a:lightRig rig="threePt" dir="t"/>
-    </dgm:scene3d>
-    <dgm:sp3d/>
-    <dgm:txPr/>
-    <dgm:style>
-      <a:lnRef idx="1">
-        <a:scrgbClr r="0" g="0" b="0"/>
-      </a:lnRef>
-      <a:fillRef idx="1">
-        <a:scrgbClr r="0" g="0" b="0"/>
-      </a:fillRef>
-      <a:effectRef idx="0">
-        <a:scrgbClr r="0" g="0" b="0"/>
-      </a:effectRef>
-      <a:fontRef idx="minor"/>
-    </dgm:style>
-  </dgm:styleLbl>
-  <dgm:styleLbl name="fgAcc2">
-    <dgm:scene3d>
-      <a:camera prst="orthographicFront"/>
-      <a:lightRig rig="threePt" dir="t"/>
-    </dgm:scene3d>
-    <dgm:sp3d/>
-    <dgm:txPr/>
-    <dgm:style>
-      <a:lnRef idx="1">
-        <a:scrgbClr r="0" g="0" b="0"/>
-      </a:lnRef>
-      <a:fillRef idx="1">
-        <a:scrgbClr r="0" g="0" b="0"/>
-      </a:fillRef>
-      <a:effectRef idx="0">
-        <a:scrgbClr r="0" g="0" b="0"/>
-      </a:effectRef>
-      <a:fontRef idx="minor"/>
-    </dgm:style>
-  </dgm:styleLbl>
-  <dgm:styleLbl name="fgAcc3">
-    <dgm:scene3d>
-      <a:camera prst="orthographicFront"/>
-      <a:lightRig rig="threePt" dir="t"/>
-    </dgm:scene3d>
-    <dgm:sp3d/>
-    <dgm:txPr/>
-    <dgm:style>
-      <a:lnRef idx="1">
-        <a:scrgbClr r="0" g="0" b="0"/>
-      </a:lnRef>
-      <a:fillRef idx="1">
-        <a:scrgbClr r="0" g="0" b="0"/>
-      </a:fillRef>
-      <a:effectRef idx="0">
-        <a:scrgbClr r="0" g="0" b="0"/>
-      </a:effectRef>
-      <a:fontRef idx="minor"/>
-    </dgm:style>
-  </dgm:styleLbl>
-  <dgm:styleLbl name="fgAcc4">
-    <dgm:scene3d>
-      <a:camera prst="orthographicFront"/>
-      <a:lightRig rig="threePt" dir="t"/>
-    </dgm:scene3d>
-    <dgm:sp3d/>
-    <dgm:txPr/>
-    <dgm:style>
-      <a:lnRef idx="1">
-        <a:scrgbClr r="0" g="0" b="0"/>
-      </a:lnRef>
-      <a:fillRef idx="1">
-        <a:scrgbClr r="0" g="0" b="0"/>
-      </a:fillRef>
-      <a:effectRef idx="0">
-        <a:scrgbClr r="0" g="0" b="0"/>
-      </a:effectRef>
-      <a:fontRef idx="minor"/>
-    </dgm:style>
-  </dgm:styleLbl>
-  <dgm:styleLbl name="bgShp">
-    <dgm:scene3d>
-      <a:camera prst="orthographicFront"/>
-      <a:lightRig rig="threePt" dir="t"/>
-    </dgm:scene3d>
-    <dgm:sp3d/>
-    <dgm:txPr/>
-    <dgm:style>
-      <a:lnRef idx="0">
-        <a:scrgbClr r="0" g="0" b="0"/>
-      </a:lnRef>
-      <a:fillRef idx="1">
-        <a:scrgbClr r="0" g="0" b="0"/>
-      </a:fillRef>
-      <a:effectRef idx="2">
-        <a:scrgbClr r="0" g="0" b="0"/>
-      </a:effectRef>
-      <a:fontRef idx="minor"/>
-    </dgm:style>
-  </dgm:styleLbl>
-  <dgm:styleLbl name="dkBgShp">
-    <dgm:scene3d>
-      <a:camera prst="orthographicFront"/>
-      <a:lightRig rig="threePt" dir="t"/>
-    </dgm:scene3d>
-    <dgm:sp3d/>
-    <dgm:txPr/>
-    <dgm:style>
-      <a:lnRef idx="0">
-        <a:scrgbClr r="0" g="0" b="0"/>
-      </a:lnRef>
-      <a:fillRef idx="1">
-        <a:scrgbClr r="0" g="0" b="0"/>
-      </a:fillRef>
-      <a:effectRef idx="2">
-        <a:scrgbClr r="0" g="0" b="0"/>
-      </a:effectRef>
-      <a:fontRef idx="minor"/>
-    </dgm:style>
-  </dgm:styleLbl>
-  <dgm:styleLbl name="trBgShp">
-    <dgm:scene3d>
-      <a:camera prst="orthographicFront"/>
-      <a:lightRig rig="threePt" dir="t"/>
-    </dgm:scene3d>
-    <dgm:sp3d/>
-    <dgm:txPr/>
-    <dgm:style>
-      <a:lnRef idx="0">
-        <a:scrgbClr r="0" g="0" b="0"/>
-      </a:lnRef>
-      <a:fillRef idx="1">
-        <a:scrgbClr r="0" g="0" b="0"/>
-      </a:fillRef>
-      <a:effectRef idx="0">
-        <a:scrgbClr r="0" g="0" b="0"/>
-      </a:effectRef>
-      <a:fontRef idx="minor"/>
-    </dgm:style>
-  </dgm:styleLbl>
-  <dgm:styleLbl name="fgShp">
-    <dgm:scene3d>
-      <a:camera prst="orthographicFront"/>
-      <a:lightRig rig="threePt" dir="t"/>
-    </dgm:scene3d>
-    <dgm:sp3d/>
-    <dgm:txPr/>
-    <dgm:style>
-      <a:lnRef idx="0">
-        <a:scrgbClr r="0" g="0" b="0"/>
-      </a:lnRef>
-      <a:fillRef idx="3">
-        <a:scrgbClr r="0" g="0" b="0"/>
-      </a:fillRef>
-      <a:effectRef idx="2">
-        <a:scrgbClr r="0" g="0" b="0"/>
-      </a:effectRef>
-      <a:fontRef idx="minor"/>
-    </dgm:style>
-  </dgm:styleLbl>
-  <dgm:styleLbl name="revTx">
-    <dgm:scene3d>
-      <a:camera prst="orthographicFront"/>
-      <a:lightRig rig="threePt" dir="t"/>
-    </dgm:scene3d>
-    <dgm:sp3d/>
-    <dgm:txPr/>
-    <dgm:style>
-      <a:lnRef idx="0">
-        <a:scrgbClr r="0" g="0" b="0"/>
-      </a:lnRef>
-      <a:fillRef idx="0">
-        <a:scrgbClr r="0" g="0" b="0"/>
-      </a:fillRef>
-      <a:effectRef idx="0">
-        <a:scrgbClr r="0" g="0" b="0"/>
-      </a:effectRef>
-      <a:fontRef idx="minor"/>
-    </dgm:style>
-  </dgm:styleLbl>
-</dgm:styleDef>
-</file>
-
 <file path=ppt/handoutMasters/handoutMaster1.xml><?xml version="1.0" encoding="utf-8"?>
 <p:handoutMaster xmlns:a="http://schemas.openxmlformats.org/drawingml/2006/main" xmlns:r="http://schemas.openxmlformats.org/officeDocument/2006/relationships" xmlns:p="http://schemas.openxmlformats.org/presentationml/2006/main">
   <p:cSld>
@@ -5521,90 +651,6 @@
     </a:lvl9pPr>
   </p:notesStyle>
 </p:notesMaster>
-</file>
-
-<file path=ppt/notesSlides/notesSlide1.xml><?xml version="1.0" encoding="utf-8"?>
-<p:notes xmlns:a="http://schemas.openxmlformats.org/drawingml/2006/main" xmlns:r="http://schemas.openxmlformats.org/officeDocument/2006/relationships" xmlns:p="http://schemas.openxmlformats.org/presentationml/2006/main">
-  <p:cSld>
-    <p:spTree>
-      <p:nvGrpSpPr>
-        <p:cNvPr id="1" name=""/>
-        <p:cNvGrpSpPr/>
-        <p:nvPr/>
-      </p:nvGrpSpPr>
-      <p:grpSpPr>
-        <a:xfrm>
-          <a:off x="0" y="0"/>
-          <a:ext cx="0" cy="0"/>
-          <a:chOff x="0" y="0"/>
-          <a:chExt cx="0" cy="0"/>
-        </a:xfrm>
-      </p:grpSpPr>
-      <p:sp>
-        <p:nvSpPr>
-          <p:cNvPr id="2" name="Slide Image Placeholder 1"/>
-          <p:cNvSpPr>
-            <a:spLocks noGrp="1" noRot="1" noChangeAspect="1"/>
-          </p:cNvSpPr>
-          <p:nvPr>
-            <p:ph type="sldImg"/>
-          </p:nvPr>
-        </p:nvSpPr>
-        <p:spPr/>
-      </p:sp>
-      <p:sp>
-        <p:nvSpPr>
-          <p:cNvPr id="3" name="Notes Placeholder 2"/>
-          <p:cNvSpPr>
-            <a:spLocks noGrp="1"/>
-          </p:cNvSpPr>
-          <p:nvPr>
-            <p:ph type="body" idx="1"/>
-          </p:nvPr>
-        </p:nvSpPr>
-        <p:spPr/>
-        <p:txBody>
-          <a:bodyPr/>
-          <a:lstStyle/>
-          <a:p>
-            <a:endParaRPr lang="en-US" dirty="0"/>
-          </a:p>
-        </p:txBody>
-      </p:sp>
-      <p:sp>
-        <p:nvSpPr>
-          <p:cNvPr id="4" name="Slide Number Placeholder 3"/>
-          <p:cNvSpPr>
-            <a:spLocks noGrp="1"/>
-          </p:cNvSpPr>
-          <p:nvPr>
-            <p:ph type="sldNum" sz="quarter" idx="10"/>
-          </p:nvPr>
-        </p:nvSpPr>
-        <p:spPr/>
-        <p:txBody>
-          <a:bodyPr/>
-          <a:lstStyle/>
-          <a:p>
-            <a:fld id="{3EBA5BD7-F043-4D1B-AA17-CD412FC534DE}" type="slidenum">
-              <a:rPr lang="en-US" smtClean="0"/>
-              <a:t>5</a:t>
-            </a:fld>
-            <a:endParaRPr lang="en-US"/>
-          </a:p>
-        </p:txBody>
-      </p:sp>
-    </p:spTree>
-    <p:extLst>
-      <p:ext uri="{BB962C8B-B14F-4D97-AF65-F5344CB8AC3E}">
-        <p14:creationId xmlns:p14="http://schemas.microsoft.com/office/powerpoint/2010/main" val="4117229062"/>
-      </p:ext>
-    </p:extLst>
-  </p:cSld>
-  <p:clrMapOvr>
-    <a:masterClrMapping/>
-  </p:clrMapOvr>
-</p:notes>
 </file>
 
 <file path=ppt/slideLayouts/slideLayout1.xml><?xml version="1.0" encoding="utf-8"?>
@@ -10250,214 +5296,74 @@
           </a:effectLst>
         </p:spPr>
       </p:pic>
+      <p:sp>
+        <p:nvSpPr>
+          <p:cNvPr id="12" name="TextBox 11">
+            <a:extLst>
+              <a:ext uri="{FF2B5EF4-FFF2-40B4-BE49-F238E27FC236}">
+                <a16:creationId xmlns:a16="http://schemas.microsoft.com/office/drawing/2014/main" id="{5DC6457B-6A6F-DA5C-9D78-FE0D258BCB07}"/>
+              </a:ext>
+            </a:extLst>
+          </p:cNvPr>
+          <p:cNvSpPr txBox="1"/>
+          <p:nvPr/>
+        </p:nvSpPr>
+        <p:spPr>
+          <a:xfrm>
+            <a:off x="150812" y="4828990"/>
+            <a:ext cx="5867400" cy="1200329"/>
+          </a:xfrm>
+          <a:prstGeom prst="rect">
+            <a:avLst/>
+          </a:prstGeom>
+          <a:noFill/>
+        </p:spPr>
+        <p:txBody>
+          <a:bodyPr wrap="square">
+            <a:spAutoFit/>
+          </a:bodyPr>
+          <a:lstStyle/>
+          <a:p>
+            <a:r>
+              <a:rPr lang="en-US" dirty="0">
+                <a:solidFill>
+                  <a:schemeClr val="accent1">
+                    <a:lumMod val="40000"/>
+                    <a:lumOff val="60000"/>
+                  </a:schemeClr>
+                </a:solidFill>
+              </a:rPr>
+              <a:t>Reference Material:</a:t>
+            </a:r>
+          </a:p>
+          <a:p>
+            <a:r>
+              <a:rPr lang="en-US" dirty="0">
+                <a:solidFill>
+                  <a:schemeClr val="accent1">
+                    <a:lumMod val="40000"/>
+                    <a:lumOff val="60000"/>
+                  </a:schemeClr>
+                </a:solidFill>
+                <a:hlinkClick r:id="rId4"/>
+              </a:rPr>
+              <a:t>https://github.com/yasenstar/learn_graphdb/tree/main/neo4j/neo4j_fundamentals</a:t>
+            </a:r>
+            <a:endParaRPr lang="en-US" dirty="0">
+              <a:solidFill>
+                <a:schemeClr val="accent1">
+                  <a:lumMod val="40000"/>
+                  <a:lumOff val="60000"/>
+                </a:schemeClr>
+              </a:solidFill>
+            </a:endParaRPr>
+          </a:p>
+        </p:txBody>
+      </p:sp>
     </p:spTree>
     <p:extLst>
       <p:ext uri="{BB962C8B-B14F-4D97-AF65-F5344CB8AC3E}">
         <p14:creationId xmlns:p14="http://schemas.microsoft.com/office/powerpoint/2010/main" val="1332291891"/>
-      </p:ext>
-    </p:extLst>
-  </p:cSld>
-  <p:clrMapOvr>
-    <a:masterClrMapping/>
-  </p:clrMapOvr>
-  <mc:AlternateContent xmlns:mc="http://schemas.openxmlformats.org/markup-compatibility/2006" xmlns:p14="http://schemas.microsoft.com/office/powerpoint/2010/main">
-    <mc:Choice Requires="p14">
-      <p:transition spd="med" p14:dur="700">
-        <p:fade/>
-      </p:transition>
-    </mc:Choice>
-    <mc:Fallback xmlns="">
-      <p:transition spd="med">
-        <p:fade/>
-      </p:transition>
-    </mc:Fallback>
-  </mc:AlternateContent>
-</p:sld>
-</file>
-
-<file path=ppt/slides/slide10.xml><?xml version="1.0" encoding="utf-8"?>
-<p:sld xmlns:a="http://schemas.openxmlformats.org/drawingml/2006/main" xmlns:r="http://schemas.openxmlformats.org/officeDocument/2006/relationships" xmlns:p="http://schemas.openxmlformats.org/presentationml/2006/main">
-  <p:cSld>
-    <p:spTree>
-      <p:nvGrpSpPr>
-        <p:cNvPr id="1" name=""/>
-        <p:cNvGrpSpPr/>
-        <p:nvPr/>
-      </p:nvGrpSpPr>
-      <p:grpSpPr>
-        <a:xfrm>
-          <a:off x="0" y="0"/>
-          <a:ext cx="0" cy="0"/>
-          <a:chOff x="0" y="0"/>
-          <a:chExt cx="0" cy="0"/>
-        </a:xfrm>
-      </p:grpSpPr>
-      <p:sp>
-        <p:nvSpPr>
-          <p:cNvPr id="2" name="Title 1"/>
-          <p:cNvSpPr>
-            <a:spLocks noGrp="1"/>
-          </p:cNvSpPr>
-          <p:nvPr>
-            <p:ph type="title"/>
-          </p:nvPr>
-        </p:nvSpPr>
-        <p:spPr/>
-        <p:txBody>
-          <a:bodyPr/>
-          <a:lstStyle/>
-          <a:p>
-            <a:r>
-              <a:rPr lang="en-US" dirty="0"/>
-              <a:t>Add a Slide Title - 4</a:t>
-            </a:r>
-          </a:p>
-        </p:txBody>
-      </p:sp>
-      <p:sp>
-        <p:nvSpPr>
-          <p:cNvPr id="4" name="Text Placeholder 3"/>
-          <p:cNvSpPr>
-            <a:spLocks noGrp="1"/>
-          </p:cNvSpPr>
-          <p:nvPr>
-            <p:ph type="body" sz="half" idx="2"/>
-          </p:nvPr>
-        </p:nvSpPr>
-        <p:spPr/>
-        <p:txBody>
-          <a:bodyPr/>
-          <a:lstStyle/>
-          <a:p>
-            <a:endParaRPr lang="en-US" dirty="0"/>
-          </a:p>
-        </p:txBody>
-      </p:sp>
-      <p:sp>
-        <p:nvSpPr>
-          <p:cNvPr id="3" name="Content Placeholder 2"/>
-          <p:cNvSpPr>
-            <a:spLocks noGrp="1"/>
-          </p:cNvSpPr>
-          <p:nvPr>
-            <p:ph idx="1"/>
-          </p:nvPr>
-        </p:nvSpPr>
-        <p:spPr/>
-        <p:txBody>
-          <a:bodyPr/>
-          <a:lstStyle/>
-          <a:p>
-            <a:endParaRPr lang="en-US" dirty="0"/>
-          </a:p>
-        </p:txBody>
-      </p:sp>
-    </p:spTree>
-    <p:extLst>
-      <p:ext uri="{BB962C8B-B14F-4D97-AF65-F5344CB8AC3E}">
-        <p14:creationId xmlns:p14="http://schemas.microsoft.com/office/powerpoint/2010/main" val="2319046984"/>
-      </p:ext>
-    </p:extLst>
-  </p:cSld>
-  <p:clrMapOvr>
-    <a:masterClrMapping/>
-  </p:clrMapOvr>
-  <mc:AlternateContent xmlns:mc="http://schemas.openxmlformats.org/markup-compatibility/2006" xmlns:p14="http://schemas.microsoft.com/office/powerpoint/2010/main">
-    <mc:Choice Requires="p14">
-      <p:transition spd="med" p14:dur="700">
-        <p:fade/>
-      </p:transition>
-    </mc:Choice>
-    <mc:Fallback xmlns="">
-      <p:transition spd="med">
-        <p:fade/>
-      </p:transition>
-    </mc:Fallback>
-  </mc:AlternateContent>
-</p:sld>
-</file>
-
-<file path=ppt/slides/slide11.xml><?xml version="1.0" encoding="utf-8"?>
-<p:sld xmlns:a="http://schemas.openxmlformats.org/drawingml/2006/main" xmlns:r="http://schemas.openxmlformats.org/officeDocument/2006/relationships" xmlns:p="http://schemas.openxmlformats.org/presentationml/2006/main">
-  <p:cSld>
-    <p:spTree>
-      <p:nvGrpSpPr>
-        <p:cNvPr id="1" name=""/>
-        <p:cNvGrpSpPr/>
-        <p:nvPr/>
-      </p:nvGrpSpPr>
-      <p:grpSpPr>
-        <a:xfrm>
-          <a:off x="0" y="0"/>
-          <a:ext cx="0" cy="0"/>
-          <a:chOff x="0" y="0"/>
-          <a:chExt cx="0" cy="0"/>
-        </a:xfrm>
-      </p:grpSpPr>
-      <p:sp>
-        <p:nvSpPr>
-          <p:cNvPr id="3" name="Title 2"/>
-          <p:cNvSpPr>
-            <a:spLocks noGrp="1"/>
-          </p:cNvSpPr>
-          <p:nvPr>
-            <p:ph type="title"/>
-          </p:nvPr>
-        </p:nvSpPr>
-        <p:spPr/>
-        <p:txBody>
-          <a:bodyPr/>
-          <a:lstStyle/>
-          <a:p>
-            <a:r>
-              <a:rPr lang="en-US" dirty="0"/>
-              <a:t>Add a Slide Title - 5</a:t>
-            </a:r>
-          </a:p>
-        </p:txBody>
-      </p:sp>
-      <p:sp>
-        <p:nvSpPr>
-          <p:cNvPr id="5" name="Text Placeholder 4"/>
-          <p:cNvSpPr>
-            <a:spLocks noGrp="1"/>
-          </p:cNvSpPr>
-          <p:nvPr>
-            <p:ph type="body" sz="half" idx="2"/>
-          </p:nvPr>
-        </p:nvSpPr>
-        <p:spPr/>
-        <p:txBody>
-          <a:bodyPr/>
-          <a:lstStyle/>
-          <a:p>
-            <a:endParaRPr lang="en-US" dirty="0"/>
-          </a:p>
-        </p:txBody>
-      </p:sp>
-      <p:sp>
-        <p:nvSpPr>
-          <p:cNvPr id="6" name="Picture Placeholder 5" descr="An empty placeholder to add an image. Click on the placeholder and select the image that you wish to add."/>
-          <p:cNvSpPr>
-            <a:spLocks noGrp="1"/>
-          </p:cNvSpPr>
-          <p:nvPr>
-            <p:ph type="pic" idx="1"/>
-          </p:nvPr>
-        </p:nvSpPr>
-        <p:spPr/>
-        <p:txBody>
-          <a:bodyPr/>
-          <a:lstStyle/>
-          <a:p>
-            <a:endParaRPr lang="en-US"/>
-          </a:p>
-        </p:txBody>
-      </p:sp>
-    </p:spTree>
-    <p:extLst>
-      <p:ext uri="{BB962C8B-B14F-4D97-AF65-F5344CB8AC3E}">
-        <p14:creationId xmlns:p14="http://schemas.microsoft.com/office/powerpoint/2010/main" val="3480339974"/>
       </p:ext>
     </p:extLst>
   </p:cSld>
@@ -10558,901 +5464,6 @@
     <p:extLst>
       <p:ext uri="{BB962C8B-B14F-4D97-AF65-F5344CB8AC3E}">
         <p14:creationId xmlns:p14="http://schemas.microsoft.com/office/powerpoint/2010/main" val="3529114326"/>
-      </p:ext>
-    </p:extLst>
-  </p:cSld>
-  <p:clrMapOvr>
-    <a:masterClrMapping/>
-  </p:clrMapOvr>
-  <mc:AlternateContent xmlns:mc="http://schemas.openxmlformats.org/markup-compatibility/2006" xmlns:p14="http://schemas.microsoft.com/office/powerpoint/2010/main">
-    <mc:Choice Requires="p14">
-      <p:transition spd="med" p14:dur="700">
-        <p:fade/>
-      </p:transition>
-    </mc:Choice>
-    <mc:Fallback xmlns="">
-      <p:transition spd="med">
-        <p:fade/>
-      </p:transition>
-    </mc:Fallback>
-  </mc:AlternateContent>
-</p:sld>
-</file>
-
-<file path=ppt/slides/slide3.xml><?xml version="1.0" encoding="utf-8"?>
-<p:sld xmlns:a="http://schemas.openxmlformats.org/drawingml/2006/main" xmlns:r="http://schemas.openxmlformats.org/officeDocument/2006/relationships" xmlns:p="http://schemas.openxmlformats.org/presentationml/2006/main">
-  <p:cSld>
-    <p:spTree>
-      <p:nvGrpSpPr>
-        <p:cNvPr id="1" name=""/>
-        <p:cNvGrpSpPr/>
-        <p:nvPr/>
-      </p:nvGrpSpPr>
-      <p:grpSpPr>
-        <a:xfrm>
-          <a:off x="0" y="0"/>
-          <a:ext cx="0" cy="0"/>
-          <a:chOff x="0" y="0"/>
-          <a:chExt cx="0" cy="0"/>
-        </a:xfrm>
-      </p:grpSpPr>
-      <p:sp>
-        <p:nvSpPr>
-          <p:cNvPr id="7" name="Title 6"/>
-          <p:cNvSpPr>
-            <a:spLocks noGrp="1"/>
-          </p:cNvSpPr>
-          <p:nvPr>
-            <p:ph type="title"/>
-          </p:nvPr>
-        </p:nvSpPr>
-        <p:spPr/>
-        <p:txBody>
-          <a:bodyPr/>
-          <a:lstStyle/>
-          <a:p>
-            <a:r>
-              <a:rPr lang="en-US" dirty="0"/>
-              <a:t>Title and Content Layout with Chart</a:t>
-            </a:r>
-          </a:p>
-        </p:txBody>
-      </p:sp>
-      <p:graphicFrame>
-        <p:nvGraphicFramePr>
-          <p:cNvPr id="9" name="Content Placeholder 8" descr="Clustered column chart showing the values of 3 series for 4 categories"/>
-          <p:cNvGraphicFramePr>
-            <a:graphicFrameLocks noGrp="1"/>
-          </p:cNvGraphicFramePr>
-          <p:nvPr>
-            <p:ph idx="1"/>
-            <p:extLst>
-              <p:ext uri="{D42A27DB-BD31-4B8C-83A1-F6EECF244321}">
-                <p14:modId xmlns:p14="http://schemas.microsoft.com/office/powerpoint/2010/main" val="2424724130"/>
-              </p:ext>
-            </p:extLst>
-          </p:nvPr>
-        </p:nvGraphicFramePr>
-        <p:xfrm>
-          <a:off x="1219200" y="1701800"/>
-          <a:ext cx="10360025" cy="4462463"/>
-        </p:xfrm>
-        <a:graphic>
-          <a:graphicData uri="http://schemas.openxmlformats.org/drawingml/2006/chart">
-            <c:chart xmlns:c="http://schemas.openxmlformats.org/drawingml/2006/chart" xmlns:r="http://schemas.openxmlformats.org/officeDocument/2006/relationships" r:id="rId2"/>
-          </a:graphicData>
-        </a:graphic>
-      </p:graphicFrame>
-    </p:spTree>
-    <p:extLst>
-      <p:ext uri="{BB962C8B-B14F-4D97-AF65-F5344CB8AC3E}">
-        <p14:creationId xmlns:p14="http://schemas.microsoft.com/office/powerpoint/2010/main" val="1484811712"/>
-      </p:ext>
-    </p:extLst>
-  </p:cSld>
-  <p:clrMapOvr>
-    <a:masterClrMapping/>
-  </p:clrMapOvr>
-  <mc:AlternateContent xmlns:mc="http://schemas.openxmlformats.org/markup-compatibility/2006" xmlns:p14="http://schemas.microsoft.com/office/powerpoint/2010/main">
-    <mc:Choice Requires="p14">
-      <p:transition spd="med" p14:dur="700">
-        <p:fade/>
-      </p:transition>
-    </mc:Choice>
-    <mc:Fallback xmlns="">
-      <p:transition spd="med">
-        <p:fade/>
-      </p:transition>
-    </mc:Fallback>
-  </mc:AlternateContent>
-</p:sld>
-</file>
-
-<file path=ppt/slides/slide4.xml><?xml version="1.0" encoding="utf-8"?>
-<p:sld xmlns:a="http://schemas.openxmlformats.org/drawingml/2006/main" xmlns:r="http://schemas.openxmlformats.org/officeDocument/2006/relationships" xmlns:p="http://schemas.openxmlformats.org/presentationml/2006/main">
-  <p:cSld>
-    <p:spTree>
-      <p:nvGrpSpPr>
-        <p:cNvPr id="1" name=""/>
-        <p:cNvGrpSpPr/>
-        <p:nvPr/>
-      </p:nvGrpSpPr>
-      <p:grpSpPr>
-        <a:xfrm>
-          <a:off x="0" y="0"/>
-          <a:ext cx="0" cy="0"/>
-          <a:chOff x="0" y="0"/>
-          <a:chExt cx="0" cy="0"/>
-        </a:xfrm>
-      </p:grpSpPr>
-      <p:sp>
-        <p:nvSpPr>
-          <p:cNvPr id="2" name="Title 1"/>
-          <p:cNvSpPr>
-            <a:spLocks noGrp="1"/>
-          </p:cNvSpPr>
-          <p:nvPr>
-            <p:ph type="title"/>
-          </p:nvPr>
-        </p:nvSpPr>
-        <p:spPr/>
-        <p:txBody>
-          <a:bodyPr/>
-          <a:lstStyle/>
-          <a:p>
-            <a:r>
-              <a:rPr lang="en-US" dirty="0"/>
-              <a:t>Two Content Layout with Table</a:t>
-            </a:r>
-          </a:p>
-        </p:txBody>
-      </p:sp>
-      <p:sp>
-        <p:nvSpPr>
-          <p:cNvPr id="3" name="Content Placeholder 2"/>
-          <p:cNvSpPr>
-            <a:spLocks noGrp="1"/>
-          </p:cNvSpPr>
-          <p:nvPr>
-            <p:ph sz="half" idx="1"/>
-          </p:nvPr>
-        </p:nvSpPr>
-        <p:spPr/>
-        <p:txBody>
-          <a:bodyPr/>
-          <a:lstStyle/>
-          <a:p>
-            <a:r>
-              <a:rPr lang="en-US" dirty="0"/>
-              <a:t>First bullet point here</a:t>
-            </a:r>
-          </a:p>
-          <a:p>
-            <a:r>
-              <a:rPr lang="en-US" dirty="0"/>
-              <a:t>Second bullet point here</a:t>
-            </a:r>
-          </a:p>
-          <a:p>
-            <a:r>
-              <a:rPr lang="en-US" dirty="0"/>
-              <a:t>Third bullet point here</a:t>
-            </a:r>
-          </a:p>
-        </p:txBody>
-      </p:sp>
-      <p:graphicFrame>
-        <p:nvGraphicFramePr>
-          <p:cNvPr id="5" name="Content Placeholder 4"/>
-          <p:cNvGraphicFramePr>
-            <a:graphicFrameLocks noGrp="1"/>
-          </p:cNvGraphicFramePr>
-          <p:nvPr>
-            <p:ph sz="half" idx="2"/>
-            <p:extLst>
-              <p:ext uri="{D42A27DB-BD31-4B8C-83A1-F6EECF244321}">
-                <p14:modId xmlns:p14="http://schemas.microsoft.com/office/powerpoint/2010/main" val="1580206012"/>
-              </p:ext>
-            </p:extLst>
-          </p:nvPr>
-        </p:nvGraphicFramePr>
-        <p:xfrm>
-          <a:off x="6500813" y="1706563"/>
-          <a:ext cx="5078412" cy="2255836"/>
-        </p:xfrm>
-        <a:graphic>
-          <a:graphicData uri="http://schemas.openxmlformats.org/drawingml/2006/table">
-            <a:tbl>
-              <a:tblPr firstRow="1" bandRow="1">
-                <a:tableStyleId>{5C22544A-7EE6-4342-B048-85BDC9FD1C3A}</a:tableStyleId>
-              </a:tblPr>
-              <a:tblGrid>
-                <a:gridCol w="1692804">
-                  <a:extLst>
-                    <a:ext uri="{9D8B030D-6E8A-4147-A177-3AD203B41FA5}">
-                      <a16:colId xmlns:a16="http://schemas.microsoft.com/office/drawing/2014/main" val="20000"/>
-                    </a:ext>
-                  </a:extLst>
-                </a:gridCol>
-                <a:gridCol w="1692804">
-                  <a:extLst>
-                    <a:ext uri="{9D8B030D-6E8A-4147-A177-3AD203B41FA5}">
-                      <a16:colId xmlns:a16="http://schemas.microsoft.com/office/drawing/2014/main" val="20001"/>
-                    </a:ext>
-                  </a:extLst>
-                </a:gridCol>
-                <a:gridCol w="1692804">
-                  <a:extLst>
-                    <a:ext uri="{9D8B030D-6E8A-4147-A177-3AD203B41FA5}">
-                      <a16:colId xmlns:a16="http://schemas.microsoft.com/office/drawing/2014/main" val="20002"/>
-                    </a:ext>
-                  </a:extLst>
-                </a:gridCol>
-              </a:tblGrid>
-              <a:tr h="563959">
-                <a:tc>
-                  <a:txBody>
-                    <a:bodyPr/>
-                    <a:lstStyle/>
-                    <a:p>
-                      <a:r>
-                        <a:rPr lang="en-US" dirty="0"/>
-                        <a:t>Class</a:t>
-                      </a:r>
-                    </a:p>
-                  </a:txBody>
-                  <a:tcPr anchor="ctr">
-                    <a:solidFill>
-                      <a:srgbClr val="008282"/>
-                    </a:solidFill>
-                  </a:tcPr>
-                </a:tc>
-                <a:tc>
-                  <a:txBody>
-                    <a:bodyPr/>
-                    <a:lstStyle/>
-                    <a:p>
-                      <a:pPr algn="ctr"/>
-                      <a:r>
-                        <a:rPr lang="en-US" dirty="0"/>
-                        <a:t>Group 1</a:t>
-                      </a:r>
-                    </a:p>
-                  </a:txBody>
-                  <a:tcPr anchor="ctr">
-                    <a:solidFill>
-                      <a:srgbClr val="008282"/>
-                    </a:solidFill>
-                  </a:tcPr>
-                </a:tc>
-                <a:tc>
-                  <a:txBody>
-                    <a:bodyPr/>
-                    <a:lstStyle/>
-                    <a:p>
-                      <a:pPr algn="ctr"/>
-                      <a:r>
-                        <a:rPr lang="en-US" dirty="0"/>
-                        <a:t>Group 2</a:t>
-                      </a:r>
-                    </a:p>
-                  </a:txBody>
-                  <a:tcPr anchor="ctr">
-                    <a:solidFill>
-                      <a:srgbClr val="008282"/>
-                    </a:solidFill>
-                  </a:tcPr>
-                </a:tc>
-                <a:extLst>
-                  <a:ext uri="{0D108BD9-81ED-4DB2-BD59-A6C34878D82A}">
-                    <a16:rowId xmlns:a16="http://schemas.microsoft.com/office/drawing/2014/main" val="10000"/>
-                  </a:ext>
-                </a:extLst>
-              </a:tr>
-              <a:tr h="563959">
-                <a:tc>
-                  <a:txBody>
-                    <a:bodyPr/>
-                    <a:lstStyle/>
-                    <a:p>
-                      <a:r>
-                        <a:rPr lang="en-US" dirty="0"/>
-                        <a:t>Class 1</a:t>
-                      </a:r>
-                    </a:p>
-                  </a:txBody>
-                  <a:tcPr anchor="ctr"/>
-                </a:tc>
-                <a:tc>
-                  <a:txBody>
-                    <a:bodyPr/>
-                    <a:lstStyle/>
-                    <a:p>
-                      <a:pPr algn="ctr"/>
-                      <a:r>
-                        <a:rPr lang="en-US" dirty="0"/>
-                        <a:t>82</a:t>
-                      </a:r>
-                    </a:p>
-                  </a:txBody>
-                  <a:tcPr anchor="ctr"/>
-                </a:tc>
-                <a:tc>
-                  <a:txBody>
-                    <a:bodyPr/>
-                    <a:lstStyle/>
-                    <a:p>
-                      <a:pPr algn="ctr"/>
-                      <a:r>
-                        <a:rPr lang="en-US" dirty="0"/>
-                        <a:t>95</a:t>
-                      </a:r>
-                    </a:p>
-                  </a:txBody>
-                  <a:tcPr anchor="ctr"/>
-                </a:tc>
-                <a:extLst>
-                  <a:ext uri="{0D108BD9-81ED-4DB2-BD59-A6C34878D82A}">
-                    <a16:rowId xmlns:a16="http://schemas.microsoft.com/office/drawing/2014/main" val="10001"/>
-                  </a:ext>
-                </a:extLst>
-              </a:tr>
-              <a:tr h="563959">
-                <a:tc>
-                  <a:txBody>
-                    <a:bodyPr/>
-                    <a:lstStyle/>
-                    <a:p>
-                      <a:r>
-                        <a:rPr lang="en-US" dirty="0"/>
-                        <a:t>Class 2</a:t>
-                      </a:r>
-                    </a:p>
-                  </a:txBody>
-                  <a:tcPr anchor="ctr"/>
-                </a:tc>
-                <a:tc>
-                  <a:txBody>
-                    <a:bodyPr/>
-                    <a:lstStyle/>
-                    <a:p>
-                      <a:pPr algn="ctr"/>
-                      <a:r>
-                        <a:rPr lang="en-US" dirty="0"/>
-                        <a:t>76</a:t>
-                      </a:r>
-                    </a:p>
-                  </a:txBody>
-                  <a:tcPr anchor="ctr"/>
-                </a:tc>
-                <a:tc>
-                  <a:txBody>
-                    <a:bodyPr/>
-                    <a:lstStyle/>
-                    <a:p>
-                      <a:pPr algn="ctr"/>
-                      <a:r>
-                        <a:rPr lang="en-US" dirty="0"/>
-                        <a:t>88</a:t>
-                      </a:r>
-                    </a:p>
-                  </a:txBody>
-                  <a:tcPr anchor="ctr"/>
-                </a:tc>
-                <a:extLst>
-                  <a:ext uri="{0D108BD9-81ED-4DB2-BD59-A6C34878D82A}">
-                    <a16:rowId xmlns:a16="http://schemas.microsoft.com/office/drawing/2014/main" val="10002"/>
-                  </a:ext>
-                </a:extLst>
-              </a:tr>
-              <a:tr h="563959">
-                <a:tc>
-                  <a:txBody>
-                    <a:bodyPr/>
-                    <a:lstStyle/>
-                    <a:p>
-                      <a:r>
-                        <a:rPr lang="en-US" dirty="0"/>
-                        <a:t>Class 3</a:t>
-                      </a:r>
-                    </a:p>
-                  </a:txBody>
-                  <a:tcPr anchor="ctr"/>
-                </a:tc>
-                <a:tc>
-                  <a:txBody>
-                    <a:bodyPr/>
-                    <a:lstStyle/>
-                    <a:p>
-                      <a:pPr algn="ctr"/>
-                      <a:r>
-                        <a:rPr lang="en-US" dirty="0"/>
-                        <a:t>84</a:t>
-                      </a:r>
-                    </a:p>
-                  </a:txBody>
-                  <a:tcPr anchor="ctr"/>
-                </a:tc>
-                <a:tc>
-                  <a:txBody>
-                    <a:bodyPr/>
-                    <a:lstStyle/>
-                    <a:p>
-                      <a:pPr algn="ctr"/>
-                      <a:r>
-                        <a:rPr lang="en-US" dirty="0"/>
-                        <a:t>90</a:t>
-                      </a:r>
-                    </a:p>
-                  </a:txBody>
-                  <a:tcPr anchor="ctr"/>
-                </a:tc>
-                <a:extLst>
-                  <a:ext uri="{0D108BD9-81ED-4DB2-BD59-A6C34878D82A}">
-                    <a16:rowId xmlns:a16="http://schemas.microsoft.com/office/drawing/2014/main" val="10003"/>
-                  </a:ext>
-                </a:extLst>
-              </a:tr>
-            </a:tbl>
-          </a:graphicData>
-        </a:graphic>
-      </p:graphicFrame>
-    </p:spTree>
-    <p:extLst>
-      <p:ext uri="{BB962C8B-B14F-4D97-AF65-F5344CB8AC3E}">
-        <p14:creationId xmlns:p14="http://schemas.microsoft.com/office/powerpoint/2010/main" val="2341911148"/>
-      </p:ext>
-    </p:extLst>
-  </p:cSld>
-  <p:clrMapOvr>
-    <a:masterClrMapping/>
-  </p:clrMapOvr>
-  <mc:AlternateContent xmlns:mc="http://schemas.openxmlformats.org/markup-compatibility/2006" xmlns:p14="http://schemas.microsoft.com/office/powerpoint/2010/main">
-    <mc:Choice Requires="p14">
-      <p:transition spd="med" p14:dur="700">
-        <p:fade/>
-      </p:transition>
-    </mc:Choice>
-    <mc:Fallback xmlns="">
-      <p:transition spd="med">
-        <p:fade/>
-      </p:transition>
-    </mc:Fallback>
-  </mc:AlternateContent>
-</p:sld>
-</file>
-
-<file path=ppt/slides/slide5.xml><?xml version="1.0" encoding="utf-8"?>
-<p:sld xmlns:a="http://schemas.openxmlformats.org/drawingml/2006/main" xmlns:r="http://schemas.openxmlformats.org/officeDocument/2006/relationships" xmlns:p="http://schemas.openxmlformats.org/presentationml/2006/main">
-  <p:cSld>
-    <p:spTree>
-      <p:nvGrpSpPr>
-        <p:cNvPr id="1" name=""/>
-        <p:cNvGrpSpPr/>
-        <p:nvPr/>
-      </p:nvGrpSpPr>
-      <p:grpSpPr>
-        <a:xfrm>
-          <a:off x="0" y="0"/>
-          <a:ext cx="0" cy="0"/>
-          <a:chOff x="0" y="0"/>
-          <a:chExt cx="0" cy="0"/>
-        </a:xfrm>
-      </p:grpSpPr>
-      <p:sp>
-        <p:nvSpPr>
-          <p:cNvPr id="2" name="Title 1"/>
-          <p:cNvSpPr>
-            <a:spLocks noGrp="1"/>
-          </p:cNvSpPr>
-          <p:nvPr>
-            <p:ph type="title"/>
-          </p:nvPr>
-        </p:nvSpPr>
-        <p:spPr/>
-        <p:txBody>
-          <a:bodyPr/>
-          <a:lstStyle/>
-          <a:p>
-            <a:r>
-              <a:rPr lang="en-US" dirty="0"/>
-              <a:t>Two Content Layout with SmartArt</a:t>
-            </a:r>
-          </a:p>
-        </p:txBody>
-      </p:sp>
-      <p:sp>
-        <p:nvSpPr>
-          <p:cNvPr id="3" name="Content Placeholder 2"/>
-          <p:cNvSpPr>
-            <a:spLocks noGrp="1"/>
-          </p:cNvSpPr>
-          <p:nvPr>
-            <p:ph sz="half" idx="1"/>
-          </p:nvPr>
-        </p:nvSpPr>
-        <p:spPr/>
-        <p:txBody>
-          <a:bodyPr/>
-          <a:lstStyle/>
-          <a:p>
-            <a:r>
-              <a:rPr lang="en-US" dirty="0"/>
-              <a:t>First bullet point here</a:t>
-            </a:r>
-          </a:p>
-          <a:p>
-            <a:r>
-              <a:rPr lang="en-US" dirty="0"/>
-              <a:t>Second bullet point here</a:t>
-            </a:r>
-          </a:p>
-          <a:p>
-            <a:r>
-              <a:rPr lang="en-US" dirty="0"/>
-              <a:t>Third bullet point here</a:t>
-            </a:r>
-          </a:p>
-        </p:txBody>
-      </p:sp>
-      <p:graphicFrame>
-        <p:nvGraphicFramePr>
-          <p:cNvPr id="5" name="Content Placeholder 4" descr="Staggered process showing 3 tasks arranged one below the other and two downward pointing arrows are used to indicate progression from first task to second task and second task to third task."/>
-          <p:cNvGraphicFramePr>
-            <a:graphicFrameLocks noGrp="1"/>
-          </p:cNvGraphicFramePr>
-          <p:nvPr>
-            <p:ph sz="half" idx="2"/>
-            <p:extLst>
-              <p:ext uri="{D42A27DB-BD31-4B8C-83A1-F6EECF244321}">
-                <p14:modId xmlns:p14="http://schemas.microsoft.com/office/powerpoint/2010/main" val="2561100622"/>
-              </p:ext>
-            </p:extLst>
-          </p:nvPr>
-        </p:nvGraphicFramePr>
-        <p:xfrm>
-          <a:off x="6500813" y="1706563"/>
-          <a:ext cx="5078412" cy="4465637"/>
-        </p:xfrm>
-        <a:graphic>
-          <a:graphicData uri="http://schemas.openxmlformats.org/drawingml/2006/diagram">
-            <dgm:relIds xmlns:dgm="http://schemas.openxmlformats.org/drawingml/2006/diagram" xmlns:r="http://schemas.openxmlformats.org/officeDocument/2006/relationships" r:dm="rId3" r:lo="rId4" r:qs="rId5" r:cs="rId6"/>
-          </a:graphicData>
-        </a:graphic>
-      </p:graphicFrame>
-    </p:spTree>
-    <p:extLst>
-      <p:ext uri="{BB962C8B-B14F-4D97-AF65-F5344CB8AC3E}">
-        <p14:creationId xmlns:p14="http://schemas.microsoft.com/office/powerpoint/2010/main" val="4123189245"/>
-      </p:ext>
-    </p:extLst>
-  </p:cSld>
-  <p:clrMapOvr>
-    <a:masterClrMapping/>
-  </p:clrMapOvr>
-  <mc:AlternateContent xmlns:mc="http://schemas.openxmlformats.org/markup-compatibility/2006" xmlns:p14="http://schemas.microsoft.com/office/powerpoint/2010/main">
-    <mc:Choice Requires="p14">
-      <p:transition spd="med" p14:dur="700">
-        <p:fade/>
-      </p:transition>
-    </mc:Choice>
-    <mc:Fallback xmlns="">
-      <p:transition spd="med">
-        <p:fade/>
-      </p:transition>
-    </mc:Fallback>
-  </mc:AlternateContent>
-</p:sld>
-</file>
-
-<file path=ppt/slides/slide6.xml><?xml version="1.0" encoding="utf-8"?>
-<p:sld xmlns:a="http://schemas.openxmlformats.org/drawingml/2006/main" xmlns:r="http://schemas.openxmlformats.org/officeDocument/2006/relationships" xmlns:p="http://schemas.openxmlformats.org/presentationml/2006/main">
-  <p:cSld>
-    <p:spTree>
-      <p:nvGrpSpPr>
-        <p:cNvPr id="1" name=""/>
-        <p:cNvGrpSpPr/>
-        <p:nvPr/>
-      </p:nvGrpSpPr>
-      <p:grpSpPr>
-        <a:xfrm>
-          <a:off x="0" y="0"/>
-          <a:ext cx="0" cy="0"/>
-          <a:chOff x="0" y="0"/>
-          <a:chExt cx="0" cy="0"/>
-        </a:xfrm>
-      </p:grpSpPr>
-      <p:sp>
-        <p:nvSpPr>
-          <p:cNvPr id="4" name="Title 3"/>
-          <p:cNvSpPr>
-            <a:spLocks noGrp="1"/>
-          </p:cNvSpPr>
-          <p:nvPr>
-            <p:ph type="title"/>
-          </p:nvPr>
-        </p:nvSpPr>
-        <p:spPr/>
-        <p:txBody>
-          <a:bodyPr/>
-          <a:lstStyle/>
-          <a:p>
-            <a:r>
-              <a:rPr lang="en-US" dirty="0"/>
-              <a:t>Add a Slide Title - 1</a:t>
-            </a:r>
-          </a:p>
-        </p:txBody>
-      </p:sp>
-      <p:sp>
-        <p:nvSpPr>
-          <p:cNvPr id="5" name="Text Placeholder 4"/>
-          <p:cNvSpPr>
-            <a:spLocks noGrp="1"/>
-          </p:cNvSpPr>
-          <p:nvPr>
-            <p:ph type="body" idx="1"/>
-          </p:nvPr>
-        </p:nvSpPr>
-        <p:spPr/>
-        <p:txBody>
-          <a:bodyPr/>
-          <a:lstStyle/>
-          <a:p>
-            <a:endParaRPr lang="en-US" dirty="0"/>
-          </a:p>
-        </p:txBody>
-      </p:sp>
-    </p:spTree>
-    <p:extLst>
-      <p:ext uri="{BB962C8B-B14F-4D97-AF65-F5344CB8AC3E}">
-        <p14:creationId xmlns:p14="http://schemas.microsoft.com/office/powerpoint/2010/main" val="4264977537"/>
-      </p:ext>
-    </p:extLst>
-  </p:cSld>
-  <p:clrMapOvr>
-    <a:masterClrMapping/>
-  </p:clrMapOvr>
-  <mc:AlternateContent xmlns:mc="http://schemas.openxmlformats.org/markup-compatibility/2006" xmlns:p14="http://schemas.microsoft.com/office/powerpoint/2010/main">
-    <mc:Choice Requires="p14">
-      <p:transition spd="med" p14:dur="700">
-        <p:fade/>
-      </p:transition>
-    </mc:Choice>
-    <mc:Fallback xmlns="">
-      <p:transition spd="med">
-        <p:fade/>
-      </p:transition>
-    </mc:Fallback>
-  </mc:AlternateContent>
-</p:sld>
-</file>
-
-<file path=ppt/slides/slide7.xml><?xml version="1.0" encoding="utf-8"?>
-<p:sld xmlns:a="http://schemas.openxmlformats.org/drawingml/2006/main" xmlns:r="http://schemas.openxmlformats.org/officeDocument/2006/relationships" xmlns:p="http://schemas.openxmlformats.org/presentationml/2006/main">
-  <p:cSld>
-    <p:spTree>
-      <p:nvGrpSpPr>
-        <p:cNvPr id="1" name=""/>
-        <p:cNvGrpSpPr/>
-        <p:nvPr/>
-      </p:nvGrpSpPr>
-      <p:grpSpPr>
-        <a:xfrm>
-          <a:off x="0" y="0"/>
-          <a:ext cx="0" cy="0"/>
-          <a:chOff x="0" y="0"/>
-          <a:chExt cx="0" cy="0"/>
-        </a:xfrm>
-      </p:grpSpPr>
-      <p:sp>
-        <p:nvSpPr>
-          <p:cNvPr id="7" name="Title 6"/>
-          <p:cNvSpPr>
-            <a:spLocks noGrp="1"/>
-          </p:cNvSpPr>
-          <p:nvPr>
-            <p:ph type="title"/>
-          </p:nvPr>
-        </p:nvSpPr>
-        <p:spPr/>
-        <p:txBody>
-          <a:bodyPr/>
-          <a:lstStyle/>
-          <a:p>
-            <a:r>
-              <a:rPr lang="en-US" dirty="0"/>
-              <a:t>Add a Slide Title - 2</a:t>
-            </a:r>
-          </a:p>
-        </p:txBody>
-      </p:sp>
-      <p:sp>
-        <p:nvSpPr>
-          <p:cNvPr id="8" name="Text Placeholder 7"/>
-          <p:cNvSpPr>
-            <a:spLocks noGrp="1"/>
-          </p:cNvSpPr>
-          <p:nvPr>
-            <p:ph type="body" idx="1"/>
-          </p:nvPr>
-        </p:nvSpPr>
-        <p:spPr/>
-        <p:txBody>
-          <a:bodyPr/>
-          <a:lstStyle/>
-          <a:p>
-            <a:endParaRPr lang="en-US" dirty="0"/>
-          </a:p>
-        </p:txBody>
-      </p:sp>
-      <p:sp>
-        <p:nvSpPr>
-          <p:cNvPr id="10" name="Content Placeholder 9"/>
-          <p:cNvSpPr>
-            <a:spLocks noGrp="1"/>
-          </p:cNvSpPr>
-          <p:nvPr>
-            <p:ph sz="half" idx="2"/>
-          </p:nvPr>
-        </p:nvSpPr>
-        <p:spPr/>
-        <p:txBody>
-          <a:bodyPr/>
-          <a:lstStyle/>
-          <a:p>
-            <a:endParaRPr lang="en-US" dirty="0"/>
-          </a:p>
-        </p:txBody>
-      </p:sp>
-      <p:sp>
-        <p:nvSpPr>
-          <p:cNvPr id="9" name="Text Placeholder 8"/>
-          <p:cNvSpPr>
-            <a:spLocks noGrp="1"/>
-          </p:cNvSpPr>
-          <p:nvPr>
-            <p:ph type="body" sz="quarter" idx="3"/>
-          </p:nvPr>
-        </p:nvSpPr>
-        <p:spPr/>
-        <p:txBody>
-          <a:bodyPr/>
-          <a:lstStyle/>
-          <a:p>
-            <a:endParaRPr lang="en-US" dirty="0"/>
-          </a:p>
-        </p:txBody>
-      </p:sp>
-      <p:sp>
-        <p:nvSpPr>
-          <p:cNvPr id="11" name="Content Placeholder 10"/>
-          <p:cNvSpPr>
-            <a:spLocks noGrp="1"/>
-          </p:cNvSpPr>
-          <p:nvPr>
-            <p:ph sz="quarter" idx="4"/>
-          </p:nvPr>
-        </p:nvSpPr>
-        <p:spPr/>
-        <p:txBody>
-          <a:bodyPr/>
-          <a:lstStyle/>
-          <a:p>
-            <a:endParaRPr lang="en-US" dirty="0"/>
-          </a:p>
-        </p:txBody>
-      </p:sp>
-    </p:spTree>
-    <p:extLst>
-      <p:ext uri="{BB962C8B-B14F-4D97-AF65-F5344CB8AC3E}">
-        <p14:creationId xmlns:p14="http://schemas.microsoft.com/office/powerpoint/2010/main" val="2672039197"/>
-      </p:ext>
-    </p:extLst>
-  </p:cSld>
-  <p:clrMapOvr>
-    <a:masterClrMapping/>
-  </p:clrMapOvr>
-  <mc:AlternateContent xmlns:mc="http://schemas.openxmlformats.org/markup-compatibility/2006" xmlns:p14="http://schemas.microsoft.com/office/powerpoint/2010/main">
-    <mc:Choice Requires="p14">
-      <p:transition spd="med" p14:dur="700">
-        <p:fade/>
-      </p:transition>
-    </mc:Choice>
-    <mc:Fallback xmlns="">
-      <p:transition spd="med">
-        <p:fade/>
-      </p:transition>
-    </mc:Fallback>
-  </mc:AlternateContent>
-</p:sld>
-</file>
-
-<file path=ppt/slides/slide8.xml><?xml version="1.0" encoding="utf-8"?>
-<p:sld xmlns:a="http://schemas.openxmlformats.org/drawingml/2006/main" xmlns:r="http://schemas.openxmlformats.org/officeDocument/2006/relationships" xmlns:p="http://schemas.openxmlformats.org/presentationml/2006/main">
-  <p:cSld>
-    <p:spTree>
-      <p:nvGrpSpPr>
-        <p:cNvPr id="1" name=""/>
-        <p:cNvGrpSpPr/>
-        <p:nvPr/>
-      </p:nvGrpSpPr>
-      <p:grpSpPr>
-        <a:xfrm>
-          <a:off x="0" y="0"/>
-          <a:ext cx="0" cy="0"/>
-          <a:chOff x="0" y="0"/>
-          <a:chExt cx="0" cy="0"/>
-        </a:xfrm>
-      </p:grpSpPr>
-      <p:sp>
-        <p:nvSpPr>
-          <p:cNvPr id="3" name="Title 2"/>
-          <p:cNvSpPr>
-            <a:spLocks noGrp="1"/>
-          </p:cNvSpPr>
-          <p:nvPr>
-            <p:ph type="title"/>
-          </p:nvPr>
-        </p:nvSpPr>
-        <p:spPr/>
-        <p:txBody>
-          <a:bodyPr/>
-          <a:lstStyle/>
-          <a:p>
-            <a:r>
-              <a:rPr lang="en-US" dirty="0"/>
-              <a:t>Add a Slide Title - 3</a:t>
-            </a:r>
-          </a:p>
-        </p:txBody>
-      </p:sp>
-    </p:spTree>
-    <p:extLst>
-      <p:ext uri="{BB962C8B-B14F-4D97-AF65-F5344CB8AC3E}">
-        <p14:creationId xmlns:p14="http://schemas.microsoft.com/office/powerpoint/2010/main" val="397710800"/>
-      </p:ext>
-    </p:extLst>
-  </p:cSld>
-  <p:clrMapOvr>
-    <a:masterClrMapping/>
-  </p:clrMapOvr>
-  <mc:AlternateContent xmlns:mc="http://schemas.openxmlformats.org/markup-compatibility/2006" xmlns:p14="http://schemas.microsoft.com/office/powerpoint/2010/main">
-    <mc:Choice Requires="p14">
-      <p:transition spd="med" p14:dur="700">
-        <p:fade/>
-      </p:transition>
-    </mc:Choice>
-    <mc:Fallback xmlns="">
-      <p:transition spd="med">
-        <p:fade/>
-      </p:transition>
-    </mc:Fallback>
-  </mc:AlternateContent>
-</p:sld>
-</file>
-
-<file path=ppt/slides/slide9.xml><?xml version="1.0" encoding="utf-8"?>
-<p:sld xmlns:a="http://schemas.openxmlformats.org/drawingml/2006/main" xmlns:r="http://schemas.openxmlformats.org/officeDocument/2006/relationships" xmlns:p="http://schemas.openxmlformats.org/presentationml/2006/main">
-  <p:cSld>
-    <p:spTree>
-      <p:nvGrpSpPr>
-        <p:cNvPr id="1" name=""/>
-        <p:cNvGrpSpPr/>
-        <p:nvPr/>
-      </p:nvGrpSpPr>
-      <p:grpSpPr>
-        <a:xfrm>
-          <a:off x="0" y="0"/>
-          <a:ext cx="0" cy="0"/>
-          <a:chOff x="0" y="0"/>
-          <a:chExt cx="0" cy="0"/>
-        </a:xfrm>
-      </p:grpSpPr>
-    </p:spTree>
-    <p:extLst>
-      <p:ext uri="{BB962C8B-B14F-4D97-AF65-F5344CB8AC3E}">
-        <p14:creationId xmlns:p14="http://schemas.microsoft.com/office/powerpoint/2010/main" val="1405850135"/>
       </p:ext>
     </p:extLst>
   </p:cSld>

--- a/neo4j/neo4j_fundamentals/Neo4j_Fundamentals.pptx
+++ b/neo4j/neo4j_fundamentals/Neo4j_Fundamentals.pptx
@@ -5412,54 +5412,198 @@
             <p:ph type="title"/>
           </p:nvPr>
         </p:nvSpPr>
-        <p:spPr/>
-        <p:txBody>
-          <a:bodyPr/>
+        <p:spPr>
+          <a:xfrm>
+            <a:off x="3848449" y="789138"/>
+            <a:ext cx="6553200" cy="1223963"/>
+          </a:xfrm>
+        </p:spPr>
+        <p:txBody>
+          <a:bodyPr anchor="ctr">
+            <a:normAutofit fontScale="90000"/>
+          </a:bodyPr>
           <a:lstStyle/>
           <a:p>
             <a:r>
-              <a:rPr lang="en-US"/>
-              <a:t>Title and Content Layout with List</a:t>
+              <a:rPr lang="en-US" dirty="0"/>
+              <a:t>1. Graph Thinking</a:t>
             </a:r>
-            <a:endParaRPr lang="en-US" dirty="0"/>
-          </a:p>
-        </p:txBody>
-      </p:sp>
-      <p:sp>
-        <p:nvSpPr>
-          <p:cNvPr id="14" name="Content Placeholder 13"/>
-          <p:cNvSpPr>
-            <a:spLocks noGrp="1"/>
+            <a:br>
+              <a:rPr lang="en-US" dirty="0"/>
+            </a:br>
+            <a:r>
+              <a:rPr lang="en-US" dirty="0"/>
+              <a:t>1.1 What is Neo4j? – Create a Node</a:t>
+            </a:r>
+          </a:p>
+        </p:txBody>
+      </p:sp>
+      <p:sp>
+        <p:nvSpPr>
+          <p:cNvPr id="2" name="Title 1">
+            <a:extLst>
+              <a:ext uri="{FF2B5EF4-FFF2-40B4-BE49-F238E27FC236}">
+                <a16:creationId xmlns:a16="http://schemas.microsoft.com/office/drawing/2014/main" id="{5EB7EDFF-4A46-6EBC-C77A-BDAF4A84A64B}"/>
+              </a:ext>
+            </a:extLst>
+          </p:cNvPr>
+          <p:cNvSpPr txBox="1">
+            <a:spLocks/>
           </p:cNvSpPr>
-          <p:nvPr>
-            <p:ph idx="1"/>
-          </p:nvPr>
-        </p:nvSpPr>
-        <p:spPr/>
-        <p:txBody>
-          <a:bodyPr/>
+          <p:nvPr/>
+        </p:nvSpPr>
+        <p:spPr>
+          <a:xfrm>
+            <a:off x="836612" y="28876"/>
+            <a:ext cx="6145636" cy="863600"/>
+          </a:xfrm>
+          <a:prstGeom prst="rect">
+            <a:avLst/>
+          </a:prstGeom>
+        </p:spPr>
+        <p:txBody>
+          <a:bodyPr vert="horz" lIns="121899" tIns="60949" rIns="121899" bIns="60949" rtlCol="0" anchor="ctr">
+            <a:normAutofit/>
+          </a:bodyPr>
+          <a:lstStyle>
+            <a:lvl1pPr algn="l" defTabSz="1218987" rtl="0" eaLnBrk="1" latinLnBrk="0" hangingPunct="1">
+              <a:lnSpc>
+                <a:spcPct val="90000"/>
+              </a:lnSpc>
+              <a:spcBef>
+                <a:spcPct val="0"/>
+              </a:spcBef>
+              <a:buNone/>
+              <a:defRPr sz="3600" kern="1200">
+                <a:solidFill>
+                  <a:schemeClr val="tx1"/>
+                </a:solidFill>
+                <a:latin typeface="+mj-lt"/>
+                <a:ea typeface="+mj-ea"/>
+                <a:cs typeface="+mj-cs"/>
+              </a:defRPr>
+            </a:lvl1pPr>
+          </a:lstStyle>
+          <a:p>
+            <a:r>
+              <a:rPr lang="en-US" sz="5400" dirty="0"/>
+              <a:t>Neo4j Fundamentals</a:t>
+            </a:r>
+          </a:p>
+        </p:txBody>
+      </p:sp>
+      <p:sp>
+        <p:nvSpPr>
+          <p:cNvPr id="5" name="TextBox 4">
+            <a:extLst>
+              <a:ext uri="{FF2B5EF4-FFF2-40B4-BE49-F238E27FC236}">
+                <a16:creationId xmlns:a16="http://schemas.microsoft.com/office/drawing/2014/main" id="{02962BCD-774A-91A5-8365-94D2485BB04D}"/>
+              </a:ext>
+            </a:extLst>
+          </p:cNvPr>
+          <p:cNvSpPr txBox="1"/>
+          <p:nvPr/>
+        </p:nvSpPr>
+        <p:spPr>
+          <a:xfrm>
+            <a:off x="2299246" y="685800"/>
+            <a:ext cx="1329210" cy="1446550"/>
+          </a:xfrm>
+          <a:prstGeom prst="rect">
+            <a:avLst/>
+          </a:prstGeom>
+          <a:noFill/>
+        </p:spPr>
+        <p:txBody>
+          <a:bodyPr wrap="none" rtlCol="0" anchor="ctr">
+            <a:spAutoFit/>
+          </a:bodyPr>
           <a:lstStyle/>
           <a:p>
+            <a:pPr algn="ctr"/>
             <a:r>
-              <a:rPr lang="en-US"/>
-              <a:t>Add your first bullet point here</a:t>
+              <a:rPr lang="en-US" sz="8800" dirty="0"/>
+              <a:t>01</a:t>
             </a:r>
           </a:p>
-          <a:p>
-            <a:r>
-              <a:rPr lang="en-US"/>
-              <a:t>Add your second bullet point here</a:t>
-            </a:r>
-          </a:p>
-          <a:p>
-            <a:r>
-              <a:rPr lang="en-US"/>
-              <a:t>Add your third bullet point here</a:t>
-            </a:r>
-            <a:endParaRPr lang="en-US" dirty="0"/>
-          </a:p>
-        </p:txBody>
-      </p:sp>
+        </p:txBody>
+      </p:sp>
+      <p:pic>
+        <p:nvPicPr>
+          <p:cNvPr id="6" name="Picture 5">
+            <a:extLst>
+              <a:ext uri="{FF2B5EF4-FFF2-40B4-BE49-F238E27FC236}">
+                <a16:creationId xmlns:a16="http://schemas.microsoft.com/office/drawing/2014/main" id="{D1D81DDD-A157-F41B-8137-75ED1539F0D2}"/>
+              </a:ext>
+            </a:extLst>
+          </p:cNvPr>
+          <p:cNvPicPr>
+            <a:picLocks noChangeAspect="1"/>
+          </p:cNvPicPr>
+          <p:nvPr/>
+        </p:nvPicPr>
+        <p:blipFill>
+          <a:blip r:embed="rId2"/>
+          <a:stretch>
+            <a:fillRect/>
+          </a:stretch>
+        </p:blipFill>
+        <p:spPr>
+          <a:xfrm>
+            <a:off x="0" y="789138"/>
+            <a:ext cx="2385815" cy="1239873"/>
+          </a:xfrm>
+          <a:prstGeom prst="rect">
+            <a:avLst/>
+          </a:prstGeom>
+          <a:ln>
+            <a:noFill/>
+          </a:ln>
+          <a:effectLst>
+            <a:softEdge rad="112500"/>
+          </a:effectLst>
+        </p:spPr>
+      </p:pic>
+      <p:pic>
+        <p:nvPicPr>
+          <p:cNvPr id="8" name="Picture 7">
+            <a:extLst>
+              <a:ext uri="{FF2B5EF4-FFF2-40B4-BE49-F238E27FC236}">
+                <a16:creationId xmlns:a16="http://schemas.microsoft.com/office/drawing/2014/main" id="{112C96CF-A67D-E43E-96F0-EF0D6EDF402D}"/>
+              </a:ext>
+            </a:extLst>
+          </p:cNvPr>
+          <p:cNvPicPr>
+            <a:picLocks noChangeAspect="1"/>
+          </p:cNvPicPr>
+          <p:nvPr/>
+        </p:nvPicPr>
+        <p:blipFill>
+          <a:blip r:embed="rId3"/>
+          <a:stretch>
+            <a:fillRect/>
+          </a:stretch>
+        </p:blipFill>
+        <p:spPr>
+          <a:xfrm>
+            <a:off x="1065212" y="2132349"/>
+            <a:ext cx="10013285" cy="4497051"/>
+          </a:xfrm>
+          <a:prstGeom prst="rect">
+            <a:avLst/>
+          </a:prstGeom>
+          <a:ln>
+            <a:noFill/>
+          </a:ln>
+          <a:effectLst>
+            <a:outerShdw blurRad="292100" dist="139700" dir="2700000" algn="tl" rotWithShape="0">
+              <a:srgbClr val="333333">
+                <a:alpha val="65000"/>
+              </a:srgbClr>
+            </a:outerShdw>
+          </a:effectLst>
+        </p:spPr>
+      </p:pic>
     </p:spTree>
     <p:extLst>
       <p:ext uri="{BB962C8B-B14F-4D97-AF65-F5344CB8AC3E}">

--- a/neo4j/neo4j_fundamentals/Neo4j_Fundamentals.pptx
+++ b/neo4j/neo4j_fundamentals/Neo4j_Fundamentals.pptx
@@ -5,14 +5,15 @@
     <p:sldMasterId id="2147483660" r:id="rId4"/>
   </p:sldMasterIdLst>
   <p:notesMasterIdLst>
-    <p:notesMasterId r:id="rId7"/>
+    <p:notesMasterId r:id="rId8"/>
   </p:notesMasterIdLst>
   <p:handoutMasterIdLst>
-    <p:handoutMasterId r:id="rId8"/>
+    <p:handoutMasterId r:id="rId9"/>
   </p:handoutMasterIdLst>
   <p:sldIdLst>
     <p:sldId id="257" r:id="rId5"/>
     <p:sldId id="268" r:id="rId6"/>
+    <p:sldId id="269" r:id="rId7"/>
   </p:sldIdLst>
   <p:sldSz cx="12188825" cy="6858000"/>
   <p:notesSz cx="6858000" cy="9144000"/>
@@ -5420,20 +5421,20 @@
         </p:spPr>
         <p:txBody>
           <a:bodyPr anchor="ctr">
-            <a:normAutofit fontScale="90000"/>
+            <a:normAutofit/>
           </a:bodyPr>
           <a:lstStyle/>
           <a:p>
             <a:r>
-              <a:rPr lang="en-US" dirty="0"/>
-              <a:t>1. Graph Thinking</a:t>
+              <a:rPr lang="en-US" sz="4000" b="1" dirty="0"/>
+              <a:t>3. Exploring Neo4j</a:t>
             </a:r>
             <a:br>
               <a:rPr lang="en-US" dirty="0"/>
             </a:br>
             <a:r>
               <a:rPr lang="en-US" dirty="0"/>
-              <a:t>1.1 What is Neo4j? – Create a Node</a:t>
+              <a:t>3.1 Get Neo4j</a:t>
             </a:r>
           </a:p>
         </p:txBody>
@@ -5566,10 +5567,310 @@
       </p:pic>
       <p:pic>
         <p:nvPicPr>
+          <p:cNvPr id="10" name="Picture 9">
+            <a:extLst>
+              <a:ext uri="{FF2B5EF4-FFF2-40B4-BE49-F238E27FC236}">
+                <a16:creationId xmlns:a16="http://schemas.microsoft.com/office/drawing/2014/main" id="{87C92B60-C50C-AB77-4079-43B90FC52F47}"/>
+              </a:ext>
+            </a:extLst>
+          </p:cNvPr>
+          <p:cNvPicPr>
+            <a:picLocks noChangeAspect="1"/>
+          </p:cNvPicPr>
+          <p:nvPr/>
+        </p:nvPicPr>
+        <p:blipFill>
+          <a:blip r:embed="rId3"/>
+          <a:stretch>
+            <a:fillRect/>
+          </a:stretch>
+        </p:blipFill>
+        <p:spPr>
+          <a:xfrm>
+            <a:off x="455612" y="2308118"/>
+            <a:ext cx="10514012" cy="4321282"/>
+          </a:xfrm>
+          <a:prstGeom prst="rect">
+            <a:avLst/>
+          </a:prstGeom>
+          <a:ln>
+            <a:noFill/>
+          </a:ln>
+          <a:effectLst>
+            <a:outerShdw blurRad="292100" dist="139700" dir="2700000" algn="tl" rotWithShape="0">
+              <a:srgbClr val="333333">
+                <a:alpha val="65000"/>
+              </a:srgbClr>
+            </a:outerShdw>
+          </a:effectLst>
+        </p:spPr>
+      </p:pic>
+      <p:pic>
+        <p:nvPicPr>
+          <p:cNvPr id="12" name="Picture 11">
+            <a:extLst>
+              <a:ext uri="{FF2B5EF4-FFF2-40B4-BE49-F238E27FC236}">
+                <a16:creationId xmlns:a16="http://schemas.microsoft.com/office/drawing/2014/main" id="{043A0A6C-D41B-B51A-47A9-86C2C13C8981}"/>
+              </a:ext>
+            </a:extLst>
+          </p:cNvPr>
+          <p:cNvPicPr>
+            <a:picLocks noChangeAspect="1"/>
+          </p:cNvPicPr>
+          <p:nvPr/>
+        </p:nvPicPr>
+        <p:blipFill>
+          <a:blip r:embed="rId4"/>
+          <a:stretch>
+            <a:fillRect/>
+          </a:stretch>
+        </p:blipFill>
+        <p:spPr>
+          <a:xfrm>
+            <a:off x="5729237" y="2020245"/>
+            <a:ext cx="5439385" cy="1647222"/>
+          </a:xfrm>
+          <a:prstGeom prst="roundRect">
+            <a:avLst>
+              <a:gd name="adj" fmla="val 8594"/>
+            </a:avLst>
+          </a:prstGeom>
+          <a:solidFill>
+            <a:srgbClr val="FFFFFF">
+              <a:shade val="85000"/>
+            </a:srgbClr>
+          </a:solidFill>
+          <a:ln>
+            <a:noFill/>
+          </a:ln>
+          <a:effectLst>
+            <a:reflection blurRad="12700" stA="38000" endPos="28000" dist="5000" dir="5400000" sy="-100000" algn="bl" rotWithShape="0"/>
+          </a:effectLst>
+        </p:spPr>
+      </p:pic>
+    </p:spTree>
+    <p:extLst>
+      <p:ext uri="{BB962C8B-B14F-4D97-AF65-F5344CB8AC3E}">
+        <p14:creationId xmlns:p14="http://schemas.microsoft.com/office/powerpoint/2010/main" val="3529114326"/>
+      </p:ext>
+    </p:extLst>
+  </p:cSld>
+  <p:clrMapOvr>
+    <a:masterClrMapping/>
+  </p:clrMapOvr>
+  <mc:AlternateContent xmlns:mc="http://schemas.openxmlformats.org/markup-compatibility/2006" xmlns:p14="http://schemas.microsoft.com/office/powerpoint/2010/main">
+    <mc:Choice Requires="p14">
+      <p:transition spd="med" p14:dur="700">
+        <p:fade/>
+      </p:transition>
+    </mc:Choice>
+    <mc:Fallback xmlns="">
+      <p:transition spd="med">
+        <p:fade/>
+      </p:transition>
+    </mc:Fallback>
+  </mc:AlternateContent>
+</p:sld>
+</file>
+
+<file path=ppt/slides/slide3.xml><?xml version="1.0" encoding="utf-8"?>
+<p:sld xmlns:a="http://schemas.openxmlformats.org/drawingml/2006/main" xmlns:r="http://schemas.openxmlformats.org/officeDocument/2006/relationships" xmlns:p="http://schemas.openxmlformats.org/presentationml/2006/main">
+  <p:cSld>
+    <p:spTree>
+      <p:nvGrpSpPr>
+        <p:cNvPr id="1" name="">
+          <a:extLst>
+            <a:ext uri="{FF2B5EF4-FFF2-40B4-BE49-F238E27FC236}">
+              <a16:creationId xmlns:a16="http://schemas.microsoft.com/office/drawing/2014/main" id="{E51EF372-8EC1-BF4F-BB55-C0E5B9413B27}"/>
+            </a:ext>
+          </a:extLst>
+        </p:cNvPr>
+        <p:cNvGrpSpPr/>
+        <p:nvPr/>
+      </p:nvGrpSpPr>
+      <p:grpSpPr>
+        <a:xfrm>
+          <a:off x="0" y="0"/>
+          <a:ext cx="0" cy="0"/>
+          <a:chOff x="0" y="0"/>
+          <a:chExt cx="0" cy="0"/>
+        </a:xfrm>
+      </p:grpSpPr>
+      <p:sp>
+        <p:nvSpPr>
+          <p:cNvPr id="13" name="Title 12">
+            <a:extLst>
+              <a:ext uri="{FF2B5EF4-FFF2-40B4-BE49-F238E27FC236}">
+                <a16:creationId xmlns:a16="http://schemas.microsoft.com/office/drawing/2014/main" id="{751DABAD-E9FF-9E96-0BE2-7AEF0D3A884C}"/>
+              </a:ext>
+            </a:extLst>
+          </p:cNvPr>
+          <p:cNvSpPr>
+            <a:spLocks noGrp="1"/>
+          </p:cNvSpPr>
+          <p:nvPr>
+            <p:ph type="title"/>
+          </p:nvPr>
+        </p:nvSpPr>
+        <p:spPr>
+          <a:xfrm>
+            <a:off x="3848449" y="789138"/>
+            <a:ext cx="6553200" cy="1223963"/>
+          </a:xfrm>
+        </p:spPr>
+        <p:txBody>
+          <a:bodyPr anchor="ctr">
+            <a:normAutofit fontScale="90000"/>
+          </a:bodyPr>
+          <a:lstStyle/>
+          <a:p>
+            <a:r>
+              <a:rPr lang="en-US" dirty="0"/>
+              <a:t>1. Graph Thinking</a:t>
+            </a:r>
+            <a:br>
+              <a:rPr lang="en-US" dirty="0"/>
+            </a:br>
+            <a:r>
+              <a:rPr lang="en-US" dirty="0"/>
+              <a:t>1.1 What is Neo4j? – Create a Node</a:t>
+            </a:r>
+          </a:p>
+        </p:txBody>
+      </p:sp>
+      <p:sp>
+        <p:nvSpPr>
+          <p:cNvPr id="2" name="Title 1">
+            <a:extLst>
+              <a:ext uri="{FF2B5EF4-FFF2-40B4-BE49-F238E27FC236}">
+                <a16:creationId xmlns:a16="http://schemas.microsoft.com/office/drawing/2014/main" id="{6DCDA262-B87B-DB2D-851F-129E41B82A23}"/>
+              </a:ext>
+            </a:extLst>
+          </p:cNvPr>
+          <p:cNvSpPr txBox="1">
+            <a:spLocks/>
+          </p:cNvSpPr>
+          <p:nvPr/>
+        </p:nvSpPr>
+        <p:spPr>
+          <a:xfrm>
+            <a:off x="836612" y="28876"/>
+            <a:ext cx="6145636" cy="863600"/>
+          </a:xfrm>
+          <a:prstGeom prst="rect">
+            <a:avLst/>
+          </a:prstGeom>
+        </p:spPr>
+        <p:txBody>
+          <a:bodyPr vert="horz" lIns="121899" tIns="60949" rIns="121899" bIns="60949" rtlCol="0" anchor="ctr">
+            <a:normAutofit/>
+          </a:bodyPr>
+          <a:lstStyle>
+            <a:lvl1pPr algn="l" defTabSz="1218987" rtl="0" eaLnBrk="1" latinLnBrk="0" hangingPunct="1">
+              <a:lnSpc>
+                <a:spcPct val="90000"/>
+              </a:lnSpc>
+              <a:spcBef>
+                <a:spcPct val="0"/>
+              </a:spcBef>
+              <a:buNone/>
+              <a:defRPr sz="3600" kern="1200">
+                <a:solidFill>
+                  <a:schemeClr val="tx1"/>
+                </a:solidFill>
+                <a:latin typeface="+mj-lt"/>
+                <a:ea typeface="+mj-ea"/>
+                <a:cs typeface="+mj-cs"/>
+              </a:defRPr>
+            </a:lvl1pPr>
+          </a:lstStyle>
+          <a:p>
+            <a:r>
+              <a:rPr lang="en-US" sz="5400" dirty="0"/>
+              <a:t>Neo4j Fundamentals</a:t>
+            </a:r>
+          </a:p>
+        </p:txBody>
+      </p:sp>
+      <p:sp>
+        <p:nvSpPr>
+          <p:cNvPr id="5" name="TextBox 4">
+            <a:extLst>
+              <a:ext uri="{FF2B5EF4-FFF2-40B4-BE49-F238E27FC236}">
+                <a16:creationId xmlns:a16="http://schemas.microsoft.com/office/drawing/2014/main" id="{D3F9C278-6ABC-C101-5C5D-85CC49E6BD39}"/>
+              </a:ext>
+            </a:extLst>
+          </p:cNvPr>
+          <p:cNvSpPr txBox="1"/>
+          <p:nvPr/>
+        </p:nvSpPr>
+        <p:spPr>
+          <a:xfrm>
+            <a:off x="2299246" y="685800"/>
+            <a:ext cx="1329210" cy="1446550"/>
+          </a:xfrm>
+          <a:prstGeom prst="rect">
+            <a:avLst/>
+          </a:prstGeom>
+          <a:noFill/>
+        </p:spPr>
+        <p:txBody>
+          <a:bodyPr wrap="none" rtlCol="0" anchor="ctr">
+            <a:spAutoFit/>
+          </a:bodyPr>
+          <a:lstStyle/>
+          <a:p>
+            <a:pPr algn="ctr"/>
+            <a:r>
+              <a:rPr lang="en-US" sz="8800"/>
+              <a:t>02</a:t>
+            </a:r>
+            <a:endParaRPr lang="en-US" sz="8800" dirty="0"/>
+          </a:p>
+        </p:txBody>
+      </p:sp>
+      <p:pic>
+        <p:nvPicPr>
+          <p:cNvPr id="6" name="Picture 5">
+            <a:extLst>
+              <a:ext uri="{FF2B5EF4-FFF2-40B4-BE49-F238E27FC236}">
+                <a16:creationId xmlns:a16="http://schemas.microsoft.com/office/drawing/2014/main" id="{1A117182-DFD9-030F-E34D-1F768F581F3F}"/>
+              </a:ext>
+            </a:extLst>
+          </p:cNvPr>
+          <p:cNvPicPr>
+            <a:picLocks noChangeAspect="1"/>
+          </p:cNvPicPr>
+          <p:nvPr/>
+        </p:nvPicPr>
+        <p:blipFill>
+          <a:blip r:embed="rId2"/>
+          <a:stretch>
+            <a:fillRect/>
+          </a:stretch>
+        </p:blipFill>
+        <p:spPr>
+          <a:xfrm>
+            <a:off x="0" y="789138"/>
+            <a:ext cx="2385815" cy="1239873"/>
+          </a:xfrm>
+          <a:prstGeom prst="rect">
+            <a:avLst/>
+          </a:prstGeom>
+          <a:ln>
+            <a:noFill/>
+          </a:ln>
+          <a:effectLst>
+            <a:softEdge rad="112500"/>
+          </a:effectLst>
+        </p:spPr>
+      </p:pic>
+      <p:pic>
+        <p:nvPicPr>
           <p:cNvPr id="8" name="Picture 7">
             <a:extLst>
               <a:ext uri="{FF2B5EF4-FFF2-40B4-BE49-F238E27FC236}">
-                <a16:creationId xmlns:a16="http://schemas.microsoft.com/office/drawing/2014/main" id="{112C96CF-A67D-E43E-96F0-EF0D6EDF402D}"/>
+                <a16:creationId xmlns:a16="http://schemas.microsoft.com/office/drawing/2014/main" id="{24988FB6-2229-8270-2D5B-F2C0C1B7B571}"/>
               </a:ext>
             </a:extLst>
           </p:cNvPr>
@@ -5607,7 +5908,7 @@
     </p:spTree>
     <p:extLst>
       <p:ext uri="{BB962C8B-B14F-4D97-AF65-F5344CB8AC3E}">
-        <p14:creationId xmlns:p14="http://schemas.microsoft.com/office/powerpoint/2010/main" val="3529114326"/>
+        <p14:creationId xmlns:p14="http://schemas.microsoft.com/office/powerpoint/2010/main" val="4254981455"/>
       </p:ext>
     </p:extLst>
   </p:cSld>

--- a/neo4j/neo4j_fundamentals/Neo4j_Fundamentals.pptx
+++ b/neo4j/neo4j_fundamentals/Neo4j_Fundamentals.pptx
@@ -5605,49 +5605,68 @@
           </a:effectLst>
         </p:spPr>
       </p:pic>
-      <p:pic>
-        <p:nvPicPr>
-          <p:cNvPr id="12" name="Picture 11">
+      <p:sp>
+        <p:nvSpPr>
+          <p:cNvPr id="16" name="TextBox 15">
             <a:extLst>
               <a:ext uri="{FF2B5EF4-FFF2-40B4-BE49-F238E27FC236}">
-                <a16:creationId xmlns:a16="http://schemas.microsoft.com/office/drawing/2014/main" id="{043A0A6C-D41B-B51A-47A9-86C2C13C8981}"/>
+                <a16:creationId xmlns:a16="http://schemas.microsoft.com/office/drawing/2014/main" id="{EEA9489E-C4EE-3A70-BF2D-B5DC64EEA0A3}"/>
               </a:ext>
             </a:extLst>
           </p:cNvPr>
-          <p:cNvPicPr>
-            <a:picLocks noChangeAspect="1"/>
-          </p:cNvPicPr>
+          <p:cNvSpPr txBox="1"/>
           <p:nvPr/>
-        </p:nvPicPr>
-        <p:blipFill>
-          <a:blip r:embed="rId4"/>
-          <a:stretch>
-            <a:fillRect/>
-          </a:stretch>
-        </p:blipFill>
+        </p:nvSpPr>
         <p:spPr>
           <a:xfrm>
-            <a:off x="5729237" y="2020245"/>
-            <a:ext cx="5439385" cy="1647222"/>
+            <a:off x="5789612" y="2133600"/>
+            <a:ext cx="4876800" cy="1200329"/>
           </a:xfrm>
-          <a:prstGeom prst="roundRect">
-            <a:avLst>
-              <a:gd name="adj" fmla="val 8594"/>
-            </a:avLst>
+          <a:prstGeom prst="rect">
+            <a:avLst/>
           </a:prstGeom>
-          <a:solidFill>
-            <a:srgbClr val="FFFFFF">
-              <a:shade val="85000"/>
-            </a:srgbClr>
-          </a:solidFill>
-          <a:ln>
-            <a:noFill/>
-          </a:ln>
           <a:effectLst>
-            <a:reflection blurRad="12700" stA="38000" endPos="28000" dist="5000" dir="5400000" sy="-100000" algn="bl" rotWithShape="0"/>
+            <a:outerShdw blurRad="76200" dist="12700" dir="2700000" sy="-23000" kx="-800400" algn="bl" rotWithShape="0">
+              <a:prstClr val="black">
+                <a:alpha val="20000"/>
+              </a:prstClr>
+            </a:outerShdw>
           </a:effectLst>
         </p:spPr>
-      </p:pic>
+        <p:style>
+          <a:lnRef idx="3">
+            <a:schemeClr val="lt1"/>
+          </a:lnRef>
+          <a:fillRef idx="1">
+            <a:schemeClr val="accent2"/>
+          </a:fillRef>
+          <a:effectRef idx="1">
+            <a:schemeClr val="accent2"/>
+          </a:effectRef>
+          <a:fontRef idx="minor">
+            <a:schemeClr val="lt1"/>
+          </a:fontRef>
+        </p:style>
+        <p:txBody>
+          <a:bodyPr wrap="square">
+            <a:spAutoFit/>
+          </a:bodyPr>
+          <a:lstStyle/>
+          <a:p>
+            <a:r>
+              <a:rPr lang="zh-CN" altLang="en-US" dirty="0"/>
+              <a:t>工欲善其事 必先利其器</a:t>
+            </a:r>
+            <a:endParaRPr lang="en-US" altLang="zh-CN" dirty="0"/>
+          </a:p>
+          <a:p>
+            <a:r>
+              <a:rPr lang="en-US" dirty="0"/>
+              <a:t>To do a good job, one must first sharpen one's tools.</a:t>
+            </a:r>
+          </a:p>
+        </p:txBody>
+      </p:sp>
     </p:spTree>
     <p:extLst>
       <p:ext uri="{BB962C8B-B14F-4D97-AF65-F5344CB8AC3E}">
@@ -5822,10 +5841,9 @@
           <a:p>
             <a:pPr algn="ctr"/>
             <a:r>
-              <a:rPr lang="en-US" sz="8800"/>
+              <a:rPr lang="en-US" sz="8800" dirty="0"/>
               <a:t>02</a:t>
             </a:r>
-            <a:endParaRPr lang="en-US" sz="8800" dirty="0"/>
           </a:p>
         </p:txBody>
       </p:sp>

--- a/neo4j/neo4j_fundamentals/Neo4j_Fundamentals.pptx
+++ b/neo4j/neo4j_fundamentals/Neo4j_Fundamentals.pptx
@@ -5,15 +5,18 @@
     <p:sldMasterId id="2147483660" r:id="rId4"/>
   </p:sldMasterIdLst>
   <p:notesMasterIdLst>
-    <p:notesMasterId r:id="rId8"/>
+    <p:notesMasterId r:id="rId11"/>
   </p:notesMasterIdLst>
   <p:handoutMasterIdLst>
-    <p:handoutMasterId r:id="rId9"/>
+    <p:handoutMasterId r:id="rId12"/>
   </p:handoutMasterIdLst>
   <p:sldIdLst>
     <p:sldId id="257" r:id="rId5"/>
     <p:sldId id="268" r:id="rId6"/>
     <p:sldId id="269" r:id="rId7"/>
+    <p:sldId id="270" r:id="rId8"/>
+    <p:sldId id="271" r:id="rId9"/>
+    <p:sldId id="272" r:id="rId10"/>
   </p:sldIdLst>
   <p:sldSz cx="12188825" cy="6858000"/>
   <p:notesSz cx="6858000" cy="9144000"/>
@@ -5215,7 +5218,7 @@
           <a:p>
             <a:pPr algn="ctr"/>
             <a:r>
-              <a:rPr lang="en-US" sz="8800" dirty="0"/>
+              <a:rPr lang="en-US" sz="8800" b="1" dirty="0"/>
               <a:t>00</a:t>
             </a:r>
           </a:p>
@@ -5236,7 +5239,9 @@
           <p:nvPr/>
         </p:nvPicPr>
         <p:blipFill>
-          <a:blip r:embed="rId2"/>
+          <a:blip r:embed="rId2">
+            <a:alphaModFix amt="85000"/>
+          </a:blip>
           <a:stretch>
             <a:fillRect/>
           </a:stretch>
@@ -5523,7 +5528,7 @@
           <a:p>
             <a:pPr algn="ctr"/>
             <a:r>
-              <a:rPr lang="en-US" sz="8800" dirty="0"/>
+              <a:rPr lang="en-US" sz="8800" b="1" dirty="0"/>
               <a:t>01</a:t>
             </a:r>
           </a:p>
@@ -5580,7 +5585,9 @@
           <p:nvPr/>
         </p:nvPicPr>
         <p:blipFill>
-          <a:blip r:embed="rId3"/>
+          <a:blip r:embed="rId3">
+            <a:alphaModFix amt="85000"/>
+          </a:blip>
           <a:stretch>
             <a:fillRect/>
           </a:stretch>
@@ -5734,7 +5741,7 @@
         <p:spPr>
           <a:xfrm>
             <a:off x="3848449" y="789138"/>
-            <a:ext cx="6553200" cy="1223963"/>
+            <a:ext cx="6553200" cy="1239873"/>
           </a:xfrm>
         </p:spPr>
         <p:txBody>
@@ -5752,7 +5759,14 @@
             </a:br>
             <a:r>
               <a:rPr lang="en-US" dirty="0"/>
-              <a:t>1.1 What is Neo4j? – Create a Node</a:t>
+              <a:t>1.1 What is Neo4j?</a:t>
+            </a:r>
+            <a:br>
+              <a:rPr lang="en-US" dirty="0"/>
+            </a:br>
+            <a:r>
+              <a:rPr lang="en-US" dirty="0"/>
+              <a:t>– Create a Node</a:t>
             </a:r>
           </a:p>
         </p:txBody>
@@ -5841,7 +5855,7 @@
           <a:p>
             <a:pPr algn="ctr"/>
             <a:r>
-              <a:rPr lang="en-US" sz="8800" dirty="0"/>
+              <a:rPr lang="en-US" sz="8800" b="1" dirty="0"/>
               <a:t>02</a:t>
             </a:r>
           </a:p>
@@ -5898,7 +5912,9 @@
           <p:nvPr/>
         </p:nvPicPr>
         <p:blipFill>
-          <a:blip r:embed="rId3"/>
+          <a:blip r:embed="rId3">
+            <a:alphaModFix amt="85000"/>
+          </a:blip>
           <a:stretch>
             <a:fillRect/>
           </a:stretch>
@@ -5927,6 +5943,801 @@
     <p:extLst>
       <p:ext uri="{BB962C8B-B14F-4D97-AF65-F5344CB8AC3E}">
         <p14:creationId xmlns:p14="http://schemas.microsoft.com/office/powerpoint/2010/main" val="4254981455"/>
+      </p:ext>
+    </p:extLst>
+  </p:cSld>
+  <p:clrMapOvr>
+    <a:masterClrMapping/>
+  </p:clrMapOvr>
+  <mc:AlternateContent xmlns:mc="http://schemas.openxmlformats.org/markup-compatibility/2006" xmlns:p14="http://schemas.microsoft.com/office/powerpoint/2010/main">
+    <mc:Choice Requires="p14">
+      <p:transition spd="med" p14:dur="700">
+        <p:fade/>
+      </p:transition>
+    </mc:Choice>
+    <mc:Fallback xmlns="">
+      <p:transition spd="med">
+        <p:fade/>
+      </p:transition>
+    </mc:Fallback>
+  </mc:AlternateContent>
+</p:sld>
+</file>
+
+<file path=ppt/slides/slide4.xml><?xml version="1.0" encoding="utf-8"?>
+<p:sld xmlns:a="http://schemas.openxmlformats.org/drawingml/2006/main" xmlns:r="http://schemas.openxmlformats.org/officeDocument/2006/relationships" xmlns:p="http://schemas.openxmlformats.org/presentationml/2006/main">
+  <p:cSld>
+    <p:spTree>
+      <p:nvGrpSpPr>
+        <p:cNvPr id="1" name="">
+          <a:extLst>
+            <a:ext uri="{FF2B5EF4-FFF2-40B4-BE49-F238E27FC236}">
+              <a16:creationId xmlns:a16="http://schemas.microsoft.com/office/drawing/2014/main" id="{14FB285B-D98D-DB02-9593-8A3B133D3812}"/>
+            </a:ext>
+          </a:extLst>
+        </p:cNvPr>
+        <p:cNvGrpSpPr/>
+        <p:nvPr/>
+      </p:nvGrpSpPr>
+      <p:grpSpPr>
+        <a:xfrm>
+          <a:off x="0" y="0"/>
+          <a:ext cx="0" cy="0"/>
+          <a:chOff x="0" y="0"/>
+          <a:chExt cx="0" cy="0"/>
+        </a:xfrm>
+      </p:grpSpPr>
+      <p:sp>
+        <p:nvSpPr>
+          <p:cNvPr id="13" name="Title 12">
+            <a:extLst>
+              <a:ext uri="{FF2B5EF4-FFF2-40B4-BE49-F238E27FC236}">
+                <a16:creationId xmlns:a16="http://schemas.microsoft.com/office/drawing/2014/main" id="{4AA28B16-AA82-D4F4-B557-9E0691251189}"/>
+              </a:ext>
+            </a:extLst>
+          </p:cNvPr>
+          <p:cNvSpPr>
+            <a:spLocks noGrp="1"/>
+          </p:cNvSpPr>
+          <p:nvPr>
+            <p:ph type="title"/>
+          </p:nvPr>
+        </p:nvSpPr>
+        <p:spPr>
+          <a:xfrm>
+            <a:off x="3848449" y="789138"/>
+            <a:ext cx="6553200" cy="1223963"/>
+          </a:xfrm>
+        </p:spPr>
+        <p:txBody>
+          <a:bodyPr anchor="ctr">
+            <a:normAutofit fontScale="90000"/>
+          </a:bodyPr>
+          <a:lstStyle/>
+          <a:p>
+            <a:r>
+              <a:rPr lang="en-US" dirty="0"/>
+              <a:t>1. Graph Thinking</a:t>
+            </a:r>
+            <a:br>
+              <a:rPr lang="en-US" dirty="0"/>
+            </a:br>
+            <a:r>
+              <a:rPr lang="en-US" dirty="0"/>
+              <a:t>1.1 What is Neo4j?</a:t>
+            </a:r>
+            <a:br>
+              <a:rPr lang="en-US" dirty="0"/>
+            </a:br>
+            <a:r>
+              <a:rPr lang="en-US" dirty="0"/>
+              <a:t>– Create more Nodes</a:t>
+            </a:r>
+          </a:p>
+        </p:txBody>
+      </p:sp>
+      <p:sp>
+        <p:nvSpPr>
+          <p:cNvPr id="2" name="Title 1">
+            <a:extLst>
+              <a:ext uri="{FF2B5EF4-FFF2-40B4-BE49-F238E27FC236}">
+                <a16:creationId xmlns:a16="http://schemas.microsoft.com/office/drawing/2014/main" id="{428B9333-FF78-8DFD-3A19-55EB14B9DA83}"/>
+              </a:ext>
+            </a:extLst>
+          </p:cNvPr>
+          <p:cNvSpPr txBox="1">
+            <a:spLocks/>
+          </p:cNvSpPr>
+          <p:nvPr/>
+        </p:nvSpPr>
+        <p:spPr>
+          <a:xfrm>
+            <a:off x="836612" y="28876"/>
+            <a:ext cx="6145636" cy="863600"/>
+          </a:xfrm>
+          <a:prstGeom prst="rect">
+            <a:avLst/>
+          </a:prstGeom>
+        </p:spPr>
+        <p:txBody>
+          <a:bodyPr vert="horz" lIns="121899" tIns="60949" rIns="121899" bIns="60949" rtlCol="0" anchor="ctr">
+            <a:normAutofit/>
+          </a:bodyPr>
+          <a:lstStyle>
+            <a:lvl1pPr algn="l" defTabSz="1218987" rtl="0" eaLnBrk="1" latinLnBrk="0" hangingPunct="1">
+              <a:lnSpc>
+                <a:spcPct val="90000"/>
+              </a:lnSpc>
+              <a:spcBef>
+                <a:spcPct val="0"/>
+              </a:spcBef>
+              <a:buNone/>
+              <a:defRPr sz="3600" kern="1200">
+                <a:solidFill>
+                  <a:schemeClr val="tx1"/>
+                </a:solidFill>
+                <a:latin typeface="+mj-lt"/>
+                <a:ea typeface="+mj-ea"/>
+                <a:cs typeface="+mj-cs"/>
+              </a:defRPr>
+            </a:lvl1pPr>
+          </a:lstStyle>
+          <a:p>
+            <a:r>
+              <a:rPr lang="en-US" sz="5400" dirty="0"/>
+              <a:t>Neo4j Fundamentals</a:t>
+            </a:r>
+          </a:p>
+        </p:txBody>
+      </p:sp>
+      <p:sp>
+        <p:nvSpPr>
+          <p:cNvPr id="5" name="TextBox 4">
+            <a:extLst>
+              <a:ext uri="{FF2B5EF4-FFF2-40B4-BE49-F238E27FC236}">
+                <a16:creationId xmlns:a16="http://schemas.microsoft.com/office/drawing/2014/main" id="{68784650-5C12-D06A-1D8B-6EE89D4C0815}"/>
+              </a:ext>
+            </a:extLst>
+          </p:cNvPr>
+          <p:cNvSpPr txBox="1"/>
+          <p:nvPr/>
+        </p:nvSpPr>
+        <p:spPr>
+          <a:xfrm>
+            <a:off x="2299246" y="685800"/>
+            <a:ext cx="1329210" cy="1446550"/>
+          </a:xfrm>
+          <a:prstGeom prst="rect">
+            <a:avLst/>
+          </a:prstGeom>
+          <a:noFill/>
+        </p:spPr>
+        <p:txBody>
+          <a:bodyPr wrap="none" rtlCol="0" anchor="ctr">
+            <a:spAutoFit/>
+          </a:bodyPr>
+          <a:lstStyle/>
+          <a:p>
+            <a:pPr algn="ctr"/>
+            <a:r>
+              <a:rPr lang="en-US" sz="8800" b="1" dirty="0"/>
+              <a:t>03</a:t>
+            </a:r>
+          </a:p>
+        </p:txBody>
+      </p:sp>
+      <p:pic>
+        <p:nvPicPr>
+          <p:cNvPr id="6" name="Picture 5">
+            <a:extLst>
+              <a:ext uri="{FF2B5EF4-FFF2-40B4-BE49-F238E27FC236}">
+                <a16:creationId xmlns:a16="http://schemas.microsoft.com/office/drawing/2014/main" id="{817DA7E0-454C-E2E0-6A51-551140D81448}"/>
+              </a:ext>
+            </a:extLst>
+          </p:cNvPr>
+          <p:cNvPicPr>
+            <a:picLocks noChangeAspect="1"/>
+          </p:cNvPicPr>
+          <p:nvPr/>
+        </p:nvPicPr>
+        <p:blipFill>
+          <a:blip r:embed="rId2"/>
+          <a:stretch>
+            <a:fillRect/>
+          </a:stretch>
+        </p:blipFill>
+        <p:spPr>
+          <a:xfrm>
+            <a:off x="0" y="789138"/>
+            <a:ext cx="2385815" cy="1239873"/>
+          </a:xfrm>
+          <a:prstGeom prst="rect">
+            <a:avLst/>
+          </a:prstGeom>
+          <a:ln>
+            <a:noFill/>
+          </a:ln>
+          <a:effectLst>
+            <a:softEdge rad="112500"/>
+          </a:effectLst>
+        </p:spPr>
+      </p:pic>
+      <p:pic>
+        <p:nvPicPr>
+          <p:cNvPr id="4" name="Picture 3">
+            <a:extLst>
+              <a:ext uri="{FF2B5EF4-FFF2-40B4-BE49-F238E27FC236}">
+                <a16:creationId xmlns:a16="http://schemas.microsoft.com/office/drawing/2014/main" id="{D63DF3F9-85D3-C52C-61C2-B0E5E2E911F3}"/>
+              </a:ext>
+            </a:extLst>
+          </p:cNvPr>
+          <p:cNvPicPr>
+            <a:picLocks noChangeAspect="1"/>
+          </p:cNvPicPr>
+          <p:nvPr/>
+        </p:nvPicPr>
+        <p:blipFill>
+          <a:blip r:embed="rId3">
+            <a:alphaModFix amt="85000"/>
+          </a:blip>
+          <a:stretch>
+            <a:fillRect/>
+          </a:stretch>
+        </p:blipFill>
+        <p:spPr>
+          <a:xfrm>
+            <a:off x="410409" y="2161361"/>
+            <a:ext cx="10993800" cy="4239439"/>
+          </a:xfrm>
+          <a:prstGeom prst="rect">
+            <a:avLst/>
+          </a:prstGeom>
+          <a:ln>
+            <a:noFill/>
+          </a:ln>
+          <a:effectLst>
+            <a:outerShdw blurRad="292100" dist="139700" dir="2700000" algn="tl" rotWithShape="0">
+              <a:srgbClr val="333333">
+                <a:alpha val="65000"/>
+              </a:srgbClr>
+            </a:outerShdw>
+          </a:effectLst>
+        </p:spPr>
+      </p:pic>
+    </p:spTree>
+    <p:extLst>
+      <p:ext uri="{BB962C8B-B14F-4D97-AF65-F5344CB8AC3E}">
+        <p14:creationId xmlns:p14="http://schemas.microsoft.com/office/powerpoint/2010/main" val="1751809725"/>
+      </p:ext>
+    </p:extLst>
+  </p:cSld>
+  <p:clrMapOvr>
+    <a:masterClrMapping/>
+  </p:clrMapOvr>
+  <mc:AlternateContent xmlns:mc="http://schemas.openxmlformats.org/markup-compatibility/2006" xmlns:p14="http://schemas.microsoft.com/office/powerpoint/2010/main">
+    <mc:Choice Requires="p14">
+      <p:transition spd="med" p14:dur="700">
+        <p:fade/>
+      </p:transition>
+    </mc:Choice>
+    <mc:Fallback xmlns="">
+      <p:transition spd="med">
+        <p:fade/>
+      </p:transition>
+    </mc:Fallback>
+  </mc:AlternateContent>
+</p:sld>
+</file>
+
+<file path=ppt/slides/slide5.xml><?xml version="1.0" encoding="utf-8"?>
+<p:sld xmlns:a="http://schemas.openxmlformats.org/drawingml/2006/main" xmlns:r="http://schemas.openxmlformats.org/officeDocument/2006/relationships" xmlns:p="http://schemas.openxmlformats.org/presentationml/2006/main">
+  <p:cSld>
+    <p:spTree>
+      <p:nvGrpSpPr>
+        <p:cNvPr id="1" name="">
+          <a:extLst>
+            <a:ext uri="{FF2B5EF4-FFF2-40B4-BE49-F238E27FC236}">
+              <a16:creationId xmlns:a16="http://schemas.microsoft.com/office/drawing/2014/main" id="{CCFDAD31-51E0-F13F-3117-959B21246880}"/>
+            </a:ext>
+          </a:extLst>
+        </p:cNvPr>
+        <p:cNvGrpSpPr/>
+        <p:nvPr/>
+      </p:nvGrpSpPr>
+      <p:grpSpPr>
+        <a:xfrm>
+          <a:off x="0" y="0"/>
+          <a:ext cx="0" cy="0"/>
+          <a:chOff x="0" y="0"/>
+          <a:chExt cx="0" cy="0"/>
+        </a:xfrm>
+      </p:grpSpPr>
+      <p:sp>
+        <p:nvSpPr>
+          <p:cNvPr id="13" name="Title 12">
+            <a:extLst>
+              <a:ext uri="{FF2B5EF4-FFF2-40B4-BE49-F238E27FC236}">
+                <a16:creationId xmlns:a16="http://schemas.microsoft.com/office/drawing/2014/main" id="{1421C20D-7A4C-3D7F-ADB7-99A9BDEF52F4}"/>
+              </a:ext>
+            </a:extLst>
+          </p:cNvPr>
+          <p:cNvSpPr>
+            <a:spLocks noGrp="1"/>
+          </p:cNvSpPr>
+          <p:nvPr>
+            <p:ph type="title"/>
+          </p:nvPr>
+        </p:nvSpPr>
+        <p:spPr>
+          <a:xfrm>
+            <a:off x="3848449" y="789138"/>
+            <a:ext cx="6553200" cy="1343212"/>
+          </a:xfrm>
+        </p:spPr>
+        <p:txBody>
+          <a:bodyPr anchor="ctr">
+            <a:normAutofit fontScale="90000"/>
+          </a:bodyPr>
+          <a:lstStyle/>
+          <a:p>
+            <a:r>
+              <a:rPr lang="en-US" dirty="0"/>
+              <a:t>1. Graph Thinking</a:t>
+            </a:r>
+            <a:br>
+              <a:rPr lang="en-US" dirty="0"/>
+            </a:br>
+            <a:r>
+              <a:rPr lang="en-US" dirty="0"/>
+              <a:t>1.1 What is Neo4j?</a:t>
+            </a:r>
+            <a:br>
+              <a:rPr lang="en-US" dirty="0"/>
+            </a:br>
+            <a:r>
+              <a:rPr lang="en-US" dirty="0"/>
+              <a:t>– Create Relationships</a:t>
+            </a:r>
+          </a:p>
+        </p:txBody>
+      </p:sp>
+      <p:sp>
+        <p:nvSpPr>
+          <p:cNvPr id="2" name="Title 1">
+            <a:extLst>
+              <a:ext uri="{FF2B5EF4-FFF2-40B4-BE49-F238E27FC236}">
+                <a16:creationId xmlns:a16="http://schemas.microsoft.com/office/drawing/2014/main" id="{0109924B-18CE-F009-BF50-608516841AC6}"/>
+              </a:ext>
+            </a:extLst>
+          </p:cNvPr>
+          <p:cNvSpPr txBox="1">
+            <a:spLocks/>
+          </p:cNvSpPr>
+          <p:nvPr/>
+        </p:nvSpPr>
+        <p:spPr>
+          <a:xfrm>
+            <a:off x="836612" y="28876"/>
+            <a:ext cx="6145636" cy="863600"/>
+          </a:xfrm>
+          <a:prstGeom prst="rect">
+            <a:avLst/>
+          </a:prstGeom>
+        </p:spPr>
+        <p:txBody>
+          <a:bodyPr vert="horz" lIns="121899" tIns="60949" rIns="121899" bIns="60949" rtlCol="0" anchor="ctr">
+            <a:normAutofit/>
+          </a:bodyPr>
+          <a:lstStyle>
+            <a:lvl1pPr algn="l" defTabSz="1218987" rtl="0" eaLnBrk="1" latinLnBrk="0" hangingPunct="1">
+              <a:lnSpc>
+                <a:spcPct val="90000"/>
+              </a:lnSpc>
+              <a:spcBef>
+                <a:spcPct val="0"/>
+              </a:spcBef>
+              <a:buNone/>
+              <a:defRPr sz="3600" kern="1200">
+                <a:solidFill>
+                  <a:schemeClr val="tx1"/>
+                </a:solidFill>
+                <a:latin typeface="+mj-lt"/>
+                <a:ea typeface="+mj-ea"/>
+                <a:cs typeface="+mj-cs"/>
+              </a:defRPr>
+            </a:lvl1pPr>
+          </a:lstStyle>
+          <a:p>
+            <a:r>
+              <a:rPr lang="en-US" sz="5400" dirty="0"/>
+              <a:t>Neo4j Fundamentals</a:t>
+            </a:r>
+          </a:p>
+        </p:txBody>
+      </p:sp>
+      <p:sp>
+        <p:nvSpPr>
+          <p:cNvPr id="5" name="TextBox 4">
+            <a:extLst>
+              <a:ext uri="{FF2B5EF4-FFF2-40B4-BE49-F238E27FC236}">
+                <a16:creationId xmlns:a16="http://schemas.microsoft.com/office/drawing/2014/main" id="{A4B64C53-AE4C-652E-BCC0-6B2552DFEA49}"/>
+              </a:ext>
+            </a:extLst>
+          </p:cNvPr>
+          <p:cNvSpPr txBox="1"/>
+          <p:nvPr/>
+        </p:nvSpPr>
+        <p:spPr>
+          <a:xfrm>
+            <a:off x="2299246" y="685800"/>
+            <a:ext cx="1329210" cy="1446550"/>
+          </a:xfrm>
+          <a:prstGeom prst="rect">
+            <a:avLst/>
+          </a:prstGeom>
+          <a:noFill/>
+        </p:spPr>
+        <p:txBody>
+          <a:bodyPr wrap="none" rtlCol="0" anchor="ctr">
+            <a:spAutoFit/>
+          </a:bodyPr>
+          <a:lstStyle/>
+          <a:p>
+            <a:pPr algn="ctr"/>
+            <a:r>
+              <a:rPr lang="en-US" sz="8800" b="1" dirty="0"/>
+              <a:t>04</a:t>
+            </a:r>
+          </a:p>
+        </p:txBody>
+      </p:sp>
+      <p:pic>
+        <p:nvPicPr>
+          <p:cNvPr id="6" name="Picture 5">
+            <a:extLst>
+              <a:ext uri="{FF2B5EF4-FFF2-40B4-BE49-F238E27FC236}">
+                <a16:creationId xmlns:a16="http://schemas.microsoft.com/office/drawing/2014/main" id="{414536AB-CF78-013E-2B21-6D2E543A54EF}"/>
+              </a:ext>
+            </a:extLst>
+          </p:cNvPr>
+          <p:cNvPicPr>
+            <a:picLocks noChangeAspect="1"/>
+          </p:cNvPicPr>
+          <p:nvPr/>
+        </p:nvPicPr>
+        <p:blipFill>
+          <a:blip r:embed="rId2"/>
+          <a:stretch>
+            <a:fillRect/>
+          </a:stretch>
+        </p:blipFill>
+        <p:spPr>
+          <a:xfrm>
+            <a:off x="0" y="789138"/>
+            <a:ext cx="2385815" cy="1239873"/>
+          </a:xfrm>
+          <a:prstGeom prst="rect">
+            <a:avLst/>
+          </a:prstGeom>
+          <a:ln>
+            <a:noFill/>
+          </a:ln>
+          <a:effectLst>
+            <a:softEdge rad="112500"/>
+          </a:effectLst>
+        </p:spPr>
+      </p:pic>
+      <p:pic>
+        <p:nvPicPr>
+          <p:cNvPr id="7" name="Picture 6">
+            <a:extLst>
+              <a:ext uri="{FF2B5EF4-FFF2-40B4-BE49-F238E27FC236}">
+                <a16:creationId xmlns:a16="http://schemas.microsoft.com/office/drawing/2014/main" id="{7A7ABE83-5706-B0A4-5E75-7EC43430B927}"/>
+              </a:ext>
+            </a:extLst>
+          </p:cNvPr>
+          <p:cNvPicPr>
+            <a:picLocks noChangeAspect="1"/>
+          </p:cNvPicPr>
+          <p:nvPr/>
+        </p:nvPicPr>
+        <p:blipFill>
+          <a:blip r:embed="rId3">
+            <a:alphaModFix amt="85000"/>
+          </a:blip>
+          <a:stretch>
+            <a:fillRect/>
+          </a:stretch>
+        </p:blipFill>
+        <p:spPr>
+          <a:xfrm>
+            <a:off x="455613" y="2138766"/>
+            <a:ext cx="10820400" cy="4266132"/>
+          </a:xfrm>
+          <a:prstGeom prst="rect">
+            <a:avLst/>
+          </a:prstGeom>
+          <a:ln>
+            <a:noFill/>
+          </a:ln>
+          <a:effectLst>
+            <a:outerShdw blurRad="292100" dist="139700" dir="2700000" algn="tl" rotWithShape="0">
+              <a:srgbClr val="333333">
+                <a:alpha val="65000"/>
+              </a:srgbClr>
+            </a:outerShdw>
+          </a:effectLst>
+        </p:spPr>
+      </p:pic>
+    </p:spTree>
+    <p:extLst>
+      <p:ext uri="{BB962C8B-B14F-4D97-AF65-F5344CB8AC3E}">
+        <p14:creationId xmlns:p14="http://schemas.microsoft.com/office/powerpoint/2010/main" val="908023437"/>
+      </p:ext>
+    </p:extLst>
+  </p:cSld>
+  <p:clrMapOvr>
+    <a:masterClrMapping/>
+  </p:clrMapOvr>
+  <mc:AlternateContent xmlns:mc="http://schemas.openxmlformats.org/markup-compatibility/2006" xmlns:p14="http://schemas.microsoft.com/office/powerpoint/2010/main">
+    <mc:Choice Requires="p14">
+      <p:transition spd="med" p14:dur="700">
+        <p:fade/>
+      </p:transition>
+    </mc:Choice>
+    <mc:Fallback xmlns="">
+      <p:transition spd="med">
+        <p:fade/>
+      </p:transition>
+    </mc:Fallback>
+  </mc:AlternateContent>
+</p:sld>
+</file>
+
+<file path=ppt/slides/slide6.xml><?xml version="1.0" encoding="utf-8"?>
+<p:sld xmlns:a="http://schemas.openxmlformats.org/drawingml/2006/main" xmlns:r="http://schemas.openxmlformats.org/officeDocument/2006/relationships" xmlns:p="http://schemas.openxmlformats.org/presentationml/2006/main">
+  <p:cSld>
+    <p:spTree>
+      <p:nvGrpSpPr>
+        <p:cNvPr id="1" name="">
+          <a:extLst>
+            <a:ext uri="{FF2B5EF4-FFF2-40B4-BE49-F238E27FC236}">
+              <a16:creationId xmlns:a16="http://schemas.microsoft.com/office/drawing/2014/main" id="{A0EA6C6A-5513-9852-9224-9E3B8CA0FD08}"/>
+            </a:ext>
+          </a:extLst>
+        </p:cNvPr>
+        <p:cNvGrpSpPr/>
+        <p:nvPr/>
+      </p:nvGrpSpPr>
+      <p:grpSpPr>
+        <a:xfrm>
+          <a:off x="0" y="0"/>
+          <a:ext cx="0" cy="0"/>
+          <a:chOff x="0" y="0"/>
+          <a:chExt cx="0" cy="0"/>
+        </a:xfrm>
+      </p:grpSpPr>
+      <p:sp>
+        <p:nvSpPr>
+          <p:cNvPr id="13" name="Title 12">
+            <a:extLst>
+              <a:ext uri="{FF2B5EF4-FFF2-40B4-BE49-F238E27FC236}">
+                <a16:creationId xmlns:a16="http://schemas.microsoft.com/office/drawing/2014/main" id="{2FB40100-0D1F-79BD-67A5-4F422ECE2E94}"/>
+              </a:ext>
+            </a:extLst>
+          </p:cNvPr>
+          <p:cNvSpPr>
+            <a:spLocks noGrp="1"/>
+          </p:cNvSpPr>
+          <p:nvPr>
+            <p:ph type="title"/>
+          </p:nvPr>
+        </p:nvSpPr>
+        <p:spPr>
+          <a:xfrm>
+            <a:off x="3848449" y="789138"/>
+            <a:ext cx="6553200" cy="1343212"/>
+          </a:xfrm>
+        </p:spPr>
+        <p:txBody>
+          <a:bodyPr anchor="ctr">
+            <a:normAutofit fontScale="90000"/>
+          </a:bodyPr>
+          <a:lstStyle/>
+          <a:p>
+            <a:r>
+              <a:rPr lang="en-US" dirty="0"/>
+              <a:t>1. Graph Thinking</a:t>
+            </a:r>
+            <a:br>
+              <a:rPr lang="en-US" dirty="0"/>
+            </a:br>
+            <a:r>
+              <a:rPr lang="en-US" dirty="0"/>
+              <a:t>1.1 What is Neo4j?</a:t>
+            </a:r>
+            <a:br>
+              <a:rPr lang="en-US" dirty="0"/>
+            </a:br>
+            <a:r>
+              <a:rPr lang="en-US" dirty="0"/>
+              <a:t>– Create Relationships</a:t>
+            </a:r>
+          </a:p>
+        </p:txBody>
+      </p:sp>
+      <p:sp>
+        <p:nvSpPr>
+          <p:cNvPr id="2" name="Title 1">
+            <a:extLst>
+              <a:ext uri="{FF2B5EF4-FFF2-40B4-BE49-F238E27FC236}">
+                <a16:creationId xmlns:a16="http://schemas.microsoft.com/office/drawing/2014/main" id="{261F2D37-0620-0A1E-60D9-C577543F21F9}"/>
+              </a:ext>
+            </a:extLst>
+          </p:cNvPr>
+          <p:cNvSpPr txBox="1">
+            <a:spLocks/>
+          </p:cNvSpPr>
+          <p:nvPr/>
+        </p:nvSpPr>
+        <p:spPr>
+          <a:xfrm>
+            <a:off x="836612" y="28876"/>
+            <a:ext cx="6145636" cy="863600"/>
+          </a:xfrm>
+          <a:prstGeom prst="rect">
+            <a:avLst/>
+          </a:prstGeom>
+        </p:spPr>
+        <p:txBody>
+          <a:bodyPr vert="horz" lIns="121899" tIns="60949" rIns="121899" bIns="60949" rtlCol="0" anchor="ctr">
+            <a:normAutofit/>
+          </a:bodyPr>
+          <a:lstStyle>
+            <a:lvl1pPr algn="l" defTabSz="1218987" rtl="0" eaLnBrk="1" latinLnBrk="0" hangingPunct="1">
+              <a:lnSpc>
+                <a:spcPct val="90000"/>
+              </a:lnSpc>
+              <a:spcBef>
+                <a:spcPct val="0"/>
+              </a:spcBef>
+              <a:buNone/>
+              <a:defRPr sz="3600" kern="1200">
+                <a:solidFill>
+                  <a:schemeClr val="tx1"/>
+                </a:solidFill>
+                <a:latin typeface="+mj-lt"/>
+                <a:ea typeface="+mj-ea"/>
+                <a:cs typeface="+mj-cs"/>
+              </a:defRPr>
+            </a:lvl1pPr>
+          </a:lstStyle>
+          <a:p>
+            <a:r>
+              <a:rPr lang="en-US" sz="5400" dirty="0"/>
+              <a:t>Neo4j Fundamentals</a:t>
+            </a:r>
+          </a:p>
+        </p:txBody>
+      </p:sp>
+      <p:sp>
+        <p:nvSpPr>
+          <p:cNvPr id="5" name="TextBox 4">
+            <a:extLst>
+              <a:ext uri="{FF2B5EF4-FFF2-40B4-BE49-F238E27FC236}">
+                <a16:creationId xmlns:a16="http://schemas.microsoft.com/office/drawing/2014/main" id="{63FBDF94-09FE-8BFE-9DF2-B7D3232BF09B}"/>
+              </a:ext>
+            </a:extLst>
+          </p:cNvPr>
+          <p:cNvSpPr txBox="1"/>
+          <p:nvPr/>
+        </p:nvSpPr>
+        <p:spPr>
+          <a:xfrm>
+            <a:off x="2299246" y="685800"/>
+            <a:ext cx="1329210" cy="1446550"/>
+          </a:xfrm>
+          <a:prstGeom prst="rect">
+            <a:avLst/>
+          </a:prstGeom>
+          <a:noFill/>
+        </p:spPr>
+        <p:txBody>
+          <a:bodyPr wrap="none" rtlCol="0" anchor="ctr">
+            <a:spAutoFit/>
+          </a:bodyPr>
+          <a:lstStyle/>
+          <a:p>
+            <a:pPr algn="ctr"/>
+            <a:r>
+              <a:rPr lang="en-US" sz="8800" b="1" dirty="0"/>
+              <a:t>05</a:t>
+            </a:r>
+          </a:p>
+        </p:txBody>
+      </p:sp>
+      <p:pic>
+        <p:nvPicPr>
+          <p:cNvPr id="6" name="Picture 5">
+            <a:extLst>
+              <a:ext uri="{FF2B5EF4-FFF2-40B4-BE49-F238E27FC236}">
+                <a16:creationId xmlns:a16="http://schemas.microsoft.com/office/drawing/2014/main" id="{0417C21F-BC64-AE64-A063-3D7EABAFC040}"/>
+              </a:ext>
+            </a:extLst>
+          </p:cNvPr>
+          <p:cNvPicPr>
+            <a:picLocks noChangeAspect="1"/>
+          </p:cNvPicPr>
+          <p:nvPr/>
+        </p:nvPicPr>
+        <p:blipFill>
+          <a:blip r:embed="rId2"/>
+          <a:stretch>
+            <a:fillRect/>
+          </a:stretch>
+        </p:blipFill>
+        <p:spPr>
+          <a:xfrm>
+            <a:off x="0" y="789138"/>
+            <a:ext cx="2385815" cy="1239873"/>
+          </a:xfrm>
+          <a:prstGeom prst="rect">
+            <a:avLst/>
+          </a:prstGeom>
+          <a:ln>
+            <a:noFill/>
+          </a:ln>
+          <a:effectLst>
+            <a:softEdge rad="112500"/>
+          </a:effectLst>
+        </p:spPr>
+      </p:pic>
+      <p:pic>
+        <p:nvPicPr>
+          <p:cNvPr id="4" name="Picture 3">
+            <a:extLst>
+              <a:ext uri="{FF2B5EF4-FFF2-40B4-BE49-F238E27FC236}">
+                <a16:creationId xmlns:a16="http://schemas.microsoft.com/office/drawing/2014/main" id="{2D309C7C-F593-1A41-82F0-82775299B7F7}"/>
+              </a:ext>
+            </a:extLst>
+          </p:cNvPr>
+          <p:cNvPicPr>
+            <a:picLocks noChangeAspect="1"/>
+          </p:cNvPicPr>
+          <p:nvPr/>
+        </p:nvPicPr>
+        <p:blipFill>
+          <a:blip r:embed="rId3">
+            <a:alphaModFix amt="85000"/>
+          </a:blip>
+          <a:stretch>
+            <a:fillRect/>
+          </a:stretch>
+        </p:blipFill>
+        <p:spPr>
+          <a:xfrm>
+            <a:off x="1293812" y="2154006"/>
+            <a:ext cx="9204796" cy="4475394"/>
+          </a:xfrm>
+          <a:prstGeom prst="rect">
+            <a:avLst/>
+          </a:prstGeom>
+          <a:ln>
+            <a:noFill/>
+          </a:ln>
+          <a:effectLst>
+            <a:outerShdw blurRad="292100" dist="139700" dir="2700000" algn="tl" rotWithShape="0">
+              <a:srgbClr val="333333">
+                <a:alpha val="65000"/>
+              </a:srgbClr>
+            </a:outerShdw>
+          </a:effectLst>
+        </p:spPr>
+      </p:pic>
+    </p:spTree>
+    <p:extLst>
+      <p:ext uri="{BB962C8B-B14F-4D97-AF65-F5344CB8AC3E}">
+        <p14:creationId xmlns:p14="http://schemas.microsoft.com/office/powerpoint/2010/main" val="534328945"/>
       </p:ext>
     </p:extLst>
   </p:cSld>

--- a/neo4j/neo4j_fundamentals/Neo4j_Fundamentals.pptx
+++ b/neo4j/neo4j_fundamentals/Neo4j_Fundamentals.pptx
@@ -6561,8 +6561,13 @@
             </a:br>
             <a:r>
               <a:rPr lang="en-US" dirty="0"/>
-              <a:t>– Create Relationships</a:t>
-            </a:r>
+              <a:t>– </a:t>
+            </a:r>
+            <a:r>
+              <a:rPr lang="en-US"/>
+              <a:t>Create Properties</a:t>
+            </a:r>
+            <a:endParaRPr lang="en-US" dirty="0"/>
           </a:p>
         </p:txBody>
       </p:sp>

--- a/neo4j/neo4j_fundamentals/Neo4j_Fundamentals.pptx
+++ b/neo4j/neo4j_fundamentals/Neo4j_Fundamentals.pptx
@@ -5,10 +5,10 @@
     <p:sldMasterId id="2147483660" r:id="rId4"/>
   </p:sldMasterIdLst>
   <p:notesMasterIdLst>
-    <p:notesMasterId r:id="rId11"/>
+    <p:notesMasterId r:id="rId12"/>
   </p:notesMasterIdLst>
   <p:handoutMasterIdLst>
-    <p:handoutMasterId r:id="rId12"/>
+    <p:handoutMasterId r:id="rId13"/>
   </p:handoutMasterIdLst>
   <p:sldIdLst>
     <p:sldId id="257" r:id="rId5"/>
@@ -17,6 +17,7 @@
     <p:sldId id="270" r:id="rId8"/>
     <p:sldId id="271" r:id="rId9"/>
     <p:sldId id="272" r:id="rId10"/>
+    <p:sldId id="273" r:id="rId11"/>
   </p:sldIdLst>
   <p:sldSz cx="12188825" cy="6858000"/>
   <p:notesSz cx="6858000" cy="9144000"/>
@@ -230,7 +231,7 @@
           <a:p>
             <a:fld id="{FE5B4EDC-59C0-49C7-8ADA-5A781B329E02}" type="datetimeFigureOut">
               <a:rPr lang="en-US"/>
-              <a:t>9/27/2025</a:t>
+              <a:t>10/2/2025</a:t>
             </a:fld>
             <a:endParaRPr/>
           </a:p>
@@ -395,7 +396,7 @@
           <a:p>
             <a:fld id="{F2D8D46A-B586-417D-BFBD-8C8FE0AAF762}" type="datetimeFigureOut">
               <a:rPr lang="en-US"/>
-              <a:t>9/27/2025</a:t>
+              <a:t>10/1/2025</a:t>
             </a:fld>
             <a:endParaRPr/>
           </a:p>
@@ -1413,7 +1414,7 @@
           <a:p>
             <a:fld id="{F0DFD029-FB74-4578-B929-F66AA97659CA}" type="datetimeFigureOut">
               <a:rPr lang="en-US"/>
-              <a:t>9/27/2025</a:t>
+              <a:t>10/1/2025</a:t>
             </a:fld>
             <a:endParaRPr/>
           </a:p>
@@ -1611,7 +1612,7 @@
           <a:p>
             <a:fld id="{F0DFD029-FB74-4578-B929-F66AA97659CA}" type="datetimeFigureOut">
               <a:rPr lang="en-US"/>
-              <a:t>9/27/2025</a:t>
+              <a:t>10/1/2025</a:t>
             </a:fld>
             <a:endParaRPr/>
           </a:p>
@@ -1819,7 +1820,7 @@
           <a:p>
             <a:fld id="{F0DFD029-FB74-4578-B929-F66AA97659CA}" type="datetimeFigureOut">
               <a:rPr lang="en-US"/>
-              <a:t>9/27/2025</a:t>
+              <a:t>10/1/2025</a:t>
             </a:fld>
             <a:endParaRPr/>
           </a:p>
@@ -2017,7 +2018,7 @@
           <a:p>
             <a:fld id="{F0DFD029-FB74-4578-B929-F66AA97659CA}" type="datetimeFigureOut">
               <a:rPr lang="en-US"/>
-              <a:t>9/27/2025</a:t>
+              <a:t>10/1/2025</a:t>
             </a:fld>
             <a:endParaRPr/>
           </a:p>
@@ -2449,7 +2450,7 @@
           <a:p>
             <a:fld id="{F0DFD029-FB74-4578-B929-F66AA97659CA}" type="datetimeFigureOut">
               <a:rPr lang="en-US"/>
-              <a:t>9/27/2025</a:t>
+              <a:t>10/1/2025</a:t>
             </a:fld>
             <a:endParaRPr/>
           </a:p>
@@ -2753,7 +2754,7 @@
           <a:p>
             <a:fld id="{F0DFD029-FB74-4578-B929-F66AA97659CA}" type="datetimeFigureOut">
               <a:rPr lang="en-US"/>
-              <a:t>9/27/2025</a:t>
+              <a:t>10/1/2025</a:t>
             </a:fld>
             <a:endParaRPr/>
           </a:p>
@@ -3209,7 +3210,7 @@
           <a:p>
             <a:fld id="{F0DFD029-FB74-4578-B929-F66AA97659CA}" type="datetimeFigureOut">
               <a:rPr lang="en-US"/>
-              <a:t>9/27/2025</a:t>
+              <a:t>10/1/2025</a:t>
             </a:fld>
             <a:endParaRPr/>
           </a:p>
@@ -3339,7 +3340,7 @@
           <a:p>
             <a:fld id="{F0DFD029-FB74-4578-B929-F66AA97659CA}" type="datetimeFigureOut">
               <a:rPr lang="en-US"/>
-              <a:t>9/27/2025</a:t>
+              <a:t>10/1/2025</a:t>
             </a:fld>
             <a:endParaRPr/>
           </a:p>
@@ -3446,7 +3447,7 @@
           <a:p>
             <a:fld id="{F0DFD029-FB74-4578-B929-F66AA97659CA}" type="datetimeFigureOut">
               <a:rPr lang="en-US"/>
-              <a:t>9/27/2025</a:t>
+              <a:t>10/1/2025</a:t>
             </a:fld>
             <a:endParaRPr/>
           </a:p>
@@ -3745,7 +3746,7 @@
           <a:p>
             <a:fld id="{F0DFD029-FB74-4578-B929-F66AA97659CA}" type="datetimeFigureOut">
               <a:rPr lang="en-US"/>
-              <a:t>9/27/2025</a:t>
+              <a:t>10/1/2025</a:t>
             </a:fld>
             <a:endParaRPr/>
           </a:p>
@@ -4033,7 +4034,7 @@
           <a:p>
             <a:fld id="{F0DFD029-FB74-4578-B929-F66AA97659CA}" type="datetimeFigureOut">
               <a:rPr lang="en-US"/>
-              <a:t>9/27/2025</a:t>
+              <a:t>10/1/2025</a:t>
             </a:fld>
             <a:endParaRPr/>
           </a:p>
@@ -4656,7 +4657,7 @@
             <a:fld id="{F0DFD029-FB74-4578-B929-F66AA97659CA}" type="datetimeFigureOut">
               <a:rPr lang="en-US"/>
               <a:pPr/>
-              <a:t>9/27/2025</a:t>
+              <a:t>10/1/2025</a:t>
             </a:fld>
             <a:endParaRPr/>
           </a:p>
@@ -6743,6 +6744,298 @@
     <p:extLst>
       <p:ext uri="{BB962C8B-B14F-4D97-AF65-F5344CB8AC3E}">
         <p14:creationId xmlns:p14="http://schemas.microsoft.com/office/powerpoint/2010/main" val="534328945"/>
+      </p:ext>
+    </p:extLst>
+  </p:cSld>
+  <p:clrMapOvr>
+    <a:masterClrMapping/>
+  </p:clrMapOvr>
+  <mc:AlternateContent xmlns:mc="http://schemas.openxmlformats.org/markup-compatibility/2006" xmlns:p14="http://schemas.microsoft.com/office/powerpoint/2010/main">
+    <mc:Choice Requires="p14">
+      <p:transition spd="med" p14:dur="700">
+        <p:fade/>
+      </p:transition>
+    </mc:Choice>
+    <mc:Fallback xmlns="">
+      <p:transition spd="med">
+        <p:fade/>
+      </p:transition>
+    </mc:Fallback>
+  </mc:AlternateContent>
+</p:sld>
+</file>
+
+<file path=ppt/slides/slide7.xml><?xml version="1.0" encoding="utf-8"?>
+<p:sld xmlns:a="http://schemas.openxmlformats.org/drawingml/2006/main" xmlns:r="http://schemas.openxmlformats.org/officeDocument/2006/relationships" xmlns:p="http://schemas.openxmlformats.org/presentationml/2006/main">
+  <p:cSld>
+    <p:spTree>
+      <p:nvGrpSpPr>
+        <p:cNvPr id="1" name="">
+          <a:extLst>
+            <a:ext uri="{FF2B5EF4-FFF2-40B4-BE49-F238E27FC236}">
+              <a16:creationId xmlns:a16="http://schemas.microsoft.com/office/drawing/2014/main" id="{64EC2F07-BAA0-50CB-0608-0A711E49F784}"/>
+            </a:ext>
+          </a:extLst>
+        </p:cNvPr>
+        <p:cNvGrpSpPr/>
+        <p:nvPr/>
+      </p:nvGrpSpPr>
+      <p:grpSpPr>
+        <a:xfrm>
+          <a:off x="0" y="0"/>
+          <a:ext cx="0" cy="0"/>
+          <a:chOff x="0" y="0"/>
+          <a:chExt cx="0" cy="0"/>
+        </a:xfrm>
+      </p:grpSpPr>
+      <p:sp>
+        <p:nvSpPr>
+          <p:cNvPr id="13" name="Title 12">
+            <a:extLst>
+              <a:ext uri="{FF2B5EF4-FFF2-40B4-BE49-F238E27FC236}">
+                <a16:creationId xmlns:a16="http://schemas.microsoft.com/office/drawing/2014/main" id="{C962D61F-5DDA-34BD-3E18-2AF40708E217}"/>
+              </a:ext>
+            </a:extLst>
+          </p:cNvPr>
+          <p:cNvSpPr>
+            <a:spLocks noGrp="1"/>
+          </p:cNvSpPr>
+          <p:nvPr>
+            <p:ph type="title"/>
+          </p:nvPr>
+        </p:nvSpPr>
+        <p:spPr>
+          <a:xfrm>
+            <a:off x="3848449" y="789138"/>
+            <a:ext cx="6553200" cy="1343212"/>
+          </a:xfrm>
+        </p:spPr>
+        <p:txBody>
+          <a:bodyPr anchor="ctr">
+            <a:normAutofit/>
+          </a:bodyPr>
+          <a:lstStyle/>
+          <a:p>
+            <a:r>
+              <a:rPr lang="en-US" dirty="0"/>
+              <a:t>1. Graph Thinking</a:t>
+            </a:r>
+            <a:br>
+              <a:rPr lang="en-US" dirty="0"/>
+            </a:br>
+            <a:r>
+              <a:rPr lang="en-US" dirty="0"/>
+              <a:t>1.2 Thinking In Graphs</a:t>
+            </a:r>
+          </a:p>
+        </p:txBody>
+      </p:sp>
+      <p:sp>
+        <p:nvSpPr>
+          <p:cNvPr id="2" name="Title 1">
+            <a:extLst>
+              <a:ext uri="{FF2B5EF4-FFF2-40B4-BE49-F238E27FC236}">
+                <a16:creationId xmlns:a16="http://schemas.microsoft.com/office/drawing/2014/main" id="{C97165D6-114B-DFA6-8821-EB1A1116FAC5}"/>
+              </a:ext>
+            </a:extLst>
+          </p:cNvPr>
+          <p:cNvSpPr txBox="1">
+            <a:spLocks/>
+          </p:cNvSpPr>
+          <p:nvPr/>
+        </p:nvSpPr>
+        <p:spPr>
+          <a:xfrm>
+            <a:off x="836612" y="28876"/>
+            <a:ext cx="6145636" cy="863600"/>
+          </a:xfrm>
+          <a:prstGeom prst="rect">
+            <a:avLst/>
+          </a:prstGeom>
+        </p:spPr>
+        <p:txBody>
+          <a:bodyPr vert="horz" lIns="121899" tIns="60949" rIns="121899" bIns="60949" rtlCol="0" anchor="ctr">
+            <a:normAutofit/>
+          </a:bodyPr>
+          <a:lstStyle>
+            <a:lvl1pPr algn="l" defTabSz="1218987" rtl="0" eaLnBrk="1" latinLnBrk="0" hangingPunct="1">
+              <a:lnSpc>
+                <a:spcPct val="90000"/>
+              </a:lnSpc>
+              <a:spcBef>
+                <a:spcPct val="0"/>
+              </a:spcBef>
+              <a:buNone/>
+              <a:defRPr sz="3600" kern="1200">
+                <a:solidFill>
+                  <a:schemeClr val="tx1"/>
+                </a:solidFill>
+                <a:latin typeface="+mj-lt"/>
+                <a:ea typeface="+mj-ea"/>
+                <a:cs typeface="+mj-cs"/>
+              </a:defRPr>
+            </a:lvl1pPr>
+          </a:lstStyle>
+          <a:p>
+            <a:r>
+              <a:rPr lang="en-US" sz="5400" dirty="0"/>
+              <a:t>Neo4j Fundamentals</a:t>
+            </a:r>
+          </a:p>
+        </p:txBody>
+      </p:sp>
+      <p:sp>
+        <p:nvSpPr>
+          <p:cNvPr id="5" name="TextBox 4">
+            <a:extLst>
+              <a:ext uri="{FF2B5EF4-FFF2-40B4-BE49-F238E27FC236}">
+                <a16:creationId xmlns:a16="http://schemas.microsoft.com/office/drawing/2014/main" id="{822C0A24-4E60-1A5C-D732-709E6EEA2337}"/>
+              </a:ext>
+            </a:extLst>
+          </p:cNvPr>
+          <p:cNvSpPr txBox="1"/>
+          <p:nvPr/>
+        </p:nvSpPr>
+        <p:spPr>
+          <a:xfrm>
+            <a:off x="2299246" y="685800"/>
+            <a:ext cx="1329210" cy="1446550"/>
+          </a:xfrm>
+          <a:prstGeom prst="rect">
+            <a:avLst/>
+          </a:prstGeom>
+          <a:noFill/>
+        </p:spPr>
+        <p:txBody>
+          <a:bodyPr wrap="none" rtlCol="0" anchor="ctr">
+            <a:spAutoFit/>
+          </a:bodyPr>
+          <a:lstStyle/>
+          <a:p>
+            <a:pPr algn="ctr"/>
+            <a:r>
+              <a:rPr lang="en-US" sz="8800" b="1" dirty="0"/>
+              <a:t>06</a:t>
+            </a:r>
+          </a:p>
+        </p:txBody>
+      </p:sp>
+      <p:pic>
+        <p:nvPicPr>
+          <p:cNvPr id="6" name="Picture 5">
+            <a:extLst>
+              <a:ext uri="{FF2B5EF4-FFF2-40B4-BE49-F238E27FC236}">
+                <a16:creationId xmlns:a16="http://schemas.microsoft.com/office/drawing/2014/main" id="{CC757428-2DD9-C01B-4065-44A661C6D798}"/>
+              </a:ext>
+            </a:extLst>
+          </p:cNvPr>
+          <p:cNvPicPr>
+            <a:picLocks noChangeAspect="1"/>
+          </p:cNvPicPr>
+          <p:nvPr/>
+        </p:nvPicPr>
+        <p:blipFill>
+          <a:blip r:embed="rId2"/>
+          <a:stretch>
+            <a:fillRect/>
+          </a:stretch>
+        </p:blipFill>
+        <p:spPr>
+          <a:xfrm>
+            <a:off x="0" y="789138"/>
+            <a:ext cx="2385815" cy="1239873"/>
+          </a:xfrm>
+          <a:prstGeom prst="rect">
+            <a:avLst/>
+          </a:prstGeom>
+          <a:ln>
+            <a:noFill/>
+          </a:ln>
+          <a:effectLst>
+            <a:softEdge rad="112500"/>
+          </a:effectLst>
+        </p:spPr>
+      </p:pic>
+      <p:pic>
+        <p:nvPicPr>
+          <p:cNvPr id="7" name="Picture 6">
+            <a:extLst>
+              <a:ext uri="{FF2B5EF4-FFF2-40B4-BE49-F238E27FC236}">
+                <a16:creationId xmlns:a16="http://schemas.microsoft.com/office/drawing/2014/main" id="{239E58E0-59B7-B912-6839-B3DA798A413C}"/>
+              </a:ext>
+            </a:extLst>
+          </p:cNvPr>
+          <p:cNvPicPr>
+            <a:picLocks noChangeAspect="1"/>
+          </p:cNvPicPr>
+          <p:nvPr/>
+        </p:nvPicPr>
+        <p:blipFill>
+          <a:blip r:embed="rId3"/>
+          <a:stretch>
+            <a:fillRect/>
+          </a:stretch>
+        </p:blipFill>
+        <p:spPr>
+          <a:xfrm>
+            <a:off x="303212" y="2029813"/>
+            <a:ext cx="8153400" cy="4268740"/>
+          </a:xfrm>
+          <a:prstGeom prst="rect">
+            <a:avLst/>
+          </a:prstGeom>
+          <a:ln>
+            <a:noFill/>
+          </a:ln>
+          <a:effectLst>
+            <a:outerShdw blurRad="292100" dist="139700" dir="2700000" algn="tl" rotWithShape="0">
+              <a:srgbClr val="333333">
+                <a:alpha val="65000"/>
+              </a:srgbClr>
+            </a:outerShdw>
+          </a:effectLst>
+        </p:spPr>
+      </p:pic>
+      <p:pic>
+        <p:nvPicPr>
+          <p:cNvPr id="9" name="Picture 8">
+            <a:extLst>
+              <a:ext uri="{FF2B5EF4-FFF2-40B4-BE49-F238E27FC236}">
+                <a16:creationId xmlns:a16="http://schemas.microsoft.com/office/drawing/2014/main" id="{437F14EF-12D0-5455-D544-4CD6ACE64F1A}"/>
+              </a:ext>
+            </a:extLst>
+          </p:cNvPr>
+          <p:cNvPicPr>
+            <a:picLocks noChangeAspect="1"/>
+          </p:cNvPicPr>
+          <p:nvPr/>
+        </p:nvPicPr>
+        <p:blipFill>
+          <a:blip r:embed="rId4"/>
+          <a:stretch>
+            <a:fillRect/>
+          </a:stretch>
+        </p:blipFill>
+        <p:spPr>
+          <a:xfrm>
+            <a:off x="7542212" y="3571448"/>
+            <a:ext cx="4484454" cy="3286552"/>
+          </a:xfrm>
+          <a:prstGeom prst="rect">
+            <a:avLst/>
+          </a:prstGeom>
+          <a:ln>
+            <a:noFill/>
+          </a:ln>
+          <a:effectLst>
+            <a:softEdge rad="112500"/>
+          </a:effectLst>
+        </p:spPr>
+      </p:pic>
+    </p:spTree>
+    <p:extLst>
+      <p:ext uri="{BB962C8B-B14F-4D97-AF65-F5344CB8AC3E}">
+        <p14:creationId xmlns:p14="http://schemas.microsoft.com/office/powerpoint/2010/main" val="1074733758"/>
       </p:ext>
     </p:extLst>
   </p:cSld>
@@ -7715,12 +8008,1043 @@
 </file>
 
 <file path=customXml/item1.xml><?xml version="1.0" encoding="utf-8"?>
-<?mso-contentType ?>
-<FormTemplates xmlns="http://schemas.microsoft.com/sharepoint/v3/contenttype/forms">
-  <Display>DocumentLibraryForm</Display>
-  <Edit>AssetEditForm</Edit>
-  <New>DocumentLibraryForm</New>
-</FormTemplates>
+<ct:contentTypeSchema xmlns:ct="http://schemas.microsoft.com/office/2006/metadata/contentType" xmlns:ma="http://schemas.microsoft.com/office/2006/metadata/properties/metaAttributes" ct:_="" ma:_="" ma:contentTypeName="TemplateFile" ma:contentTypeID="0x0101006EDDDB5EE6D98C44930B742096920B300400F5B6D36B3EF94B4E9A635CDF2A18F5B8" ma:contentTypeVersion="72" ma:contentTypeDescription="Create a new document." ma:contentTypeScope="" ma:versionID="a23e56308344d904b51738559c3d67c9">
+  <xsd:schema xmlns:xsd="http://www.w3.org/2001/XMLSchema" xmlns:xs="http://www.w3.org/2001/XMLSchema" xmlns:p="http://schemas.microsoft.com/office/2006/metadata/properties" xmlns:ns2="4873beb7-5857-4685-be1f-d57550cc96cc" targetNamespace="http://schemas.microsoft.com/office/2006/metadata/properties" ma:root="true" ma:fieldsID="cd0908cc4600e77bf5da051303e00c8d" ns2:_="">
+    <xsd:import namespace="4873beb7-5857-4685-be1f-d57550cc96cc"/>
+    <xsd:element name="properties">
+      <xsd:complexType>
+        <xsd:sequence>
+          <xsd:element name="documentManagement">
+            <xsd:complexType>
+              <xsd:all>
+                <xsd:element ref="ns2:AcquiredFrom" minOccurs="0"/>
+                <xsd:element ref="ns2:UACurrentWords" minOccurs="0"/>
+                <xsd:element ref="ns2:TPApplication" minOccurs="0"/>
+                <xsd:element ref="ns2:ApprovalLog" minOccurs="0"/>
+                <xsd:element ref="ns2:ApprovalStatus" minOccurs="0"/>
+                <xsd:element ref="ns2:AssetStart" minOccurs="0"/>
+                <xsd:element ref="ns2:AssetExpire" minOccurs="0"/>
+                <xsd:element ref="ns2:AssetId" minOccurs="0"/>
+                <xsd:element ref="ns2:IsSearchable" minOccurs="0"/>
+                <xsd:element ref="ns2:AssetType" minOccurs="0"/>
+                <xsd:element ref="ns2:APAuthor" minOccurs="0"/>
+                <xsd:element ref="ns2:AverageRating" minOccurs="0"/>
+                <xsd:element ref="ns2:BlockPublish" minOccurs="0"/>
+                <xsd:element ref="ns2:BugNumber" minOccurs="0"/>
+                <xsd:element ref="ns2:CampaignTagsTaxHTField0" minOccurs="0"/>
+                <xsd:element ref="ns2:TPClientViewer" minOccurs="0"/>
+                <xsd:element ref="ns2:ClipArtFilename" minOccurs="0"/>
+                <xsd:element ref="ns2:TPCommandLine" minOccurs="0"/>
+                <xsd:element ref="ns2:TPComponent" minOccurs="0"/>
+                <xsd:element ref="ns2:ContentItem" minOccurs="0"/>
+                <xsd:element ref="ns2:CrawlForDependencies" minOccurs="0"/>
+                <xsd:element ref="ns2:CSXHash" minOccurs="0"/>
+                <xsd:element ref="ns2:CSXSubmissionMarket" minOccurs="0"/>
+                <xsd:element ref="ns2:CSXUpdate" minOccurs="0"/>
+                <xsd:element ref="ns2:IntlLangReviewDate" minOccurs="0"/>
+                <xsd:element ref="ns2:IsDeleted" minOccurs="0"/>
+                <xsd:element ref="ns2:APDescription" minOccurs="0"/>
+                <xsd:element ref="ns2:DirectSourceMarket" minOccurs="0"/>
+                <xsd:element ref="ns2:Downloads" minOccurs="0"/>
+                <xsd:element ref="ns2:DSATActionTaken" minOccurs="0"/>
+                <xsd:element ref="ns2:APEditor" minOccurs="0"/>
+                <xsd:element ref="ns2:EditorialStatus" minOccurs="0"/>
+                <xsd:element ref="ns2:EditorialTags" minOccurs="0"/>
+                <xsd:element ref="ns2:TPExecutable" minOccurs="0"/>
+                <xsd:element ref="ns2:FeatureTagsTaxHTField0" minOccurs="0"/>
+                <xsd:element ref="ns2:TPFriendlyName" minOccurs="0"/>
+                <xsd:element ref="ns2:FriendlyTitle" minOccurs="0"/>
+                <xsd:element ref="ns2:PrimaryImageGen" minOccurs="0"/>
+                <xsd:element ref="ns2:HandoffToMSDN" minOccurs="0"/>
+                <xsd:element ref="ns2:InProjectListLookup" minOccurs="0"/>
+                <xsd:element ref="ns2:TPInstallLocation" minOccurs="0"/>
+                <xsd:element ref="ns2:InternalTagsTaxHTField0" minOccurs="0"/>
+                <xsd:element ref="ns2:IntlLangReview" minOccurs="0"/>
+                <xsd:element ref="ns2:IntlLangReviewer" minOccurs="0"/>
+                <xsd:element ref="ns2:MarketSpecific" minOccurs="0"/>
+                <xsd:element ref="ns2:LastCompleteVersionLookup" minOccurs="0"/>
+                <xsd:element ref="ns2:LastHandOff" minOccurs="0"/>
+                <xsd:element ref="ns2:LastModifiedDateTime" minOccurs="0"/>
+                <xsd:element ref="ns2:LastPreviewErrorLookup" minOccurs="0"/>
+                <xsd:element ref="ns2:LastPreviewResultLookup" minOccurs="0"/>
+                <xsd:element ref="ns2:LastPreviewAttemptDateLookup" minOccurs="0"/>
+                <xsd:element ref="ns2:LastPreviewedByLookup" minOccurs="0"/>
+                <xsd:element ref="ns2:LastPreviewTimeLookup" minOccurs="0"/>
+                <xsd:element ref="ns2:LastPreviewVersionLookup" minOccurs="0"/>
+                <xsd:element ref="ns2:LastPublishErrorLookup" minOccurs="0"/>
+                <xsd:element ref="ns2:LastPublishResultLookup" minOccurs="0"/>
+                <xsd:element ref="ns2:LastPublishAttemptDateLookup" minOccurs="0"/>
+                <xsd:element ref="ns2:LastPublishedByLookup" minOccurs="0"/>
+                <xsd:element ref="ns2:LastPublishTimeLookup" minOccurs="0"/>
+                <xsd:element ref="ns2:LastPublishVersionLookup" minOccurs="0"/>
+                <xsd:element ref="ns2:TPLaunchHelpLinkType" minOccurs="0"/>
+                <xsd:element ref="ns2:LegacyData" minOccurs="0"/>
+                <xsd:element ref="ns2:TPLaunchHelpLink" minOccurs="0"/>
+                <xsd:element ref="ns2:LocComments" minOccurs="0"/>
+                <xsd:element ref="ns2:LocLastLocAttemptVersionLookup" minOccurs="0"/>
+                <xsd:element ref="ns2:LocLastLocAttemptVersionTypeLookup" minOccurs="0"/>
+                <xsd:element ref="ns2:LocManualTestRequired" minOccurs="0"/>
+                <xsd:element ref="ns2:LocMarketGroupTiers2" minOccurs="0"/>
+                <xsd:element ref="ns2:LocNewPublishedVersionLookup" minOccurs="0"/>
+                <xsd:element ref="ns2:LocOverallHandbackStatusLookup" minOccurs="0"/>
+                <xsd:element ref="ns2:LocOverallLocStatusLookup" minOccurs="0"/>
+                <xsd:element ref="ns2:LocOverallPreviewStatusLookup" minOccurs="0"/>
+                <xsd:element ref="ns2:LocOverallPublishStatusLookup" minOccurs="0"/>
+                <xsd:element ref="ns2:IntlLocPriority" minOccurs="0"/>
+                <xsd:element ref="ns2:LocProcessedForHandoffsLookup" minOccurs="0"/>
+                <xsd:element ref="ns2:LocProcessedForMarketsLookup" minOccurs="0"/>
+                <xsd:element ref="ns2:LocPublishedDependentAssetsLookup" minOccurs="0"/>
+                <xsd:element ref="ns2:LocPublishedLinkedAssetsLookup" minOccurs="0"/>
+                <xsd:element ref="ns2:LocRecommendedHandoff" minOccurs="0"/>
+                <xsd:element ref="ns2:LocalizationTagsTaxHTField0" minOccurs="0"/>
+                <xsd:element ref="ns2:MachineTranslated" minOccurs="0"/>
+                <xsd:element ref="ns2:Manager" minOccurs="0"/>
+                <xsd:element ref="ns2:Markets" minOccurs="0"/>
+                <xsd:element ref="ns2:Milestone" minOccurs="0"/>
+                <xsd:element ref="ns2:TPNamespace" minOccurs="0"/>
+                <xsd:element ref="ns2:NumericId" minOccurs="0"/>
+                <xsd:element ref="ns2:NumOfRatingsLookup" minOccurs="0"/>
+                <xsd:element ref="ns2:OOCacheId" minOccurs="0"/>
+                <xsd:element ref="ns2:OpenTemplate" minOccurs="0"/>
+                <xsd:element ref="ns2:OriginAsset" minOccurs="0"/>
+                <xsd:element ref="ns2:OriginalRelease" minOccurs="0"/>
+                <xsd:element ref="ns2:OriginalSourceMarket" minOccurs="0"/>
+                <xsd:element ref="ns2:OutputCachingOn" minOccurs="0"/>
+                <xsd:element ref="ns2:ParentAssetId" minOccurs="0"/>
+                <xsd:element ref="ns2:PlannedPubDate" minOccurs="0"/>
+                <xsd:element ref="ns2:PolicheckWords" minOccurs="0"/>
+                <xsd:element ref="ns2:BusinessGroup" minOccurs="0"/>
+                <xsd:element ref="ns2:UAProjectedTotalWords" minOccurs="0"/>
+                <xsd:element ref="ns2:Provider" minOccurs="0"/>
+                <xsd:element ref="ns2:Providers" minOccurs="0"/>
+                <xsd:element ref="ns2:PublishStatusLookup" minOccurs="0"/>
+                <xsd:element ref="ns2:PublishTargets" minOccurs="0"/>
+                <xsd:element ref="ns2:RecommendationsModifier" minOccurs="0"/>
+                <xsd:element ref="ns2:ArtSampleDocs" minOccurs="0"/>
+                <xsd:element ref="ns2:ScenarioTagsTaxHTField0" minOccurs="0"/>
+                <xsd:element ref="ns2:ShowIn" minOccurs="0"/>
+                <xsd:element ref="ns2:SourceTitle" minOccurs="0"/>
+                <xsd:element ref="ns2:CSXSubmissionDate" minOccurs="0"/>
+                <xsd:element ref="ns2:SubmitterId" minOccurs="0"/>
+                <xsd:element ref="ns2:TaxCatchAll" minOccurs="0"/>
+                <xsd:element ref="ns2:TaxCatchAllLabel" minOccurs="0"/>
+                <xsd:element ref="ns2:TemplateStatus" minOccurs="0"/>
+                <xsd:element ref="ns2:TemplateTemplateType" minOccurs="0"/>
+                <xsd:element ref="ns2:ThumbnailAssetId" minOccurs="0"/>
+                <xsd:element ref="ns2:TimesCloned" minOccurs="0"/>
+                <xsd:element ref="ns2:TrustLevel" minOccurs="0"/>
+                <xsd:element ref="ns2:UALocComments" minOccurs="0"/>
+                <xsd:element ref="ns2:UALocRecommendation" minOccurs="0"/>
+                <xsd:element ref="ns2:UANotes" minOccurs="0"/>
+                <xsd:element ref="ns2:TPAppVersion" minOccurs="0"/>
+                <xsd:element ref="ns2:VoteCount" minOccurs="0"/>
+              </xsd:all>
+            </xsd:complexType>
+          </xsd:element>
+        </xsd:sequence>
+      </xsd:complexType>
+    </xsd:element>
+  </xsd:schema>
+  <xsd:schema xmlns:xsd="http://www.w3.org/2001/XMLSchema" xmlns:xs="http://www.w3.org/2001/XMLSchema" xmlns:dms="http://schemas.microsoft.com/office/2006/documentManagement/types" xmlns:pc="http://schemas.microsoft.com/office/infopath/2007/PartnerControls" targetNamespace="4873beb7-5857-4685-be1f-d57550cc96cc" elementFormDefault="qualified">
+    <xsd:import namespace="http://schemas.microsoft.com/office/2006/documentManagement/types"/>
+    <xsd:import namespace="http://schemas.microsoft.com/office/infopath/2007/PartnerControls"/>
+    <xsd:element name="AcquiredFrom" ma:index="1" nillable="true" ma:displayName="Acquired From" ma:default="Internal MS" ma:internalName="AcquiredFrom" ma:readOnly="false">
+      <xsd:simpleType>
+        <xsd:restriction base="dms:Choice">
+          <xsd:enumeration value="Internal MS"/>
+          <xsd:enumeration value="Community"/>
+          <xsd:enumeration value="MVP"/>
+          <xsd:enumeration value="Publisher"/>
+          <xsd:enumeration value="Partner"/>
+          <xsd:enumeration value="None"/>
+        </xsd:restriction>
+      </xsd:simpleType>
+    </xsd:element>
+    <xsd:element name="UACurrentWords" ma:index="2" nillable="true" ma:displayName="Actual Word Count" ma:default="" ma:internalName="UACurrentWords" ma:readOnly="false">
+      <xsd:simpleType>
+        <xsd:restriction base="dms:Unknown"/>
+      </xsd:simpleType>
+    </xsd:element>
+    <xsd:element name="TPApplication" ma:index="3" nillable="true" ma:displayName="Application to Open Template With" ma:default="" ma:internalName="TPApplication">
+      <xsd:simpleType>
+        <xsd:restriction base="dms:Text"/>
+      </xsd:simpleType>
+    </xsd:element>
+    <xsd:element name="ApprovalLog" ma:index="4" nillable="true" ma:displayName="Approval Log" ma:default="" ma:hidden="true" ma:internalName="ApprovalLog" ma:readOnly="false">
+      <xsd:simpleType>
+        <xsd:restriction base="dms:Note"/>
+      </xsd:simpleType>
+    </xsd:element>
+    <xsd:element name="ApprovalStatus" ma:index="5" nillable="true" ma:displayName="Approval Status" ma:default="InProgress" ma:internalName="ApprovalStatus" ma:readOnly="false">
+      <xsd:simpleType>
+        <xsd:restriction base="dms:Choice">
+          <xsd:enumeration value="InProgress"/>
+          <xsd:enumeration value="Rejected"/>
+          <xsd:enumeration value="Questionable"/>
+          <xsd:enumeration value="ApprovedAutomatic"/>
+          <xsd:enumeration value="ApprovedManual"/>
+          <xsd:enumeration value="On Hold"/>
+          <xsd:enumeration value="Needs Review"/>
+          <xsd:enumeration value="A Violation"/>
+          <xsd:enumeration value="Unpublished Violation"/>
+        </xsd:restriction>
+      </xsd:simpleType>
+    </xsd:element>
+    <xsd:element name="AssetStart" ma:index="6" nillable="true" ma:displayName="Asset Begin Date" ma:default="[Today]" ma:internalName="AssetStart" ma:readOnly="false">
+      <xsd:simpleType>
+        <xsd:restriction base="dms:DateTime"/>
+      </xsd:simpleType>
+    </xsd:element>
+    <xsd:element name="AssetExpire" ma:index="7" nillable="true" ma:displayName="Asset End Date" ma:default="2029-01-01T08:00:00Z" ma:format="DateTime" ma:internalName="AssetExpire" ma:readOnly="false">
+      <xsd:simpleType>
+        <xsd:restriction base="dms:DateTime"/>
+      </xsd:simpleType>
+    </xsd:element>
+    <xsd:element name="AssetId" ma:index="8" nillable="true" ma:displayName="Asset ID" ma:default="" ma:indexed="true" ma:internalName="AssetId" ma:readOnly="false">
+      <xsd:simpleType>
+        <xsd:restriction base="dms:Text">
+          <xsd:maxLength value="255"/>
+        </xsd:restriction>
+      </xsd:simpleType>
+    </xsd:element>
+    <xsd:element name="IsSearchable" ma:index="9" nillable="true" ma:displayName="Asset Searchable?" ma:default="true" ma:internalName="IsSearchable" ma:readOnly="false">
+      <xsd:simpleType>
+        <xsd:restriction base="dms:Boolean"/>
+      </xsd:simpleType>
+    </xsd:element>
+    <xsd:element name="AssetType" ma:index="10" nillable="true" ma:displayName="Asset Type" ma:default="" ma:internalName="AssetType" ma:readOnly="false">
+      <xsd:simpleType>
+        <xsd:restriction base="dms:Unknown"/>
+      </xsd:simpleType>
+    </xsd:element>
+    <xsd:element name="APAuthor" ma:index="11" nillable="true" ma:displayName="Author" ma:default="" ma:list="UserInfo" ma:internalName="APAuthor" ma:readOnly="false">
+      <xsd:complexType>
+        <xsd:complexContent>
+          <xsd:extension base="dms:User">
+            <xsd:sequence>
+              <xsd:element name="UserInfo" minOccurs="0" maxOccurs="unbounded">
+                <xsd:complexType>
+                  <xsd:sequence>
+                    <xsd:element name="DisplayName" type="xsd:string" minOccurs="0"/>
+                    <xsd:element name="AccountId" type="dms:UserId" minOccurs="0" nillable="true"/>
+                    <xsd:element name="AccountType" type="xsd:string" minOccurs="0"/>
+                  </xsd:sequence>
+                </xsd:complexType>
+              </xsd:element>
+            </xsd:sequence>
+          </xsd:extension>
+        </xsd:complexContent>
+      </xsd:complexType>
+    </xsd:element>
+    <xsd:element name="AverageRating" ma:index="12" nillable="true" ma:displayName="Average Rating" ma:internalName="AverageRating" ma:readOnly="false">
+      <xsd:simpleType>
+        <xsd:restriction base="dms:Text"/>
+      </xsd:simpleType>
+    </xsd:element>
+    <xsd:element name="BlockPublish" ma:index="13" nillable="true" ma:displayName="Block from Publishing?" ma:default="" ma:internalName="BlockPublish" ma:readOnly="false">
+      <xsd:simpleType>
+        <xsd:restriction base="dms:Boolean"/>
+      </xsd:simpleType>
+    </xsd:element>
+    <xsd:element name="BugNumber" ma:index="14" nillable="true" ma:displayName="Bug Number" ma:default="" ma:internalName="BugNumber" ma:readOnly="false">
+      <xsd:simpleType>
+        <xsd:restriction base="dms:Text"/>
+      </xsd:simpleType>
+    </xsd:element>
+    <xsd:element name="CampaignTagsTaxHTField0" ma:index="16" nillable="true" ma:taxonomy="true" ma:internalName="CampaignTagsTaxHTField0" ma:taxonomyFieldName="CampaignTags" ma:displayName="Campaigns" ma:readOnly="false" ma:default="" ma:fieldId="{1df42cc3-2301-4f11-a52a-6ead923c29ed}" ma:taxonomyMulti="true" ma:sspId="8f79753a-75d3-41f5-8ca3-40b843941b4f" ma:termSetId="ca0e50d4-faa1-44ce-961e-bb1441c60e66" ma:anchorId="00000000-0000-0000-0000-000000000000" ma:open="false" ma:isKeyword="false">
+      <xsd:complexType>
+        <xsd:sequence>
+          <xsd:element ref="pc:Terms" minOccurs="0" maxOccurs="1"/>
+        </xsd:sequence>
+      </xsd:complexType>
+    </xsd:element>
+    <xsd:element name="TPClientViewer" ma:index="17" nillable="true" ma:displayName="Client Viewer" ma:default="" ma:internalName="TPClientViewer">
+      <xsd:simpleType>
+        <xsd:restriction base="dms:Text"/>
+      </xsd:simpleType>
+    </xsd:element>
+    <xsd:element name="ClipArtFilename" ma:index="18" nillable="true" ma:displayName="Clip Art Name" ma:default="" ma:internalName="ClipArtFilename" ma:readOnly="false">
+      <xsd:simpleType>
+        <xsd:restriction base="dms:Text"/>
+      </xsd:simpleType>
+    </xsd:element>
+    <xsd:element name="TPCommandLine" ma:index="19" nillable="true" ma:displayName="Command Line" ma:default="" ma:internalName="TPCommandLine">
+      <xsd:simpleType>
+        <xsd:restriction base="dms:Text"/>
+      </xsd:simpleType>
+    </xsd:element>
+    <xsd:element name="TPComponent" ma:index="20" nillable="true" ma:displayName="Component" ma:default="" ma:internalName="TPComponent">
+      <xsd:simpleType>
+        <xsd:restriction base="dms:Text"/>
+      </xsd:simpleType>
+    </xsd:element>
+    <xsd:element name="ContentItem" ma:index="21" nillable="true" ma:displayName="Content Item" ma:default="" ma:hidden="true" ma:internalName="ContentItem" ma:readOnly="false">
+      <xsd:simpleType>
+        <xsd:restriction base="dms:Unknown"/>
+      </xsd:simpleType>
+    </xsd:element>
+    <xsd:element name="CrawlForDependencies" ma:index="23" nillable="true" ma:displayName="Crawl for Dependencies?" ma:default="true" ma:internalName="CrawlForDependencies" ma:readOnly="false">
+      <xsd:simpleType>
+        <xsd:restriction base="dms:Boolean"/>
+      </xsd:simpleType>
+    </xsd:element>
+    <xsd:element name="CSXHash" ma:index="26" nillable="true" ma:displayName="CSX Hash" ma:default="" ma:indexed="true" ma:internalName="CSXHash" ma:readOnly="false">
+      <xsd:simpleType>
+        <xsd:restriction base="dms:Text"/>
+      </xsd:simpleType>
+    </xsd:element>
+    <xsd:element name="CSXSubmissionMarket" ma:index="27" nillable="true" ma:displayName="CSX Submission Market" ma:default="" ma:list="{2FBD1B11-2ACE-4FDC-B5A3-635D4ADF6F1B}" ma:internalName="CSXSubmissionMarket" ma:readOnly="false" ma:showField="MarketName" ma:web="4873beb7-5857-4685-be1f-d57550cc96cc">
+      <xsd:simpleType>
+        <xsd:restriction base="dms:Lookup"/>
+      </xsd:simpleType>
+    </xsd:element>
+    <xsd:element name="CSXUpdate" ma:index="28" nillable="true" ma:displayName="CSX Updated?" ma:default="false" ma:internalName="CSXUpdate" ma:readOnly="false">
+      <xsd:simpleType>
+        <xsd:restriction base="dms:Boolean"/>
+      </xsd:simpleType>
+    </xsd:element>
+    <xsd:element name="IntlLangReviewDate" ma:index="29" nillable="true" ma:displayName="Date to Complete Intl QA" ma:default="" ma:internalName="IntlLangReviewDate" ma:readOnly="false">
+      <xsd:simpleType>
+        <xsd:restriction base="dms:DateTime"/>
+      </xsd:simpleType>
+    </xsd:element>
+    <xsd:element name="IsDeleted" ma:index="30" nillable="true" ma:displayName="Deleted?" ma:default="" ma:internalName="IsDeleted" ma:readOnly="false">
+      <xsd:simpleType>
+        <xsd:restriction base="dms:Boolean"/>
+      </xsd:simpleType>
+    </xsd:element>
+    <xsd:element name="APDescription" ma:index="31" nillable="true" ma:displayName="Description" ma:default="" ma:internalName="APDescription" ma:readOnly="false">
+      <xsd:simpleType>
+        <xsd:restriction base="dms:Note"/>
+      </xsd:simpleType>
+    </xsd:element>
+    <xsd:element name="DirectSourceMarket" ma:index="32" nillable="true" ma:displayName="Direct Source Market Group" ma:default="" ma:internalName="DirectSourceMarket" ma:readOnly="false">
+      <xsd:simpleType>
+        <xsd:restriction base="dms:Text"/>
+      </xsd:simpleType>
+    </xsd:element>
+    <xsd:element name="Downloads" ma:index="33" nillable="true" ma:displayName="Downloads" ma:default="0" ma:hidden="true" ma:internalName="Downloads" ma:readOnly="false">
+      <xsd:simpleType>
+        <xsd:restriction base="dms:Unknown"/>
+      </xsd:simpleType>
+    </xsd:element>
+    <xsd:element name="DSATActionTaken" ma:index="34" nillable="true" ma:displayName="DSAT Action Taken" ma:default="" ma:internalName="DSATActionTaken" ma:readOnly="false">
+      <xsd:simpleType>
+        <xsd:restriction base="dms:Choice">
+          <xsd:enumeration value="Best Bets"/>
+          <xsd:enumeration value="Expire"/>
+          <xsd:enumeration value="Hide"/>
+          <xsd:enumeration value="None"/>
+        </xsd:restriction>
+      </xsd:simpleType>
+    </xsd:element>
+    <xsd:element name="APEditor" ma:index="35" nillable="true" ma:displayName="Editor" ma:default="" ma:list="UserInfo" ma:internalName="APEditor" ma:readOnly="false">
+      <xsd:complexType>
+        <xsd:complexContent>
+          <xsd:extension base="dms:User">
+            <xsd:sequence>
+              <xsd:element name="UserInfo" minOccurs="0" maxOccurs="unbounded">
+                <xsd:complexType>
+                  <xsd:sequence>
+                    <xsd:element name="DisplayName" type="xsd:string" minOccurs="0"/>
+                    <xsd:element name="AccountId" type="dms:UserId" minOccurs="0" nillable="true"/>
+                    <xsd:element name="AccountType" type="xsd:string" minOccurs="0"/>
+                  </xsd:sequence>
+                </xsd:complexType>
+              </xsd:element>
+            </xsd:sequence>
+          </xsd:extension>
+        </xsd:complexContent>
+      </xsd:complexType>
+    </xsd:element>
+    <xsd:element name="EditorialStatus" ma:index="36" nillable="true" ma:displayName="Editorial Status" ma:default="" ma:internalName="EditorialStatus" ma:readOnly="false">
+      <xsd:simpleType>
+        <xsd:restriction base="dms:Unknown"/>
+      </xsd:simpleType>
+    </xsd:element>
+    <xsd:element name="EditorialTags" ma:index="37" nillable="true" ma:displayName="Editorial Tags" ma:default="" ma:internalName="EditorialTags">
+      <xsd:simpleType>
+        <xsd:restriction base="dms:Unknown"/>
+      </xsd:simpleType>
+    </xsd:element>
+    <xsd:element name="TPExecutable" ma:index="38" nillable="true" ma:displayName="Executable" ma:default="" ma:internalName="TPExecutable">
+      <xsd:simpleType>
+        <xsd:restriction base="dms:Text"/>
+      </xsd:simpleType>
+    </xsd:element>
+    <xsd:element name="FeatureTagsTaxHTField0" ma:index="40" nillable="true" ma:taxonomy="true" ma:internalName="FeatureTagsTaxHTField0" ma:taxonomyFieldName="FeatureTags" ma:displayName="Features" ma:readOnly="false" ma:default="" ma:fieldId="{7fc0d542-15c6-4882-a8e3-13bca44403fb}" ma:taxonomyMulti="true" ma:sspId="8f79753a-75d3-41f5-8ca3-40b843941b4f" ma:termSetId="f1ab6845-967d-4854-a0ba-4ec07f0f8113" ma:anchorId="00000000-0000-0000-0000-000000000000" ma:open="false" ma:isKeyword="false">
+      <xsd:complexType>
+        <xsd:sequence>
+          <xsd:element ref="pc:Terms" minOccurs="0" maxOccurs="1"/>
+        </xsd:sequence>
+      </xsd:complexType>
+    </xsd:element>
+    <xsd:element name="TPFriendlyName" ma:index="41" nillable="true" ma:displayName="Friendly Name" ma:default="" ma:internalName="TPFriendlyName">
+      <xsd:simpleType>
+        <xsd:restriction base="dms:Text"/>
+      </xsd:simpleType>
+    </xsd:element>
+    <xsd:element name="FriendlyTitle" ma:index="42" nillable="true" ma:displayName="Friendly Title" ma:default="" ma:description="Shorter title to be used when displaying search results" ma:internalName="FriendlyTitle" ma:readOnly="false">
+      <xsd:simpleType>
+        <xsd:restriction base="dms:Text"/>
+      </xsd:simpleType>
+    </xsd:element>
+    <xsd:element name="PrimaryImageGen" ma:index="43" nillable="true" ma:displayName="Generate Images?" ma:default="true" ma:internalName="PrimaryImageGen">
+      <xsd:simpleType>
+        <xsd:restriction base="dms:Boolean"/>
+      </xsd:simpleType>
+    </xsd:element>
+    <xsd:element name="HandoffToMSDN" ma:index="44" nillable="true" ma:displayName="Handoff To MSDN Date" ma:default="" ma:internalName="HandoffToMSDN" ma:readOnly="false">
+      <xsd:simpleType>
+        <xsd:restriction base="dms:DateTime"/>
+      </xsd:simpleType>
+    </xsd:element>
+    <xsd:element name="InProjectListLookup" ma:index="45" nillable="true" ma:displayName="InProjectListLookup" ma:list="{9E343742-310B-4684-A24C-1D137CB4B230}" ma:internalName="InProjectListLookup" ma:readOnly="true" ma:showField="InProjectList" ma:web="4873beb7-5857-4685-be1f-d57550cc96cc">
+      <xsd:complexType>
+        <xsd:complexContent>
+          <xsd:extension base="dms:MultiChoiceLookup">
+            <xsd:sequence>
+              <xsd:element name="Value" type="dms:Lookup" maxOccurs="unbounded" minOccurs="0" nillable="true"/>
+            </xsd:sequence>
+          </xsd:extension>
+        </xsd:complexContent>
+      </xsd:complexType>
+    </xsd:element>
+    <xsd:element name="TPInstallLocation" ma:index="46" nillable="true" ma:displayName="Install Location" ma:default="" ma:internalName="TPInstallLocation">
+      <xsd:simpleType>
+        <xsd:restriction base="dms:Text"/>
+      </xsd:simpleType>
+    </xsd:element>
+    <xsd:element name="InternalTagsTaxHTField0" ma:index="48" nillable="true" ma:taxonomy="true" ma:internalName="InternalTagsTaxHTField0" ma:taxonomyFieldName="InternalTags" ma:displayName="Internal Tags" ma:readOnly="false" ma:default="" ma:fieldId="{1490b8a4-2706-41ec-b5e3-73176dccf34e}" ma:taxonomyMulti="true" ma:sspId="8f79753a-75d3-41f5-8ca3-40b843941b4f" ma:termSetId="82b6639e-f7fc-4c18-ad2d-003a6e707765" ma:anchorId="00000000-0000-0000-0000-000000000000" ma:open="false" ma:isKeyword="false">
+      <xsd:complexType>
+        <xsd:sequence>
+          <xsd:element ref="pc:Terms" minOccurs="0" maxOccurs="1"/>
+        </xsd:sequence>
+      </xsd:complexType>
+    </xsd:element>
+    <xsd:element name="IntlLangReview" ma:index="49" nillable="true" ma:displayName="Intl Lang QA Review Required?" ma:default="" ma:internalName="IntlLangReview" ma:readOnly="false">
+      <xsd:simpleType>
+        <xsd:restriction base="dms:Boolean"/>
+      </xsd:simpleType>
+    </xsd:element>
+    <xsd:element name="IntlLangReviewer" ma:index="50" nillable="true" ma:displayName="Intl Lang QA Reviewer" ma:default="" ma:internalName="IntlLangReviewer" ma:readOnly="false">
+      <xsd:simpleType>
+        <xsd:restriction base="dms:Text"/>
+      </xsd:simpleType>
+    </xsd:element>
+    <xsd:element name="MarketSpecific" ma:index="51" nillable="true" ma:displayName="Is Market Specific?" ma:default="" ma:internalName="MarketSpecific" ma:readOnly="false">
+      <xsd:simpleType>
+        <xsd:restriction base="dms:Boolean"/>
+      </xsd:simpleType>
+    </xsd:element>
+    <xsd:element name="LastCompleteVersionLookup" ma:index="52" nillable="true" ma:displayName="Last Complete Version Lookup" ma:default="" ma:list="{9E343742-310B-4684-A24C-1D137CB4B230}" ma:internalName="LastCompleteVersionLookup" ma:readOnly="true" ma:showField="LastCompleteVersion" ma:web="4873beb7-5857-4685-be1f-d57550cc96cc">
+      <xsd:complexType>
+        <xsd:complexContent>
+          <xsd:extension base="dms:MultiChoiceLookup">
+            <xsd:sequence>
+              <xsd:element name="Value" type="dms:Lookup" maxOccurs="unbounded" minOccurs="0" nillable="true"/>
+            </xsd:sequence>
+          </xsd:extension>
+        </xsd:complexContent>
+      </xsd:complexType>
+    </xsd:element>
+    <xsd:element name="LastHandOff" ma:index="53" nillable="true" ma:displayName="Last Hand-off" ma:default="" ma:internalName="LastHandOff" ma:readOnly="false">
+      <xsd:simpleType>
+        <xsd:restriction base="dms:DateTime"/>
+      </xsd:simpleType>
+    </xsd:element>
+    <xsd:element name="LastModifiedDateTime" ma:index="54" nillable="true" ma:displayName="Last Modified Date" ma:default="" ma:internalName="LastModifiedDateTime" ma:readOnly="false">
+      <xsd:simpleType>
+        <xsd:restriction base="dms:DateTime"/>
+      </xsd:simpleType>
+    </xsd:element>
+    <xsd:element name="LastPreviewErrorLookup" ma:index="55" nillable="true" ma:displayName="Last Preview Attempt Error" ma:default="" ma:list="{9E343742-310B-4684-A24C-1D137CB4B230}" ma:internalName="LastPreviewErrorLookup" ma:readOnly="true" ma:showField="LastPreviewError" ma:web="4873beb7-5857-4685-be1f-d57550cc96cc">
+      <xsd:complexType>
+        <xsd:complexContent>
+          <xsd:extension base="dms:MultiChoiceLookup">
+            <xsd:sequence>
+              <xsd:element name="Value" type="dms:Lookup" maxOccurs="unbounded" minOccurs="0" nillable="true"/>
+            </xsd:sequence>
+          </xsd:extension>
+        </xsd:complexContent>
+      </xsd:complexType>
+    </xsd:element>
+    <xsd:element name="LastPreviewResultLookup" ma:index="56" nillable="true" ma:displayName="Last Preview Attempt Result" ma:default="" ma:list="{9E343742-310B-4684-A24C-1D137CB4B230}" ma:internalName="LastPreviewResultLookup" ma:readOnly="true" ma:showField="LastPreviewResult" ma:web="4873beb7-5857-4685-be1f-d57550cc96cc">
+      <xsd:complexType>
+        <xsd:complexContent>
+          <xsd:extension base="dms:MultiChoiceLookup">
+            <xsd:sequence>
+              <xsd:element name="Value" type="dms:Lookup" maxOccurs="unbounded" minOccurs="0" nillable="true"/>
+            </xsd:sequence>
+          </xsd:extension>
+        </xsd:complexContent>
+      </xsd:complexType>
+    </xsd:element>
+    <xsd:element name="LastPreviewAttemptDateLookup" ma:index="57" nillable="true" ma:displayName="Last Preview Attempted On" ma:default="" ma:list="{9E343742-310B-4684-A24C-1D137CB4B230}" ma:internalName="LastPreviewAttemptDateLookup" ma:readOnly="true" ma:showField="LastPreviewAttemptDate" ma:web="4873beb7-5857-4685-be1f-d57550cc96cc">
+      <xsd:complexType>
+        <xsd:complexContent>
+          <xsd:extension base="dms:MultiChoiceLookup">
+            <xsd:sequence>
+              <xsd:element name="Value" type="dms:Lookup" maxOccurs="unbounded" minOccurs="0" nillable="true"/>
+            </xsd:sequence>
+          </xsd:extension>
+        </xsd:complexContent>
+      </xsd:complexType>
+    </xsd:element>
+    <xsd:element name="LastPreviewedByLookup" ma:index="58" nillable="true" ma:displayName="Last Previewed By" ma:default="" ma:list="{9E343742-310B-4684-A24C-1D137CB4B230}" ma:internalName="LastPreviewedByLookup" ma:readOnly="true" ma:showField="LastPreviewedBy" ma:web="4873beb7-5857-4685-be1f-d57550cc96cc">
+      <xsd:complexType>
+        <xsd:complexContent>
+          <xsd:extension base="dms:MultiChoiceLookup">
+            <xsd:sequence>
+              <xsd:element name="Value" type="dms:Lookup" maxOccurs="unbounded" minOccurs="0" nillable="true"/>
+            </xsd:sequence>
+          </xsd:extension>
+        </xsd:complexContent>
+      </xsd:complexType>
+    </xsd:element>
+    <xsd:element name="LastPreviewTimeLookup" ma:index="59" nillable="true" ma:displayName="Last Previewed Date" ma:default="" ma:list="{9E343742-310B-4684-A24C-1D137CB4B230}" ma:internalName="LastPreviewTimeLookup" ma:readOnly="true" ma:showField="LastPreviewTime" ma:web="4873beb7-5857-4685-be1f-d57550cc96cc">
+      <xsd:complexType>
+        <xsd:complexContent>
+          <xsd:extension base="dms:MultiChoiceLookup">
+            <xsd:sequence>
+              <xsd:element name="Value" type="dms:Lookup" maxOccurs="unbounded" minOccurs="0" nillable="true"/>
+            </xsd:sequence>
+          </xsd:extension>
+        </xsd:complexContent>
+      </xsd:complexType>
+    </xsd:element>
+    <xsd:element name="LastPreviewVersionLookup" ma:index="60" nillable="true" ma:displayName="Last Previewed Version" ma:default="" ma:list="{9E343742-310B-4684-A24C-1D137CB4B230}" ma:internalName="LastPreviewVersionLookup" ma:readOnly="true" ma:showField="LastPreviewVersion" ma:web="4873beb7-5857-4685-be1f-d57550cc96cc">
+      <xsd:complexType>
+        <xsd:complexContent>
+          <xsd:extension base="dms:MultiChoiceLookup">
+            <xsd:sequence>
+              <xsd:element name="Value" type="dms:Lookup" maxOccurs="unbounded" minOccurs="0" nillable="true"/>
+            </xsd:sequence>
+          </xsd:extension>
+        </xsd:complexContent>
+      </xsd:complexType>
+    </xsd:element>
+    <xsd:element name="LastPublishErrorLookup" ma:index="61" nillable="true" ma:displayName="Last Publish Attempt Error" ma:default="" ma:list="{9E343742-310B-4684-A24C-1D137CB4B230}" ma:internalName="LastPublishErrorLookup" ma:readOnly="true" ma:showField="LastPublishError" ma:web="4873beb7-5857-4685-be1f-d57550cc96cc">
+      <xsd:complexType>
+        <xsd:complexContent>
+          <xsd:extension base="dms:MultiChoiceLookup">
+            <xsd:sequence>
+              <xsd:element name="Value" type="dms:Lookup" maxOccurs="unbounded" minOccurs="0" nillable="true"/>
+            </xsd:sequence>
+          </xsd:extension>
+        </xsd:complexContent>
+      </xsd:complexType>
+    </xsd:element>
+    <xsd:element name="LastPublishResultLookup" ma:index="62" nillable="true" ma:displayName="Last Publish Attempt Result" ma:default="" ma:list="{9E343742-310B-4684-A24C-1D137CB4B230}" ma:internalName="LastPublishResultLookup" ma:readOnly="true" ma:showField="LastPublishResult" ma:web="4873beb7-5857-4685-be1f-d57550cc96cc">
+      <xsd:complexType>
+        <xsd:complexContent>
+          <xsd:extension base="dms:MultiChoiceLookup">
+            <xsd:sequence>
+              <xsd:element name="Value" type="dms:Lookup" maxOccurs="unbounded" minOccurs="0" nillable="true"/>
+            </xsd:sequence>
+          </xsd:extension>
+        </xsd:complexContent>
+      </xsd:complexType>
+    </xsd:element>
+    <xsd:element name="LastPublishAttemptDateLookup" ma:index="63" nillable="true" ma:displayName="Last Publish Attempted On" ma:default="" ma:list="{9E343742-310B-4684-A24C-1D137CB4B230}" ma:internalName="LastPublishAttemptDateLookup" ma:readOnly="true" ma:showField="LastPublishAttemptDate" ma:web="4873beb7-5857-4685-be1f-d57550cc96cc">
+      <xsd:complexType>
+        <xsd:complexContent>
+          <xsd:extension base="dms:MultiChoiceLookup">
+            <xsd:sequence>
+              <xsd:element name="Value" type="dms:Lookup" maxOccurs="unbounded" minOccurs="0" nillable="true"/>
+            </xsd:sequence>
+          </xsd:extension>
+        </xsd:complexContent>
+      </xsd:complexType>
+    </xsd:element>
+    <xsd:element name="LastPublishedByLookup" ma:index="64" nillable="true" ma:displayName="Last Published By" ma:default="" ma:list="{9E343742-310B-4684-A24C-1D137CB4B230}" ma:internalName="LastPublishedByLookup" ma:readOnly="true" ma:showField="LastPublishedBy" ma:web="4873beb7-5857-4685-be1f-d57550cc96cc">
+      <xsd:complexType>
+        <xsd:complexContent>
+          <xsd:extension base="dms:MultiChoiceLookup">
+            <xsd:sequence>
+              <xsd:element name="Value" type="dms:Lookup" maxOccurs="unbounded" minOccurs="0" nillable="true"/>
+            </xsd:sequence>
+          </xsd:extension>
+        </xsd:complexContent>
+      </xsd:complexType>
+    </xsd:element>
+    <xsd:element name="LastPublishTimeLookup" ma:index="65" nillable="true" ma:displayName="Last Published Date" ma:default="" ma:list="{9E343742-310B-4684-A24C-1D137CB4B230}" ma:internalName="LastPublishTimeLookup" ma:readOnly="true" ma:showField="LastPublishTime" ma:web="4873beb7-5857-4685-be1f-d57550cc96cc">
+      <xsd:complexType>
+        <xsd:complexContent>
+          <xsd:extension base="dms:MultiChoiceLookup">
+            <xsd:sequence>
+              <xsd:element name="Value" type="dms:Lookup" maxOccurs="unbounded" minOccurs="0" nillable="true"/>
+            </xsd:sequence>
+          </xsd:extension>
+        </xsd:complexContent>
+      </xsd:complexType>
+    </xsd:element>
+    <xsd:element name="LastPublishVersionLookup" ma:index="66" nillable="true" ma:displayName="Last Published Version" ma:default="" ma:list="{9E343742-310B-4684-A24C-1D137CB4B230}" ma:internalName="LastPublishVersionLookup" ma:readOnly="true" ma:showField="LastPublishVersion" ma:web="4873beb7-5857-4685-be1f-d57550cc96cc">
+      <xsd:complexType>
+        <xsd:complexContent>
+          <xsd:extension base="dms:MultiChoiceLookup">
+            <xsd:sequence>
+              <xsd:element name="Value" type="dms:Lookup" maxOccurs="unbounded" minOccurs="0" nillable="true"/>
+            </xsd:sequence>
+          </xsd:extension>
+        </xsd:complexContent>
+      </xsd:complexType>
+    </xsd:element>
+    <xsd:element name="TPLaunchHelpLinkType" ma:index="67" nillable="true" ma:displayName="Launch Help Link Type" ma:default="Template" ma:internalName="TPLaunchHelpLinkType">
+      <xsd:simpleType>
+        <xsd:restriction base="dms:Choice">
+          <xsd:enumeration value="Template"/>
+          <xsd:enumeration value="Training"/>
+          <xsd:enumeration value="URL"/>
+          <xsd:enumeration value="None"/>
+        </xsd:restriction>
+      </xsd:simpleType>
+    </xsd:element>
+    <xsd:element name="LegacyData" ma:index="68" nillable="true" ma:displayName="Legacy Data" ma:default="" ma:internalName="LegacyData" ma:readOnly="false">
+      <xsd:simpleType>
+        <xsd:restriction base="dms:Note"/>
+      </xsd:simpleType>
+    </xsd:element>
+    <xsd:element name="TPLaunchHelpLink" ma:index="69" nillable="true" ma:displayName="Link to Launch Help Topic" ma:default="" ma:internalName="TPLaunchHelpLink">
+      <xsd:simpleType>
+        <xsd:restriction base="dms:Text"/>
+      </xsd:simpleType>
+    </xsd:element>
+    <xsd:element name="LocComments" ma:index="70" nillable="true" ma:displayName="Loc Approval Comments" ma:default="" ma:internalName="LocComments" ma:readOnly="false">
+      <xsd:simpleType>
+        <xsd:restriction base="dms:Note"/>
+      </xsd:simpleType>
+    </xsd:element>
+    <xsd:element name="LocLastLocAttemptVersionLookup" ma:index="71" nillable="true" ma:displayName="Loc Last Loc Attempt Version" ma:default="" ma:list="{7DD1DCEC-E449-43D3-891F-7DC62F62AD21}" ma:internalName="LocLastLocAttemptVersionLookup" ma:readOnly="false" ma:showField="LastLocAttemptVersion" ma:web="4873beb7-5857-4685-be1f-d57550cc96cc">
+      <xsd:simpleType>
+        <xsd:restriction base="dms:Lookup"/>
+      </xsd:simpleType>
+    </xsd:element>
+    <xsd:element name="LocLastLocAttemptVersionTypeLookup" ma:index="72" nillable="true" ma:displayName="Loc Last Loc Attempt Version Type" ma:default="" ma:list="{7DD1DCEC-E449-43D3-891F-7DC62F62AD21}" ma:internalName="LocLastLocAttemptVersionTypeLookup" ma:readOnly="true" ma:showField="LastLocAttemptVersionType" ma:web="4873beb7-5857-4685-be1f-d57550cc96cc">
+      <xsd:simpleType>
+        <xsd:restriction base="dms:Lookup"/>
+      </xsd:simpleType>
+    </xsd:element>
+    <xsd:element name="LocManualTestRequired" ma:index="73" nillable="true" ma:displayName="Loc Manual Test Required" ma:default="" ma:internalName="LocManualTestRequired" ma:readOnly="false">
+      <xsd:simpleType>
+        <xsd:restriction base="dms:Boolean"/>
+      </xsd:simpleType>
+    </xsd:element>
+    <xsd:element name="LocMarketGroupTiers2" ma:index="74" nillable="true" ma:displayName="Loc Market Group Tiers" ma:internalName="LocMarketGroupTiers2" ma:readOnly="false">
+      <xsd:simpleType>
+        <xsd:restriction base="dms:Unknown"/>
+      </xsd:simpleType>
+    </xsd:element>
+    <xsd:element name="LocNewPublishedVersionLookup" ma:index="75" nillable="true" ma:displayName="Loc New Published Version Lookup" ma:default="" ma:list="{7DD1DCEC-E449-43D3-891F-7DC62F62AD21}" ma:internalName="LocNewPublishedVersionLookup" ma:readOnly="true" ma:showField="NewPublishedVersion" ma:web="4873beb7-5857-4685-be1f-d57550cc96cc">
+      <xsd:simpleType>
+        <xsd:restriction base="dms:Lookup"/>
+      </xsd:simpleType>
+    </xsd:element>
+    <xsd:element name="LocOverallHandbackStatusLookup" ma:index="76" nillable="true" ma:displayName="Loc Overall Handback Status" ma:default="" ma:list="{7DD1DCEC-E449-43D3-891F-7DC62F62AD21}" ma:internalName="LocOverallHandbackStatusLookup" ma:readOnly="true" ma:showField="OverallHandbackStatus" ma:web="4873beb7-5857-4685-be1f-d57550cc96cc">
+      <xsd:simpleType>
+        <xsd:restriction base="dms:Lookup"/>
+      </xsd:simpleType>
+    </xsd:element>
+    <xsd:element name="LocOverallLocStatusLookup" ma:index="77" nillable="true" ma:displayName="Loc Overall Localize Status" ma:default="" ma:list="{7DD1DCEC-E449-43D3-891F-7DC62F62AD21}" ma:internalName="LocOverallLocStatusLookup" ma:readOnly="true" ma:showField="OverallLocStatus" ma:web="4873beb7-5857-4685-be1f-d57550cc96cc">
+      <xsd:simpleType>
+        <xsd:restriction base="dms:Lookup"/>
+      </xsd:simpleType>
+    </xsd:element>
+    <xsd:element name="LocOverallPreviewStatusLookup" ma:index="78" nillable="true" ma:displayName="Loc Overall Preview Status" ma:default="" ma:list="{7DD1DCEC-E449-43D3-891F-7DC62F62AD21}" ma:internalName="LocOverallPreviewStatusLookup" ma:readOnly="true" ma:showField="OverallPreviewStatus" ma:web="4873beb7-5857-4685-be1f-d57550cc96cc">
+      <xsd:simpleType>
+        <xsd:restriction base="dms:Lookup"/>
+      </xsd:simpleType>
+    </xsd:element>
+    <xsd:element name="LocOverallPublishStatusLookup" ma:index="79" nillable="true" ma:displayName="Loc Overall Publish Status" ma:default="" ma:list="{7DD1DCEC-E449-43D3-891F-7DC62F62AD21}" ma:internalName="LocOverallPublishStatusLookup" ma:readOnly="true" ma:showField="OverallPublishStatus" ma:web="4873beb7-5857-4685-be1f-d57550cc96cc">
+      <xsd:simpleType>
+        <xsd:restriction base="dms:Lookup"/>
+      </xsd:simpleType>
+    </xsd:element>
+    <xsd:element name="IntlLocPriority" ma:index="80" nillable="true" ma:displayName="Loc Priority" ma:default="" ma:internalName="IntlLocPriority" ma:readOnly="false">
+      <xsd:simpleType>
+        <xsd:restriction base="dms:Unknown"/>
+      </xsd:simpleType>
+    </xsd:element>
+    <xsd:element name="LocProcessedForHandoffsLookup" ma:index="81" nillable="true" ma:displayName="Loc Processed For Handoffs" ma:default="" ma:list="{7DD1DCEC-E449-43D3-891F-7DC62F62AD21}" ma:internalName="LocProcessedForHandoffsLookup" ma:readOnly="true" ma:showField="ProcessedForHandoffs" ma:web="4873beb7-5857-4685-be1f-d57550cc96cc">
+      <xsd:simpleType>
+        <xsd:restriction base="dms:Lookup"/>
+      </xsd:simpleType>
+    </xsd:element>
+    <xsd:element name="LocProcessedForMarketsLookup" ma:index="82" nillable="true" ma:displayName="Loc Processed For Markets" ma:default="" ma:list="{7DD1DCEC-E449-43D3-891F-7DC62F62AD21}" ma:internalName="LocProcessedForMarketsLookup" ma:readOnly="true" ma:showField="ProcessedForMarkets" ma:web="4873beb7-5857-4685-be1f-d57550cc96cc">
+      <xsd:simpleType>
+        <xsd:restriction base="dms:Lookup"/>
+      </xsd:simpleType>
+    </xsd:element>
+    <xsd:element name="LocPublishedDependentAssetsLookup" ma:index="83" nillable="true" ma:displayName="Loc Published Dependent Assets" ma:default="" ma:list="{7DD1DCEC-E449-43D3-891F-7DC62F62AD21}" ma:internalName="LocPublishedDependentAssetsLookup" ma:readOnly="true" ma:showField="PublishedDependentAssets" ma:web="4873beb7-5857-4685-be1f-d57550cc96cc">
+      <xsd:simpleType>
+        <xsd:restriction base="dms:Lookup"/>
+      </xsd:simpleType>
+    </xsd:element>
+    <xsd:element name="LocPublishedLinkedAssetsLookup" ma:index="84" nillable="true" ma:displayName="Loc Published Linked Assets" ma:default="" ma:list="{7DD1DCEC-E449-43D3-891F-7DC62F62AD21}" ma:internalName="LocPublishedLinkedAssetsLookup" ma:readOnly="true" ma:showField="PublishedLinkedAssets" ma:web="4873beb7-5857-4685-be1f-d57550cc96cc">
+      <xsd:simpleType>
+        <xsd:restriction base="dms:Lookup"/>
+      </xsd:simpleType>
+    </xsd:element>
+    <xsd:element name="LocRecommendedHandoff" ma:index="85" nillable="true" ma:displayName="Loc Recommended Handoff" ma:default="" ma:indexed="true" ma:internalName="LocRecommendedHandoff" ma:readOnly="false">
+      <xsd:simpleType>
+        <xsd:restriction base="dms:Text"/>
+      </xsd:simpleType>
+    </xsd:element>
+    <xsd:element name="LocalizationTagsTaxHTField0" ma:index="87" nillable="true" ma:taxonomy="true" ma:internalName="LocalizationTagsTaxHTField0" ma:taxonomyFieldName="LocalizationTags" ma:displayName="Localization Tags" ma:readOnly="false" ma:default="" ma:fieldId="{00f02cb3-2c7c-424a-9c61-10e9b6878429}" ma:taxonomyMulti="true" ma:sspId="8f79753a-75d3-41f5-8ca3-40b843941b4f" ma:termSetId="5b7703a5-8e8b-4b58-8b31-1cea35331da3" ma:anchorId="00000000-0000-0000-0000-000000000000" ma:open="false" ma:isKeyword="false">
+      <xsd:complexType>
+        <xsd:sequence>
+          <xsd:element ref="pc:Terms" minOccurs="0" maxOccurs="1"/>
+        </xsd:sequence>
+      </xsd:complexType>
+    </xsd:element>
+    <xsd:element name="MachineTranslated" ma:index="88" nillable="true" ma:displayName="Machine Translated" ma:default="" ma:internalName="MachineTranslated" ma:readOnly="false">
+      <xsd:simpleType>
+        <xsd:restriction base="dms:Boolean"/>
+      </xsd:simpleType>
+    </xsd:element>
+    <xsd:element name="Manager" ma:index="89" nillable="true" ma:displayName="Manager" ma:hidden="true" ma:internalName="Manager" ma:readOnly="false">
+      <xsd:simpleType>
+        <xsd:restriction base="dms:Text"/>
+      </xsd:simpleType>
+    </xsd:element>
+    <xsd:element name="Markets" ma:index="90" nillable="true" ma:displayName="Markets" ma:default="" ma:description="Leave blank to show in all markets" ma:list="{2FBD1B11-2ACE-4FDC-B5A3-635D4ADF6F1B}" ma:internalName="Markets" ma:readOnly="false" ma:showField="MarketName" ma:web="4873beb7-5857-4685-be1f-d57550cc96cc">
+      <xsd:complexType>
+        <xsd:complexContent>
+          <xsd:extension base="dms:MultiChoiceLookup">
+            <xsd:sequence>
+              <xsd:element name="Value" type="dms:Lookup" maxOccurs="unbounded" minOccurs="0" nillable="true"/>
+            </xsd:sequence>
+          </xsd:extension>
+        </xsd:complexContent>
+      </xsd:complexType>
+    </xsd:element>
+    <xsd:element name="Milestone" ma:index="91" nillable="true" ma:displayName="Milestone" ma:default="" ma:internalName="Milestone" ma:readOnly="false">
+      <xsd:simpleType>
+        <xsd:restriction base="dms:Unknown"/>
+      </xsd:simpleType>
+    </xsd:element>
+    <xsd:element name="TPNamespace" ma:index="94" nillable="true" ma:displayName="Namespace" ma:default="" ma:internalName="TPNamespace">
+      <xsd:simpleType>
+        <xsd:restriction base="dms:Text"/>
+      </xsd:simpleType>
+    </xsd:element>
+    <xsd:element name="NumericId" ma:index="95" nillable="true" ma:displayName="Numeric ID" ma:default="" ma:indexed="true" ma:internalName="NumericId" ma:readOnly="false">
+      <xsd:simpleType>
+        <xsd:restriction base="dms:Number"/>
+      </xsd:simpleType>
+    </xsd:element>
+    <xsd:element name="NumOfRatingsLookup" ma:index="96" nillable="true" ma:displayName="NumOfRatings" ma:default="" ma:list="{9E343742-310B-4684-A24C-1D137CB4B230}" ma:internalName="NumOfRatingsLookup" ma:readOnly="true" ma:showField="NumOfRatings" ma:web="4873beb7-5857-4685-be1f-d57550cc96cc">
+      <xsd:complexType>
+        <xsd:complexContent>
+          <xsd:extension base="dms:MultiChoiceLookup">
+            <xsd:sequence>
+              <xsd:element name="Value" type="dms:Lookup" maxOccurs="unbounded" minOccurs="0" nillable="true"/>
+            </xsd:sequence>
+          </xsd:extension>
+        </xsd:complexContent>
+      </xsd:complexType>
+    </xsd:element>
+    <xsd:element name="OOCacheId" ma:index="97" nillable="true" ma:displayName="OOCacheId" ma:internalName="OOCacheId" ma:readOnly="false">
+      <xsd:simpleType>
+        <xsd:restriction base="dms:Text"/>
+      </xsd:simpleType>
+    </xsd:element>
+    <xsd:element name="OpenTemplate" ma:index="98" nillable="true" ma:displayName="Open Template" ma:default="true" ma:internalName="OpenTemplate">
+      <xsd:simpleType>
+        <xsd:restriction base="dms:Boolean"/>
+      </xsd:simpleType>
+    </xsd:element>
+    <xsd:element name="OriginAsset" ma:index="99" nillable="true" ma:displayName="Origin Asset" ma:default="" ma:internalName="OriginAsset" ma:readOnly="false">
+      <xsd:simpleType>
+        <xsd:restriction base="dms:Text"/>
+      </xsd:simpleType>
+    </xsd:element>
+    <xsd:element name="OriginalRelease" ma:index="100" nillable="true" ma:displayName="Original Release" ma:default="15" ma:internalName="OriginalRelease" ma:readOnly="false">
+      <xsd:simpleType>
+        <xsd:restriction base="dms:Choice">
+          <xsd:enumeration value="14"/>
+          <xsd:enumeration value="15"/>
+          <xsd:enumeration value="16"/>
+        </xsd:restriction>
+      </xsd:simpleType>
+    </xsd:element>
+    <xsd:element name="OriginalSourceMarket" ma:index="101" nillable="true" ma:displayName="Original Source Market Group" ma:default="" ma:internalName="OriginalSourceMarket" ma:readOnly="false">
+      <xsd:simpleType>
+        <xsd:restriction base="dms:Text"/>
+      </xsd:simpleType>
+    </xsd:element>
+    <xsd:element name="OutputCachingOn" ma:index="102" nillable="true" ma:displayName="Output Caching" ma:default="true" ma:hidden="true" ma:internalName="OutputCachingOn" ma:readOnly="false">
+      <xsd:simpleType>
+        <xsd:restriction base="dms:Boolean"/>
+      </xsd:simpleType>
+    </xsd:element>
+    <xsd:element name="ParentAssetId" ma:index="103" nillable="true" ma:displayName="Parent Asset Id" ma:default="" ma:internalName="ParentAssetId" ma:readOnly="false">
+      <xsd:simpleType>
+        <xsd:restriction base="dms:Text"/>
+      </xsd:simpleType>
+    </xsd:element>
+    <xsd:element name="PlannedPubDate" ma:index="104" nillable="true" ma:displayName="Planned Publish Date" ma:default="" ma:indexed="true" ma:internalName="PlannedPubDate" ma:readOnly="false">
+      <xsd:simpleType>
+        <xsd:restriction base="dms:DateTime"/>
+      </xsd:simpleType>
+    </xsd:element>
+    <xsd:element name="PolicheckWords" ma:index="105" nillable="true" ma:displayName="Policheck Words" ma:default="" ma:internalName="PolicheckWords" ma:readOnly="false">
+      <xsd:simpleType>
+        <xsd:restriction base="dms:Text"/>
+      </xsd:simpleType>
+    </xsd:element>
+    <xsd:element name="BusinessGroup" ma:index="106" nillable="true" ma:displayName="Product Division Owner" ma:default="" ma:internalName="BusinessGroup" ma:readOnly="false">
+      <xsd:simpleType>
+        <xsd:restriction base="dms:Unknown"/>
+      </xsd:simpleType>
+    </xsd:element>
+    <xsd:element name="UAProjectedTotalWords" ma:index="107" nillable="true" ma:displayName="Projected Word Count" ma:default="" ma:internalName="UAProjectedTotalWords" ma:readOnly="false">
+      <xsd:simpleType>
+        <xsd:restriction base="dms:Unknown"/>
+      </xsd:simpleType>
+    </xsd:element>
+    <xsd:element name="Provider" ma:index="108" nillable="true" ma:displayName="Provider" ma:default="" ma:internalName="Provider" ma:readOnly="false">
+      <xsd:simpleType>
+        <xsd:restriction base="dms:Unknown"/>
+      </xsd:simpleType>
+    </xsd:element>
+    <xsd:element name="Providers" ma:index="109" nillable="true" ma:displayName="Providers" ma:default="" ma:internalName="Providers">
+      <xsd:simpleType>
+        <xsd:restriction base="dms:Unknown"/>
+      </xsd:simpleType>
+    </xsd:element>
+    <xsd:element name="PublishStatusLookup" ma:index="110" nillable="true" ma:displayName="Publish Status" ma:default="" ma:list="{9E343742-310B-4684-A24C-1D137CB4B230}" ma:internalName="PublishStatusLookup" ma:readOnly="false" ma:showField="PublishStatus" ma:web="4873beb7-5857-4685-be1f-d57550cc96cc">
+      <xsd:complexType>
+        <xsd:complexContent>
+          <xsd:extension base="dms:MultiChoiceLookup">
+            <xsd:sequence>
+              <xsd:element name="Value" type="dms:Lookup" maxOccurs="unbounded" minOccurs="0" nillable="true"/>
+            </xsd:sequence>
+          </xsd:extension>
+        </xsd:complexContent>
+      </xsd:complexType>
+    </xsd:element>
+    <xsd:element name="PublishTargets" ma:index="111" nillable="true" ma:displayName="Publish Target" ma:default="OfficeOnlineVNext" ma:internalName="PublishTargets" ma:readOnly="false">
+      <xsd:simpleType>
+        <xsd:restriction base="dms:Unknown"/>
+      </xsd:simpleType>
+    </xsd:element>
+    <xsd:element name="RecommendationsModifier" ma:index="112" nillable="true" ma:displayName="Recommendations Modifier" ma:default="" ma:internalName="RecommendationsModifier" ma:readOnly="false">
+      <xsd:simpleType>
+        <xsd:restriction base="dms:Number"/>
+      </xsd:simpleType>
+    </xsd:element>
+    <xsd:element name="ArtSampleDocs" ma:index="113" nillable="true" ma:displayName="Sample Docs" ma:default="" ma:hidden="true" ma:internalName="ArtSampleDocs" ma:readOnly="false">
+      <xsd:simpleType>
+        <xsd:restriction base="dms:Text"/>
+      </xsd:simpleType>
+    </xsd:element>
+    <xsd:element name="ScenarioTagsTaxHTField0" ma:index="115" nillable="true" ma:taxonomy="true" ma:internalName="ScenarioTagsTaxHTField0" ma:taxonomyFieldName="ScenarioTags" ma:displayName="Scenarios" ma:readOnly="false" ma:default="" ma:fieldId="{93aef74d-6c78-4815-8310-51477dceeccc}" ma:taxonomyMulti="true" ma:sspId="8f79753a-75d3-41f5-8ca3-40b843941b4f" ma:termSetId="4b7d5f16-e2f2-4fc0-bab3-6e8b931e57d6" ma:anchorId="00000000-0000-0000-0000-000000000000" ma:open="false" ma:isKeyword="false">
+      <xsd:complexType>
+        <xsd:sequence>
+          <xsd:element ref="pc:Terms" minOccurs="0" maxOccurs="1"/>
+        </xsd:sequence>
+      </xsd:complexType>
+    </xsd:element>
+    <xsd:element name="ShowIn" ma:index="117" nillable="true" ma:displayName="Show In" ma:default="Show everywhere" ma:internalName="ShowIn" ma:readOnly="false">
+      <xsd:simpleType>
+        <xsd:restriction base="dms:Choice">
+          <xsd:enumeration value="Hide on web"/>
+          <xsd:enumeration value="On Web no search"/>
+          <xsd:enumeration value="Show everywhere"/>
+          <xsd:enumeration value="Special use only"/>
+        </xsd:restriction>
+      </xsd:simpleType>
+    </xsd:element>
+    <xsd:element name="SourceTitle" ma:index="118" nillable="true" ma:displayName="Source Title" ma:default="" ma:indexed="true" ma:internalName="SourceTitle" ma:readOnly="false">
+      <xsd:simpleType>
+        <xsd:restriction base="dms:Text"/>
+      </xsd:simpleType>
+    </xsd:element>
+    <xsd:element name="CSXSubmissionDate" ma:index="119" nillable="true" ma:displayName="Submission Date" ma:default="" ma:internalName="CSXSubmissionDate" ma:readOnly="false">
+      <xsd:simpleType>
+        <xsd:restriction base="dms:DateTime"/>
+      </xsd:simpleType>
+    </xsd:element>
+    <xsd:element name="SubmitterId" ma:index="120" nillable="true" ma:displayName="Submitter ID" ma:default="" ma:internalName="SubmitterId" ma:readOnly="false">
+      <xsd:simpleType>
+        <xsd:restriction base="dms:Text"/>
+      </xsd:simpleType>
+    </xsd:element>
+    <xsd:element name="TaxCatchAll" ma:index="121" nillable="true" ma:displayName="Taxonomy Catch All Column" ma:hidden="true" ma:list="{530f955b-6704-4601-bd83-f81d87f1e440}" ma:internalName="TaxCatchAll" ma:showField="CatchAllData" ma:web="4873beb7-5857-4685-be1f-d57550cc96cc">
+      <xsd:complexType>
+        <xsd:complexContent>
+          <xsd:extension base="dms:MultiChoiceLookup">
+            <xsd:sequence>
+              <xsd:element name="Value" type="dms:Lookup" maxOccurs="unbounded" minOccurs="0" nillable="true"/>
+            </xsd:sequence>
+          </xsd:extension>
+        </xsd:complexContent>
+      </xsd:complexType>
+    </xsd:element>
+    <xsd:element name="TaxCatchAllLabel" ma:index="122" nillable="true" ma:displayName="Taxonomy Catch All Column1" ma:hidden="true" ma:list="{530f955b-6704-4601-bd83-f81d87f1e440}" ma:internalName="TaxCatchAllLabel" ma:readOnly="true" ma:showField="CatchAllDataLabel" ma:web="4873beb7-5857-4685-be1f-d57550cc96cc">
+      <xsd:complexType>
+        <xsd:complexContent>
+          <xsd:extension base="dms:MultiChoiceLookup">
+            <xsd:sequence>
+              <xsd:element name="Value" type="dms:Lookup" maxOccurs="unbounded" minOccurs="0" nillable="true"/>
+            </xsd:sequence>
+          </xsd:extension>
+        </xsd:complexContent>
+      </xsd:complexType>
+    </xsd:element>
+    <xsd:element name="TemplateStatus" ma:index="123" nillable="true" ma:displayName="Template Status" ma:default="" ma:internalName="TemplateStatus">
+      <xsd:simpleType>
+        <xsd:restriction base="dms:Unknown"/>
+      </xsd:simpleType>
+    </xsd:element>
+    <xsd:element name="TemplateTemplateType" ma:index="124" nillable="true" ma:displayName="Template Type" ma:default="" ma:internalName="TemplateTemplateType">
+      <xsd:simpleType>
+        <xsd:restriction base="dms:Unknown"/>
+      </xsd:simpleType>
+    </xsd:element>
+    <xsd:element name="ThumbnailAssetId" ma:index="125" nillable="true" ma:displayName="Thumbnail Image Asset" ma:default="" ma:internalName="ThumbnailAssetId" ma:readOnly="false">
+      <xsd:simpleType>
+        <xsd:restriction base="dms:Text"/>
+      </xsd:simpleType>
+    </xsd:element>
+    <xsd:element name="TimesCloned" ma:index="126" nillable="true" ma:displayName="Times Cloned" ma:default="" ma:internalName="TimesCloned" ma:readOnly="false">
+      <xsd:simpleType>
+        <xsd:restriction base="dms:Number"/>
+      </xsd:simpleType>
+    </xsd:element>
+    <xsd:element name="TrustLevel" ma:index="128" nillable="true" ma:displayName="Trust Level" ma:default="1 Microsoft Managed Content" ma:internalName="TrustLevel" ma:readOnly="false">
+      <xsd:simpleType>
+        <xsd:restriction base="dms:Unknown"/>
+      </xsd:simpleType>
+    </xsd:element>
+    <xsd:element name="UALocComments" ma:index="129" nillable="true" ma:displayName="UA Loc Comments" ma:default="" ma:internalName="UALocComments" ma:readOnly="false">
+      <xsd:simpleType>
+        <xsd:restriction base="dms:Note"/>
+      </xsd:simpleType>
+    </xsd:element>
+    <xsd:element name="UALocRecommendation" ma:index="130" nillable="true" ma:displayName="UA Loc Recommendation" ma:default="Localize" ma:internalName="UALocRecommendation" ma:readOnly="false">
+      <xsd:simpleType>
+        <xsd:restriction base="dms:Choice">
+          <xsd:enumeration value="Localize"/>
+          <xsd:enumeration value="Never Localize"/>
+          <xsd:enumeration value="Priority Localize"/>
+        </xsd:restriction>
+      </xsd:simpleType>
+    </xsd:element>
+    <xsd:element name="UANotes" ma:index="131" nillable="true" ma:displayName="UA Notes" ma:default="" ma:internalName="UANotes" ma:readOnly="false">
+      <xsd:simpleType>
+        <xsd:restriction base="dms:Note"/>
+      </xsd:simpleType>
+    </xsd:element>
+    <xsd:element name="TPAppVersion" ma:index="132" nillable="true" ma:displayName="Version" ma:default="" ma:internalName="TPAppVersion">
+      <xsd:simpleType>
+        <xsd:restriction base="dms:Text"/>
+      </xsd:simpleType>
+    </xsd:element>
+    <xsd:element name="VoteCount" ma:index="133" nillable="true" ma:displayName="Vote Count" ma:default="" ma:internalName="VoteCount" ma:readOnly="false">
+      <xsd:simpleType>
+        <xsd:restriction base="dms:Unknown"/>
+      </xsd:simpleType>
+    </xsd:element>
+  </xsd:schema>
+  <xsd:schema xmlns="http://schemas.openxmlformats.org/package/2006/metadata/core-properties" xmlns:xsd="http://www.w3.org/2001/XMLSchema" xmlns:xsi="http://www.w3.org/2001/XMLSchema-instance" xmlns:dc="http://purl.org/dc/elements/1.1/" xmlns:dcterms="http://purl.org/dc/terms/" xmlns:odoc="http://schemas.microsoft.com/internal/obd" targetNamespace="http://schemas.openxmlformats.org/package/2006/metadata/core-properties" elementFormDefault="qualified" attributeFormDefault="unqualified" blockDefault="#all">
+    <xsd:import namespace="http://purl.org/dc/elements/1.1/" schemaLocation="http://dublincore.org/schemas/xmls/qdc/2003/04/02/dc.xsd"/>
+    <xsd:import namespace="http://purl.org/dc/terms/" schemaLocation="http://dublincore.org/schemas/xmls/qdc/2003/04/02/dcterms.xsd"/>
+    <xsd:element name="coreProperties" type="CT_coreProperties"/>
+    <xsd:complexType name="CT_coreProperties">
+      <xsd:all>
+        <xsd:element ref="dc:creator" minOccurs="0" maxOccurs="1"/>
+        <xsd:element ref="dcterms:created" minOccurs="0" maxOccurs="1"/>
+        <xsd:element ref="dc:identifier" minOccurs="0" maxOccurs="1"/>
+        <xsd:element name="contentType" minOccurs="0" maxOccurs="1" type="xsd:string" ma:index="22" ma:displayName="Content Type"/>
+        <xsd:element ref="dc:title" minOccurs="0" maxOccurs="1" ma:index="127" ma:displayName="Title"/>
+        <xsd:element ref="dc:subject" minOccurs="0" maxOccurs="1"/>
+        <xsd:element ref="dc:description" minOccurs="0" maxOccurs="1"/>
+        <xsd:element name="keywords" minOccurs="0" maxOccurs="1" type="xsd:string"/>
+        <xsd:element ref="dc:language" minOccurs="0" maxOccurs="1"/>
+        <xsd:element name="category" minOccurs="0" maxOccurs="1" type="xsd:string"/>
+        <xsd:element name="version" minOccurs="0" maxOccurs="1" type="xsd:string"/>
+        <xsd:element name="revision" minOccurs="0" maxOccurs="1" type="xsd:string">
+          <xsd:annotation>
+            <xsd:documentation>
+                        This value indicates the number of saves or revisions. The application is responsible for updating this value after each revision.
+                    </xsd:documentation>
+          </xsd:annotation>
+        </xsd:element>
+        <xsd:element name="lastModifiedBy" minOccurs="0" maxOccurs="1" type="xsd:string"/>
+        <xsd:element ref="dcterms:modified" minOccurs="0" maxOccurs="1"/>
+        <xsd:element name="contentStatus" minOccurs="0" maxOccurs="1" type="xsd:string"/>
+      </xsd:all>
+    </xsd:complexType>
+  </xsd:schema>
+  <xs:schema xmlns:pc="http://schemas.microsoft.com/office/infopath/2007/PartnerControls" xmlns:xs="http://www.w3.org/2001/XMLSchema" targetNamespace="http://schemas.microsoft.com/office/infopath/2007/PartnerControls" elementFormDefault="qualified" attributeFormDefault="unqualified">
+    <xs:element name="Person">
+      <xs:complexType>
+        <xs:sequence>
+          <xs:element ref="pc:DisplayName" minOccurs="0"/>
+          <xs:element ref="pc:AccountId" minOccurs="0"/>
+          <xs:element ref="pc:AccountType" minOccurs="0"/>
+        </xs:sequence>
+      </xs:complexType>
+    </xs:element>
+    <xs:element name="DisplayName" type="xs:string"/>
+    <xs:element name="AccountId" type="xs:string"/>
+    <xs:element name="AccountType" type="xs:string"/>
+    <xs:element name="BDCAssociatedEntity">
+      <xs:complexType>
+        <xs:sequence>
+          <xs:element ref="pc:BDCEntity" minOccurs="0" maxOccurs="unbounded"/>
+        </xs:sequence>
+        <xs:attribute ref="pc:EntityNamespace"/>
+        <xs:attribute ref="pc:EntityName"/>
+        <xs:attribute ref="pc:SystemInstanceName"/>
+        <xs:attribute ref="pc:AssociationName"/>
+      </xs:complexType>
+    </xs:element>
+    <xs:attribute name="EntityNamespace" type="xs:string"/>
+    <xs:attribute name="EntityName" type="xs:string"/>
+    <xs:attribute name="SystemInstanceName" type="xs:string"/>
+    <xs:attribute name="AssociationName" type="xs:string"/>
+    <xs:element name="BDCEntity">
+      <xs:complexType>
+        <xs:sequence>
+          <xs:element ref="pc:EntityDisplayName" minOccurs="0"/>
+          <xs:element ref="pc:EntityInstanceReference" minOccurs="0"/>
+          <xs:element ref="pc:EntityId1" minOccurs="0"/>
+          <xs:element ref="pc:EntityId2" minOccurs="0"/>
+          <xs:element ref="pc:EntityId3" minOccurs="0"/>
+          <xs:element ref="pc:EntityId4" minOccurs="0"/>
+          <xs:element ref="pc:EntityId5" minOccurs="0"/>
+        </xs:sequence>
+      </xs:complexType>
+    </xs:element>
+    <xs:element name="EntityDisplayName" type="xs:string"/>
+    <xs:element name="EntityInstanceReference" type="xs:string"/>
+    <xs:element name="EntityId1" type="xs:string"/>
+    <xs:element name="EntityId2" type="xs:string"/>
+    <xs:element name="EntityId3" type="xs:string"/>
+    <xs:element name="EntityId4" type="xs:string"/>
+    <xs:element name="EntityId5" type="xs:string"/>
+    <xs:element name="Terms">
+      <xs:complexType>
+        <xs:sequence>
+          <xs:element ref="pc:TermInfo" minOccurs="0" maxOccurs="unbounded"/>
+        </xs:sequence>
+      </xs:complexType>
+    </xs:element>
+    <xs:element name="TermInfo">
+      <xs:complexType>
+        <xs:sequence>
+          <xs:element ref="pc:TermName" minOccurs="0"/>
+          <xs:element ref="pc:TermId" minOccurs="0"/>
+        </xs:sequence>
+      </xs:complexType>
+    </xs:element>
+    <xs:element name="TermName" type="xs:string"/>
+    <xs:element name="TermId" type="xs:string"/>
+  </xs:schema>
+</ct:contentTypeSchema>
 </file>
 
 <file path=customXml/item2.xml><?xml version="1.0" encoding="utf-8"?>
@@ -7860,1049 +9184,28 @@
 </file>
 
 <file path=customXml/item3.xml><?xml version="1.0" encoding="utf-8"?>
-<ct:contentTypeSchema xmlns:ct="http://schemas.microsoft.com/office/2006/metadata/contentType" xmlns:ma="http://schemas.microsoft.com/office/2006/metadata/properties/metaAttributes" ct:_="" ma:_="" ma:contentTypeName="TemplateFile" ma:contentTypeID="0x0101006EDDDB5EE6D98C44930B742096920B300400F5B6D36B3EF94B4E9A635CDF2A18F5B8" ma:contentTypeVersion="72" ma:contentTypeDescription="Create a new document." ma:contentTypeScope="" ma:versionID="a23e56308344d904b51738559c3d67c9">
-  <xsd:schema xmlns:xsd="http://www.w3.org/2001/XMLSchema" xmlns:xs="http://www.w3.org/2001/XMLSchema" xmlns:p="http://schemas.microsoft.com/office/2006/metadata/properties" xmlns:ns2="4873beb7-5857-4685-be1f-d57550cc96cc" targetNamespace="http://schemas.microsoft.com/office/2006/metadata/properties" ma:root="true" ma:fieldsID="cd0908cc4600e77bf5da051303e00c8d" ns2:_="">
-    <xsd:import namespace="4873beb7-5857-4685-be1f-d57550cc96cc"/>
-    <xsd:element name="properties">
-      <xsd:complexType>
-        <xsd:sequence>
-          <xsd:element name="documentManagement">
-            <xsd:complexType>
-              <xsd:all>
-                <xsd:element ref="ns2:AcquiredFrom" minOccurs="0"/>
-                <xsd:element ref="ns2:UACurrentWords" minOccurs="0"/>
-                <xsd:element ref="ns2:TPApplication" minOccurs="0"/>
-                <xsd:element ref="ns2:ApprovalLog" minOccurs="0"/>
-                <xsd:element ref="ns2:ApprovalStatus" minOccurs="0"/>
-                <xsd:element ref="ns2:AssetStart" minOccurs="0"/>
-                <xsd:element ref="ns2:AssetExpire" minOccurs="0"/>
-                <xsd:element ref="ns2:AssetId" minOccurs="0"/>
-                <xsd:element ref="ns2:IsSearchable" minOccurs="0"/>
-                <xsd:element ref="ns2:AssetType" minOccurs="0"/>
-                <xsd:element ref="ns2:APAuthor" minOccurs="0"/>
-                <xsd:element ref="ns2:AverageRating" minOccurs="0"/>
-                <xsd:element ref="ns2:BlockPublish" minOccurs="0"/>
-                <xsd:element ref="ns2:BugNumber" minOccurs="0"/>
-                <xsd:element ref="ns2:CampaignTagsTaxHTField0" minOccurs="0"/>
-                <xsd:element ref="ns2:TPClientViewer" minOccurs="0"/>
-                <xsd:element ref="ns2:ClipArtFilename" minOccurs="0"/>
-                <xsd:element ref="ns2:TPCommandLine" minOccurs="0"/>
-                <xsd:element ref="ns2:TPComponent" minOccurs="0"/>
-                <xsd:element ref="ns2:ContentItem" minOccurs="0"/>
-                <xsd:element ref="ns2:CrawlForDependencies" minOccurs="0"/>
-                <xsd:element ref="ns2:CSXHash" minOccurs="0"/>
-                <xsd:element ref="ns2:CSXSubmissionMarket" minOccurs="0"/>
-                <xsd:element ref="ns2:CSXUpdate" minOccurs="0"/>
-                <xsd:element ref="ns2:IntlLangReviewDate" minOccurs="0"/>
-                <xsd:element ref="ns2:IsDeleted" minOccurs="0"/>
-                <xsd:element ref="ns2:APDescription" minOccurs="0"/>
-                <xsd:element ref="ns2:DirectSourceMarket" minOccurs="0"/>
-                <xsd:element ref="ns2:Downloads" minOccurs="0"/>
-                <xsd:element ref="ns2:DSATActionTaken" minOccurs="0"/>
-                <xsd:element ref="ns2:APEditor" minOccurs="0"/>
-                <xsd:element ref="ns2:EditorialStatus" minOccurs="0"/>
-                <xsd:element ref="ns2:EditorialTags" minOccurs="0"/>
-                <xsd:element ref="ns2:TPExecutable" minOccurs="0"/>
-                <xsd:element ref="ns2:FeatureTagsTaxHTField0" minOccurs="0"/>
-                <xsd:element ref="ns2:TPFriendlyName" minOccurs="0"/>
-                <xsd:element ref="ns2:FriendlyTitle" minOccurs="0"/>
-                <xsd:element ref="ns2:PrimaryImageGen" minOccurs="0"/>
-                <xsd:element ref="ns2:HandoffToMSDN" minOccurs="0"/>
-                <xsd:element ref="ns2:InProjectListLookup" minOccurs="0"/>
-                <xsd:element ref="ns2:TPInstallLocation" minOccurs="0"/>
-                <xsd:element ref="ns2:InternalTagsTaxHTField0" minOccurs="0"/>
-                <xsd:element ref="ns2:IntlLangReview" minOccurs="0"/>
-                <xsd:element ref="ns2:IntlLangReviewer" minOccurs="0"/>
-                <xsd:element ref="ns2:MarketSpecific" minOccurs="0"/>
-                <xsd:element ref="ns2:LastCompleteVersionLookup" minOccurs="0"/>
-                <xsd:element ref="ns2:LastHandOff" minOccurs="0"/>
-                <xsd:element ref="ns2:LastModifiedDateTime" minOccurs="0"/>
-                <xsd:element ref="ns2:LastPreviewErrorLookup" minOccurs="0"/>
-                <xsd:element ref="ns2:LastPreviewResultLookup" minOccurs="0"/>
-                <xsd:element ref="ns2:LastPreviewAttemptDateLookup" minOccurs="0"/>
-                <xsd:element ref="ns2:LastPreviewedByLookup" minOccurs="0"/>
-                <xsd:element ref="ns2:LastPreviewTimeLookup" minOccurs="0"/>
-                <xsd:element ref="ns2:LastPreviewVersionLookup" minOccurs="0"/>
-                <xsd:element ref="ns2:LastPublishErrorLookup" minOccurs="0"/>
-                <xsd:element ref="ns2:LastPublishResultLookup" minOccurs="0"/>
-                <xsd:element ref="ns2:LastPublishAttemptDateLookup" minOccurs="0"/>
-                <xsd:element ref="ns2:LastPublishedByLookup" minOccurs="0"/>
-                <xsd:element ref="ns2:LastPublishTimeLookup" minOccurs="0"/>
-                <xsd:element ref="ns2:LastPublishVersionLookup" minOccurs="0"/>
-                <xsd:element ref="ns2:TPLaunchHelpLinkType" minOccurs="0"/>
-                <xsd:element ref="ns2:LegacyData" minOccurs="0"/>
-                <xsd:element ref="ns2:TPLaunchHelpLink" minOccurs="0"/>
-                <xsd:element ref="ns2:LocComments" minOccurs="0"/>
-                <xsd:element ref="ns2:LocLastLocAttemptVersionLookup" minOccurs="0"/>
-                <xsd:element ref="ns2:LocLastLocAttemptVersionTypeLookup" minOccurs="0"/>
-                <xsd:element ref="ns2:LocManualTestRequired" minOccurs="0"/>
-                <xsd:element ref="ns2:LocMarketGroupTiers2" minOccurs="0"/>
-                <xsd:element ref="ns2:LocNewPublishedVersionLookup" minOccurs="0"/>
-                <xsd:element ref="ns2:LocOverallHandbackStatusLookup" minOccurs="0"/>
-                <xsd:element ref="ns2:LocOverallLocStatusLookup" minOccurs="0"/>
-                <xsd:element ref="ns2:LocOverallPreviewStatusLookup" minOccurs="0"/>
-                <xsd:element ref="ns2:LocOverallPublishStatusLookup" minOccurs="0"/>
-                <xsd:element ref="ns2:IntlLocPriority" minOccurs="0"/>
-                <xsd:element ref="ns2:LocProcessedForHandoffsLookup" minOccurs="0"/>
-                <xsd:element ref="ns2:LocProcessedForMarketsLookup" minOccurs="0"/>
-                <xsd:element ref="ns2:LocPublishedDependentAssetsLookup" minOccurs="0"/>
-                <xsd:element ref="ns2:LocPublishedLinkedAssetsLookup" minOccurs="0"/>
-                <xsd:element ref="ns2:LocRecommendedHandoff" minOccurs="0"/>
-                <xsd:element ref="ns2:LocalizationTagsTaxHTField0" minOccurs="0"/>
-                <xsd:element ref="ns2:MachineTranslated" minOccurs="0"/>
-                <xsd:element ref="ns2:Manager" minOccurs="0"/>
-                <xsd:element ref="ns2:Markets" minOccurs="0"/>
-                <xsd:element ref="ns2:Milestone" minOccurs="0"/>
-                <xsd:element ref="ns2:TPNamespace" minOccurs="0"/>
-                <xsd:element ref="ns2:NumericId" minOccurs="0"/>
-                <xsd:element ref="ns2:NumOfRatingsLookup" minOccurs="0"/>
-                <xsd:element ref="ns2:OOCacheId" minOccurs="0"/>
-                <xsd:element ref="ns2:OpenTemplate" minOccurs="0"/>
-                <xsd:element ref="ns2:OriginAsset" minOccurs="0"/>
-                <xsd:element ref="ns2:OriginalRelease" minOccurs="0"/>
-                <xsd:element ref="ns2:OriginalSourceMarket" minOccurs="0"/>
-                <xsd:element ref="ns2:OutputCachingOn" minOccurs="0"/>
-                <xsd:element ref="ns2:ParentAssetId" minOccurs="0"/>
-                <xsd:element ref="ns2:PlannedPubDate" minOccurs="0"/>
-                <xsd:element ref="ns2:PolicheckWords" minOccurs="0"/>
-                <xsd:element ref="ns2:BusinessGroup" minOccurs="0"/>
-                <xsd:element ref="ns2:UAProjectedTotalWords" minOccurs="0"/>
-                <xsd:element ref="ns2:Provider" minOccurs="0"/>
-                <xsd:element ref="ns2:Providers" minOccurs="0"/>
-                <xsd:element ref="ns2:PublishStatusLookup" minOccurs="0"/>
-                <xsd:element ref="ns2:PublishTargets" minOccurs="0"/>
-                <xsd:element ref="ns2:RecommendationsModifier" minOccurs="0"/>
-                <xsd:element ref="ns2:ArtSampleDocs" minOccurs="0"/>
-                <xsd:element ref="ns2:ScenarioTagsTaxHTField0" minOccurs="0"/>
-                <xsd:element ref="ns2:ShowIn" minOccurs="0"/>
-                <xsd:element ref="ns2:SourceTitle" minOccurs="0"/>
-                <xsd:element ref="ns2:CSXSubmissionDate" minOccurs="0"/>
-                <xsd:element ref="ns2:SubmitterId" minOccurs="0"/>
-                <xsd:element ref="ns2:TaxCatchAll" minOccurs="0"/>
-                <xsd:element ref="ns2:TaxCatchAllLabel" minOccurs="0"/>
-                <xsd:element ref="ns2:TemplateStatus" minOccurs="0"/>
-                <xsd:element ref="ns2:TemplateTemplateType" minOccurs="0"/>
-                <xsd:element ref="ns2:ThumbnailAssetId" minOccurs="0"/>
-                <xsd:element ref="ns2:TimesCloned" minOccurs="0"/>
-                <xsd:element ref="ns2:TrustLevel" minOccurs="0"/>
-                <xsd:element ref="ns2:UALocComments" minOccurs="0"/>
-                <xsd:element ref="ns2:UALocRecommendation" minOccurs="0"/>
-                <xsd:element ref="ns2:UANotes" minOccurs="0"/>
-                <xsd:element ref="ns2:TPAppVersion" minOccurs="0"/>
-                <xsd:element ref="ns2:VoteCount" minOccurs="0"/>
-              </xsd:all>
-            </xsd:complexType>
-          </xsd:element>
-        </xsd:sequence>
-      </xsd:complexType>
-    </xsd:element>
-  </xsd:schema>
-  <xsd:schema xmlns:xsd="http://www.w3.org/2001/XMLSchema" xmlns:xs="http://www.w3.org/2001/XMLSchema" xmlns:dms="http://schemas.microsoft.com/office/2006/documentManagement/types" xmlns:pc="http://schemas.microsoft.com/office/infopath/2007/PartnerControls" targetNamespace="4873beb7-5857-4685-be1f-d57550cc96cc" elementFormDefault="qualified">
-    <xsd:import namespace="http://schemas.microsoft.com/office/2006/documentManagement/types"/>
-    <xsd:import namespace="http://schemas.microsoft.com/office/infopath/2007/PartnerControls"/>
-    <xsd:element name="AcquiredFrom" ma:index="1" nillable="true" ma:displayName="Acquired From" ma:default="Internal MS" ma:internalName="AcquiredFrom" ma:readOnly="false">
-      <xsd:simpleType>
-        <xsd:restriction base="dms:Choice">
-          <xsd:enumeration value="Internal MS"/>
-          <xsd:enumeration value="Community"/>
-          <xsd:enumeration value="MVP"/>
-          <xsd:enumeration value="Publisher"/>
-          <xsd:enumeration value="Partner"/>
-          <xsd:enumeration value="None"/>
-        </xsd:restriction>
-      </xsd:simpleType>
-    </xsd:element>
-    <xsd:element name="UACurrentWords" ma:index="2" nillable="true" ma:displayName="Actual Word Count" ma:default="" ma:internalName="UACurrentWords" ma:readOnly="false">
-      <xsd:simpleType>
-        <xsd:restriction base="dms:Unknown"/>
-      </xsd:simpleType>
-    </xsd:element>
-    <xsd:element name="TPApplication" ma:index="3" nillable="true" ma:displayName="Application to Open Template With" ma:default="" ma:internalName="TPApplication">
-      <xsd:simpleType>
-        <xsd:restriction base="dms:Text"/>
-      </xsd:simpleType>
-    </xsd:element>
-    <xsd:element name="ApprovalLog" ma:index="4" nillable="true" ma:displayName="Approval Log" ma:default="" ma:hidden="true" ma:internalName="ApprovalLog" ma:readOnly="false">
-      <xsd:simpleType>
-        <xsd:restriction base="dms:Note"/>
-      </xsd:simpleType>
-    </xsd:element>
-    <xsd:element name="ApprovalStatus" ma:index="5" nillable="true" ma:displayName="Approval Status" ma:default="InProgress" ma:internalName="ApprovalStatus" ma:readOnly="false">
-      <xsd:simpleType>
-        <xsd:restriction base="dms:Choice">
-          <xsd:enumeration value="InProgress"/>
-          <xsd:enumeration value="Rejected"/>
-          <xsd:enumeration value="Questionable"/>
-          <xsd:enumeration value="ApprovedAutomatic"/>
-          <xsd:enumeration value="ApprovedManual"/>
-          <xsd:enumeration value="On Hold"/>
-          <xsd:enumeration value="Needs Review"/>
-          <xsd:enumeration value="A Violation"/>
-          <xsd:enumeration value="Unpublished Violation"/>
-        </xsd:restriction>
-      </xsd:simpleType>
-    </xsd:element>
-    <xsd:element name="AssetStart" ma:index="6" nillable="true" ma:displayName="Asset Begin Date" ma:default="[Today]" ma:internalName="AssetStart" ma:readOnly="false">
-      <xsd:simpleType>
-        <xsd:restriction base="dms:DateTime"/>
-      </xsd:simpleType>
-    </xsd:element>
-    <xsd:element name="AssetExpire" ma:index="7" nillable="true" ma:displayName="Asset End Date" ma:default="2029-01-01T08:00:00Z" ma:format="DateTime" ma:internalName="AssetExpire" ma:readOnly="false">
-      <xsd:simpleType>
-        <xsd:restriction base="dms:DateTime"/>
-      </xsd:simpleType>
-    </xsd:element>
-    <xsd:element name="AssetId" ma:index="8" nillable="true" ma:displayName="Asset ID" ma:default="" ma:indexed="true" ma:internalName="AssetId" ma:readOnly="false">
-      <xsd:simpleType>
-        <xsd:restriction base="dms:Text">
-          <xsd:maxLength value="255"/>
-        </xsd:restriction>
-      </xsd:simpleType>
-    </xsd:element>
-    <xsd:element name="IsSearchable" ma:index="9" nillable="true" ma:displayName="Asset Searchable?" ma:default="true" ma:internalName="IsSearchable" ma:readOnly="false">
-      <xsd:simpleType>
-        <xsd:restriction base="dms:Boolean"/>
-      </xsd:simpleType>
-    </xsd:element>
-    <xsd:element name="AssetType" ma:index="10" nillable="true" ma:displayName="Asset Type" ma:default="" ma:internalName="AssetType" ma:readOnly="false">
-      <xsd:simpleType>
-        <xsd:restriction base="dms:Unknown"/>
-      </xsd:simpleType>
-    </xsd:element>
-    <xsd:element name="APAuthor" ma:index="11" nillable="true" ma:displayName="Author" ma:default="" ma:list="UserInfo" ma:internalName="APAuthor" ma:readOnly="false">
-      <xsd:complexType>
-        <xsd:complexContent>
-          <xsd:extension base="dms:User">
-            <xsd:sequence>
-              <xsd:element name="UserInfo" minOccurs="0" maxOccurs="unbounded">
-                <xsd:complexType>
-                  <xsd:sequence>
-                    <xsd:element name="DisplayName" type="xsd:string" minOccurs="0"/>
-                    <xsd:element name="AccountId" type="dms:UserId" minOccurs="0" nillable="true"/>
-                    <xsd:element name="AccountType" type="xsd:string" minOccurs="0"/>
-                  </xsd:sequence>
-                </xsd:complexType>
-              </xsd:element>
-            </xsd:sequence>
-          </xsd:extension>
-        </xsd:complexContent>
-      </xsd:complexType>
-    </xsd:element>
-    <xsd:element name="AverageRating" ma:index="12" nillable="true" ma:displayName="Average Rating" ma:internalName="AverageRating" ma:readOnly="false">
-      <xsd:simpleType>
-        <xsd:restriction base="dms:Text"/>
-      </xsd:simpleType>
-    </xsd:element>
-    <xsd:element name="BlockPublish" ma:index="13" nillable="true" ma:displayName="Block from Publishing?" ma:default="" ma:internalName="BlockPublish" ma:readOnly="false">
-      <xsd:simpleType>
-        <xsd:restriction base="dms:Boolean"/>
-      </xsd:simpleType>
-    </xsd:element>
-    <xsd:element name="BugNumber" ma:index="14" nillable="true" ma:displayName="Bug Number" ma:default="" ma:internalName="BugNumber" ma:readOnly="false">
-      <xsd:simpleType>
-        <xsd:restriction base="dms:Text"/>
-      </xsd:simpleType>
-    </xsd:element>
-    <xsd:element name="CampaignTagsTaxHTField0" ma:index="16" nillable="true" ma:taxonomy="true" ma:internalName="CampaignTagsTaxHTField0" ma:taxonomyFieldName="CampaignTags" ma:displayName="Campaigns" ma:readOnly="false" ma:default="" ma:fieldId="{1df42cc3-2301-4f11-a52a-6ead923c29ed}" ma:taxonomyMulti="true" ma:sspId="8f79753a-75d3-41f5-8ca3-40b843941b4f" ma:termSetId="ca0e50d4-faa1-44ce-961e-bb1441c60e66" ma:anchorId="00000000-0000-0000-0000-000000000000" ma:open="false" ma:isKeyword="false">
-      <xsd:complexType>
-        <xsd:sequence>
-          <xsd:element ref="pc:Terms" minOccurs="0" maxOccurs="1"/>
-        </xsd:sequence>
-      </xsd:complexType>
-    </xsd:element>
-    <xsd:element name="TPClientViewer" ma:index="17" nillable="true" ma:displayName="Client Viewer" ma:default="" ma:internalName="TPClientViewer">
-      <xsd:simpleType>
-        <xsd:restriction base="dms:Text"/>
-      </xsd:simpleType>
-    </xsd:element>
-    <xsd:element name="ClipArtFilename" ma:index="18" nillable="true" ma:displayName="Clip Art Name" ma:default="" ma:internalName="ClipArtFilename" ma:readOnly="false">
-      <xsd:simpleType>
-        <xsd:restriction base="dms:Text"/>
-      </xsd:simpleType>
-    </xsd:element>
-    <xsd:element name="TPCommandLine" ma:index="19" nillable="true" ma:displayName="Command Line" ma:default="" ma:internalName="TPCommandLine">
-      <xsd:simpleType>
-        <xsd:restriction base="dms:Text"/>
-      </xsd:simpleType>
-    </xsd:element>
-    <xsd:element name="TPComponent" ma:index="20" nillable="true" ma:displayName="Component" ma:default="" ma:internalName="TPComponent">
-      <xsd:simpleType>
-        <xsd:restriction base="dms:Text"/>
-      </xsd:simpleType>
-    </xsd:element>
-    <xsd:element name="ContentItem" ma:index="21" nillable="true" ma:displayName="Content Item" ma:default="" ma:hidden="true" ma:internalName="ContentItem" ma:readOnly="false">
-      <xsd:simpleType>
-        <xsd:restriction base="dms:Unknown"/>
-      </xsd:simpleType>
-    </xsd:element>
-    <xsd:element name="CrawlForDependencies" ma:index="23" nillable="true" ma:displayName="Crawl for Dependencies?" ma:default="true" ma:internalName="CrawlForDependencies" ma:readOnly="false">
-      <xsd:simpleType>
-        <xsd:restriction base="dms:Boolean"/>
-      </xsd:simpleType>
-    </xsd:element>
-    <xsd:element name="CSXHash" ma:index="26" nillable="true" ma:displayName="CSX Hash" ma:default="" ma:indexed="true" ma:internalName="CSXHash" ma:readOnly="false">
-      <xsd:simpleType>
-        <xsd:restriction base="dms:Text"/>
-      </xsd:simpleType>
-    </xsd:element>
-    <xsd:element name="CSXSubmissionMarket" ma:index="27" nillable="true" ma:displayName="CSX Submission Market" ma:default="" ma:list="{2FBD1B11-2ACE-4FDC-B5A3-635D4ADF6F1B}" ma:internalName="CSXSubmissionMarket" ma:readOnly="false" ma:showField="MarketName" ma:web="4873beb7-5857-4685-be1f-d57550cc96cc">
-      <xsd:simpleType>
-        <xsd:restriction base="dms:Lookup"/>
-      </xsd:simpleType>
-    </xsd:element>
-    <xsd:element name="CSXUpdate" ma:index="28" nillable="true" ma:displayName="CSX Updated?" ma:default="false" ma:internalName="CSXUpdate" ma:readOnly="false">
-      <xsd:simpleType>
-        <xsd:restriction base="dms:Boolean"/>
-      </xsd:simpleType>
-    </xsd:element>
-    <xsd:element name="IntlLangReviewDate" ma:index="29" nillable="true" ma:displayName="Date to Complete Intl QA" ma:default="" ma:internalName="IntlLangReviewDate" ma:readOnly="false">
-      <xsd:simpleType>
-        <xsd:restriction base="dms:DateTime"/>
-      </xsd:simpleType>
-    </xsd:element>
-    <xsd:element name="IsDeleted" ma:index="30" nillable="true" ma:displayName="Deleted?" ma:default="" ma:internalName="IsDeleted" ma:readOnly="false">
-      <xsd:simpleType>
-        <xsd:restriction base="dms:Boolean"/>
-      </xsd:simpleType>
-    </xsd:element>
-    <xsd:element name="APDescription" ma:index="31" nillable="true" ma:displayName="Description" ma:default="" ma:internalName="APDescription" ma:readOnly="false">
-      <xsd:simpleType>
-        <xsd:restriction base="dms:Note"/>
-      </xsd:simpleType>
-    </xsd:element>
-    <xsd:element name="DirectSourceMarket" ma:index="32" nillable="true" ma:displayName="Direct Source Market Group" ma:default="" ma:internalName="DirectSourceMarket" ma:readOnly="false">
-      <xsd:simpleType>
-        <xsd:restriction base="dms:Text"/>
-      </xsd:simpleType>
-    </xsd:element>
-    <xsd:element name="Downloads" ma:index="33" nillable="true" ma:displayName="Downloads" ma:default="0" ma:hidden="true" ma:internalName="Downloads" ma:readOnly="false">
-      <xsd:simpleType>
-        <xsd:restriction base="dms:Unknown"/>
-      </xsd:simpleType>
-    </xsd:element>
-    <xsd:element name="DSATActionTaken" ma:index="34" nillable="true" ma:displayName="DSAT Action Taken" ma:default="" ma:internalName="DSATActionTaken" ma:readOnly="false">
-      <xsd:simpleType>
-        <xsd:restriction base="dms:Choice">
-          <xsd:enumeration value="Best Bets"/>
-          <xsd:enumeration value="Expire"/>
-          <xsd:enumeration value="Hide"/>
-          <xsd:enumeration value="None"/>
-        </xsd:restriction>
-      </xsd:simpleType>
-    </xsd:element>
-    <xsd:element name="APEditor" ma:index="35" nillable="true" ma:displayName="Editor" ma:default="" ma:list="UserInfo" ma:internalName="APEditor" ma:readOnly="false">
-      <xsd:complexType>
-        <xsd:complexContent>
-          <xsd:extension base="dms:User">
-            <xsd:sequence>
-              <xsd:element name="UserInfo" minOccurs="0" maxOccurs="unbounded">
-                <xsd:complexType>
-                  <xsd:sequence>
-                    <xsd:element name="DisplayName" type="xsd:string" minOccurs="0"/>
-                    <xsd:element name="AccountId" type="dms:UserId" minOccurs="0" nillable="true"/>
-                    <xsd:element name="AccountType" type="xsd:string" minOccurs="0"/>
-                  </xsd:sequence>
-                </xsd:complexType>
-              </xsd:element>
-            </xsd:sequence>
-          </xsd:extension>
-        </xsd:complexContent>
-      </xsd:complexType>
-    </xsd:element>
-    <xsd:element name="EditorialStatus" ma:index="36" nillable="true" ma:displayName="Editorial Status" ma:default="" ma:internalName="EditorialStatus" ma:readOnly="false">
-      <xsd:simpleType>
-        <xsd:restriction base="dms:Unknown"/>
-      </xsd:simpleType>
-    </xsd:element>
-    <xsd:element name="EditorialTags" ma:index="37" nillable="true" ma:displayName="Editorial Tags" ma:default="" ma:internalName="EditorialTags">
-      <xsd:simpleType>
-        <xsd:restriction base="dms:Unknown"/>
-      </xsd:simpleType>
-    </xsd:element>
-    <xsd:element name="TPExecutable" ma:index="38" nillable="true" ma:displayName="Executable" ma:default="" ma:internalName="TPExecutable">
-      <xsd:simpleType>
-        <xsd:restriction base="dms:Text"/>
-      </xsd:simpleType>
-    </xsd:element>
-    <xsd:element name="FeatureTagsTaxHTField0" ma:index="40" nillable="true" ma:taxonomy="true" ma:internalName="FeatureTagsTaxHTField0" ma:taxonomyFieldName="FeatureTags" ma:displayName="Features" ma:readOnly="false" ma:default="" ma:fieldId="{7fc0d542-15c6-4882-a8e3-13bca44403fb}" ma:taxonomyMulti="true" ma:sspId="8f79753a-75d3-41f5-8ca3-40b843941b4f" ma:termSetId="f1ab6845-967d-4854-a0ba-4ec07f0f8113" ma:anchorId="00000000-0000-0000-0000-000000000000" ma:open="false" ma:isKeyword="false">
-      <xsd:complexType>
-        <xsd:sequence>
-          <xsd:element ref="pc:Terms" minOccurs="0" maxOccurs="1"/>
-        </xsd:sequence>
-      </xsd:complexType>
-    </xsd:element>
-    <xsd:element name="TPFriendlyName" ma:index="41" nillable="true" ma:displayName="Friendly Name" ma:default="" ma:internalName="TPFriendlyName">
-      <xsd:simpleType>
-        <xsd:restriction base="dms:Text"/>
-      </xsd:simpleType>
-    </xsd:element>
-    <xsd:element name="FriendlyTitle" ma:index="42" nillable="true" ma:displayName="Friendly Title" ma:default="" ma:description="Shorter title to be used when displaying search results" ma:internalName="FriendlyTitle" ma:readOnly="false">
-      <xsd:simpleType>
-        <xsd:restriction base="dms:Text"/>
-      </xsd:simpleType>
-    </xsd:element>
-    <xsd:element name="PrimaryImageGen" ma:index="43" nillable="true" ma:displayName="Generate Images?" ma:default="true" ma:internalName="PrimaryImageGen">
-      <xsd:simpleType>
-        <xsd:restriction base="dms:Boolean"/>
-      </xsd:simpleType>
-    </xsd:element>
-    <xsd:element name="HandoffToMSDN" ma:index="44" nillable="true" ma:displayName="Handoff To MSDN Date" ma:default="" ma:internalName="HandoffToMSDN" ma:readOnly="false">
-      <xsd:simpleType>
-        <xsd:restriction base="dms:DateTime"/>
-      </xsd:simpleType>
-    </xsd:element>
-    <xsd:element name="InProjectListLookup" ma:index="45" nillable="true" ma:displayName="InProjectListLookup" ma:list="{9E343742-310B-4684-A24C-1D137CB4B230}" ma:internalName="InProjectListLookup" ma:readOnly="true" ma:showField="InProjectList" ma:web="4873beb7-5857-4685-be1f-d57550cc96cc">
-      <xsd:complexType>
-        <xsd:complexContent>
-          <xsd:extension base="dms:MultiChoiceLookup">
-            <xsd:sequence>
-              <xsd:element name="Value" type="dms:Lookup" maxOccurs="unbounded" minOccurs="0" nillable="true"/>
-            </xsd:sequence>
-          </xsd:extension>
-        </xsd:complexContent>
-      </xsd:complexType>
-    </xsd:element>
-    <xsd:element name="TPInstallLocation" ma:index="46" nillable="true" ma:displayName="Install Location" ma:default="" ma:internalName="TPInstallLocation">
-      <xsd:simpleType>
-        <xsd:restriction base="dms:Text"/>
-      </xsd:simpleType>
-    </xsd:element>
-    <xsd:element name="InternalTagsTaxHTField0" ma:index="48" nillable="true" ma:taxonomy="true" ma:internalName="InternalTagsTaxHTField0" ma:taxonomyFieldName="InternalTags" ma:displayName="Internal Tags" ma:readOnly="false" ma:default="" ma:fieldId="{1490b8a4-2706-41ec-b5e3-73176dccf34e}" ma:taxonomyMulti="true" ma:sspId="8f79753a-75d3-41f5-8ca3-40b843941b4f" ma:termSetId="82b6639e-f7fc-4c18-ad2d-003a6e707765" ma:anchorId="00000000-0000-0000-0000-000000000000" ma:open="false" ma:isKeyword="false">
-      <xsd:complexType>
-        <xsd:sequence>
-          <xsd:element ref="pc:Terms" minOccurs="0" maxOccurs="1"/>
-        </xsd:sequence>
-      </xsd:complexType>
-    </xsd:element>
-    <xsd:element name="IntlLangReview" ma:index="49" nillable="true" ma:displayName="Intl Lang QA Review Required?" ma:default="" ma:internalName="IntlLangReview" ma:readOnly="false">
-      <xsd:simpleType>
-        <xsd:restriction base="dms:Boolean"/>
-      </xsd:simpleType>
-    </xsd:element>
-    <xsd:element name="IntlLangReviewer" ma:index="50" nillable="true" ma:displayName="Intl Lang QA Reviewer" ma:default="" ma:internalName="IntlLangReviewer" ma:readOnly="false">
-      <xsd:simpleType>
-        <xsd:restriction base="dms:Text"/>
-      </xsd:simpleType>
-    </xsd:element>
-    <xsd:element name="MarketSpecific" ma:index="51" nillable="true" ma:displayName="Is Market Specific?" ma:default="" ma:internalName="MarketSpecific" ma:readOnly="false">
-      <xsd:simpleType>
-        <xsd:restriction base="dms:Boolean"/>
-      </xsd:simpleType>
-    </xsd:element>
-    <xsd:element name="LastCompleteVersionLookup" ma:index="52" nillable="true" ma:displayName="Last Complete Version Lookup" ma:default="" ma:list="{9E343742-310B-4684-A24C-1D137CB4B230}" ma:internalName="LastCompleteVersionLookup" ma:readOnly="true" ma:showField="LastCompleteVersion" ma:web="4873beb7-5857-4685-be1f-d57550cc96cc">
-      <xsd:complexType>
-        <xsd:complexContent>
-          <xsd:extension base="dms:MultiChoiceLookup">
-            <xsd:sequence>
-              <xsd:element name="Value" type="dms:Lookup" maxOccurs="unbounded" minOccurs="0" nillable="true"/>
-            </xsd:sequence>
-          </xsd:extension>
-        </xsd:complexContent>
-      </xsd:complexType>
-    </xsd:element>
-    <xsd:element name="LastHandOff" ma:index="53" nillable="true" ma:displayName="Last Hand-off" ma:default="" ma:internalName="LastHandOff" ma:readOnly="false">
-      <xsd:simpleType>
-        <xsd:restriction base="dms:DateTime"/>
-      </xsd:simpleType>
-    </xsd:element>
-    <xsd:element name="LastModifiedDateTime" ma:index="54" nillable="true" ma:displayName="Last Modified Date" ma:default="" ma:internalName="LastModifiedDateTime" ma:readOnly="false">
-      <xsd:simpleType>
-        <xsd:restriction base="dms:DateTime"/>
-      </xsd:simpleType>
-    </xsd:element>
-    <xsd:element name="LastPreviewErrorLookup" ma:index="55" nillable="true" ma:displayName="Last Preview Attempt Error" ma:default="" ma:list="{9E343742-310B-4684-A24C-1D137CB4B230}" ma:internalName="LastPreviewErrorLookup" ma:readOnly="true" ma:showField="LastPreviewError" ma:web="4873beb7-5857-4685-be1f-d57550cc96cc">
-      <xsd:complexType>
-        <xsd:complexContent>
-          <xsd:extension base="dms:MultiChoiceLookup">
-            <xsd:sequence>
-              <xsd:element name="Value" type="dms:Lookup" maxOccurs="unbounded" minOccurs="0" nillable="true"/>
-            </xsd:sequence>
-          </xsd:extension>
-        </xsd:complexContent>
-      </xsd:complexType>
-    </xsd:element>
-    <xsd:element name="LastPreviewResultLookup" ma:index="56" nillable="true" ma:displayName="Last Preview Attempt Result" ma:default="" ma:list="{9E343742-310B-4684-A24C-1D137CB4B230}" ma:internalName="LastPreviewResultLookup" ma:readOnly="true" ma:showField="LastPreviewResult" ma:web="4873beb7-5857-4685-be1f-d57550cc96cc">
-      <xsd:complexType>
-        <xsd:complexContent>
-          <xsd:extension base="dms:MultiChoiceLookup">
-            <xsd:sequence>
-              <xsd:element name="Value" type="dms:Lookup" maxOccurs="unbounded" minOccurs="0" nillable="true"/>
-            </xsd:sequence>
-          </xsd:extension>
-        </xsd:complexContent>
-      </xsd:complexType>
-    </xsd:element>
-    <xsd:element name="LastPreviewAttemptDateLookup" ma:index="57" nillable="true" ma:displayName="Last Preview Attempted On" ma:default="" ma:list="{9E343742-310B-4684-A24C-1D137CB4B230}" ma:internalName="LastPreviewAttemptDateLookup" ma:readOnly="true" ma:showField="LastPreviewAttemptDate" ma:web="4873beb7-5857-4685-be1f-d57550cc96cc">
-      <xsd:complexType>
-        <xsd:complexContent>
-          <xsd:extension base="dms:MultiChoiceLookup">
-            <xsd:sequence>
-              <xsd:element name="Value" type="dms:Lookup" maxOccurs="unbounded" minOccurs="0" nillable="true"/>
-            </xsd:sequence>
-          </xsd:extension>
-        </xsd:complexContent>
-      </xsd:complexType>
-    </xsd:element>
-    <xsd:element name="LastPreviewedByLookup" ma:index="58" nillable="true" ma:displayName="Last Previewed By" ma:default="" ma:list="{9E343742-310B-4684-A24C-1D137CB4B230}" ma:internalName="LastPreviewedByLookup" ma:readOnly="true" ma:showField="LastPreviewedBy" ma:web="4873beb7-5857-4685-be1f-d57550cc96cc">
-      <xsd:complexType>
-        <xsd:complexContent>
-          <xsd:extension base="dms:MultiChoiceLookup">
-            <xsd:sequence>
-              <xsd:element name="Value" type="dms:Lookup" maxOccurs="unbounded" minOccurs="0" nillable="true"/>
-            </xsd:sequence>
-          </xsd:extension>
-        </xsd:complexContent>
-      </xsd:complexType>
-    </xsd:element>
-    <xsd:element name="LastPreviewTimeLookup" ma:index="59" nillable="true" ma:displayName="Last Previewed Date" ma:default="" ma:list="{9E343742-310B-4684-A24C-1D137CB4B230}" ma:internalName="LastPreviewTimeLookup" ma:readOnly="true" ma:showField="LastPreviewTime" ma:web="4873beb7-5857-4685-be1f-d57550cc96cc">
-      <xsd:complexType>
-        <xsd:complexContent>
-          <xsd:extension base="dms:MultiChoiceLookup">
-            <xsd:sequence>
-              <xsd:element name="Value" type="dms:Lookup" maxOccurs="unbounded" minOccurs="0" nillable="true"/>
-            </xsd:sequence>
-          </xsd:extension>
-        </xsd:complexContent>
-      </xsd:complexType>
-    </xsd:element>
-    <xsd:element name="LastPreviewVersionLookup" ma:index="60" nillable="true" ma:displayName="Last Previewed Version" ma:default="" ma:list="{9E343742-310B-4684-A24C-1D137CB4B230}" ma:internalName="LastPreviewVersionLookup" ma:readOnly="true" ma:showField="LastPreviewVersion" ma:web="4873beb7-5857-4685-be1f-d57550cc96cc">
-      <xsd:complexType>
-        <xsd:complexContent>
-          <xsd:extension base="dms:MultiChoiceLookup">
-            <xsd:sequence>
-              <xsd:element name="Value" type="dms:Lookup" maxOccurs="unbounded" minOccurs="0" nillable="true"/>
-            </xsd:sequence>
-          </xsd:extension>
-        </xsd:complexContent>
-      </xsd:complexType>
-    </xsd:element>
-    <xsd:element name="LastPublishErrorLookup" ma:index="61" nillable="true" ma:displayName="Last Publish Attempt Error" ma:default="" ma:list="{9E343742-310B-4684-A24C-1D137CB4B230}" ma:internalName="LastPublishErrorLookup" ma:readOnly="true" ma:showField="LastPublishError" ma:web="4873beb7-5857-4685-be1f-d57550cc96cc">
-      <xsd:complexType>
-        <xsd:complexContent>
-          <xsd:extension base="dms:MultiChoiceLookup">
-            <xsd:sequence>
-              <xsd:element name="Value" type="dms:Lookup" maxOccurs="unbounded" minOccurs="0" nillable="true"/>
-            </xsd:sequence>
-          </xsd:extension>
-        </xsd:complexContent>
-      </xsd:complexType>
-    </xsd:element>
-    <xsd:element name="LastPublishResultLookup" ma:index="62" nillable="true" ma:displayName="Last Publish Attempt Result" ma:default="" ma:list="{9E343742-310B-4684-A24C-1D137CB4B230}" ma:internalName="LastPublishResultLookup" ma:readOnly="true" ma:showField="LastPublishResult" ma:web="4873beb7-5857-4685-be1f-d57550cc96cc">
-      <xsd:complexType>
-        <xsd:complexContent>
-          <xsd:extension base="dms:MultiChoiceLookup">
-            <xsd:sequence>
-              <xsd:element name="Value" type="dms:Lookup" maxOccurs="unbounded" minOccurs="0" nillable="true"/>
-            </xsd:sequence>
-          </xsd:extension>
-        </xsd:complexContent>
-      </xsd:complexType>
-    </xsd:element>
-    <xsd:element name="LastPublishAttemptDateLookup" ma:index="63" nillable="true" ma:displayName="Last Publish Attempted On" ma:default="" ma:list="{9E343742-310B-4684-A24C-1D137CB4B230}" ma:internalName="LastPublishAttemptDateLookup" ma:readOnly="true" ma:showField="LastPublishAttemptDate" ma:web="4873beb7-5857-4685-be1f-d57550cc96cc">
-      <xsd:complexType>
-        <xsd:complexContent>
-          <xsd:extension base="dms:MultiChoiceLookup">
-            <xsd:sequence>
-              <xsd:element name="Value" type="dms:Lookup" maxOccurs="unbounded" minOccurs="0" nillable="true"/>
-            </xsd:sequence>
-          </xsd:extension>
-        </xsd:complexContent>
-      </xsd:complexType>
-    </xsd:element>
-    <xsd:element name="LastPublishedByLookup" ma:index="64" nillable="true" ma:displayName="Last Published By" ma:default="" ma:list="{9E343742-310B-4684-A24C-1D137CB4B230}" ma:internalName="LastPublishedByLookup" ma:readOnly="true" ma:showField="LastPublishedBy" ma:web="4873beb7-5857-4685-be1f-d57550cc96cc">
-      <xsd:complexType>
-        <xsd:complexContent>
-          <xsd:extension base="dms:MultiChoiceLookup">
-            <xsd:sequence>
-              <xsd:element name="Value" type="dms:Lookup" maxOccurs="unbounded" minOccurs="0" nillable="true"/>
-            </xsd:sequence>
-          </xsd:extension>
-        </xsd:complexContent>
-      </xsd:complexType>
-    </xsd:element>
-    <xsd:element name="LastPublishTimeLookup" ma:index="65" nillable="true" ma:displayName="Last Published Date" ma:default="" ma:list="{9E343742-310B-4684-A24C-1D137CB4B230}" ma:internalName="LastPublishTimeLookup" ma:readOnly="true" ma:showField="LastPublishTime" ma:web="4873beb7-5857-4685-be1f-d57550cc96cc">
-      <xsd:complexType>
-        <xsd:complexContent>
-          <xsd:extension base="dms:MultiChoiceLookup">
-            <xsd:sequence>
-              <xsd:element name="Value" type="dms:Lookup" maxOccurs="unbounded" minOccurs="0" nillable="true"/>
-            </xsd:sequence>
-          </xsd:extension>
-        </xsd:complexContent>
-      </xsd:complexType>
-    </xsd:element>
-    <xsd:element name="LastPublishVersionLookup" ma:index="66" nillable="true" ma:displayName="Last Published Version" ma:default="" ma:list="{9E343742-310B-4684-A24C-1D137CB4B230}" ma:internalName="LastPublishVersionLookup" ma:readOnly="true" ma:showField="LastPublishVersion" ma:web="4873beb7-5857-4685-be1f-d57550cc96cc">
-      <xsd:complexType>
-        <xsd:complexContent>
-          <xsd:extension base="dms:MultiChoiceLookup">
-            <xsd:sequence>
-              <xsd:element name="Value" type="dms:Lookup" maxOccurs="unbounded" minOccurs="0" nillable="true"/>
-            </xsd:sequence>
-          </xsd:extension>
-        </xsd:complexContent>
-      </xsd:complexType>
-    </xsd:element>
-    <xsd:element name="TPLaunchHelpLinkType" ma:index="67" nillable="true" ma:displayName="Launch Help Link Type" ma:default="Template" ma:internalName="TPLaunchHelpLinkType">
-      <xsd:simpleType>
-        <xsd:restriction base="dms:Choice">
-          <xsd:enumeration value="Template"/>
-          <xsd:enumeration value="Training"/>
-          <xsd:enumeration value="URL"/>
-          <xsd:enumeration value="None"/>
-        </xsd:restriction>
-      </xsd:simpleType>
-    </xsd:element>
-    <xsd:element name="LegacyData" ma:index="68" nillable="true" ma:displayName="Legacy Data" ma:default="" ma:internalName="LegacyData" ma:readOnly="false">
-      <xsd:simpleType>
-        <xsd:restriction base="dms:Note"/>
-      </xsd:simpleType>
-    </xsd:element>
-    <xsd:element name="TPLaunchHelpLink" ma:index="69" nillable="true" ma:displayName="Link to Launch Help Topic" ma:default="" ma:internalName="TPLaunchHelpLink">
-      <xsd:simpleType>
-        <xsd:restriction base="dms:Text"/>
-      </xsd:simpleType>
-    </xsd:element>
-    <xsd:element name="LocComments" ma:index="70" nillable="true" ma:displayName="Loc Approval Comments" ma:default="" ma:internalName="LocComments" ma:readOnly="false">
-      <xsd:simpleType>
-        <xsd:restriction base="dms:Note"/>
-      </xsd:simpleType>
-    </xsd:element>
-    <xsd:element name="LocLastLocAttemptVersionLookup" ma:index="71" nillable="true" ma:displayName="Loc Last Loc Attempt Version" ma:default="" ma:list="{7DD1DCEC-E449-43D3-891F-7DC62F62AD21}" ma:internalName="LocLastLocAttemptVersionLookup" ma:readOnly="false" ma:showField="LastLocAttemptVersion" ma:web="4873beb7-5857-4685-be1f-d57550cc96cc">
-      <xsd:simpleType>
-        <xsd:restriction base="dms:Lookup"/>
-      </xsd:simpleType>
-    </xsd:element>
-    <xsd:element name="LocLastLocAttemptVersionTypeLookup" ma:index="72" nillable="true" ma:displayName="Loc Last Loc Attempt Version Type" ma:default="" ma:list="{7DD1DCEC-E449-43D3-891F-7DC62F62AD21}" ma:internalName="LocLastLocAttemptVersionTypeLookup" ma:readOnly="true" ma:showField="LastLocAttemptVersionType" ma:web="4873beb7-5857-4685-be1f-d57550cc96cc">
-      <xsd:simpleType>
-        <xsd:restriction base="dms:Lookup"/>
-      </xsd:simpleType>
-    </xsd:element>
-    <xsd:element name="LocManualTestRequired" ma:index="73" nillable="true" ma:displayName="Loc Manual Test Required" ma:default="" ma:internalName="LocManualTestRequired" ma:readOnly="false">
-      <xsd:simpleType>
-        <xsd:restriction base="dms:Boolean"/>
-      </xsd:simpleType>
-    </xsd:element>
-    <xsd:element name="LocMarketGroupTiers2" ma:index="74" nillable="true" ma:displayName="Loc Market Group Tiers" ma:internalName="LocMarketGroupTiers2" ma:readOnly="false">
-      <xsd:simpleType>
-        <xsd:restriction base="dms:Unknown"/>
-      </xsd:simpleType>
-    </xsd:element>
-    <xsd:element name="LocNewPublishedVersionLookup" ma:index="75" nillable="true" ma:displayName="Loc New Published Version Lookup" ma:default="" ma:list="{7DD1DCEC-E449-43D3-891F-7DC62F62AD21}" ma:internalName="LocNewPublishedVersionLookup" ma:readOnly="true" ma:showField="NewPublishedVersion" ma:web="4873beb7-5857-4685-be1f-d57550cc96cc">
-      <xsd:simpleType>
-        <xsd:restriction base="dms:Lookup"/>
-      </xsd:simpleType>
-    </xsd:element>
-    <xsd:element name="LocOverallHandbackStatusLookup" ma:index="76" nillable="true" ma:displayName="Loc Overall Handback Status" ma:default="" ma:list="{7DD1DCEC-E449-43D3-891F-7DC62F62AD21}" ma:internalName="LocOverallHandbackStatusLookup" ma:readOnly="true" ma:showField="OverallHandbackStatus" ma:web="4873beb7-5857-4685-be1f-d57550cc96cc">
-      <xsd:simpleType>
-        <xsd:restriction base="dms:Lookup"/>
-      </xsd:simpleType>
-    </xsd:element>
-    <xsd:element name="LocOverallLocStatusLookup" ma:index="77" nillable="true" ma:displayName="Loc Overall Localize Status" ma:default="" ma:list="{7DD1DCEC-E449-43D3-891F-7DC62F62AD21}" ma:internalName="LocOverallLocStatusLookup" ma:readOnly="true" ma:showField="OverallLocStatus" ma:web="4873beb7-5857-4685-be1f-d57550cc96cc">
-      <xsd:simpleType>
-        <xsd:restriction base="dms:Lookup"/>
-      </xsd:simpleType>
-    </xsd:element>
-    <xsd:element name="LocOverallPreviewStatusLookup" ma:index="78" nillable="true" ma:displayName="Loc Overall Preview Status" ma:default="" ma:list="{7DD1DCEC-E449-43D3-891F-7DC62F62AD21}" ma:internalName="LocOverallPreviewStatusLookup" ma:readOnly="true" ma:showField="OverallPreviewStatus" ma:web="4873beb7-5857-4685-be1f-d57550cc96cc">
-      <xsd:simpleType>
-        <xsd:restriction base="dms:Lookup"/>
-      </xsd:simpleType>
-    </xsd:element>
-    <xsd:element name="LocOverallPublishStatusLookup" ma:index="79" nillable="true" ma:displayName="Loc Overall Publish Status" ma:default="" ma:list="{7DD1DCEC-E449-43D3-891F-7DC62F62AD21}" ma:internalName="LocOverallPublishStatusLookup" ma:readOnly="true" ma:showField="OverallPublishStatus" ma:web="4873beb7-5857-4685-be1f-d57550cc96cc">
-      <xsd:simpleType>
-        <xsd:restriction base="dms:Lookup"/>
-      </xsd:simpleType>
-    </xsd:element>
-    <xsd:element name="IntlLocPriority" ma:index="80" nillable="true" ma:displayName="Loc Priority" ma:default="" ma:internalName="IntlLocPriority" ma:readOnly="false">
-      <xsd:simpleType>
-        <xsd:restriction base="dms:Unknown"/>
-      </xsd:simpleType>
-    </xsd:element>
-    <xsd:element name="LocProcessedForHandoffsLookup" ma:index="81" nillable="true" ma:displayName="Loc Processed For Handoffs" ma:default="" ma:list="{7DD1DCEC-E449-43D3-891F-7DC62F62AD21}" ma:internalName="LocProcessedForHandoffsLookup" ma:readOnly="true" ma:showField="ProcessedForHandoffs" ma:web="4873beb7-5857-4685-be1f-d57550cc96cc">
-      <xsd:simpleType>
-        <xsd:restriction base="dms:Lookup"/>
-      </xsd:simpleType>
-    </xsd:element>
-    <xsd:element name="LocProcessedForMarketsLookup" ma:index="82" nillable="true" ma:displayName="Loc Processed For Markets" ma:default="" ma:list="{7DD1DCEC-E449-43D3-891F-7DC62F62AD21}" ma:internalName="LocProcessedForMarketsLookup" ma:readOnly="true" ma:showField="ProcessedForMarkets" ma:web="4873beb7-5857-4685-be1f-d57550cc96cc">
-      <xsd:simpleType>
-        <xsd:restriction base="dms:Lookup"/>
-      </xsd:simpleType>
-    </xsd:element>
-    <xsd:element name="LocPublishedDependentAssetsLookup" ma:index="83" nillable="true" ma:displayName="Loc Published Dependent Assets" ma:default="" ma:list="{7DD1DCEC-E449-43D3-891F-7DC62F62AD21}" ma:internalName="LocPublishedDependentAssetsLookup" ma:readOnly="true" ma:showField="PublishedDependentAssets" ma:web="4873beb7-5857-4685-be1f-d57550cc96cc">
-      <xsd:simpleType>
-        <xsd:restriction base="dms:Lookup"/>
-      </xsd:simpleType>
-    </xsd:element>
-    <xsd:element name="LocPublishedLinkedAssetsLookup" ma:index="84" nillable="true" ma:displayName="Loc Published Linked Assets" ma:default="" ma:list="{7DD1DCEC-E449-43D3-891F-7DC62F62AD21}" ma:internalName="LocPublishedLinkedAssetsLookup" ma:readOnly="true" ma:showField="PublishedLinkedAssets" ma:web="4873beb7-5857-4685-be1f-d57550cc96cc">
-      <xsd:simpleType>
-        <xsd:restriction base="dms:Lookup"/>
-      </xsd:simpleType>
-    </xsd:element>
-    <xsd:element name="LocRecommendedHandoff" ma:index="85" nillable="true" ma:displayName="Loc Recommended Handoff" ma:default="" ma:indexed="true" ma:internalName="LocRecommendedHandoff" ma:readOnly="false">
-      <xsd:simpleType>
-        <xsd:restriction base="dms:Text"/>
-      </xsd:simpleType>
-    </xsd:element>
-    <xsd:element name="LocalizationTagsTaxHTField0" ma:index="87" nillable="true" ma:taxonomy="true" ma:internalName="LocalizationTagsTaxHTField0" ma:taxonomyFieldName="LocalizationTags" ma:displayName="Localization Tags" ma:readOnly="false" ma:default="" ma:fieldId="{00f02cb3-2c7c-424a-9c61-10e9b6878429}" ma:taxonomyMulti="true" ma:sspId="8f79753a-75d3-41f5-8ca3-40b843941b4f" ma:termSetId="5b7703a5-8e8b-4b58-8b31-1cea35331da3" ma:anchorId="00000000-0000-0000-0000-000000000000" ma:open="false" ma:isKeyword="false">
-      <xsd:complexType>
-        <xsd:sequence>
-          <xsd:element ref="pc:Terms" minOccurs="0" maxOccurs="1"/>
-        </xsd:sequence>
-      </xsd:complexType>
-    </xsd:element>
-    <xsd:element name="MachineTranslated" ma:index="88" nillable="true" ma:displayName="Machine Translated" ma:default="" ma:internalName="MachineTranslated" ma:readOnly="false">
-      <xsd:simpleType>
-        <xsd:restriction base="dms:Boolean"/>
-      </xsd:simpleType>
-    </xsd:element>
-    <xsd:element name="Manager" ma:index="89" nillable="true" ma:displayName="Manager" ma:hidden="true" ma:internalName="Manager" ma:readOnly="false">
-      <xsd:simpleType>
-        <xsd:restriction base="dms:Text"/>
-      </xsd:simpleType>
-    </xsd:element>
-    <xsd:element name="Markets" ma:index="90" nillable="true" ma:displayName="Markets" ma:default="" ma:description="Leave blank to show in all markets" ma:list="{2FBD1B11-2ACE-4FDC-B5A3-635D4ADF6F1B}" ma:internalName="Markets" ma:readOnly="false" ma:showField="MarketName" ma:web="4873beb7-5857-4685-be1f-d57550cc96cc">
-      <xsd:complexType>
-        <xsd:complexContent>
-          <xsd:extension base="dms:MultiChoiceLookup">
-            <xsd:sequence>
-              <xsd:element name="Value" type="dms:Lookup" maxOccurs="unbounded" minOccurs="0" nillable="true"/>
-            </xsd:sequence>
-          </xsd:extension>
-        </xsd:complexContent>
-      </xsd:complexType>
-    </xsd:element>
-    <xsd:element name="Milestone" ma:index="91" nillable="true" ma:displayName="Milestone" ma:default="" ma:internalName="Milestone" ma:readOnly="false">
-      <xsd:simpleType>
-        <xsd:restriction base="dms:Unknown"/>
-      </xsd:simpleType>
-    </xsd:element>
-    <xsd:element name="TPNamespace" ma:index="94" nillable="true" ma:displayName="Namespace" ma:default="" ma:internalName="TPNamespace">
-      <xsd:simpleType>
-        <xsd:restriction base="dms:Text"/>
-      </xsd:simpleType>
-    </xsd:element>
-    <xsd:element name="NumericId" ma:index="95" nillable="true" ma:displayName="Numeric ID" ma:default="" ma:indexed="true" ma:internalName="NumericId" ma:readOnly="false">
-      <xsd:simpleType>
-        <xsd:restriction base="dms:Number"/>
-      </xsd:simpleType>
-    </xsd:element>
-    <xsd:element name="NumOfRatingsLookup" ma:index="96" nillable="true" ma:displayName="NumOfRatings" ma:default="" ma:list="{9E343742-310B-4684-A24C-1D137CB4B230}" ma:internalName="NumOfRatingsLookup" ma:readOnly="true" ma:showField="NumOfRatings" ma:web="4873beb7-5857-4685-be1f-d57550cc96cc">
-      <xsd:complexType>
-        <xsd:complexContent>
-          <xsd:extension base="dms:MultiChoiceLookup">
-            <xsd:sequence>
-              <xsd:element name="Value" type="dms:Lookup" maxOccurs="unbounded" minOccurs="0" nillable="true"/>
-            </xsd:sequence>
-          </xsd:extension>
-        </xsd:complexContent>
-      </xsd:complexType>
-    </xsd:element>
-    <xsd:element name="OOCacheId" ma:index="97" nillable="true" ma:displayName="OOCacheId" ma:internalName="OOCacheId" ma:readOnly="false">
-      <xsd:simpleType>
-        <xsd:restriction base="dms:Text"/>
-      </xsd:simpleType>
-    </xsd:element>
-    <xsd:element name="OpenTemplate" ma:index="98" nillable="true" ma:displayName="Open Template" ma:default="true" ma:internalName="OpenTemplate">
-      <xsd:simpleType>
-        <xsd:restriction base="dms:Boolean"/>
-      </xsd:simpleType>
-    </xsd:element>
-    <xsd:element name="OriginAsset" ma:index="99" nillable="true" ma:displayName="Origin Asset" ma:default="" ma:internalName="OriginAsset" ma:readOnly="false">
-      <xsd:simpleType>
-        <xsd:restriction base="dms:Text"/>
-      </xsd:simpleType>
-    </xsd:element>
-    <xsd:element name="OriginalRelease" ma:index="100" nillable="true" ma:displayName="Original Release" ma:default="15" ma:internalName="OriginalRelease" ma:readOnly="false">
-      <xsd:simpleType>
-        <xsd:restriction base="dms:Choice">
-          <xsd:enumeration value="14"/>
-          <xsd:enumeration value="15"/>
-          <xsd:enumeration value="16"/>
-        </xsd:restriction>
-      </xsd:simpleType>
-    </xsd:element>
-    <xsd:element name="OriginalSourceMarket" ma:index="101" nillable="true" ma:displayName="Original Source Market Group" ma:default="" ma:internalName="OriginalSourceMarket" ma:readOnly="false">
-      <xsd:simpleType>
-        <xsd:restriction base="dms:Text"/>
-      </xsd:simpleType>
-    </xsd:element>
-    <xsd:element name="OutputCachingOn" ma:index="102" nillable="true" ma:displayName="Output Caching" ma:default="true" ma:hidden="true" ma:internalName="OutputCachingOn" ma:readOnly="false">
-      <xsd:simpleType>
-        <xsd:restriction base="dms:Boolean"/>
-      </xsd:simpleType>
-    </xsd:element>
-    <xsd:element name="ParentAssetId" ma:index="103" nillable="true" ma:displayName="Parent Asset Id" ma:default="" ma:internalName="ParentAssetId" ma:readOnly="false">
-      <xsd:simpleType>
-        <xsd:restriction base="dms:Text"/>
-      </xsd:simpleType>
-    </xsd:element>
-    <xsd:element name="PlannedPubDate" ma:index="104" nillable="true" ma:displayName="Planned Publish Date" ma:default="" ma:indexed="true" ma:internalName="PlannedPubDate" ma:readOnly="false">
-      <xsd:simpleType>
-        <xsd:restriction base="dms:DateTime"/>
-      </xsd:simpleType>
-    </xsd:element>
-    <xsd:element name="PolicheckWords" ma:index="105" nillable="true" ma:displayName="Policheck Words" ma:default="" ma:internalName="PolicheckWords" ma:readOnly="false">
-      <xsd:simpleType>
-        <xsd:restriction base="dms:Text"/>
-      </xsd:simpleType>
-    </xsd:element>
-    <xsd:element name="BusinessGroup" ma:index="106" nillable="true" ma:displayName="Product Division Owner" ma:default="" ma:internalName="BusinessGroup" ma:readOnly="false">
-      <xsd:simpleType>
-        <xsd:restriction base="dms:Unknown"/>
-      </xsd:simpleType>
-    </xsd:element>
-    <xsd:element name="UAProjectedTotalWords" ma:index="107" nillable="true" ma:displayName="Projected Word Count" ma:default="" ma:internalName="UAProjectedTotalWords" ma:readOnly="false">
-      <xsd:simpleType>
-        <xsd:restriction base="dms:Unknown"/>
-      </xsd:simpleType>
-    </xsd:element>
-    <xsd:element name="Provider" ma:index="108" nillable="true" ma:displayName="Provider" ma:default="" ma:internalName="Provider" ma:readOnly="false">
-      <xsd:simpleType>
-        <xsd:restriction base="dms:Unknown"/>
-      </xsd:simpleType>
-    </xsd:element>
-    <xsd:element name="Providers" ma:index="109" nillable="true" ma:displayName="Providers" ma:default="" ma:internalName="Providers">
-      <xsd:simpleType>
-        <xsd:restriction base="dms:Unknown"/>
-      </xsd:simpleType>
-    </xsd:element>
-    <xsd:element name="PublishStatusLookup" ma:index="110" nillable="true" ma:displayName="Publish Status" ma:default="" ma:list="{9E343742-310B-4684-A24C-1D137CB4B230}" ma:internalName="PublishStatusLookup" ma:readOnly="false" ma:showField="PublishStatus" ma:web="4873beb7-5857-4685-be1f-d57550cc96cc">
-      <xsd:complexType>
-        <xsd:complexContent>
-          <xsd:extension base="dms:MultiChoiceLookup">
-            <xsd:sequence>
-              <xsd:element name="Value" type="dms:Lookup" maxOccurs="unbounded" minOccurs="0" nillable="true"/>
-            </xsd:sequence>
-          </xsd:extension>
-        </xsd:complexContent>
-      </xsd:complexType>
-    </xsd:element>
-    <xsd:element name="PublishTargets" ma:index="111" nillable="true" ma:displayName="Publish Target" ma:default="OfficeOnlineVNext" ma:internalName="PublishTargets" ma:readOnly="false">
-      <xsd:simpleType>
-        <xsd:restriction base="dms:Unknown"/>
-      </xsd:simpleType>
-    </xsd:element>
-    <xsd:element name="RecommendationsModifier" ma:index="112" nillable="true" ma:displayName="Recommendations Modifier" ma:default="" ma:internalName="RecommendationsModifier" ma:readOnly="false">
-      <xsd:simpleType>
-        <xsd:restriction base="dms:Number"/>
-      </xsd:simpleType>
-    </xsd:element>
-    <xsd:element name="ArtSampleDocs" ma:index="113" nillable="true" ma:displayName="Sample Docs" ma:default="" ma:hidden="true" ma:internalName="ArtSampleDocs" ma:readOnly="false">
-      <xsd:simpleType>
-        <xsd:restriction base="dms:Text"/>
-      </xsd:simpleType>
-    </xsd:element>
-    <xsd:element name="ScenarioTagsTaxHTField0" ma:index="115" nillable="true" ma:taxonomy="true" ma:internalName="ScenarioTagsTaxHTField0" ma:taxonomyFieldName="ScenarioTags" ma:displayName="Scenarios" ma:readOnly="false" ma:default="" ma:fieldId="{93aef74d-6c78-4815-8310-51477dceeccc}" ma:taxonomyMulti="true" ma:sspId="8f79753a-75d3-41f5-8ca3-40b843941b4f" ma:termSetId="4b7d5f16-e2f2-4fc0-bab3-6e8b931e57d6" ma:anchorId="00000000-0000-0000-0000-000000000000" ma:open="false" ma:isKeyword="false">
-      <xsd:complexType>
-        <xsd:sequence>
-          <xsd:element ref="pc:Terms" minOccurs="0" maxOccurs="1"/>
-        </xsd:sequence>
-      </xsd:complexType>
-    </xsd:element>
-    <xsd:element name="ShowIn" ma:index="117" nillable="true" ma:displayName="Show In" ma:default="Show everywhere" ma:internalName="ShowIn" ma:readOnly="false">
-      <xsd:simpleType>
-        <xsd:restriction base="dms:Choice">
-          <xsd:enumeration value="Hide on web"/>
-          <xsd:enumeration value="On Web no search"/>
-          <xsd:enumeration value="Show everywhere"/>
-          <xsd:enumeration value="Special use only"/>
-        </xsd:restriction>
-      </xsd:simpleType>
-    </xsd:element>
-    <xsd:element name="SourceTitle" ma:index="118" nillable="true" ma:displayName="Source Title" ma:default="" ma:indexed="true" ma:internalName="SourceTitle" ma:readOnly="false">
-      <xsd:simpleType>
-        <xsd:restriction base="dms:Text"/>
-      </xsd:simpleType>
-    </xsd:element>
-    <xsd:element name="CSXSubmissionDate" ma:index="119" nillable="true" ma:displayName="Submission Date" ma:default="" ma:internalName="CSXSubmissionDate" ma:readOnly="false">
-      <xsd:simpleType>
-        <xsd:restriction base="dms:DateTime"/>
-      </xsd:simpleType>
-    </xsd:element>
-    <xsd:element name="SubmitterId" ma:index="120" nillable="true" ma:displayName="Submitter ID" ma:default="" ma:internalName="SubmitterId" ma:readOnly="false">
-      <xsd:simpleType>
-        <xsd:restriction base="dms:Text"/>
-      </xsd:simpleType>
-    </xsd:element>
-    <xsd:element name="TaxCatchAll" ma:index="121" nillable="true" ma:displayName="Taxonomy Catch All Column" ma:hidden="true" ma:list="{530f955b-6704-4601-bd83-f81d87f1e440}" ma:internalName="TaxCatchAll" ma:showField="CatchAllData" ma:web="4873beb7-5857-4685-be1f-d57550cc96cc">
-      <xsd:complexType>
-        <xsd:complexContent>
-          <xsd:extension base="dms:MultiChoiceLookup">
-            <xsd:sequence>
-              <xsd:element name="Value" type="dms:Lookup" maxOccurs="unbounded" minOccurs="0" nillable="true"/>
-            </xsd:sequence>
-          </xsd:extension>
-        </xsd:complexContent>
-      </xsd:complexType>
-    </xsd:element>
-    <xsd:element name="TaxCatchAllLabel" ma:index="122" nillable="true" ma:displayName="Taxonomy Catch All Column1" ma:hidden="true" ma:list="{530f955b-6704-4601-bd83-f81d87f1e440}" ma:internalName="TaxCatchAllLabel" ma:readOnly="true" ma:showField="CatchAllDataLabel" ma:web="4873beb7-5857-4685-be1f-d57550cc96cc">
-      <xsd:complexType>
-        <xsd:complexContent>
-          <xsd:extension base="dms:MultiChoiceLookup">
-            <xsd:sequence>
-              <xsd:element name="Value" type="dms:Lookup" maxOccurs="unbounded" minOccurs="0" nillable="true"/>
-            </xsd:sequence>
-          </xsd:extension>
-        </xsd:complexContent>
-      </xsd:complexType>
-    </xsd:element>
-    <xsd:element name="TemplateStatus" ma:index="123" nillable="true" ma:displayName="Template Status" ma:default="" ma:internalName="TemplateStatus">
-      <xsd:simpleType>
-        <xsd:restriction base="dms:Unknown"/>
-      </xsd:simpleType>
-    </xsd:element>
-    <xsd:element name="TemplateTemplateType" ma:index="124" nillable="true" ma:displayName="Template Type" ma:default="" ma:internalName="TemplateTemplateType">
-      <xsd:simpleType>
-        <xsd:restriction base="dms:Unknown"/>
-      </xsd:simpleType>
-    </xsd:element>
-    <xsd:element name="ThumbnailAssetId" ma:index="125" nillable="true" ma:displayName="Thumbnail Image Asset" ma:default="" ma:internalName="ThumbnailAssetId" ma:readOnly="false">
-      <xsd:simpleType>
-        <xsd:restriction base="dms:Text"/>
-      </xsd:simpleType>
-    </xsd:element>
-    <xsd:element name="TimesCloned" ma:index="126" nillable="true" ma:displayName="Times Cloned" ma:default="" ma:internalName="TimesCloned" ma:readOnly="false">
-      <xsd:simpleType>
-        <xsd:restriction base="dms:Number"/>
-      </xsd:simpleType>
-    </xsd:element>
-    <xsd:element name="TrustLevel" ma:index="128" nillable="true" ma:displayName="Trust Level" ma:default="1 Microsoft Managed Content" ma:internalName="TrustLevel" ma:readOnly="false">
-      <xsd:simpleType>
-        <xsd:restriction base="dms:Unknown"/>
-      </xsd:simpleType>
-    </xsd:element>
-    <xsd:element name="UALocComments" ma:index="129" nillable="true" ma:displayName="UA Loc Comments" ma:default="" ma:internalName="UALocComments" ma:readOnly="false">
-      <xsd:simpleType>
-        <xsd:restriction base="dms:Note"/>
-      </xsd:simpleType>
-    </xsd:element>
-    <xsd:element name="UALocRecommendation" ma:index="130" nillable="true" ma:displayName="UA Loc Recommendation" ma:default="Localize" ma:internalName="UALocRecommendation" ma:readOnly="false">
-      <xsd:simpleType>
-        <xsd:restriction base="dms:Choice">
-          <xsd:enumeration value="Localize"/>
-          <xsd:enumeration value="Never Localize"/>
-          <xsd:enumeration value="Priority Localize"/>
-        </xsd:restriction>
-      </xsd:simpleType>
-    </xsd:element>
-    <xsd:element name="UANotes" ma:index="131" nillable="true" ma:displayName="UA Notes" ma:default="" ma:internalName="UANotes" ma:readOnly="false">
-      <xsd:simpleType>
-        <xsd:restriction base="dms:Note"/>
-      </xsd:simpleType>
-    </xsd:element>
-    <xsd:element name="TPAppVersion" ma:index="132" nillable="true" ma:displayName="Version" ma:default="" ma:internalName="TPAppVersion">
-      <xsd:simpleType>
-        <xsd:restriction base="dms:Text"/>
-      </xsd:simpleType>
-    </xsd:element>
-    <xsd:element name="VoteCount" ma:index="133" nillable="true" ma:displayName="Vote Count" ma:default="" ma:internalName="VoteCount" ma:readOnly="false">
-      <xsd:simpleType>
-        <xsd:restriction base="dms:Unknown"/>
-      </xsd:simpleType>
-    </xsd:element>
-  </xsd:schema>
-  <xsd:schema xmlns="http://schemas.openxmlformats.org/package/2006/metadata/core-properties" xmlns:xsd="http://www.w3.org/2001/XMLSchema" xmlns:xsi="http://www.w3.org/2001/XMLSchema-instance" xmlns:dc="http://purl.org/dc/elements/1.1/" xmlns:dcterms="http://purl.org/dc/terms/" xmlns:odoc="http://schemas.microsoft.com/internal/obd" targetNamespace="http://schemas.openxmlformats.org/package/2006/metadata/core-properties" elementFormDefault="qualified" attributeFormDefault="unqualified" blockDefault="#all">
-    <xsd:import namespace="http://purl.org/dc/elements/1.1/" schemaLocation="http://dublincore.org/schemas/xmls/qdc/2003/04/02/dc.xsd"/>
-    <xsd:import namespace="http://purl.org/dc/terms/" schemaLocation="http://dublincore.org/schemas/xmls/qdc/2003/04/02/dcterms.xsd"/>
-    <xsd:element name="coreProperties" type="CT_coreProperties"/>
-    <xsd:complexType name="CT_coreProperties">
-      <xsd:all>
-        <xsd:element ref="dc:creator" minOccurs="0" maxOccurs="1"/>
-        <xsd:element ref="dcterms:created" minOccurs="0" maxOccurs="1"/>
-        <xsd:element ref="dc:identifier" minOccurs="0" maxOccurs="1"/>
-        <xsd:element name="contentType" minOccurs="0" maxOccurs="1" type="xsd:string" ma:index="22" ma:displayName="Content Type"/>
-        <xsd:element ref="dc:title" minOccurs="0" maxOccurs="1" ma:index="127" ma:displayName="Title"/>
-        <xsd:element ref="dc:subject" minOccurs="0" maxOccurs="1"/>
-        <xsd:element ref="dc:description" minOccurs="0" maxOccurs="1"/>
-        <xsd:element name="keywords" minOccurs="0" maxOccurs="1" type="xsd:string"/>
-        <xsd:element ref="dc:language" minOccurs="0" maxOccurs="1"/>
-        <xsd:element name="category" minOccurs="0" maxOccurs="1" type="xsd:string"/>
-        <xsd:element name="version" minOccurs="0" maxOccurs="1" type="xsd:string"/>
-        <xsd:element name="revision" minOccurs="0" maxOccurs="1" type="xsd:string">
-          <xsd:annotation>
-            <xsd:documentation>
-                        This value indicates the number of saves or revisions. The application is responsible for updating this value after each revision.
-                    </xsd:documentation>
-          </xsd:annotation>
-        </xsd:element>
-        <xsd:element name="lastModifiedBy" minOccurs="0" maxOccurs="1" type="xsd:string"/>
-        <xsd:element ref="dcterms:modified" minOccurs="0" maxOccurs="1"/>
-        <xsd:element name="contentStatus" minOccurs="0" maxOccurs="1" type="xsd:string"/>
-      </xsd:all>
-    </xsd:complexType>
-  </xsd:schema>
-  <xs:schema xmlns:pc="http://schemas.microsoft.com/office/infopath/2007/PartnerControls" xmlns:xs="http://www.w3.org/2001/XMLSchema" targetNamespace="http://schemas.microsoft.com/office/infopath/2007/PartnerControls" elementFormDefault="qualified" attributeFormDefault="unqualified">
-    <xs:element name="Person">
-      <xs:complexType>
-        <xs:sequence>
-          <xs:element ref="pc:DisplayName" minOccurs="0"/>
-          <xs:element ref="pc:AccountId" minOccurs="0"/>
-          <xs:element ref="pc:AccountType" minOccurs="0"/>
-        </xs:sequence>
-      </xs:complexType>
-    </xs:element>
-    <xs:element name="DisplayName" type="xs:string"/>
-    <xs:element name="AccountId" type="xs:string"/>
-    <xs:element name="AccountType" type="xs:string"/>
-    <xs:element name="BDCAssociatedEntity">
-      <xs:complexType>
-        <xs:sequence>
-          <xs:element ref="pc:BDCEntity" minOccurs="0" maxOccurs="unbounded"/>
-        </xs:sequence>
-        <xs:attribute ref="pc:EntityNamespace"/>
-        <xs:attribute ref="pc:EntityName"/>
-        <xs:attribute ref="pc:SystemInstanceName"/>
-        <xs:attribute ref="pc:AssociationName"/>
-      </xs:complexType>
-    </xs:element>
-    <xs:attribute name="EntityNamespace" type="xs:string"/>
-    <xs:attribute name="EntityName" type="xs:string"/>
-    <xs:attribute name="SystemInstanceName" type="xs:string"/>
-    <xs:attribute name="AssociationName" type="xs:string"/>
-    <xs:element name="BDCEntity">
-      <xs:complexType>
-        <xs:sequence>
-          <xs:element ref="pc:EntityDisplayName" minOccurs="0"/>
-          <xs:element ref="pc:EntityInstanceReference" minOccurs="0"/>
-          <xs:element ref="pc:EntityId1" minOccurs="0"/>
-          <xs:element ref="pc:EntityId2" minOccurs="0"/>
-          <xs:element ref="pc:EntityId3" minOccurs="0"/>
-          <xs:element ref="pc:EntityId4" minOccurs="0"/>
-          <xs:element ref="pc:EntityId5" minOccurs="0"/>
-        </xs:sequence>
-      </xs:complexType>
-    </xs:element>
-    <xs:element name="EntityDisplayName" type="xs:string"/>
-    <xs:element name="EntityInstanceReference" type="xs:string"/>
-    <xs:element name="EntityId1" type="xs:string"/>
-    <xs:element name="EntityId2" type="xs:string"/>
-    <xs:element name="EntityId3" type="xs:string"/>
-    <xs:element name="EntityId4" type="xs:string"/>
-    <xs:element name="EntityId5" type="xs:string"/>
-    <xs:element name="Terms">
-      <xs:complexType>
-        <xs:sequence>
-          <xs:element ref="pc:TermInfo" minOccurs="0" maxOccurs="unbounded"/>
-        </xs:sequence>
-      </xs:complexType>
-    </xs:element>
-    <xs:element name="TermInfo">
-      <xs:complexType>
-        <xs:sequence>
-          <xs:element ref="pc:TermName" minOccurs="0"/>
-          <xs:element ref="pc:TermId" minOccurs="0"/>
-        </xs:sequence>
-      </xs:complexType>
-    </xs:element>
-    <xs:element name="TermName" type="xs:string"/>
-    <xs:element name="TermId" type="xs:string"/>
-  </xs:schema>
-</ct:contentTypeSchema>
+<?mso-contentType ?>
+<FormTemplates xmlns="http://schemas.microsoft.com/sharepoint/v3/contenttype/forms">
+  <Display>DocumentLibraryForm</Display>
+  <Edit>AssetEditForm</Edit>
+  <New>DocumentLibraryForm</New>
+</FormTemplates>
 </file>
 
 <file path=customXml/itemProps1.xml><?xml version="1.0" encoding="utf-8"?>
-<ds:datastoreItem xmlns:ds="http://schemas.openxmlformats.org/officeDocument/2006/customXml" ds:itemID="{3836F65B-1B07-41EE-A0E8-BC6EF3855225}">
+<ds:datastoreItem xmlns:ds="http://schemas.openxmlformats.org/officeDocument/2006/customXml" ds:itemID="{A09BF4D4-EF60-4196-BFC3-9462D607978C}">
   <ds:schemaRefs>
-    <ds:schemaRef ds:uri="http://schemas.microsoft.com/sharepoint/v3/contenttype/forms"/>
+    <ds:schemaRef ds:uri="http://schemas.microsoft.com/office/2006/metadata/contentType"/>
+    <ds:schemaRef ds:uri="http://schemas.microsoft.com/office/2006/metadata/properties/metaAttributes"/>
+    <ds:schemaRef ds:uri="http://www.w3.org/2001/XMLSchema"/>
+    <ds:schemaRef ds:uri="http://schemas.microsoft.com/office/2006/metadata/properties"/>
+    <ds:schemaRef ds:uri="4873beb7-5857-4685-be1f-d57550cc96cc"/>
+    <ds:schemaRef ds:uri="http://schemas.microsoft.com/office/2006/documentManagement/types"/>
+    <ds:schemaRef ds:uri="http://schemas.microsoft.com/office/infopath/2007/PartnerControls"/>
+    <ds:schemaRef ds:uri="http://schemas.openxmlformats.org/package/2006/metadata/core-properties"/>
+    <ds:schemaRef ds:uri="http://purl.org/dc/elements/1.1/"/>
+    <ds:schemaRef ds:uri="http://purl.org/dc/terms/"/>
+    <ds:schemaRef ds:uri="http://schemas.microsoft.com/internal/obd"/>
   </ds:schemaRefs>
 </ds:datastoreItem>
 </file>
@@ -8924,19 +9227,9 @@
 </file>
 
 <file path=customXml/itemProps3.xml><?xml version="1.0" encoding="utf-8"?>
-<ds:datastoreItem xmlns:ds="http://schemas.openxmlformats.org/officeDocument/2006/customXml" ds:itemID="{A09BF4D4-EF60-4196-BFC3-9462D607978C}">
+<ds:datastoreItem xmlns:ds="http://schemas.openxmlformats.org/officeDocument/2006/customXml" ds:itemID="{3836F65B-1B07-41EE-A0E8-BC6EF3855225}">
   <ds:schemaRefs>
-    <ds:schemaRef ds:uri="http://schemas.microsoft.com/office/2006/metadata/contentType"/>
-    <ds:schemaRef ds:uri="http://schemas.microsoft.com/office/2006/metadata/properties/metaAttributes"/>
-    <ds:schemaRef ds:uri="http://www.w3.org/2001/XMLSchema"/>
-    <ds:schemaRef ds:uri="http://schemas.microsoft.com/office/2006/metadata/properties"/>
-    <ds:schemaRef ds:uri="4873beb7-5857-4685-be1f-d57550cc96cc"/>
-    <ds:schemaRef ds:uri="http://schemas.microsoft.com/office/2006/documentManagement/types"/>
-    <ds:schemaRef ds:uri="http://schemas.microsoft.com/office/infopath/2007/PartnerControls"/>
-    <ds:schemaRef ds:uri="http://schemas.openxmlformats.org/package/2006/metadata/core-properties"/>
-    <ds:schemaRef ds:uri="http://purl.org/dc/elements/1.1/"/>
-    <ds:schemaRef ds:uri="http://purl.org/dc/terms/"/>
-    <ds:schemaRef ds:uri="http://schemas.microsoft.com/internal/obd"/>
+    <ds:schemaRef ds:uri="http://schemas.microsoft.com/sharepoint/v3/contenttype/forms"/>
   </ds:schemaRefs>
 </ds:datastoreItem>
 </file>
--- a/neo4j/neo4j_fundamentals/Neo4j_Fundamentals.pptx
+++ b/neo4j/neo4j_fundamentals/Neo4j_Fundamentals.pptx
@@ -5,10 +5,10 @@
     <p:sldMasterId id="2147483660" r:id="rId4"/>
   </p:sldMasterIdLst>
   <p:notesMasterIdLst>
-    <p:notesMasterId r:id="rId12"/>
+    <p:notesMasterId r:id="rId13"/>
   </p:notesMasterIdLst>
   <p:handoutMasterIdLst>
-    <p:handoutMasterId r:id="rId13"/>
+    <p:handoutMasterId r:id="rId14"/>
   </p:handoutMasterIdLst>
   <p:sldIdLst>
     <p:sldId id="257" r:id="rId5"/>
@@ -18,6 +18,7 @@
     <p:sldId id="271" r:id="rId9"/>
     <p:sldId id="272" r:id="rId10"/>
     <p:sldId id="273" r:id="rId11"/>
+    <p:sldId id="274" r:id="rId12"/>
   </p:sldIdLst>
   <p:sldSz cx="12188825" cy="6858000"/>
   <p:notesSz cx="6858000" cy="9144000"/>
@@ -117,6 +118,32 @@
     </a:lvl9pPr>
   </p:defaultTextStyle>
   <p:extLst>
+    <p:ext uri="{521415D9-36F7-43E2-AB2F-B90AF26B5E84}">
+      <p14:sectionLst xmlns:p14="http://schemas.microsoft.com/office/powerpoint/2010/main">
+        <p14:section name="Default Section" id="{74B64F96-3A70-48EF-BE71-A71B452493F5}">
+          <p14:sldIdLst>
+            <p14:sldId id="257"/>
+            <p14:sldId id="268"/>
+          </p14:sldIdLst>
+        </p14:section>
+        <p14:section name="1. Graph Thinking" id="{CD39ED92-B5D8-4E2A-839F-C7B7380E0B55}">
+          <p14:sldIdLst>
+            <p14:sldId id="269"/>
+            <p14:sldId id="270"/>
+            <p14:sldId id="271"/>
+            <p14:sldId id="272"/>
+            <p14:sldId id="273"/>
+            <p14:sldId id="274"/>
+          </p14:sldIdLst>
+        </p14:section>
+        <p14:section name="2. Querying Graphs" id="{7090E834-29E3-4D73-AA3C-F9A5969AC063}">
+          <p14:sldIdLst/>
+        </p14:section>
+        <p14:section name="3. Exploring Neo4j" id="{D9C33D52-22CB-4712-90BA-A8CC4F64AA92}">
+          <p14:sldIdLst/>
+        </p14:section>
+      </p14:sectionLst>
+    </p:ext>
     <p:ext uri="{EFAFB233-063F-42B5-8137-9DF3F51BA10A}">
       <p15:sldGuideLst xmlns:p15="http://schemas.microsoft.com/office/powerpoint/2012/main">
         <p15:guide id="1" orient="horz" pos="2160">
@@ -6971,7 +6998,9 @@
           <p:nvPr/>
         </p:nvPicPr>
         <p:blipFill>
-          <a:blip r:embed="rId3"/>
+          <a:blip r:embed="rId3">
+            <a:alphaModFix amt="70000"/>
+          </a:blip>
           <a:stretch>
             <a:fillRect/>
           </a:stretch>
@@ -7036,6 +7065,307 @@
     <p:extLst>
       <p:ext uri="{BB962C8B-B14F-4D97-AF65-F5344CB8AC3E}">
         <p14:creationId xmlns:p14="http://schemas.microsoft.com/office/powerpoint/2010/main" val="1074733758"/>
+      </p:ext>
+    </p:extLst>
+  </p:cSld>
+  <p:clrMapOvr>
+    <a:masterClrMapping/>
+  </p:clrMapOvr>
+  <mc:AlternateContent xmlns:mc="http://schemas.openxmlformats.org/markup-compatibility/2006" xmlns:p14="http://schemas.microsoft.com/office/powerpoint/2010/main">
+    <mc:Choice Requires="p14">
+      <p:transition spd="med" p14:dur="700">
+        <p:fade/>
+      </p:transition>
+    </mc:Choice>
+    <mc:Fallback xmlns="">
+      <p:transition spd="med">
+        <p:fade/>
+      </p:transition>
+    </mc:Fallback>
+  </mc:AlternateContent>
+</p:sld>
+</file>
+
+<file path=ppt/slides/slide8.xml><?xml version="1.0" encoding="utf-8"?>
+<p:sld xmlns:a="http://schemas.openxmlformats.org/drawingml/2006/main" xmlns:r="http://schemas.openxmlformats.org/officeDocument/2006/relationships" xmlns:p="http://schemas.openxmlformats.org/presentationml/2006/main">
+  <p:cSld>
+    <p:spTree>
+      <p:nvGrpSpPr>
+        <p:cNvPr id="1" name="">
+          <a:extLst>
+            <a:ext uri="{FF2B5EF4-FFF2-40B4-BE49-F238E27FC236}">
+              <a16:creationId xmlns:a16="http://schemas.microsoft.com/office/drawing/2014/main" id="{42482F3E-9C15-5E5C-9C3C-3527DB5A9776}"/>
+            </a:ext>
+          </a:extLst>
+        </p:cNvPr>
+        <p:cNvGrpSpPr/>
+        <p:nvPr/>
+      </p:nvGrpSpPr>
+      <p:grpSpPr>
+        <a:xfrm>
+          <a:off x="0" y="0"/>
+          <a:ext cx="0" cy="0"/>
+          <a:chOff x="0" y="0"/>
+          <a:chExt cx="0" cy="0"/>
+        </a:xfrm>
+      </p:grpSpPr>
+      <p:sp>
+        <p:nvSpPr>
+          <p:cNvPr id="13" name="Title 12">
+            <a:extLst>
+              <a:ext uri="{FF2B5EF4-FFF2-40B4-BE49-F238E27FC236}">
+                <a16:creationId xmlns:a16="http://schemas.microsoft.com/office/drawing/2014/main" id="{0437E935-3772-3483-2BD0-AA0DB2F3CF26}"/>
+              </a:ext>
+            </a:extLst>
+          </p:cNvPr>
+          <p:cNvSpPr>
+            <a:spLocks noGrp="1"/>
+          </p:cNvSpPr>
+          <p:nvPr>
+            <p:ph type="title"/>
+          </p:nvPr>
+        </p:nvSpPr>
+        <p:spPr>
+          <a:xfrm>
+            <a:off x="3848449" y="789138"/>
+            <a:ext cx="6553200" cy="1343212"/>
+          </a:xfrm>
+        </p:spPr>
+        <p:txBody>
+          <a:bodyPr anchor="ctr">
+            <a:normAutofit/>
+          </a:bodyPr>
+          <a:lstStyle/>
+          <a:p>
+            <a:r>
+              <a:rPr lang="en-US" dirty="0"/>
+              <a:t>1. Graph Thinking</a:t>
+            </a:r>
+            <a:br>
+              <a:rPr lang="en-US" dirty="0"/>
+            </a:br>
+            <a:r>
+              <a:rPr lang="en-US" dirty="0"/>
+              <a:t>1.3 Graphs are Everywhere</a:t>
+            </a:r>
+          </a:p>
+        </p:txBody>
+      </p:sp>
+      <p:sp>
+        <p:nvSpPr>
+          <p:cNvPr id="2" name="Title 1">
+            <a:extLst>
+              <a:ext uri="{FF2B5EF4-FFF2-40B4-BE49-F238E27FC236}">
+                <a16:creationId xmlns:a16="http://schemas.microsoft.com/office/drawing/2014/main" id="{26944F47-6FBC-EE62-8A06-851F9EE727A2}"/>
+              </a:ext>
+            </a:extLst>
+          </p:cNvPr>
+          <p:cNvSpPr txBox="1">
+            <a:spLocks/>
+          </p:cNvSpPr>
+          <p:nvPr/>
+        </p:nvSpPr>
+        <p:spPr>
+          <a:xfrm>
+            <a:off x="836612" y="28876"/>
+            <a:ext cx="6145636" cy="863600"/>
+          </a:xfrm>
+          <a:prstGeom prst="rect">
+            <a:avLst/>
+          </a:prstGeom>
+        </p:spPr>
+        <p:txBody>
+          <a:bodyPr vert="horz" lIns="121899" tIns="60949" rIns="121899" bIns="60949" rtlCol="0" anchor="ctr">
+            <a:normAutofit/>
+          </a:bodyPr>
+          <a:lstStyle>
+            <a:lvl1pPr algn="l" defTabSz="1218987" rtl="0" eaLnBrk="1" latinLnBrk="0" hangingPunct="1">
+              <a:lnSpc>
+                <a:spcPct val="90000"/>
+              </a:lnSpc>
+              <a:spcBef>
+                <a:spcPct val="0"/>
+              </a:spcBef>
+              <a:buNone/>
+              <a:defRPr sz="3600" kern="1200">
+                <a:solidFill>
+                  <a:schemeClr val="tx1"/>
+                </a:solidFill>
+                <a:latin typeface="+mj-lt"/>
+                <a:ea typeface="+mj-ea"/>
+                <a:cs typeface="+mj-cs"/>
+              </a:defRPr>
+            </a:lvl1pPr>
+          </a:lstStyle>
+          <a:p>
+            <a:r>
+              <a:rPr lang="en-US" sz="5400" dirty="0"/>
+              <a:t>Neo4j Fundamentals</a:t>
+            </a:r>
+          </a:p>
+        </p:txBody>
+      </p:sp>
+      <p:sp>
+        <p:nvSpPr>
+          <p:cNvPr id="5" name="TextBox 4">
+            <a:extLst>
+              <a:ext uri="{FF2B5EF4-FFF2-40B4-BE49-F238E27FC236}">
+                <a16:creationId xmlns:a16="http://schemas.microsoft.com/office/drawing/2014/main" id="{97493D96-F76C-AAB2-C9C1-302A768C5FD7}"/>
+              </a:ext>
+            </a:extLst>
+          </p:cNvPr>
+          <p:cNvSpPr txBox="1"/>
+          <p:nvPr/>
+        </p:nvSpPr>
+        <p:spPr>
+          <a:xfrm>
+            <a:off x="2299246" y="685800"/>
+            <a:ext cx="1329210" cy="1446550"/>
+          </a:xfrm>
+          <a:prstGeom prst="rect">
+            <a:avLst/>
+          </a:prstGeom>
+          <a:noFill/>
+        </p:spPr>
+        <p:txBody>
+          <a:bodyPr wrap="none" rtlCol="0" anchor="ctr">
+            <a:spAutoFit/>
+          </a:bodyPr>
+          <a:lstStyle/>
+          <a:p>
+            <a:pPr algn="ctr"/>
+            <a:r>
+              <a:rPr lang="en-US" sz="8800" b="1" dirty="0"/>
+              <a:t>07</a:t>
+            </a:r>
+          </a:p>
+        </p:txBody>
+      </p:sp>
+      <p:pic>
+        <p:nvPicPr>
+          <p:cNvPr id="6" name="Picture 5">
+            <a:extLst>
+              <a:ext uri="{FF2B5EF4-FFF2-40B4-BE49-F238E27FC236}">
+                <a16:creationId xmlns:a16="http://schemas.microsoft.com/office/drawing/2014/main" id="{84AF75A8-E631-8D6A-DBAD-5359E5A5DBB8}"/>
+              </a:ext>
+            </a:extLst>
+          </p:cNvPr>
+          <p:cNvPicPr>
+            <a:picLocks noChangeAspect="1"/>
+          </p:cNvPicPr>
+          <p:nvPr/>
+        </p:nvPicPr>
+        <p:blipFill>
+          <a:blip r:embed="rId2"/>
+          <a:stretch>
+            <a:fillRect/>
+          </a:stretch>
+        </p:blipFill>
+        <p:spPr>
+          <a:xfrm>
+            <a:off x="0" y="789138"/>
+            <a:ext cx="2385815" cy="1239873"/>
+          </a:xfrm>
+          <a:prstGeom prst="rect">
+            <a:avLst/>
+          </a:prstGeom>
+          <a:ln>
+            <a:noFill/>
+          </a:ln>
+          <a:effectLst>
+            <a:softEdge rad="112500"/>
+          </a:effectLst>
+        </p:spPr>
+      </p:pic>
+      <p:pic>
+        <p:nvPicPr>
+          <p:cNvPr id="4" name="Picture 3">
+            <a:extLst>
+              <a:ext uri="{FF2B5EF4-FFF2-40B4-BE49-F238E27FC236}">
+                <a16:creationId xmlns:a16="http://schemas.microsoft.com/office/drawing/2014/main" id="{F10ABD5F-6A1F-60B2-2010-1E61B422080E}"/>
+              </a:ext>
+            </a:extLst>
+          </p:cNvPr>
+          <p:cNvPicPr>
+            <a:picLocks noChangeAspect="1"/>
+          </p:cNvPicPr>
+          <p:nvPr/>
+        </p:nvPicPr>
+        <p:blipFill>
+          <a:blip r:embed="rId3">
+            <a:alphaModFix amt="70000"/>
+          </a:blip>
+          <a:stretch>
+            <a:fillRect/>
+          </a:stretch>
+        </p:blipFill>
+        <p:spPr>
+          <a:xfrm>
+            <a:off x="531812" y="2055984"/>
+            <a:ext cx="10742612" cy="4585041"/>
+          </a:xfrm>
+          <a:prstGeom prst="rect">
+            <a:avLst/>
+          </a:prstGeom>
+          <a:ln>
+            <a:noFill/>
+          </a:ln>
+          <a:effectLst>
+            <a:outerShdw blurRad="292100" dist="139700" dir="2700000" algn="tl" rotWithShape="0">
+              <a:srgbClr val="333333">
+                <a:alpha val="65000"/>
+              </a:srgbClr>
+            </a:outerShdw>
+          </a:effectLst>
+        </p:spPr>
+      </p:pic>
+      <p:pic>
+        <p:nvPicPr>
+          <p:cNvPr id="10" name="Picture 9">
+            <a:extLst>
+              <a:ext uri="{FF2B5EF4-FFF2-40B4-BE49-F238E27FC236}">
+                <a16:creationId xmlns:a16="http://schemas.microsoft.com/office/drawing/2014/main" id="{2A6DB50D-74F7-B96C-BCEB-D4E56A33FDFB}"/>
+              </a:ext>
+            </a:extLst>
+          </p:cNvPr>
+          <p:cNvPicPr>
+            <a:picLocks noChangeAspect="1"/>
+          </p:cNvPicPr>
+          <p:nvPr/>
+        </p:nvPicPr>
+        <p:blipFill>
+          <a:blip r:embed="rId4"/>
+          <a:stretch>
+            <a:fillRect/>
+          </a:stretch>
+        </p:blipFill>
+        <p:spPr>
+          <a:xfrm>
+            <a:off x="5484812" y="4419600"/>
+            <a:ext cx="2432736" cy="2286000"/>
+          </a:xfrm>
+          <a:prstGeom prst="roundRect">
+            <a:avLst>
+              <a:gd name="adj" fmla="val 4700"/>
+            </a:avLst>
+          </a:prstGeom>
+          <a:solidFill>
+            <a:srgbClr val="FFFFFF">
+              <a:shade val="85000"/>
+            </a:srgbClr>
+          </a:solidFill>
+          <a:ln>
+            <a:noFill/>
+          </a:ln>
+          <a:effectLst>
+            <a:reflection blurRad="12700" stA="38000" endPos="28000" dist="5000" dir="5400000" sy="-100000" algn="bl" rotWithShape="0"/>
+          </a:effectLst>
+        </p:spPr>
+      </p:pic>
+    </p:spTree>
+    <p:extLst>
+      <p:ext uri="{BB962C8B-B14F-4D97-AF65-F5344CB8AC3E}">
+        <p14:creationId xmlns:p14="http://schemas.microsoft.com/office/powerpoint/2010/main" val="3671698841"/>
       </p:ext>
     </p:extLst>
   </p:cSld>
